--- a/examples/attenuatorInWOT.pptx
+++ b/examples/attenuatorInWOT.pptx
@@ -5,12 +5,12 @@
     <p:sldMasterId id="2147483648" r:id="rId1"/>
   </p:sldMasterIdLst>
   <p:sldIdLst>
-    <p:sldId id="256" r:id="rId2"/>
-    <p:sldId id="284" r:id="rId3"/>
-    <p:sldId id="285" r:id="rId4"/>
-    <p:sldId id="286" r:id="rId5"/>
-    <p:sldId id="287" r:id="rId6"/>
-    <p:sldId id="288" r:id="rId7"/>
+    <p:sldId id="284" r:id="rId2"/>
+    <p:sldId id="285" r:id="rId3"/>
+    <p:sldId id="286" r:id="rId4"/>
+    <p:sldId id="287" r:id="rId5"/>
+    <p:sldId id="288" r:id="rId6"/>
+    <p:sldId id="289" r:id="rId7"/>
   </p:sldIdLst>
   <p:sldSz cx="12192000" cy="6858000"/>
   <p:notesSz cx="6858000" cy="9144000"/>
@@ -264,7 +264,7 @@
           <a:p>
             <a:fld id="{D092EC4C-57CC-4761-ABF1-95EBC3C1FA39}" type="datetimeFigureOut">
               <a:rPr lang="en-US" smtClean="0"/>
-              <a:t>12/23/2024</a:t>
+              <a:t>1/2/2025</a:t>
             </a:fld>
             <a:endParaRPr lang="en-US"/>
           </a:p>
@@ -462,7 +462,7 @@
           <a:p>
             <a:fld id="{D092EC4C-57CC-4761-ABF1-95EBC3C1FA39}" type="datetimeFigureOut">
               <a:rPr lang="en-US" smtClean="0"/>
-              <a:t>12/23/2024</a:t>
+              <a:t>1/2/2025</a:t>
             </a:fld>
             <a:endParaRPr lang="en-US"/>
           </a:p>
@@ -670,7 +670,7 @@
           <a:p>
             <a:fld id="{D092EC4C-57CC-4761-ABF1-95EBC3C1FA39}" type="datetimeFigureOut">
               <a:rPr lang="en-US" smtClean="0"/>
-              <a:t>12/23/2024</a:t>
+              <a:t>1/2/2025</a:t>
             </a:fld>
             <a:endParaRPr lang="en-US"/>
           </a:p>
@@ -868,7 +868,7 @@
           <a:p>
             <a:fld id="{D092EC4C-57CC-4761-ABF1-95EBC3C1FA39}" type="datetimeFigureOut">
               <a:rPr lang="en-US" smtClean="0"/>
-              <a:t>12/23/2024</a:t>
+              <a:t>1/2/2025</a:t>
             </a:fld>
             <a:endParaRPr lang="en-US"/>
           </a:p>
@@ -1143,7 +1143,7 @@
           <a:p>
             <a:fld id="{D092EC4C-57CC-4761-ABF1-95EBC3C1FA39}" type="datetimeFigureOut">
               <a:rPr lang="en-US" smtClean="0"/>
-              <a:t>12/23/2024</a:t>
+              <a:t>1/2/2025</a:t>
             </a:fld>
             <a:endParaRPr lang="en-US"/>
           </a:p>
@@ -1408,7 +1408,7 @@
           <a:p>
             <a:fld id="{D092EC4C-57CC-4761-ABF1-95EBC3C1FA39}" type="datetimeFigureOut">
               <a:rPr lang="en-US" smtClean="0"/>
-              <a:t>12/23/2024</a:t>
+              <a:t>1/2/2025</a:t>
             </a:fld>
             <a:endParaRPr lang="en-US"/>
           </a:p>
@@ -1820,7 +1820,7 @@
           <a:p>
             <a:fld id="{D092EC4C-57CC-4761-ABF1-95EBC3C1FA39}" type="datetimeFigureOut">
               <a:rPr lang="en-US" smtClean="0"/>
-              <a:t>12/23/2024</a:t>
+              <a:t>1/2/2025</a:t>
             </a:fld>
             <a:endParaRPr lang="en-US"/>
           </a:p>
@@ -1961,7 +1961,7 @@
           <a:p>
             <a:fld id="{D092EC4C-57CC-4761-ABF1-95EBC3C1FA39}" type="datetimeFigureOut">
               <a:rPr lang="en-US" smtClean="0"/>
-              <a:t>12/23/2024</a:t>
+              <a:t>1/2/2025</a:t>
             </a:fld>
             <a:endParaRPr lang="en-US"/>
           </a:p>
@@ -2074,7 +2074,7 @@
           <a:p>
             <a:fld id="{D092EC4C-57CC-4761-ABF1-95EBC3C1FA39}" type="datetimeFigureOut">
               <a:rPr lang="en-US" smtClean="0"/>
-              <a:t>12/23/2024</a:t>
+              <a:t>1/2/2025</a:t>
             </a:fld>
             <a:endParaRPr lang="en-US"/>
           </a:p>
@@ -2385,7 +2385,7 @@
           <a:p>
             <a:fld id="{D092EC4C-57CC-4761-ABF1-95EBC3C1FA39}" type="datetimeFigureOut">
               <a:rPr lang="en-US" smtClean="0"/>
-              <a:t>12/23/2024</a:t>
+              <a:t>1/2/2025</a:t>
             </a:fld>
             <a:endParaRPr lang="en-US"/>
           </a:p>
@@ -2673,7 +2673,7 @@
           <a:p>
             <a:fld id="{D092EC4C-57CC-4761-ABF1-95EBC3C1FA39}" type="datetimeFigureOut">
               <a:rPr lang="en-US" smtClean="0"/>
-              <a:t>12/23/2024</a:t>
+              <a:t>1/2/2025</a:t>
             </a:fld>
             <a:endParaRPr lang="en-US"/>
           </a:p>
@@ -2914,7 +2914,7 @@
           <a:p>
             <a:fld id="{D092EC4C-57CC-4761-ABF1-95EBC3C1FA39}" type="datetimeFigureOut">
               <a:rPr lang="en-US" smtClean="0"/>
-              <a:t>12/23/2024</a:t>
+              <a:t>1/2/2025</a:t>
             </a:fld>
             <a:endParaRPr lang="en-US"/>
           </a:p>
@@ -3333,86 +3333,6 @@
       </p:grpSpPr>
       <p:sp>
         <p:nvSpPr>
-          <p:cNvPr id="2" name="Title 1">
-            <a:extLst>
-              <a:ext uri="{FF2B5EF4-FFF2-40B4-BE49-F238E27FC236}">
-                <a16:creationId xmlns:a16="http://schemas.microsoft.com/office/drawing/2014/main" id="{87AB8419-96ED-9B44-24F3-DB20C4106FB5}"/>
-              </a:ext>
-            </a:extLst>
-          </p:cNvPr>
-          <p:cNvSpPr>
-            <a:spLocks noGrp="1"/>
-          </p:cNvSpPr>
-          <p:nvPr>
-            <p:ph type="ctrTitle"/>
-          </p:nvPr>
-        </p:nvSpPr>
-        <p:spPr/>
-        <p:txBody>
-          <a:bodyPr/>
-          <a:lstStyle/>
-          <a:p>
-            <a:endParaRPr lang="en-US"/>
-          </a:p>
-        </p:txBody>
-      </p:sp>
-      <p:sp>
-        <p:nvSpPr>
-          <p:cNvPr id="3" name="Subtitle 2">
-            <a:extLst>
-              <a:ext uri="{FF2B5EF4-FFF2-40B4-BE49-F238E27FC236}">
-                <a16:creationId xmlns:a16="http://schemas.microsoft.com/office/drawing/2014/main" id="{75D17F16-8DF9-B549-4613-C6B8FC5B4F49}"/>
-              </a:ext>
-            </a:extLst>
-          </p:cNvPr>
-          <p:cNvSpPr>
-            <a:spLocks noGrp="1"/>
-          </p:cNvSpPr>
-          <p:nvPr>
-            <p:ph type="subTitle" idx="1"/>
-          </p:nvPr>
-        </p:nvSpPr>
-        <p:spPr/>
-        <p:txBody>
-          <a:bodyPr/>
-          <a:lstStyle/>
-          <a:p>
-            <a:endParaRPr lang="en-US"/>
-          </a:p>
-        </p:txBody>
-      </p:sp>
-    </p:spTree>
-    <p:extLst>
-      <p:ext uri="{BB962C8B-B14F-4D97-AF65-F5344CB8AC3E}">
-        <p14:creationId xmlns:p14="http://schemas.microsoft.com/office/powerpoint/2010/main" val="4033585908"/>
-      </p:ext>
-    </p:extLst>
-  </p:cSld>
-  <p:clrMapOvr>
-    <a:masterClrMapping/>
-  </p:clrMapOvr>
-</p:sld>
-</file>
-
-<file path=ppt/slides/slide2.xml><?xml version="1.0" encoding="utf-8"?>
-<p:sld xmlns:a="http://schemas.openxmlformats.org/drawingml/2006/main" xmlns:r="http://schemas.openxmlformats.org/officeDocument/2006/relationships" xmlns:p="http://schemas.openxmlformats.org/presentationml/2006/main">
-  <p:cSld>
-    <p:spTree>
-      <p:nvGrpSpPr>
-        <p:cNvPr id="1" name=""/>
-        <p:cNvGrpSpPr/>
-        <p:nvPr/>
-      </p:nvGrpSpPr>
-      <p:grpSpPr>
-        <a:xfrm>
-          <a:off x="0" y="0"/>
-          <a:ext cx="0" cy="0"/>
-          <a:chOff x="0" y="0"/>
-          <a:chExt cx="0" cy="0"/>
-        </a:xfrm>
-      </p:grpSpPr>
-      <p:sp>
-        <p:nvSpPr>
           <p:cNvPr id="4" name="Rectangle 3">
             <a:extLst>
               <a:ext uri="{FF2B5EF4-FFF2-40B4-BE49-F238E27FC236}">
@@ -6983,6 +6903,129 @@
 </p:sld>
 </file>
 
+<file path=ppt/slides/slide2.xml><?xml version="1.0" encoding="utf-8"?>
+<p:sld xmlns:a="http://schemas.openxmlformats.org/drawingml/2006/main" xmlns:r="http://schemas.openxmlformats.org/officeDocument/2006/relationships" xmlns:p="http://schemas.openxmlformats.org/presentationml/2006/main">
+  <p:cSld>
+    <p:spTree>
+      <p:nvGrpSpPr>
+        <p:cNvPr id="1" name=""/>
+        <p:cNvGrpSpPr/>
+        <p:nvPr/>
+      </p:nvGrpSpPr>
+      <p:grpSpPr>
+        <a:xfrm>
+          <a:off x="0" y="0"/>
+          <a:ext cx="0" cy="0"/>
+          <a:chOff x="0" y="0"/>
+          <a:chExt cx="0" cy="0"/>
+        </a:xfrm>
+      </p:grpSpPr>
+      <p:sp>
+        <p:nvSpPr>
+          <p:cNvPr id="2" name="Title 1">
+            <a:extLst>
+              <a:ext uri="{FF2B5EF4-FFF2-40B4-BE49-F238E27FC236}">
+                <a16:creationId xmlns:a16="http://schemas.microsoft.com/office/drawing/2014/main" id="{2F0298EF-919A-1D84-80D2-7277D85E7698}"/>
+              </a:ext>
+            </a:extLst>
+          </p:cNvPr>
+          <p:cNvSpPr>
+            <a:spLocks noGrp="1"/>
+          </p:cNvSpPr>
+          <p:nvPr>
+            <p:ph type="title"/>
+          </p:nvPr>
+        </p:nvSpPr>
+        <p:spPr/>
+        <p:txBody>
+          <a:bodyPr/>
+          <a:lstStyle/>
+          <a:p>
+            <a:r>
+              <a:rPr lang="en-US" dirty="0"/>
+              <a:t>Including heave?</a:t>
+            </a:r>
+          </a:p>
+        </p:txBody>
+      </p:sp>
+      <p:sp>
+        <p:nvSpPr>
+          <p:cNvPr id="3" name="Content Placeholder 2">
+            <a:extLst>
+              <a:ext uri="{FF2B5EF4-FFF2-40B4-BE49-F238E27FC236}">
+                <a16:creationId xmlns:a16="http://schemas.microsoft.com/office/drawing/2014/main" id="{F5EE5CD2-03A2-FBB2-C7A8-44A85C9E0067}"/>
+              </a:ext>
+            </a:extLst>
+          </p:cNvPr>
+          <p:cNvSpPr>
+            <a:spLocks noGrp="1"/>
+          </p:cNvSpPr>
+          <p:nvPr>
+            <p:ph idx="1"/>
+          </p:nvPr>
+        </p:nvSpPr>
+        <p:spPr>
+          <a:xfrm>
+            <a:off x="838200" y="1825624"/>
+            <a:ext cx="10515600" cy="4788239"/>
+          </a:xfrm>
+        </p:spPr>
+        <p:txBody>
+          <a:bodyPr>
+            <a:normAutofit/>
+          </a:bodyPr>
+          <a:lstStyle/>
+          <a:p>
+            <a:pPr marL="0" indent="0">
+              <a:buNone/>
+            </a:pPr>
+            <a:r>
+              <a:rPr lang="en-US" dirty="0"/>
+              <a:t>The whole point of including heave would be to have accurate hydrodynamics, but I think the hydrodynamics would still be inaccurate because the pitch hydrodynamics are solved about a stationary point, but the PTO point is translating in reality</a:t>
+            </a:r>
+          </a:p>
+          <a:p>
+            <a:r>
+              <a:rPr lang="en-US" dirty="0"/>
+              <a:t>Even if we include heave, the pitch hydrostatics are still based on a stationary PTO so are inaccurate.</a:t>
+            </a:r>
+          </a:p>
+          <a:p>
+            <a:pPr marL="0" indent="0">
+              <a:buNone/>
+            </a:pPr>
+            <a:r>
+              <a:rPr lang="en-US" dirty="0"/>
+              <a:t>How would WEC-Sim handle this problem?</a:t>
+            </a:r>
+          </a:p>
+          <a:p>
+            <a:r>
+              <a:rPr lang="en-US" dirty="0"/>
+              <a:t>Computes BEM about the center of gravity, then uses parallel axis theorem to translate forces to the point of rotation</a:t>
+            </a:r>
+          </a:p>
+          <a:p>
+            <a:r>
+              <a:rPr lang="en-US" dirty="0"/>
+              <a:t>Think about how to do this in WecOptTool</a:t>
+            </a:r>
+          </a:p>
+        </p:txBody>
+      </p:sp>
+    </p:spTree>
+    <p:extLst>
+      <p:ext uri="{BB962C8B-B14F-4D97-AF65-F5344CB8AC3E}">
+        <p14:creationId xmlns:p14="http://schemas.microsoft.com/office/powerpoint/2010/main" val="1051560904"/>
+      </p:ext>
+    </p:extLst>
+  </p:cSld>
+  <p:clrMapOvr>
+    <a:masterClrMapping/>
+  </p:clrMapOvr>
+</p:sld>
+</file>
+
 <file path=ppt/slides/slide3.xml><?xml version="1.0" encoding="utf-8"?>
 <p:sld xmlns:a="http://schemas.openxmlformats.org/drawingml/2006/main" xmlns:r="http://schemas.openxmlformats.org/officeDocument/2006/relationships" xmlns:p="http://schemas.openxmlformats.org/presentationml/2006/main">
   <p:cSld>
@@ -7005,7 +7048,7 @@
           <p:cNvPr id="2" name="Title 1">
             <a:extLst>
               <a:ext uri="{FF2B5EF4-FFF2-40B4-BE49-F238E27FC236}">
-                <a16:creationId xmlns:a16="http://schemas.microsoft.com/office/drawing/2014/main" id="{2F0298EF-919A-1D84-80D2-7277D85E7698}"/>
+                <a16:creationId xmlns:a16="http://schemas.microsoft.com/office/drawing/2014/main" id="{AE8B36A1-F77C-F758-EB9D-D00CB832E1DF}"/>
               </a:ext>
             </a:extLst>
           </p:cNvPr>
@@ -7023,7 +7066,7 @@
           <a:p>
             <a:r>
               <a:rPr lang="en-US" dirty="0"/>
-              <a:t>Including heave?</a:t>
+              <a:t>Hydrostatics</a:t>
             </a:r>
           </a:p>
         </p:txBody>
@@ -7033,7 +7076,7 @@
           <p:cNvPr id="3" name="Content Placeholder 2">
             <a:extLst>
               <a:ext uri="{FF2B5EF4-FFF2-40B4-BE49-F238E27FC236}">
-                <a16:creationId xmlns:a16="http://schemas.microsoft.com/office/drawing/2014/main" id="{F5EE5CD2-03A2-FBB2-C7A8-44A85C9E0067}"/>
+                <a16:creationId xmlns:a16="http://schemas.microsoft.com/office/drawing/2014/main" id="{7ECA4C7C-61B4-1FBB-7C3E-6234C017D7B0}"/>
               </a:ext>
             </a:extLst>
           </p:cNvPr>
@@ -7044,16 +7087,9 @@
             <p:ph idx="1"/>
           </p:nvPr>
         </p:nvSpPr>
-        <p:spPr>
-          <a:xfrm>
-            <a:off x="838200" y="1825624"/>
-            <a:ext cx="10515600" cy="4788239"/>
-          </a:xfrm>
-        </p:spPr>
+        <p:spPr/>
         <p:txBody>
-          <a:bodyPr>
-            <a:normAutofit/>
-          </a:bodyPr>
+          <a:bodyPr/>
           <a:lstStyle/>
           <a:p>
             <a:pPr marL="0" indent="0">
@@ -7061,34 +7097,49 @@
             </a:pPr>
             <a:r>
               <a:rPr lang="en-US" dirty="0"/>
-              <a:t>The whole point of including heave would be to have accurate hydrodynamics, but I think the hydrodynamics would still be inaccurate because the pitch hydrodynamics are solved about a stationary point, but the PTO point is translating in reality</a:t>
+              <a:t>Do the hydrostatics take into account body position or just wave elevation?</a:t>
             </a:r>
           </a:p>
           <a:p>
             <a:r>
               <a:rPr lang="en-US" dirty="0"/>
-              <a:t>Even if we include heave, the pitch hydrostatics are still based on a stationary PTO so are inaccurate.</a:t>
+              <a:t>In WEC-Sim it just uses wave elevation for linear hydrostatics</a:t>
             </a:r>
           </a:p>
           <a:p>
-            <a:pPr marL="0" indent="0">
-              <a:buNone/>
-            </a:pPr>
             <a:r>
               <a:rPr lang="en-US" dirty="0"/>
-              <a:t>How would WEC-Sim handle this problem?</a:t>
+              <a:t>WecOptTool uses the transfer function defined as the hydrostatic stiffness from BEM to convert </a:t>
             </a:r>
-          </a:p>
-          <a:p>
+            <a:r>
+              <a:rPr lang="en-US" dirty="0" err="1"/>
+              <a:t>x_wec</a:t>
+            </a:r>
             <a:r>
               <a:rPr lang="en-US" dirty="0"/>
-              <a:t>Computes BEM about the center of gravity, then uses parallel axis theorem to translate forces to the point of rotation</a:t>
+              <a:t> (</a:t>
             </a:r>
-          </a:p>
-          <a:p>
+            <a:r>
+              <a:rPr lang="en-US" dirty="0" err="1"/>
+              <a:t>wec</a:t>
+            </a:r>
             <a:r>
               <a:rPr lang="en-US" dirty="0"/>
-              <a:t>Think about how to do this in WecOptTool</a:t>
+              <a:t> position) to force in frequency domain</a:t>
+            </a:r>
+          </a:p>
+          <a:p>
+            <a:pPr lvl="1"/>
+            <a:r>
+              <a:rPr lang="en-US" dirty="0"/>
+              <a:t>Also just uses the body displacement</a:t>
+            </a:r>
+          </a:p>
+          <a:p>
+            <a:pPr lvl="1"/>
+            <a:r>
+              <a:rPr lang="en-US" dirty="0"/>
+              <a:t>But, this won’t be accurate if pitch is about a location that isn’t stationary</a:t>
             </a:r>
           </a:p>
         </p:txBody>
@@ -7096,7 +7147,7 @@
     </p:spTree>
     <p:extLst>
       <p:ext uri="{BB962C8B-B14F-4D97-AF65-F5344CB8AC3E}">
-        <p14:creationId xmlns:p14="http://schemas.microsoft.com/office/powerpoint/2010/main" val="1051560904"/>
+        <p14:creationId xmlns:p14="http://schemas.microsoft.com/office/powerpoint/2010/main" val="2388058262"/>
       </p:ext>
     </p:extLst>
   </p:cSld>
@@ -7128,7 +7179,7 @@
           <p:cNvPr id="2" name="Title 1">
             <a:extLst>
               <a:ext uri="{FF2B5EF4-FFF2-40B4-BE49-F238E27FC236}">
-                <a16:creationId xmlns:a16="http://schemas.microsoft.com/office/drawing/2014/main" id="{AE8B36A1-F77C-F758-EB9D-D00CB832E1DF}"/>
+                <a16:creationId xmlns:a16="http://schemas.microsoft.com/office/drawing/2014/main" id="{E8796714-77A8-2256-8FDD-5828DE67523B}"/>
               </a:ext>
             </a:extLst>
           </p:cNvPr>
@@ -7146,88 +7197,237 @@
           <a:p>
             <a:r>
               <a:rPr lang="en-US" dirty="0"/>
-              <a:t>Hydrostatics</a:t>
+              <a:t>How to apply parallel axis theorem in WecOptTool</a:t>
             </a:r>
           </a:p>
         </p:txBody>
       </p:sp>
-      <p:sp>
-        <p:nvSpPr>
-          <p:cNvPr id="3" name="Content Placeholder 2">
-            <a:extLst>
-              <a:ext uri="{FF2B5EF4-FFF2-40B4-BE49-F238E27FC236}">
-                <a16:creationId xmlns:a16="http://schemas.microsoft.com/office/drawing/2014/main" id="{7ECA4C7C-61B4-1FBB-7C3E-6234C017D7B0}"/>
-              </a:ext>
-            </a:extLst>
-          </p:cNvPr>
-          <p:cNvSpPr>
-            <a:spLocks noGrp="1"/>
-          </p:cNvSpPr>
-          <p:nvPr>
-            <p:ph idx="1"/>
-          </p:nvPr>
-        </p:nvSpPr>
-        <p:spPr/>
-        <p:txBody>
-          <a:bodyPr/>
-          <a:lstStyle/>
-          <a:p>
-            <a:pPr marL="0" indent="0">
-              <a:buNone/>
-            </a:pPr>
-            <a:r>
-              <a:rPr lang="en-US" dirty="0"/>
-              <a:t>Do the hydrostatics take into account body position or just wave elevation?</a:t>
-            </a:r>
-          </a:p>
-          <a:p>
-            <a:r>
-              <a:rPr lang="en-US" dirty="0"/>
-              <a:t>In WEC-Sim it just uses wave elevation for linear hydrostatics</a:t>
-            </a:r>
-          </a:p>
-          <a:p>
-            <a:r>
-              <a:rPr lang="en-US" dirty="0"/>
-              <a:t>WecOptTool uses the transfer function defined as the hydrostatic stiffness from BEM to convert </a:t>
-            </a:r>
-            <a:r>
-              <a:rPr lang="en-US" dirty="0" err="1"/>
-              <a:t>x_wec</a:t>
-            </a:r>
-            <a:r>
-              <a:rPr lang="en-US" dirty="0"/>
-              <a:t> (</a:t>
-            </a:r>
-            <a:r>
-              <a:rPr lang="en-US" dirty="0" err="1"/>
-              <a:t>wec</a:t>
-            </a:r>
-            <a:r>
-              <a:rPr lang="en-US" dirty="0"/>
-              <a:t> position) to force in frequency domain</a:t>
-            </a:r>
-          </a:p>
-          <a:p>
-            <a:pPr lvl="1"/>
-            <a:r>
-              <a:rPr lang="en-US" dirty="0"/>
-              <a:t>Also just uses the body displacement</a:t>
-            </a:r>
-          </a:p>
-          <a:p>
-            <a:pPr lvl="1"/>
-            <a:r>
-              <a:rPr lang="en-US" dirty="0"/>
-              <a:t>But, this won’t be accurate if pitch is about a location that isn’t stationary</a:t>
-            </a:r>
-          </a:p>
-        </p:txBody>
-      </p:sp>
+      <mc:AlternateContent xmlns:mc="http://schemas.openxmlformats.org/markup-compatibility/2006">
+        <mc:Choice xmlns:a14="http://schemas.microsoft.com/office/drawing/2010/main" Requires="a14">
+          <p:sp>
+            <p:nvSpPr>
+              <p:cNvPr id="3" name="Content Placeholder 2">
+                <a:extLst>
+                  <a:ext uri="{FF2B5EF4-FFF2-40B4-BE49-F238E27FC236}">
+                    <a16:creationId xmlns:a16="http://schemas.microsoft.com/office/drawing/2014/main" id="{B2C47865-2B66-323B-0FA4-F7B50C08B73D}"/>
+                  </a:ext>
+                </a:extLst>
+              </p:cNvPr>
+              <p:cNvSpPr>
+                <a:spLocks noGrp="1"/>
+              </p:cNvSpPr>
+              <p:nvPr>
+                <p:ph idx="1"/>
+              </p:nvPr>
+            </p:nvSpPr>
+            <p:spPr/>
+            <p:txBody>
+              <a:bodyPr/>
+              <a:lstStyle/>
+              <a:p>
+                <a:r>
+                  <a:rPr lang="en-US" dirty="0"/>
+                  <a:t>BEM is calculated about center of gravity</a:t>
+                </a:r>
+              </a:p>
+              <a:p>
+                <a:r>
+                  <a:rPr lang="en-US" dirty="0"/>
+                  <a:t>Forces about the PTO rotation point are pitch + heave*d</a:t>
+                </a:r>
+              </a:p>
+              <a:p>
+                <a:r>
+                  <a:rPr lang="en-US" dirty="0"/>
+                  <a:t>I can replace the “</a:t>
+                </a:r>
+                <a:r>
+                  <a:rPr lang="en-US" dirty="0" err="1"/>
+                  <a:t>standard_forces</a:t>
+                </a:r>
+                <a:r>
+                  <a:rPr lang="en-US" dirty="0"/>
+                  <a:t>” with “</a:t>
+                </a:r>
+                <a:r>
+                  <a:rPr lang="en-US" dirty="0" err="1"/>
+                  <a:t>f_add</a:t>
+                </a:r>
+                <a:r>
+                  <a:rPr lang="en-US" dirty="0"/>
+                  <a:t>” forces of the same name and it will automatically replace them</a:t>
+                </a:r>
+              </a:p>
+              <a:p>
+                <a:pPr marL="0" indent="0">
+                  <a:buNone/>
+                </a:pPr>
+                <a:endParaRPr lang="en-US" dirty="0"/>
+              </a:p>
+              <a:p>
+                <a:pPr marL="0" indent="0">
+                  <a:buNone/>
+                </a:pPr>
+                <a:r>
+                  <a:rPr lang="en-US" dirty="0"/>
+                  <a:t>Convert forces to be about PTO</a:t>
+                </a:r>
+              </a:p>
+              <a:p>
+                <a:pPr marL="0" indent="0">
+                  <a:buNone/>
+                </a:pPr>
+                <a14:m>
+                  <m:oMathPara xmlns:m="http://schemas.openxmlformats.org/officeDocument/2006/math">
+                    <m:oMathParaPr>
+                      <m:jc m:val="centerGroup"/>
+                    </m:oMathParaPr>
+                    <m:oMath xmlns:m="http://schemas.openxmlformats.org/officeDocument/2006/math">
+                      <m:sSub>
+                        <m:sSubPr>
+                          <m:ctrlPr>
+                            <a:rPr lang="en-US" b="0" i="1" smtClean="0">
+                              <a:latin typeface="Cambria Math" panose="02040503050406030204" pitchFamily="18" charset="0"/>
+                            </a:rPr>
+                          </m:ctrlPr>
+                        </m:sSubPr>
+                        <m:e>
+                          <m:r>
+                            <a:rPr lang="en-US" b="0" i="1" smtClean="0">
+                              <a:latin typeface="Cambria Math" panose="02040503050406030204" pitchFamily="18" charset="0"/>
+                            </a:rPr>
+                            <m:t>𝜏</m:t>
+                          </m:r>
+                        </m:e>
+                        <m:sub>
+                          <m:r>
+                            <a:rPr lang="en-US" b="0" i="1" smtClean="0">
+                              <a:latin typeface="Cambria Math" panose="02040503050406030204" pitchFamily="18" charset="0"/>
+                            </a:rPr>
+                            <m:t>𝑃𝑇𝑂</m:t>
+                          </m:r>
+                        </m:sub>
+                      </m:sSub>
+                      <m:r>
+                        <a:rPr lang="en-US" b="0" i="1" smtClean="0">
+                          <a:latin typeface="Cambria Math" panose="02040503050406030204" pitchFamily="18" charset="0"/>
+                        </a:rPr>
+                        <m:t>=</m:t>
+                      </m:r>
+                      <m:sSub>
+                        <m:sSubPr>
+                          <m:ctrlPr>
+                            <a:rPr lang="en-US" b="0" i="1" smtClean="0">
+                              <a:latin typeface="Cambria Math" panose="02040503050406030204" pitchFamily="18" charset="0"/>
+                            </a:rPr>
+                          </m:ctrlPr>
+                        </m:sSubPr>
+                        <m:e>
+                          <m:r>
+                            <a:rPr lang="en-US" b="0" i="1" smtClean="0">
+                              <a:latin typeface="Cambria Math" panose="02040503050406030204" pitchFamily="18" charset="0"/>
+                            </a:rPr>
+                            <m:t>𝜏</m:t>
+                          </m:r>
+                        </m:e>
+                        <m:sub>
+                          <m:r>
+                            <a:rPr lang="en-US" b="0" i="1" smtClean="0">
+                              <a:latin typeface="Cambria Math" panose="02040503050406030204" pitchFamily="18" charset="0"/>
+                            </a:rPr>
+                            <m:t>𝑝𝑖𝑡𝑐h</m:t>
+                          </m:r>
+                        </m:sub>
+                      </m:sSub>
+                      <m:r>
+                        <a:rPr lang="en-US" i="1">
+                          <a:latin typeface="Cambria Math" panose="02040503050406030204" pitchFamily="18" charset="0"/>
+                        </a:rPr>
+                        <m:t>+</m:t>
+                      </m:r>
+                      <m:sSub>
+                        <m:sSubPr>
+                          <m:ctrlPr>
+                            <a:rPr lang="en-US" i="1">
+                              <a:latin typeface="Cambria Math" panose="02040503050406030204" pitchFamily="18" charset="0"/>
+                            </a:rPr>
+                          </m:ctrlPr>
+                        </m:sSubPr>
+                        <m:e>
+                          <m:r>
+                            <a:rPr lang="en-US" i="1">
+                              <a:latin typeface="Cambria Math" panose="02040503050406030204" pitchFamily="18" charset="0"/>
+                            </a:rPr>
+                            <m:t>𝐹</m:t>
+                          </m:r>
+                        </m:e>
+                        <m:sub>
+                          <m:r>
+                            <a:rPr lang="en-US" i="1">
+                              <a:latin typeface="Cambria Math" panose="02040503050406030204" pitchFamily="18" charset="0"/>
+                            </a:rPr>
+                            <m:t>h𝑒𝑎𝑣𝑒</m:t>
+                          </m:r>
+                        </m:sub>
+                      </m:sSub>
+                      <m:r>
+                        <a:rPr lang="en-US" i="1">
+                          <a:latin typeface="Cambria Math" panose="02040503050406030204" pitchFamily="18" charset="0"/>
+                        </a:rPr>
+                        <m:t>𝑑</m:t>
+                      </m:r>
+                    </m:oMath>
+                  </m:oMathPara>
+                </a14:m>
+                <a:endParaRPr lang="en-US" dirty="0"/>
+              </a:p>
+            </p:txBody>
+          </p:sp>
+        </mc:Choice>
+        <mc:Fallback>
+          <p:sp>
+            <p:nvSpPr>
+              <p:cNvPr id="3" name="Content Placeholder 2">
+                <a:extLst>
+                  <a:ext uri="{FF2B5EF4-FFF2-40B4-BE49-F238E27FC236}">
+                    <a16:creationId xmlns:a16="http://schemas.microsoft.com/office/drawing/2014/main" id="{B2C47865-2B66-323B-0FA4-F7B50C08B73D}"/>
+                  </a:ext>
+                </a:extLst>
+              </p:cNvPr>
+              <p:cNvSpPr>
+                <a:spLocks noGrp="1" noRot="1" noChangeAspect="1" noMove="1" noResize="1" noEditPoints="1" noAdjustHandles="1" noChangeArrowheads="1" noChangeShapeType="1" noTextEdit="1"/>
+              </p:cNvSpPr>
+              <p:nvPr>
+                <p:ph idx="1"/>
+              </p:nvPr>
+            </p:nvSpPr>
+            <p:spPr>
+              <a:blipFill>
+                <a:blip r:embed="rId2"/>
+                <a:stretch>
+                  <a:fillRect l="-1217" t="-2241"/>
+                </a:stretch>
+              </a:blipFill>
+            </p:spPr>
+            <p:txBody>
+              <a:bodyPr/>
+              <a:lstStyle/>
+              <a:p>
+                <a:r>
+                  <a:rPr lang="en-US">
+                    <a:noFill/>
+                  </a:rPr>
+                  <a:t> </a:t>
+                </a:r>
+              </a:p>
+            </p:txBody>
+          </p:sp>
+        </mc:Fallback>
+      </mc:AlternateContent>
     </p:spTree>
     <p:extLst>
       <p:ext uri="{BB962C8B-B14F-4D97-AF65-F5344CB8AC3E}">
-        <p14:creationId xmlns:p14="http://schemas.microsoft.com/office/powerpoint/2010/main" val="2388058262"/>
+        <p14:creationId xmlns:p14="http://schemas.microsoft.com/office/powerpoint/2010/main" val="471557536"/>
       </p:ext>
     </p:extLst>
   </p:cSld>
@@ -7259,7 +7459,7 @@
           <p:cNvPr id="2" name="Title 1">
             <a:extLst>
               <a:ext uri="{FF2B5EF4-FFF2-40B4-BE49-F238E27FC236}">
-                <a16:creationId xmlns:a16="http://schemas.microsoft.com/office/drawing/2014/main" id="{E8796714-77A8-2256-8FDD-5828DE67523B}"/>
+                <a16:creationId xmlns:a16="http://schemas.microsoft.com/office/drawing/2014/main" id="{6B5D0E11-7C57-EAB4-B890-DA6F00E7D3AD}"/>
               </a:ext>
             </a:extLst>
           </p:cNvPr>
@@ -7277,127 +7477,13 @@
           <a:p>
             <a:r>
               <a:rPr lang="en-US" dirty="0"/>
-              <a:t>How to apply parallel axis theorem in WecOptTool</a:t>
+              <a:t>Applying parallel axis theorem</a:t>
             </a:r>
           </a:p>
         </p:txBody>
       </p:sp>
-      <p:sp>
-        <p:nvSpPr>
-          <p:cNvPr id="3" name="Content Placeholder 2">
-            <a:extLst>
-              <a:ext uri="{FF2B5EF4-FFF2-40B4-BE49-F238E27FC236}">
-                <a16:creationId xmlns:a16="http://schemas.microsoft.com/office/drawing/2014/main" id="{B2C47865-2B66-323B-0FA4-F7B50C08B73D}"/>
-              </a:ext>
-            </a:extLst>
-          </p:cNvPr>
-          <p:cNvSpPr>
-            <a:spLocks noGrp="1"/>
-          </p:cNvSpPr>
-          <p:nvPr>
-            <p:ph idx="1"/>
-          </p:nvPr>
-        </p:nvSpPr>
-        <p:spPr/>
-        <p:txBody>
-          <a:bodyPr/>
-          <a:lstStyle/>
-          <a:p>
-            <a:r>
-              <a:rPr lang="en-US" dirty="0"/>
-              <a:t>BEM is calculated about center of gravity</a:t>
-            </a:r>
-          </a:p>
-          <a:p>
-            <a:r>
-              <a:rPr lang="en-US" dirty="0"/>
-              <a:t>Forces about the PTO rotation point are pitch + heave*d</a:t>
-            </a:r>
-          </a:p>
-          <a:p>
-            <a:r>
-              <a:rPr lang="en-US" dirty="0"/>
-              <a:t>I can replace the “</a:t>
-            </a:r>
-            <a:r>
-              <a:rPr lang="en-US" dirty="0" err="1"/>
-              <a:t>standard_forces</a:t>
-            </a:r>
-            <a:r>
-              <a:rPr lang="en-US" dirty="0"/>
-              <a:t>” with “</a:t>
-            </a:r>
-            <a:r>
-              <a:rPr lang="en-US" dirty="0" err="1"/>
-              <a:t>f_add</a:t>
-            </a:r>
-            <a:r>
-              <a:rPr lang="en-US" dirty="0"/>
-              <a:t>” forces of the same name</a:t>
-            </a:r>
-          </a:p>
-        </p:txBody>
-      </p:sp>
-    </p:spTree>
-    <p:extLst>
-      <p:ext uri="{BB962C8B-B14F-4D97-AF65-F5344CB8AC3E}">
-        <p14:creationId xmlns:p14="http://schemas.microsoft.com/office/powerpoint/2010/main" val="471557536"/>
-      </p:ext>
-    </p:extLst>
-  </p:cSld>
-  <p:clrMapOvr>
-    <a:masterClrMapping/>
-  </p:clrMapOvr>
-</p:sld>
-</file>
-
-<file path=ppt/slides/slide6.xml><?xml version="1.0" encoding="utf-8"?>
-<p:sld xmlns:a="http://schemas.openxmlformats.org/drawingml/2006/main" xmlns:r="http://schemas.openxmlformats.org/officeDocument/2006/relationships" xmlns:p="http://schemas.openxmlformats.org/presentationml/2006/main">
-  <p:cSld>
-    <p:spTree>
-      <p:nvGrpSpPr>
-        <p:cNvPr id="1" name=""/>
-        <p:cNvGrpSpPr/>
-        <p:nvPr/>
-      </p:nvGrpSpPr>
-      <p:grpSpPr>
-        <a:xfrm>
-          <a:off x="0" y="0"/>
-          <a:ext cx="0" cy="0"/>
-          <a:chOff x="0" y="0"/>
-          <a:chExt cx="0" cy="0"/>
-        </a:xfrm>
-      </p:grpSpPr>
-      <p:sp>
-        <p:nvSpPr>
-          <p:cNvPr id="2" name="Title 1">
-            <a:extLst>
-              <a:ext uri="{FF2B5EF4-FFF2-40B4-BE49-F238E27FC236}">
-                <a16:creationId xmlns:a16="http://schemas.microsoft.com/office/drawing/2014/main" id="{6B5D0E11-7C57-EAB4-B890-DA6F00E7D3AD}"/>
-              </a:ext>
-            </a:extLst>
-          </p:cNvPr>
-          <p:cNvSpPr>
-            <a:spLocks noGrp="1"/>
-          </p:cNvSpPr>
-          <p:nvPr>
-            <p:ph type="title"/>
-          </p:nvPr>
-        </p:nvSpPr>
-        <p:spPr/>
-        <p:txBody>
-          <a:bodyPr/>
-          <a:lstStyle/>
-          <a:p>
-            <a:r>
-              <a:rPr lang="en-US" dirty="0"/>
-              <a:t>Applying parallel axis theorem</a:t>
-            </a:r>
-          </a:p>
-        </p:txBody>
-      </p:sp>
-      <mc:AlternateContent xmlns:mc="http://schemas.openxmlformats.org/markup-compatibility/2006">
-        <mc:Choice xmlns:a14="http://schemas.microsoft.com/office/drawing/2010/main" Requires="a14">
+      <mc:AlternateContent xmlns:mc="http://schemas.openxmlformats.org/markup-compatibility/2006" xmlns:a14="http://schemas.microsoft.com/office/drawing/2010/main">
+        <mc:Choice Requires="a14">
           <p:sp>
             <p:nvSpPr>
               <p:cNvPr id="3" name="Content Placeholder 2">
@@ -7584,7 +7670,7 @@
             </p:txBody>
           </p:sp>
         </mc:Choice>
-        <mc:Fallback>
+        <mc:Fallback xmlns="">
           <p:sp>
             <p:nvSpPr>
               <p:cNvPr id="3" name="Content Placeholder 2">
@@ -7628,6 +7714,348 @@
     <p:extLst>
       <p:ext uri="{BB962C8B-B14F-4D97-AF65-F5344CB8AC3E}">
         <p14:creationId xmlns:p14="http://schemas.microsoft.com/office/powerpoint/2010/main" val="2307938445"/>
+      </p:ext>
+    </p:extLst>
+  </p:cSld>
+  <p:clrMapOvr>
+    <a:masterClrMapping/>
+  </p:clrMapOvr>
+</p:sld>
+</file>
+
+<file path=ppt/slides/slide6.xml><?xml version="1.0" encoding="utf-8"?>
+<p:sld xmlns:a="http://schemas.openxmlformats.org/drawingml/2006/main" xmlns:r="http://schemas.openxmlformats.org/officeDocument/2006/relationships" xmlns:p="http://schemas.openxmlformats.org/presentationml/2006/main">
+  <p:cSld>
+    <p:spTree>
+      <p:nvGrpSpPr>
+        <p:cNvPr id="1" name=""/>
+        <p:cNvGrpSpPr/>
+        <p:nvPr/>
+      </p:nvGrpSpPr>
+      <p:grpSpPr>
+        <a:xfrm>
+          <a:off x="0" y="0"/>
+          <a:ext cx="0" cy="0"/>
+          <a:chOff x="0" y="0"/>
+          <a:chExt cx="0" cy="0"/>
+        </a:xfrm>
+      </p:grpSpPr>
+      <p:sp>
+        <p:nvSpPr>
+          <p:cNvPr id="2" name="Title 1">
+            <a:extLst>
+              <a:ext uri="{FF2B5EF4-FFF2-40B4-BE49-F238E27FC236}">
+                <a16:creationId xmlns:a16="http://schemas.microsoft.com/office/drawing/2014/main" id="{21ABB264-3214-B36D-00DD-F8E259AC4489}"/>
+              </a:ext>
+            </a:extLst>
+          </p:cNvPr>
+          <p:cNvSpPr>
+            <a:spLocks noGrp="1"/>
+          </p:cNvSpPr>
+          <p:nvPr>
+            <p:ph type="title"/>
+          </p:nvPr>
+        </p:nvSpPr>
+        <p:spPr>
+          <a:xfrm>
+            <a:off x="838200" y="261015"/>
+            <a:ext cx="10515600" cy="1325563"/>
+          </a:xfrm>
+        </p:spPr>
+        <p:txBody>
+          <a:bodyPr/>
+          <a:lstStyle/>
+          <a:p>
+            <a:r>
+              <a:rPr lang="en-US" dirty="0"/>
+              <a:t>Compare types of forces:</a:t>
+            </a:r>
+          </a:p>
+        </p:txBody>
+      </p:sp>
+      <p:sp>
+        <p:nvSpPr>
+          <p:cNvPr id="3" name="Content Placeholder 2">
+            <a:extLst>
+              <a:ext uri="{FF2B5EF4-FFF2-40B4-BE49-F238E27FC236}">
+                <a16:creationId xmlns:a16="http://schemas.microsoft.com/office/drawing/2014/main" id="{4AAE332E-529E-889D-0FF6-AB5EB53AC830}"/>
+              </a:ext>
+            </a:extLst>
+          </p:cNvPr>
+          <p:cNvSpPr>
+            <a:spLocks noGrp="1"/>
+          </p:cNvSpPr>
+          <p:nvPr>
+            <p:ph idx="1"/>
+          </p:nvPr>
+        </p:nvSpPr>
+        <p:spPr>
+          <a:xfrm>
+            <a:off x="838200" y="1247346"/>
+            <a:ext cx="10515600" cy="1645129"/>
+          </a:xfrm>
+        </p:spPr>
+        <p:txBody>
+          <a:bodyPr/>
+          <a:lstStyle/>
+          <a:p>
+            <a:r>
+              <a:rPr lang="en-US" dirty="0"/>
+              <a:t>Hydrostatic stiffness is very different – seems like coupling term is in one vs. two terms </a:t>
+            </a:r>
+          </a:p>
+          <a:p>
+            <a:r>
+              <a:rPr lang="en-US" dirty="0"/>
+              <a:t>Pretty close results! Coupling term might still be an issue!?</a:t>
+            </a:r>
+          </a:p>
+        </p:txBody>
+      </p:sp>
+      <p:pic>
+        <p:nvPicPr>
+          <p:cNvPr id="5" name="Picture 4">
+            <a:extLst>
+              <a:ext uri="{FF2B5EF4-FFF2-40B4-BE49-F238E27FC236}">
+                <a16:creationId xmlns:a16="http://schemas.microsoft.com/office/drawing/2014/main" id="{F9AEA559-3BCA-C37C-AA89-FD4D7855EB4C}"/>
+              </a:ext>
+            </a:extLst>
+          </p:cNvPr>
+          <p:cNvPicPr>
+            <a:picLocks noChangeAspect="1"/>
+          </p:cNvPicPr>
+          <p:nvPr/>
+        </p:nvPicPr>
+        <p:blipFill>
+          <a:blip r:embed="rId2"/>
+          <a:stretch>
+            <a:fillRect/>
+          </a:stretch>
+        </p:blipFill>
+        <p:spPr>
+          <a:xfrm>
+            <a:off x="74116" y="2695986"/>
+            <a:ext cx="2921932" cy="2069911"/>
+          </a:xfrm>
+          <a:prstGeom prst="rect">
+            <a:avLst/>
+          </a:prstGeom>
+        </p:spPr>
+      </p:pic>
+      <p:pic>
+        <p:nvPicPr>
+          <p:cNvPr id="7" name="Picture 6">
+            <a:extLst>
+              <a:ext uri="{FF2B5EF4-FFF2-40B4-BE49-F238E27FC236}">
+                <a16:creationId xmlns:a16="http://schemas.microsoft.com/office/drawing/2014/main" id="{3DC10B46-DF3E-BC9C-9740-9397B4240B2D}"/>
+              </a:ext>
+            </a:extLst>
+          </p:cNvPr>
+          <p:cNvPicPr>
+            <a:picLocks noChangeAspect="1"/>
+          </p:cNvPicPr>
+          <p:nvPr/>
+        </p:nvPicPr>
+        <p:blipFill>
+          <a:blip r:embed="rId3"/>
+          <a:stretch>
+            <a:fillRect/>
+          </a:stretch>
+        </p:blipFill>
+        <p:spPr>
+          <a:xfrm>
+            <a:off x="74116" y="4776993"/>
+            <a:ext cx="2921932" cy="2069911"/>
+          </a:xfrm>
+          <a:prstGeom prst="rect">
+            <a:avLst/>
+          </a:prstGeom>
+        </p:spPr>
+      </p:pic>
+      <p:pic>
+        <p:nvPicPr>
+          <p:cNvPr id="9" name="Picture 8">
+            <a:extLst>
+              <a:ext uri="{FF2B5EF4-FFF2-40B4-BE49-F238E27FC236}">
+                <a16:creationId xmlns:a16="http://schemas.microsoft.com/office/drawing/2014/main" id="{54983FBD-4872-C91B-E511-45A579ECD9BF}"/>
+              </a:ext>
+            </a:extLst>
+          </p:cNvPr>
+          <p:cNvPicPr>
+            <a:picLocks noChangeAspect="1"/>
+          </p:cNvPicPr>
+          <p:nvPr/>
+        </p:nvPicPr>
+        <p:blipFill>
+          <a:blip r:embed="rId4"/>
+          <a:stretch>
+            <a:fillRect/>
+          </a:stretch>
+        </p:blipFill>
+        <p:spPr>
+          <a:xfrm>
+            <a:off x="2996048" y="4788089"/>
+            <a:ext cx="3012146" cy="2069911"/>
+          </a:xfrm>
+          <a:prstGeom prst="rect">
+            <a:avLst/>
+          </a:prstGeom>
+        </p:spPr>
+      </p:pic>
+      <p:pic>
+        <p:nvPicPr>
+          <p:cNvPr id="11" name="Picture 10">
+            <a:extLst>
+              <a:ext uri="{FF2B5EF4-FFF2-40B4-BE49-F238E27FC236}">
+                <a16:creationId xmlns:a16="http://schemas.microsoft.com/office/drawing/2014/main" id="{05A169EF-83A8-1D30-C04F-B0DCB90C8DE2}"/>
+              </a:ext>
+            </a:extLst>
+          </p:cNvPr>
+          <p:cNvPicPr>
+            <a:picLocks noChangeAspect="1"/>
+          </p:cNvPicPr>
+          <p:nvPr/>
+        </p:nvPicPr>
+        <p:blipFill>
+          <a:blip r:embed="rId5"/>
+          <a:stretch>
+            <a:fillRect/>
+          </a:stretch>
+        </p:blipFill>
+        <p:spPr>
+          <a:xfrm>
+            <a:off x="6096000" y="4765897"/>
+            <a:ext cx="2876827" cy="2069912"/>
+          </a:xfrm>
+          <a:prstGeom prst="rect">
+            <a:avLst/>
+          </a:prstGeom>
+        </p:spPr>
+      </p:pic>
+      <p:pic>
+        <p:nvPicPr>
+          <p:cNvPr id="13" name="Picture 12">
+            <a:extLst>
+              <a:ext uri="{FF2B5EF4-FFF2-40B4-BE49-F238E27FC236}">
+                <a16:creationId xmlns:a16="http://schemas.microsoft.com/office/drawing/2014/main" id="{2E6F38E3-E643-0534-D254-8DE56EEE0475}"/>
+              </a:ext>
+            </a:extLst>
+          </p:cNvPr>
+          <p:cNvPicPr>
+            <a:picLocks noChangeAspect="1"/>
+          </p:cNvPicPr>
+          <p:nvPr/>
+        </p:nvPicPr>
+        <p:blipFill>
+          <a:blip r:embed="rId6"/>
+          <a:stretch>
+            <a:fillRect/>
+          </a:stretch>
+        </p:blipFill>
+        <p:spPr>
+          <a:xfrm>
+            <a:off x="8972827" y="4765897"/>
+            <a:ext cx="2890606" cy="2047720"/>
+          </a:xfrm>
+          <a:prstGeom prst="rect">
+            <a:avLst/>
+          </a:prstGeom>
+        </p:spPr>
+      </p:pic>
+      <p:pic>
+        <p:nvPicPr>
+          <p:cNvPr id="15" name="Picture 14">
+            <a:extLst>
+              <a:ext uri="{FF2B5EF4-FFF2-40B4-BE49-F238E27FC236}">
+                <a16:creationId xmlns:a16="http://schemas.microsoft.com/office/drawing/2014/main" id="{E35F8EAD-FF79-C011-2ABF-239C9FED2611}"/>
+              </a:ext>
+            </a:extLst>
+          </p:cNvPr>
+          <p:cNvPicPr>
+            <a:picLocks noChangeAspect="1"/>
+          </p:cNvPicPr>
+          <p:nvPr/>
+        </p:nvPicPr>
+        <p:blipFill>
+          <a:blip r:embed="rId7"/>
+          <a:stretch>
+            <a:fillRect/>
+          </a:stretch>
+        </p:blipFill>
+        <p:spPr>
+          <a:xfrm>
+            <a:off x="3039951" y="2718178"/>
+            <a:ext cx="3012146" cy="2069911"/>
+          </a:xfrm>
+          <a:prstGeom prst="rect">
+            <a:avLst/>
+          </a:prstGeom>
+        </p:spPr>
+      </p:pic>
+      <p:pic>
+        <p:nvPicPr>
+          <p:cNvPr id="17" name="Picture 16">
+            <a:extLst>
+              <a:ext uri="{FF2B5EF4-FFF2-40B4-BE49-F238E27FC236}">
+                <a16:creationId xmlns:a16="http://schemas.microsoft.com/office/drawing/2014/main" id="{280EA7EE-8004-2CEB-4B18-C88A72F1FAF6}"/>
+              </a:ext>
+            </a:extLst>
+          </p:cNvPr>
+          <p:cNvPicPr>
+            <a:picLocks noChangeAspect="1"/>
+          </p:cNvPicPr>
+          <p:nvPr/>
+        </p:nvPicPr>
+        <p:blipFill>
+          <a:blip r:embed="rId8"/>
+          <a:stretch>
+            <a:fillRect/>
+          </a:stretch>
+        </p:blipFill>
+        <p:spPr>
+          <a:xfrm>
+            <a:off x="6051496" y="2707081"/>
+            <a:ext cx="2921933" cy="2069912"/>
+          </a:xfrm>
+          <a:prstGeom prst="rect">
+            <a:avLst/>
+          </a:prstGeom>
+        </p:spPr>
+      </p:pic>
+      <p:pic>
+        <p:nvPicPr>
+          <p:cNvPr id="19" name="Picture 18">
+            <a:extLst>
+              <a:ext uri="{FF2B5EF4-FFF2-40B4-BE49-F238E27FC236}">
+                <a16:creationId xmlns:a16="http://schemas.microsoft.com/office/drawing/2014/main" id="{FE62020F-6C24-D59F-6496-BC847691CFAC}"/>
+              </a:ext>
+            </a:extLst>
+          </p:cNvPr>
+          <p:cNvPicPr>
+            <a:picLocks noChangeAspect="1"/>
+          </p:cNvPicPr>
+          <p:nvPr/>
+        </p:nvPicPr>
+        <p:blipFill>
+          <a:blip r:embed="rId9"/>
+          <a:stretch>
+            <a:fillRect/>
+          </a:stretch>
+        </p:blipFill>
+        <p:spPr>
+          <a:xfrm>
+            <a:off x="9060633" y="2695985"/>
+            <a:ext cx="3012148" cy="2069912"/>
+          </a:xfrm>
+          <a:prstGeom prst="rect">
+            <a:avLst/>
+          </a:prstGeom>
+        </p:spPr>
+      </p:pic>
+    </p:spTree>
+    <p:extLst>
+      <p:ext uri="{BB962C8B-B14F-4D97-AF65-F5344CB8AC3E}">
+        <p14:creationId xmlns:p14="http://schemas.microsoft.com/office/powerpoint/2010/main" val="386026626"/>
       </p:ext>
     </p:extLst>
   </p:cSld>

--- a/examples/attenuatorInWOT.pptx
+++ b/examples/attenuatorInWOT.pptx
@@ -10,7 +10,20 @@
     <p:sldId id="286" r:id="rId4"/>
     <p:sldId id="287" r:id="rId5"/>
     <p:sldId id="288" r:id="rId6"/>
-    <p:sldId id="289" r:id="rId7"/>
+    <p:sldId id="302" r:id="rId7"/>
+    <p:sldId id="289" r:id="rId8"/>
+    <p:sldId id="292" r:id="rId9"/>
+    <p:sldId id="293" r:id="rId10"/>
+    <p:sldId id="300" r:id="rId11"/>
+    <p:sldId id="301" r:id="rId12"/>
+    <p:sldId id="294" r:id="rId13"/>
+    <p:sldId id="295" r:id="rId14"/>
+    <p:sldId id="296" r:id="rId15"/>
+    <p:sldId id="297" r:id="rId16"/>
+    <p:sldId id="299" r:id="rId17"/>
+    <p:sldId id="298" r:id="rId18"/>
+    <p:sldId id="290" r:id="rId19"/>
+    <p:sldId id="291" r:id="rId20"/>
   </p:sldIdLst>
   <p:sldSz cx="12192000" cy="6858000"/>
   <p:notesSz cx="6858000" cy="9144000"/>
@@ -264,7 +277,7 @@
           <a:p>
             <a:fld id="{D092EC4C-57CC-4761-ABF1-95EBC3C1FA39}" type="datetimeFigureOut">
               <a:rPr lang="en-US" smtClean="0"/>
-              <a:t>1/2/2025</a:t>
+              <a:t>1/9/2025</a:t>
             </a:fld>
             <a:endParaRPr lang="en-US"/>
           </a:p>
@@ -462,7 +475,7 @@
           <a:p>
             <a:fld id="{D092EC4C-57CC-4761-ABF1-95EBC3C1FA39}" type="datetimeFigureOut">
               <a:rPr lang="en-US" smtClean="0"/>
-              <a:t>1/2/2025</a:t>
+              <a:t>1/9/2025</a:t>
             </a:fld>
             <a:endParaRPr lang="en-US"/>
           </a:p>
@@ -670,7 +683,7 @@
           <a:p>
             <a:fld id="{D092EC4C-57CC-4761-ABF1-95EBC3C1FA39}" type="datetimeFigureOut">
               <a:rPr lang="en-US" smtClean="0"/>
-              <a:t>1/2/2025</a:t>
+              <a:t>1/9/2025</a:t>
             </a:fld>
             <a:endParaRPr lang="en-US"/>
           </a:p>
@@ -868,7 +881,7 @@
           <a:p>
             <a:fld id="{D092EC4C-57CC-4761-ABF1-95EBC3C1FA39}" type="datetimeFigureOut">
               <a:rPr lang="en-US" smtClean="0"/>
-              <a:t>1/2/2025</a:t>
+              <a:t>1/9/2025</a:t>
             </a:fld>
             <a:endParaRPr lang="en-US"/>
           </a:p>
@@ -1143,7 +1156,7 @@
           <a:p>
             <a:fld id="{D092EC4C-57CC-4761-ABF1-95EBC3C1FA39}" type="datetimeFigureOut">
               <a:rPr lang="en-US" smtClean="0"/>
-              <a:t>1/2/2025</a:t>
+              <a:t>1/9/2025</a:t>
             </a:fld>
             <a:endParaRPr lang="en-US"/>
           </a:p>
@@ -1408,7 +1421,7 @@
           <a:p>
             <a:fld id="{D092EC4C-57CC-4761-ABF1-95EBC3C1FA39}" type="datetimeFigureOut">
               <a:rPr lang="en-US" smtClean="0"/>
-              <a:t>1/2/2025</a:t>
+              <a:t>1/9/2025</a:t>
             </a:fld>
             <a:endParaRPr lang="en-US"/>
           </a:p>
@@ -1820,7 +1833,7 @@
           <a:p>
             <a:fld id="{D092EC4C-57CC-4761-ABF1-95EBC3C1FA39}" type="datetimeFigureOut">
               <a:rPr lang="en-US" smtClean="0"/>
-              <a:t>1/2/2025</a:t>
+              <a:t>1/9/2025</a:t>
             </a:fld>
             <a:endParaRPr lang="en-US"/>
           </a:p>
@@ -1961,7 +1974,7 @@
           <a:p>
             <a:fld id="{D092EC4C-57CC-4761-ABF1-95EBC3C1FA39}" type="datetimeFigureOut">
               <a:rPr lang="en-US" smtClean="0"/>
-              <a:t>1/2/2025</a:t>
+              <a:t>1/9/2025</a:t>
             </a:fld>
             <a:endParaRPr lang="en-US"/>
           </a:p>
@@ -2074,7 +2087,7 @@
           <a:p>
             <a:fld id="{D092EC4C-57CC-4761-ABF1-95EBC3C1FA39}" type="datetimeFigureOut">
               <a:rPr lang="en-US" smtClean="0"/>
-              <a:t>1/2/2025</a:t>
+              <a:t>1/9/2025</a:t>
             </a:fld>
             <a:endParaRPr lang="en-US"/>
           </a:p>
@@ -2385,7 +2398,7 @@
           <a:p>
             <a:fld id="{D092EC4C-57CC-4761-ABF1-95EBC3C1FA39}" type="datetimeFigureOut">
               <a:rPr lang="en-US" smtClean="0"/>
-              <a:t>1/2/2025</a:t>
+              <a:t>1/9/2025</a:t>
             </a:fld>
             <a:endParaRPr lang="en-US"/>
           </a:p>
@@ -2673,7 +2686,7 @@
           <a:p>
             <a:fld id="{D092EC4C-57CC-4761-ABF1-95EBC3C1FA39}" type="datetimeFigureOut">
               <a:rPr lang="en-US" smtClean="0"/>
-              <a:t>1/2/2025</a:t>
+              <a:t>1/9/2025</a:t>
             </a:fld>
             <a:endParaRPr lang="en-US"/>
           </a:p>
@@ -2914,7 +2927,7 @@
           <a:p>
             <a:fld id="{D092EC4C-57CC-4761-ABF1-95EBC3C1FA39}" type="datetimeFigureOut">
               <a:rPr lang="en-US" smtClean="0"/>
-              <a:t>1/2/2025</a:t>
+              <a:t>1/9/2025</a:t>
             </a:fld>
             <a:endParaRPr lang="en-US"/>
           </a:p>
@@ -6903,6 +6916,2933 @@
 </p:sld>
 </file>
 
+<file path=ppt/slides/slide10.xml><?xml version="1.0" encoding="utf-8"?>
+<p:sld xmlns:a="http://schemas.openxmlformats.org/drawingml/2006/main" xmlns:r="http://schemas.openxmlformats.org/officeDocument/2006/relationships" xmlns:p="http://schemas.openxmlformats.org/presentationml/2006/main">
+  <p:cSld>
+    <p:spTree>
+      <p:nvGrpSpPr>
+        <p:cNvPr id="1" name=""/>
+        <p:cNvGrpSpPr/>
+        <p:nvPr/>
+      </p:nvGrpSpPr>
+      <p:grpSpPr>
+        <a:xfrm>
+          <a:off x="0" y="0"/>
+          <a:ext cx="0" cy="0"/>
+          <a:chOff x="0" y="0"/>
+          <a:chExt cx="0" cy="0"/>
+        </a:xfrm>
+      </p:grpSpPr>
+      <p:sp>
+        <p:nvSpPr>
+          <p:cNvPr id="2" name="Title 1">
+            <a:extLst>
+              <a:ext uri="{FF2B5EF4-FFF2-40B4-BE49-F238E27FC236}">
+                <a16:creationId xmlns:a16="http://schemas.microsoft.com/office/drawing/2014/main" id="{78A28E3F-B8F9-B009-EAD9-D865DAB48D75}"/>
+              </a:ext>
+            </a:extLst>
+          </p:cNvPr>
+          <p:cNvSpPr>
+            <a:spLocks noGrp="1"/>
+          </p:cNvSpPr>
+          <p:nvPr>
+            <p:ph type="title"/>
+          </p:nvPr>
+        </p:nvSpPr>
+        <p:spPr/>
+        <p:txBody>
+          <a:bodyPr/>
+          <a:lstStyle/>
+          <a:p>
+            <a:r>
+              <a:rPr lang="en-US" dirty="0"/>
+              <a:t>Try prescribing heave position</a:t>
+            </a:r>
+          </a:p>
+        </p:txBody>
+      </p:sp>
+      <p:sp>
+        <p:nvSpPr>
+          <p:cNvPr id="3" name="Content Placeholder 2">
+            <a:extLst>
+              <a:ext uri="{FF2B5EF4-FFF2-40B4-BE49-F238E27FC236}">
+                <a16:creationId xmlns:a16="http://schemas.microsoft.com/office/drawing/2014/main" id="{6E53D2DF-DEBB-5E1E-8F7D-F196DAA01481}"/>
+              </a:ext>
+            </a:extLst>
+          </p:cNvPr>
+          <p:cNvSpPr>
+            <a:spLocks noGrp="1"/>
+          </p:cNvSpPr>
+          <p:nvPr>
+            <p:ph idx="1"/>
+          </p:nvPr>
+        </p:nvSpPr>
+        <p:spPr/>
+        <p:txBody>
+          <a:bodyPr/>
+          <a:lstStyle/>
+          <a:p>
+            <a:r>
+              <a:rPr lang="en-US" dirty="0"/>
+              <a:t>Can I replace the residual to include only pitch?</a:t>
+            </a:r>
+          </a:p>
+          <a:p>
+            <a:pPr lvl="1"/>
+            <a:r>
+              <a:rPr lang="en-US" dirty="0"/>
+              <a:t>Yes, I did this successfully</a:t>
+            </a:r>
+          </a:p>
+          <a:p>
+            <a:r>
+              <a:rPr lang="en-US" dirty="0"/>
+              <a:t>Now, can I make heave residual just a component </a:t>
+            </a:r>
+            <a:br>
+              <a:rPr lang="en-US" dirty="0"/>
+            </a:br>
+            <a:r>
+              <a:rPr lang="en-US" dirty="0"/>
+              <a:t>based on pitch instead?</a:t>
+            </a:r>
+          </a:p>
+          <a:p>
+            <a:pPr lvl="1"/>
+            <a:r>
+              <a:rPr lang="en-US" dirty="0"/>
+              <a:t>Maybe heave can just be an afterthought and pitch is </a:t>
+            </a:r>
+          </a:p>
+          <a:p>
+            <a:pPr lvl="1"/>
+            <a:r>
+              <a:rPr lang="en-US" dirty="0"/>
+              <a:t>Forces converted to PTO location, then .</a:t>
+            </a:r>
+          </a:p>
+          <a:p>
+            <a:pPr lvl="2"/>
+            <a:r>
+              <a:rPr lang="en-US" dirty="0"/>
+              <a:t>We def need another state variable so force of the waves can depend on both heave and pitch</a:t>
+            </a:r>
+          </a:p>
+          <a:p>
+            <a:r>
+              <a:rPr lang="en-US" dirty="0"/>
+              <a:t>Try to run and resolve issues</a:t>
+            </a:r>
+          </a:p>
+          <a:p>
+            <a:endParaRPr lang="en-US" dirty="0"/>
+          </a:p>
+        </p:txBody>
+      </p:sp>
+      <p:pic>
+        <p:nvPicPr>
+          <p:cNvPr id="5" name="Picture 4">
+            <a:extLst>
+              <a:ext uri="{FF2B5EF4-FFF2-40B4-BE49-F238E27FC236}">
+                <a16:creationId xmlns:a16="http://schemas.microsoft.com/office/drawing/2014/main" id="{0E8D28F2-F88E-37AB-698F-DECD1131C053}"/>
+              </a:ext>
+            </a:extLst>
+          </p:cNvPr>
+          <p:cNvPicPr>
+            <a:picLocks noChangeAspect="1"/>
+          </p:cNvPicPr>
+          <p:nvPr/>
+        </p:nvPicPr>
+        <p:blipFill>
+          <a:blip r:embed="rId2"/>
+          <a:stretch>
+            <a:fillRect/>
+          </a:stretch>
+        </p:blipFill>
+        <p:spPr>
+          <a:xfrm>
+            <a:off x="8338453" y="1825625"/>
+            <a:ext cx="3238666" cy="1257365"/>
+          </a:xfrm>
+          <a:prstGeom prst="rect">
+            <a:avLst/>
+          </a:prstGeom>
+        </p:spPr>
+      </p:pic>
+    </p:spTree>
+    <p:extLst>
+      <p:ext uri="{BB962C8B-B14F-4D97-AF65-F5344CB8AC3E}">
+        <p14:creationId xmlns:p14="http://schemas.microsoft.com/office/powerpoint/2010/main" val="657355495"/>
+      </p:ext>
+    </p:extLst>
+  </p:cSld>
+  <p:clrMapOvr>
+    <a:masterClrMapping/>
+  </p:clrMapOvr>
+</p:sld>
+</file>
+
+<file path=ppt/slides/slide11.xml><?xml version="1.0" encoding="utf-8"?>
+<p:sld xmlns:a="http://schemas.openxmlformats.org/drawingml/2006/main" xmlns:r="http://schemas.openxmlformats.org/officeDocument/2006/relationships" xmlns:p="http://schemas.openxmlformats.org/presentationml/2006/main">
+  <p:cSld>
+    <p:spTree>
+      <p:nvGrpSpPr>
+        <p:cNvPr id="1" name=""/>
+        <p:cNvGrpSpPr/>
+        <p:nvPr/>
+      </p:nvGrpSpPr>
+      <p:grpSpPr>
+        <a:xfrm>
+          <a:off x="0" y="0"/>
+          <a:ext cx="0" cy="0"/>
+          <a:chOff x="0" y="0"/>
+          <a:chExt cx="0" cy="0"/>
+        </a:xfrm>
+      </p:grpSpPr>
+      <p:sp>
+        <p:nvSpPr>
+          <p:cNvPr id="2" name="Title 1">
+            <a:extLst>
+              <a:ext uri="{FF2B5EF4-FFF2-40B4-BE49-F238E27FC236}">
+                <a16:creationId xmlns:a16="http://schemas.microsoft.com/office/drawing/2014/main" id="{5B04CF58-180C-3359-F3FE-887B463CD692}"/>
+              </a:ext>
+            </a:extLst>
+          </p:cNvPr>
+          <p:cNvSpPr>
+            <a:spLocks noGrp="1"/>
+          </p:cNvSpPr>
+          <p:nvPr>
+            <p:ph type="title"/>
+          </p:nvPr>
+        </p:nvSpPr>
+        <p:spPr>
+          <a:xfrm>
+            <a:off x="838200" y="134306"/>
+            <a:ext cx="10515600" cy="1325563"/>
+          </a:xfrm>
+        </p:spPr>
+        <p:txBody>
+          <a:bodyPr/>
+          <a:lstStyle/>
+          <a:p>
+            <a:r>
+              <a:rPr lang="en-US" dirty="0"/>
+              <a:t>2 body</a:t>
+            </a:r>
+          </a:p>
+        </p:txBody>
+      </p:sp>
+      <mc:AlternateContent xmlns:mc="http://schemas.openxmlformats.org/markup-compatibility/2006">
+        <mc:Choice xmlns:a14="http://schemas.microsoft.com/office/drawing/2010/main" Requires="a14">
+          <p:sp>
+            <p:nvSpPr>
+              <p:cNvPr id="3" name="Content Placeholder 2">
+                <a:extLst>
+                  <a:ext uri="{FF2B5EF4-FFF2-40B4-BE49-F238E27FC236}">
+                    <a16:creationId xmlns:a16="http://schemas.microsoft.com/office/drawing/2014/main" id="{55C4DFEB-4D05-866B-39B4-B0727D5AA39D}"/>
+                  </a:ext>
+                </a:extLst>
+              </p:cNvPr>
+              <p:cNvSpPr>
+                <a:spLocks noGrp="1"/>
+              </p:cNvSpPr>
+              <p:nvPr>
+                <p:ph idx="1"/>
+              </p:nvPr>
+            </p:nvSpPr>
+            <p:spPr>
+              <a:xfrm>
+                <a:off x="838200" y="1180730"/>
+                <a:ext cx="10515600" cy="5397623"/>
+              </a:xfrm>
+            </p:spPr>
+            <p:txBody>
+              <a:bodyPr>
+                <a:normAutofit fontScale="92500" lnSpcReduction="20000"/>
+              </a:bodyPr>
+              <a:lstStyle/>
+              <a:p>
+                <a:r>
+                  <a:rPr lang="en-US" dirty="0"/>
+                  <a:t>If we have a 2 body attenuator, the forces on float 1:</a:t>
+                </a:r>
+              </a:p>
+              <a:p>
+                <a:pPr lvl="1"/>
+                <a:r>
+                  <a:rPr lang="en-US" dirty="0"/>
+                  <a:t>The PTO force only depends on pitch (about PTO)</a:t>
+                </a:r>
+              </a:p>
+              <a:p>
+                <a:pPr lvl="1"/>
+                <a:r>
+                  <a:rPr lang="en-US" dirty="0"/>
+                  <a:t>Since the PTO location is constant, the wave forces depend on both pitch and heave, but they can easily be written to depend only on pitch:</a:t>
+                </a:r>
+              </a:p>
+              <a:p>
+                <a:pPr lvl="2"/>
+                <a14:m>
+                  <m:oMath xmlns:m="http://schemas.openxmlformats.org/officeDocument/2006/math">
+                    <m:sSub>
+                      <m:sSubPr>
+                        <m:ctrlPr>
+                          <a:rPr lang="en-US" b="0" i="1" smtClean="0">
+                            <a:latin typeface="Cambria Math" panose="02040503050406030204" pitchFamily="18" charset="0"/>
+                          </a:rPr>
+                        </m:ctrlPr>
+                      </m:sSubPr>
+                      <m:e>
+                        <m:r>
+                          <a:rPr lang="en-US" b="0" i="1" smtClean="0">
+                            <a:latin typeface="Cambria Math" panose="02040503050406030204" pitchFamily="18" charset="0"/>
+                          </a:rPr>
+                          <m:t>𝑧</m:t>
+                        </m:r>
+                      </m:e>
+                      <m:sub>
+                        <m:r>
+                          <a:rPr lang="en-US" b="0" i="1" smtClean="0">
+                            <a:latin typeface="Cambria Math" panose="02040503050406030204" pitchFamily="18" charset="0"/>
+                          </a:rPr>
+                          <m:t>1</m:t>
+                        </m:r>
+                      </m:sub>
+                    </m:sSub>
+                    <m:r>
+                      <a:rPr lang="en-US" b="0" i="1" smtClean="0">
+                        <a:latin typeface="Cambria Math" panose="02040503050406030204" pitchFamily="18" charset="0"/>
+                      </a:rPr>
+                      <m:t>=−</m:t>
+                    </m:r>
+                    <m:r>
+                      <m:rPr>
+                        <m:sty m:val="p"/>
+                      </m:rPr>
+                      <a:rPr lang="en-US" b="0" i="0" smtClean="0">
+                        <a:latin typeface="Cambria Math" panose="02040503050406030204" pitchFamily="18" charset="0"/>
+                      </a:rPr>
+                      <m:t>dsin</m:t>
+                    </m:r>
+                    <m:r>
+                      <a:rPr lang="en-US" b="0" i="1" smtClean="0">
+                        <a:latin typeface="Cambria Math" panose="02040503050406030204" pitchFamily="18" charset="0"/>
+                      </a:rPr>
+                      <m:t>⁡(</m:t>
+                    </m:r>
+                    <m:sSub>
+                      <m:sSubPr>
+                        <m:ctrlPr>
+                          <a:rPr lang="en-US" b="0" i="1" smtClean="0">
+                            <a:latin typeface="Cambria Math" panose="02040503050406030204" pitchFamily="18" charset="0"/>
+                          </a:rPr>
+                        </m:ctrlPr>
+                      </m:sSubPr>
+                      <m:e>
+                        <m:r>
+                          <a:rPr lang="en-US" b="0" i="1" smtClean="0">
+                            <a:latin typeface="Cambria Math" panose="02040503050406030204" pitchFamily="18" charset="0"/>
+                          </a:rPr>
+                          <m:t>𝜃</m:t>
+                        </m:r>
+                      </m:e>
+                      <m:sub>
+                        <m:r>
+                          <a:rPr lang="en-US" b="0" i="1" smtClean="0">
+                            <a:latin typeface="Cambria Math" panose="02040503050406030204" pitchFamily="18" charset="0"/>
+                          </a:rPr>
+                          <m:t>1</m:t>
+                        </m:r>
+                      </m:sub>
+                    </m:sSub>
+                    <m:r>
+                      <a:rPr lang="en-US" b="0" i="1" smtClean="0">
+                        <a:latin typeface="Cambria Math" panose="02040503050406030204" pitchFamily="18" charset="0"/>
+                      </a:rPr>
+                      <m:t>)</m:t>
+                    </m:r>
+                  </m:oMath>
+                </a14:m>
+                <a:endParaRPr lang="en-US" dirty="0"/>
+              </a:p>
+              <a:p>
+                <a:pPr lvl="2"/>
+                <a14:m>
+                  <m:oMath xmlns:m="http://schemas.openxmlformats.org/officeDocument/2006/math">
+                    <m:sSub>
+                      <m:sSubPr>
+                        <m:ctrlPr>
+                          <a:rPr lang="en-US" b="0" i="1" smtClean="0">
+                            <a:latin typeface="Cambria Math" panose="02040503050406030204" pitchFamily="18" charset="0"/>
+                          </a:rPr>
+                        </m:ctrlPr>
+                      </m:sSubPr>
+                      <m:e>
+                        <m:r>
+                          <a:rPr lang="en-US" b="0" i="1" smtClean="0">
+                            <a:latin typeface="Cambria Math" panose="02040503050406030204" pitchFamily="18" charset="0"/>
+                          </a:rPr>
+                          <m:t>𝜏</m:t>
+                        </m:r>
+                      </m:e>
+                      <m:sub>
+                        <m:r>
+                          <a:rPr lang="en-US" b="0" i="1" smtClean="0">
+                            <a:latin typeface="Cambria Math" panose="02040503050406030204" pitchFamily="18" charset="0"/>
+                          </a:rPr>
+                          <m:t>𝑡𝑜𝑡</m:t>
+                        </m:r>
+                        <m:r>
+                          <a:rPr lang="en-US" b="0" i="1" smtClean="0">
+                            <a:latin typeface="Cambria Math" panose="02040503050406030204" pitchFamily="18" charset="0"/>
+                          </a:rPr>
+                          <m:t>,1</m:t>
+                        </m:r>
+                      </m:sub>
+                    </m:sSub>
+                    <m:r>
+                      <a:rPr lang="en-US" b="0" i="1" smtClean="0">
+                        <a:latin typeface="Cambria Math" panose="02040503050406030204" pitchFamily="18" charset="0"/>
+                      </a:rPr>
+                      <m:t>=</m:t>
+                    </m:r>
+                    <m:sSub>
+                      <m:sSubPr>
+                        <m:ctrlPr>
+                          <a:rPr lang="en-US" b="0" i="1" smtClean="0">
+                            <a:latin typeface="Cambria Math" panose="02040503050406030204" pitchFamily="18" charset="0"/>
+                          </a:rPr>
+                        </m:ctrlPr>
+                      </m:sSubPr>
+                      <m:e>
+                        <m:r>
+                          <a:rPr lang="en-US" b="0" i="1" smtClean="0">
+                            <a:latin typeface="Cambria Math" panose="02040503050406030204" pitchFamily="18" charset="0"/>
+                          </a:rPr>
+                          <m:t>𝜏</m:t>
+                        </m:r>
+                      </m:e>
+                      <m:sub>
+                        <m:r>
+                          <a:rPr lang="en-US" b="0" i="1" smtClean="0">
+                            <a:latin typeface="Cambria Math" panose="02040503050406030204" pitchFamily="18" charset="0"/>
+                          </a:rPr>
+                          <m:t>𝑝𝑖𝑡𝑐h</m:t>
+                        </m:r>
+                        <m:r>
+                          <a:rPr lang="en-US" b="0" i="1" smtClean="0">
+                            <a:latin typeface="Cambria Math" panose="02040503050406030204" pitchFamily="18" charset="0"/>
+                          </a:rPr>
+                          <m:t>,</m:t>
+                        </m:r>
+                        <m:r>
+                          <a:rPr lang="en-US" b="0" i="1" smtClean="0">
+                            <a:latin typeface="Cambria Math" panose="02040503050406030204" pitchFamily="18" charset="0"/>
+                          </a:rPr>
+                          <m:t>𝑐𝑜𝑒𝑓𝑓𝑠</m:t>
+                        </m:r>
+                      </m:sub>
+                    </m:sSub>
+                    <m:sSub>
+                      <m:sSubPr>
+                        <m:ctrlPr>
+                          <a:rPr lang="en-US" b="0" i="1" smtClean="0">
+                            <a:latin typeface="Cambria Math" panose="02040503050406030204" pitchFamily="18" charset="0"/>
+                          </a:rPr>
+                        </m:ctrlPr>
+                      </m:sSubPr>
+                      <m:e>
+                        <m:r>
+                          <a:rPr lang="en-US" b="0" i="1" smtClean="0">
+                            <a:latin typeface="Cambria Math" panose="02040503050406030204" pitchFamily="18" charset="0"/>
+                          </a:rPr>
+                          <m:t>𝜃</m:t>
+                        </m:r>
+                      </m:e>
+                      <m:sub>
+                        <m:r>
+                          <a:rPr lang="en-US" b="0" i="1" smtClean="0">
+                            <a:latin typeface="Cambria Math" panose="02040503050406030204" pitchFamily="18" charset="0"/>
+                          </a:rPr>
+                          <m:t>1</m:t>
+                        </m:r>
+                      </m:sub>
+                    </m:sSub>
+                    <m:r>
+                      <a:rPr lang="en-US" b="0" i="1" smtClean="0">
+                        <a:latin typeface="Cambria Math" panose="02040503050406030204" pitchFamily="18" charset="0"/>
+                      </a:rPr>
+                      <m:t>+</m:t>
+                    </m:r>
+                    <m:sSub>
+                      <m:sSubPr>
+                        <m:ctrlPr>
+                          <a:rPr lang="en-US" b="0" i="1" smtClean="0">
+                            <a:latin typeface="Cambria Math" panose="02040503050406030204" pitchFamily="18" charset="0"/>
+                          </a:rPr>
+                        </m:ctrlPr>
+                      </m:sSubPr>
+                      <m:e>
+                        <m:r>
+                          <a:rPr lang="en-US" b="0" i="1" smtClean="0">
+                            <a:latin typeface="Cambria Math" panose="02040503050406030204" pitchFamily="18" charset="0"/>
+                          </a:rPr>
+                          <m:t>𝐹</m:t>
+                        </m:r>
+                      </m:e>
+                      <m:sub>
+                        <m:r>
+                          <a:rPr lang="en-US" b="0" i="1" smtClean="0">
+                            <a:latin typeface="Cambria Math" panose="02040503050406030204" pitchFamily="18" charset="0"/>
+                          </a:rPr>
+                          <m:t>h𝑒𝑎𝑣𝑒</m:t>
+                        </m:r>
+                        <m:r>
+                          <a:rPr lang="en-US" b="0" i="1" smtClean="0">
+                            <a:latin typeface="Cambria Math" panose="02040503050406030204" pitchFamily="18" charset="0"/>
+                          </a:rPr>
+                          <m:t>,</m:t>
+                        </m:r>
+                        <m:r>
+                          <a:rPr lang="en-US" b="0" i="1" smtClean="0">
+                            <a:latin typeface="Cambria Math" panose="02040503050406030204" pitchFamily="18" charset="0"/>
+                          </a:rPr>
+                          <m:t>𝑐𝑜𝑒𝑓𝑓𝑠</m:t>
+                        </m:r>
+                      </m:sub>
+                    </m:sSub>
+                    <m:r>
+                      <a:rPr lang="en-US" b="0" i="1" smtClean="0">
+                        <a:latin typeface="Cambria Math" panose="02040503050406030204" pitchFamily="18" charset="0"/>
+                      </a:rPr>
+                      <m:t>𝑑𝑧</m:t>
+                    </m:r>
+                    <m:r>
+                      <a:rPr lang="en-US" b="0" i="1" smtClean="0">
+                        <a:latin typeface="Cambria Math" panose="02040503050406030204" pitchFamily="18" charset="0"/>
+                      </a:rPr>
+                      <m:t> ~ </m:t>
+                    </m:r>
+                    <m:sSub>
+                      <m:sSubPr>
+                        <m:ctrlPr>
+                          <a:rPr lang="en-US" i="1">
+                            <a:latin typeface="Cambria Math" panose="02040503050406030204" pitchFamily="18" charset="0"/>
+                          </a:rPr>
+                        </m:ctrlPr>
+                      </m:sSubPr>
+                      <m:e>
+                        <m:r>
+                          <a:rPr lang="en-US" i="1">
+                            <a:latin typeface="Cambria Math" panose="02040503050406030204" pitchFamily="18" charset="0"/>
+                          </a:rPr>
+                          <m:t>𝜏</m:t>
+                        </m:r>
+                      </m:e>
+                      <m:sub>
+                        <m:r>
+                          <a:rPr lang="en-US" i="1">
+                            <a:latin typeface="Cambria Math" panose="02040503050406030204" pitchFamily="18" charset="0"/>
+                          </a:rPr>
+                          <m:t>𝑝𝑖𝑡𝑐h</m:t>
+                        </m:r>
+                        <m:r>
+                          <a:rPr lang="en-US" i="1">
+                            <a:latin typeface="Cambria Math" panose="02040503050406030204" pitchFamily="18" charset="0"/>
+                          </a:rPr>
+                          <m:t>,</m:t>
+                        </m:r>
+                        <m:r>
+                          <a:rPr lang="en-US" i="1">
+                            <a:latin typeface="Cambria Math" panose="02040503050406030204" pitchFamily="18" charset="0"/>
+                          </a:rPr>
+                          <m:t>𝑐𝑜𝑒𝑓𝑓𝑠</m:t>
+                        </m:r>
+                      </m:sub>
+                    </m:sSub>
+                    <m:sSub>
+                      <m:sSubPr>
+                        <m:ctrlPr>
+                          <a:rPr lang="en-US" b="0" i="1" smtClean="0">
+                            <a:latin typeface="Cambria Math" panose="02040503050406030204" pitchFamily="18" charset="0"/>
+                          </a:rPr>
+                        </m:ctrlPr>
+                      </m:sSubPr>
+                      <m:e>
+                        <m:r>
+                          <a:rPr lang="en-US" i="1">
+                            <a:latin typeface="Cambria Math" panose="02040503050406030204" pitchFamily="18" charset="0"/>
+                          </a:rPr>
+                          <m:t>𝜃</m:t>
+                        </m:r>
+                      </m:e>
+                      <m:sub>
+                        <m:r>
+                          <a:rPr lang="en-US" b="0" i="1" smtClean="0">
+                            <a:latin typeface="Cambria Math" panose="02040503050406030204" pitchFamily="18" charset="0"/>
+                          </a:rPr>
+                          <m:t>1</m:t>
+                        </m:r>
+                      </m:sub>
+                    </m:sSub>
+                    <m:r>
+                      <a:rPr lang="en-US" b="0" i="1" smtClean="0">
+                        <a:latin typeface="Cambria Math" panose="02040503050406030204" pitchFamily="18" charset="0"/>
+                      </a:rPr>
+                      <m:t>−</m:t>
+                    </m:r>
+                    <m:sSub>
+                      <m:sSubPr>
+                        <m:ctrlPr>
+                          <a:rPr lang="en-US" i="1">
+                            <a:latin typeface="Cambria Math" panose="02040503050406030204" pitchFamily="18" charset="0"/>
+                          </a:rPr>
+                        </m:ctrlPr>
+                      </m:sSubPr>
+                      <m:e>
+                        <m:r>
+                          <a:rPr lang="en-US" i="1">
+                            <a:latin typeface="Cambria Math" panose="02040503050406030204" pitchFamily="18" charset="0"/>
+                          </a:rPr>
+                          <m:t>𝐹</m:t>
+                        </m:r>
+                      </m:e>
+                      <m:sub>
+                        <m:r>
+                          <a:rPr lang="en-US" i="1">
+                            <a:latin typeface="Cambria Math" panose="02040503050406030204" pitchFamily="18" charset="0"/>
+                          </a:rPr>
+                          <m:t>h𝑒𝑎𝑣𝑒</m:t>
+                        </m:r>
+                        <m:r>
+                          <a:rPr lang="en-US" i="1">
+                            <a:latin typeface="Cambria Math" panose="02040503050406030204" pitchFamily="18" charset="0"/>
+                          </a:rPr>
+                          <m:t>,</m:t>
+                        </m:r>
+                        <m:r>
+                          <a:rPr lang="en-US" i="1">
+                            <a:latin typeface="Cambria Math" panose="02040503050406030204" pitchFamily="18" charset="0"/>
+                          </a:rPr>
+                          <m:t>𝑐𝑜𝑒𝑓𝑓𝑠</m:t>
+                        </m:r>
+                      </m:sub>
+                    </m:sSub>
+                    <m:r>
+                      <a:rPr lang="en-US" i="1">
+                        <a:latin typeface="Cambria Math" panose="02040503050406030204" pitchFamily="18" charset="0"/>
+                      </a:rPr>
+                      <m:t>𝑑</m:t>
+                    </m:r>
+                    <m:sSub>
+                      <m:sSubPr>
+                        <m:ctrlPr>
+                          <a:rPr lang="en-US" b="0" i="1" smtClean="0">
+                            <a:latin typeface="Cambria Math" panose="02040503050406030204" pitchFamily="18" charset="0"/>
+                          </a:rPr>
+                        </m:ctrlPr>
+                      </m:sSubPr>
+                      <m:e>
+                        <m:r>
+                          <a:rPr lang="en-US" b="0" i="1" smtClean="0">
+                            <a:latin typeface="Cambria Math" panose="02040503050406030204" pitchFamily="18" charset="0"/>
+                          </a:rPr>
+                          <m:t>𝜃</m:t>
+                        </m:r>
+                      </m:e>
+                      <m:sub>
+                        <m:r>
+                          <a:rPr lang="en-US" b="0" i="1" smtClean="0">
+                            <a:latin typeface="Cambria Math" panose="02040503050406030204" pitchFamily="18" charset="0"/>
+                          </a:rPr>
+                          <m:t>1</m:t>
+                        </m:r>
+                      </m:sub>
+                    </m:sSub>
+                  </m:oMath>
+                </a14:m>
+                <a:endParaRPr lang="en-US" dirty="0"/>
+              </a:p>
+              <a:p>
+                <a:r>
+                  <a:rPr lang="en-US" dirty="0"/>
+                  <a:t>The forces on float 2:</a:t>
+                </a:r>
+              </a:p>
+              <a:p>
+                <a:pPr lvl="1"/>
+                <a:r>
+                  <a:rPr lang="en-US" dirty="0"/>
+                  <a:t>The PTO force only depends on pitch (about PTO)</a:t>
+                </a:r>
+              </a:p>
+              <a:p>
+                <a:pPr lvl="1"/>
+                <a:r>
+                  <a:rPr lang="en-US" dirty="0"/>
+                  <a:t>Since the PTO location changes, the wave forces depend on pitch and heave of 2</a:t>
+                </a:r>
+                <a:r>
+                  <a:rPr lang="en-US" baseline="30000" dirty="0"/>
+                  <a:t>nd</a:t>
+                </a:r>
+                <a:r>
+                  <a:rPr lang="en-US" dirty="0"/>
+                  <a:t> body. These can both be described in terms of the two pitch values:</a:t>
+                </a:r>
+              </a:p>
+              <a:p>
+                <a:pPr lvl="2"/>
+                <a14:m>
+                  <m:oMath xmlns:m="http://schemas.openxmlformats.org/officeDocument/2006/math">
+                    <m:r>
+                      <a:rPr lang="en-US" b="0" i="1" smtClean="0">
+                        <a:latin typeface="Cambria Math" panose="02040503050406030204" pitchFamily="18" charset="0"/>
+                      </a:rPr>
+                      <m:t>𝑧</m:t>
+                    </m:r>
+                    <m:r>
+                      <a:rPr lang="en-US" b="0" i="1" smtClean="0">
+                        <a:latin typeface="Cambria Math" panose="02040503050406030204" pitchFamily="18" charset="0"/>
+                      </a:rPr>
+                      <m:t>=−2</m:t>
+                    </m:r>
+                    <m:r>
+                      <a:rPr lang="en-US" b="0" i="1" smtClean="0">
+                        <a:latin typeface="Cambria Math" panose="02040503050406030204" pitchFamily="18" charset="0"/>
+                      </a:rPr>
+                      <m:t>𝑑</m:t>
+                    </m:r>
+                    <m:func>
+                      <m:funcPr>
+                        <m:ctrlPr>
+                          <a:rPr lang="en-US" b="0" i="1" smtClean="0">
+                            <a:latin typeface="Cambria Math" panose="02040503050406030204" pitchFamily="18" charset="0"/>
+                          </a:rPr>
+                        </m:ctrlPr>
+                      </m:funcPr>
+                      <m:fName>
+                        <m:r>
+                          <m:rPr>
+                            <m:sty m:val="p"/>
+                          </m:rPr>
+                          <a:rPr lang="en-US" b="0" i="0" smtClean="0">
+                            <a:latin typeface="Cambria Math" panose="02040503050406030204" pitchFamily="18" charset="0"/>
+                          </a:rPr>
+                          <m:t>sin</m:t>
+                        </m:r>
+                      </m:fName>
+                      <m:e>
+                        <m:d>
+                          <m:dPr>
+                            <m:ctrlPr>
+                              <a:rPr lang="en-US" b="0" i="1" smtClean="0">
+                                <a:latin typeface="Cambria Math" panose="02040503050406030204" pitchFamily="18" charset="0"/>
+                              </a:rPr>
+                            </m:ctrlPr>
+                          </m:dPr>
+                          <m:e>
+                            <m:sSub>
+                              <m:sSubPr>
+                                <m:ctrlPr>
+                                  <a:rPr lang="en-US" b="0" i="1" smtClean="0">
+                                    <a:latin typeface="Cambria Math" panose="02040503050406030204" pitchFamily="18" charset="0"/>
+                                  </a:rPr>
+                                </m:ctrlPr>
+                              </m:sSubPr>
+                              <m:e>
+                                <m:r>
+                                  <a:rPr lang="en-US" b="0" i="1" smtClean="0">
+                                    <a:latin typeface="Cambria Math" panose="02040503050406030204" pitchFamily="18" charset="0"/>
+                                  </a:rPr>
+                                  <m:t>𝜃</m:t>
+                                </m:r>
+                              </m:e>
+                              <m:sub>
+                                <m:r>
+                                  <a:rPr lang="en-US" b="0" i="1" smtClean="0">
+                                    <a:latin typeface="Cambria Math" panose="02040503050406030204" pitchFamily="18" charset="0"/>
+                                  </a:rPr>
+                                  <m:t>1</m:t>
+                                </m:r>
+                              </m:sub>
+                            </m:sSub>
+                          </m:e>
+                        </m:d>
+                      </m:e>
+                    </m:func>
+                    <m:r>
+                      <a:rPr lang="en-US" b="0" i="1" smtClean="0">
+                        <a:latin typeface="Cambria Math" panose="02040503050406030204" pitchFamily="18" charset="0"/>
+                      </a:rPr>
+                      <m:t>−</m:t>
+                    </m:r>
+                    <m:r>
+                      <a:rPr lang="en-US" b="0" i="1" smtClean="0">
+                        <a:latin typeface="Cambria Math" panose="02040503050406030204" pitchFamily="18" charset="0"/>
+                      </a:rPr>
+                      <m:t>𝑑𝑠𝑖𝑛</m:t>
+                    </m:r>
+                    <m:d>
+                      <m:dPr>
+                        <m:ctrlPr>
+                          <a:rPr lang="en-US" b="0" i="1" smtClean="0">
+                            <a:latin typeface="Cambria Math" panose="02040503050406030204" pitchFamily="18" charset="0"/>
+                          </a:rPr>
+                        </m:ctrlPr>
+                      </m:dPr>
+                      <m:e>
+                        <m:sSub>
+                          <m:sSubPr>
+                            <m:ctrlPr>
+                              <a:rPr lang="en-US" b="0" i="1" smtClean="0">
+                                <a:latin typeface="Cambria Math" panose="02040503050406030204" pitchFamily="18" charset="0"/>
+                              </a:rPr>
+                            </m:ctrlPr>
+                          </m:sSubPr>
+                          <m:e>
+                            <m:r>
+                              <a:rPr lang="en-US" b="0" i="1" smtClean="0">
+                                <a:latin typeface="Cambria Math" panose="02040503050406030204" pitchFamily="18" charset="0"/>
+                              </a:rPr>
+                              <m:t>𝜃</m:t>
+                            </m:r>
+                          </m:e>
+                          <m:sub>
+                            <m:r>
+                              <a:rPr lang="en-US" b="0" i="1" smtClean="0">
+                                <a:latin typeface="Cambria Math" panose="02040503050406030204" pitchFamily="18" charset="0"/>
+                              </a:rPr>
+                              <m:t>1</m:t>
+                            </m:r>
+                          </m:sub>
+                        </m:sSub>
+                      </m:e>
+                    </m:d>
+                    <m:r>
+                      <a:rPr lang="en-US" b="0" i="1" smtClean="0">
+                        <a:latin typeface="Cambria Math" panose="02040503050406030204" pitchFamily="18" charset="0"/>
+                      </a:rPr>
+                      <m:t>−</m:t>
+                    </m:r>
+                    <m:r>
+                      <a:rPr lang="en-US" b="0" i="1" smtClean="0">
+                        <a:latin typeface="Cambria Math" panose="02040503050406030204" pitchFamily="18" charset="0"/>
+                      </a:rPr>
+                      <m:t>𝑑𝑠𝑖𝑛</m:t>
+                    </m:r>
+                    <m:r>
+                      <a:rPr lang="en-US" b="0" i="1" smtClean="0">
+                        <a:latin typeface="Cambria Math" panose="02040503050406030204" pitchFamily="18" charset="0"/>
+                      </a:rPr>
+                      <m:t>(</m:t>
+                    </m:r>
+                    <m:sSub>
+                      <m:sSubPr>
+                        <m:ctrlPr>
+                          <a:rPr lang="en-US" b="0" i="1" smtClean="0">
+                            <a:latin typeface="Cambria Math" panose="02040503050406030204" pitchFamily="18" charset="0"/>
+                          </a:rPr>
+                        </m:ctrlPr>
+                      </m:sSubPr>
+                      <m:e>
+                        <m:r>
+                          <a:rPr lang="en-US" b="0" i="1" smtClean="0">
+                            <a:latin typeface="Cambria Math" panose="02040503050406030204" pitchFamily="18" charset="0"/>
+                          </a:rPr>
+                          <m:t>𝜃</m:t>
+                        </m:r>
+                      </m:e>
+                      <m:sub>
+                        <m:r>
+                          <a:rPr lang="en-US" b="0" i="1" smtClean="0">
+                            <a:latin typeface="Cambria Math" panose="02040503050406030204" pitchFamily="18" charset="0"/>
+                          </a:rPr>
+                          <m:t>2</m:t>
+                        </m:r>
+                      </m:sub>
+                    </m:sSub>
+                    <m:r>
+                      <a:rPr lang="en-US" b="0" i="1" smtClean="0">
+                        <a:latin typeface="Cambria Math" panose="02040503050406030204" pitchFamily="18" charset="0"/>
+                      </a:rPr>
+                      <m:t>)</m:t>
+                    </m:r>
+                  </m:oMath>
+                </a14:m>
+                <a:endParaRPr lang="en-US" b="0" i="1" dirty="0">
+                  <a:latin typeface="Cambria Math" panose="02040503050406030204" pitchFamily="18" charset="0"/>
+                </a:endParaRPr>
+              </a:p>
+              <a:p>
+                <a:pPr lvl="2"/>
+                <a14:m>
+                  <m:oMath xmlns:m="http://schemas.openxmlformats.org/officeDocument/2006/math">
+                    <m:sSub>
+                      <m:sSubPr>
+                        <m:ctrlPr>
+                          <a:rPr lang="en-US" b="0" i="1" smtClean="0">
+                            <a:latin typeface="Cambria Math" panose="02040503050406030204" pitchFamily="18" charset="0"/>
+                          </a:rPr>
+                        </m:ctrlPr>
+                      </m:sSubPr>
+                      <m:e>
+                        <m:r>
+                          <a:rPr lang="en-US" b="0" i="1" smtClean="0">
+                            <a:latin typeface="Cambria Math" panose="02040503050406030204" pitchFamily="18" charset="0"/>
+                          </a:rPr>
+                          <m:t>𝜏</m:t>
+                        </m:r>
+                      </m:e>
+                      <m:sub>
+                        <m:r>
+                          <a:rPr lang="en-US" b="0" i="1" smtClean="0">
+                            <a:latin typeface="Cambria Math" panose="02040503050406030204" pitchFamily="18" charset="0"/>
+                          </a:rPr>
+                          <m:t>𝑡𝑜𝑡</m:t>
+                        </m:r>
+                        <m:r>
+                          <a:rPr lang="en-US" b="0" i="1" smtClean="0">
+                            <a:latin typeface="Cambria Math" panose="02040503050406030204" pitchFamily="18" charset="0"/>
+                          </a:rPr>
+                          <m:t>,2</m:t>
+                        </m:r>
+                      </m:sub>
+                    </m:sSub>
+                    <m:r>
+                      <a:rPr lang="en-US" b="0" i="1" smtClean="0">
+                        <a:latin typeface="Cambria Math" panose="02040503050406030204" pitchFamily="18" charset="0"/>
+                      </a:rPr>
+                      <m:t>=</m:t>
+                    </m:r>
+                    <m:sSub>
+                      <m:sSubPr>
+                        <m:ctrlPr>
+                          <a:rPr lang="en-US" i="1">
+                            <a:latin typeface="Cambria Math" panose="02040503050406030204" pitchFamily="18" charset="0"/>
+                          </a:rPr>
+                        </m:ctrlPr>
+                      </m:sSubPr>
+                      <m:e>
+                        <m:r>
+                          <a:rPr lang="en-US" i="1">
+                            <a:latin typeface="Cambria Math" panose="02040503050406030204" pitchFamily="18" charset="0"/>
+                          </a:rPr>
+                          <m:t>𝜏</m:t>
+                        </m:r>
+                      </m:e>
+                      <m:sub>
+                        <m:r>
+                          <a:rPr lang="en-US" i="1">
+                            <a:latin typeface="Cambria Math" panose="02040503050406030204" pitchFamily="18" charset="0"/>
+                          </a:rPr>
+                          <m:t>𝑝𝑖𝑡𝑐h</m:t>
+                        </m:r>
+                        <m:r>
+                          <a:rPr lang="en-US" i="1">
+                            <a:latin typeface="Cambria Math" panose="02040503050406030204" pitchFamily="18" charset="0"/>
+                          </a:rPr>
+                          <m:t>,</m:t>
+                        </m:r>
+                        <m:r>
+                          <a:rPr lang="en-US" i="1">
+                            <a:latin typeface="Cambria Math" panose="02040503050406030204" pitchFamily="18" charset="0"/>
+                          </a:rPr>
+                          <m:t>𝑐𝑜𝑒𝑓𝑓𝑠</m:t>
+                        </m:r>
+                      </m:sub>
+                    </m:sSub>
+                    <m:sSub>
+                      <m:sSubPr>
+                        <m:ctrlPr>
+                          <a:rPr lang="en-US" b="0" i="1" smtClean="0">
+                            <a:latin typeface="Cambria Math" panose="02040503050406030204" pitchFamily="18" charset="0"/>
+                          </a:rPr>
+                        </m:ctrlPr>
+                      </m:sSubPr>
+                      <m:e>
+                        <m:r>
+                          <a:rPr lang="en-US" i="1">
+                            <a:latin typeface="Cambria Math" panose="02040503050406030204" pitchFamily="18" charset="0"/>
+                          </a:rPr>
+                          <m:t>𝜃</m:t>
+                        </m:r>
+                      </m:e>
+                      <m:sub>
+                        <m:r>
+                          <a:rPr lang="en-US" b="0" i="1" smtClean="0">
+                            <a:latin typeface="Cambria Math" panose="02040503050406030204" pitchFamily="18" charset="0"/>
+                          </a:rPr>
+                          <m:t>2</m:t>
+                        </m:r>
+                      </m:sub>
+                    </m:sSub>
+                    <m:r>
+                      <a:rPr lang="en-US" i="1">
+                        <a:latin typeface="Cambria Math" panose="02040503050406030204" pitchFamily="18" charset="0"/>
+                      </a:rPr>
+                      <m:t>+</m:t>
+                    </m:r>
+                    <m:sSub>
+                      <m:sSubPr>
+                        <m:ctrlPr>
+                          <a:rPr lang="en-US" i="1">
+                            <a:latin typeface="Cambria Math" panose="02040503050406030204" pitchFamily="18" charset="0"/>
+                          </a:rPr>
+                        </m:ctrlPr>
+                      </m:sSubPr>
+                      <m:e>
+                        <m:r>
+                          <a:rPr lang="en-US" i="1">
+                            <a:latin typeface="Cambria Math" panose="02040503050406030204" pitchFamily="18" charset="0"/>
+                          </a:rPr>
+                          <m:t>𝐹</m:t>
+                        </m:r>
+                      </m:e>
+                      <m:sub>
+                        <m:r>
+                          <a:rPr lang="en-US" i="1">
+                            <a:latin typeface="Cambria Math" panose="02040503050406030204" pitchFamily="18" charset="0"/>
+                          </a:rPr>
+                          <m:t>h𝑒𝑎𝑣𝑒</m:t>
+                        </m:r>
+                        <m:r>
+                          <a:rPr lang="en-US" i="1">
+                            <a:latin typeface="Cambria Math" panose="02040503050406030204" pitchFamily="18" charset="0"/>
+                          </a:rPr>
+                          <m:t>,</m:t>
+                        </m:r>
+                        <m:r>
+                          <a:rPr lang="en-US" i="1">
+                            <a:latin typeface="Cambria Math" panose="02040503050406030204" pitchFamily="18" charset="0"/>
+                          </a:rPr>
+                          <m:t>𝑐𝑜𝑒𝑓𝑓𝑠</m:t>
+                        </m:r>
+                      </m:sub>
+                    </m:sSub>
+                    <m:r>
+                      <a:rPr lang="en-US" i="1">
+                        <a:latin typeface="Cambria Math" panose="02040503050406030204" pitchFamily="18" charset="0"/>
+                      </a:rPr>
+                      <m:t>𝑑𝑧</m:t>
+                    </m:r>
+                    <m:r>
+                      <a:rPr lang="en-US" b="0" i="1" smtClean="0">
+                        <a:latin typeface="Cambria Math" panose="02040503050406030204" pitchFamily="18" charset="0"/>
+                      </a:rPr>
+                      <m:t>=</m:t>
+                    </m:r>
+                    <m:sSub>
+                      <m:sSubPr>
+                        <m:ctrlPr>
+                          <a:rPr lang="en-US" i="1">
+                            <a:latin typeface="Cambria Math" panose="02040503050406030204" pitchFamily="18" charset="0"/>
+                          </a:rPr>
+                        </m:ctrlPr>
+                      </m:sSubPr>
+                      <m:e>
+                        <m:r>
+                          <a:rPr lang="en-US" i="1">
+                            <a:latin typeface="Cambria Math" panose="02040503050406030204" pitchFamily="18" charset="0"/>
+                          </a:rPr>
+                          <m:t>𝜏</m:t>
+                        </m:r>
+                      </m:e>
+                      <m:sub>
+                        <m:r>
+                          <a:rPr lang="en-US" i="1">
+                            <a:latin typeface="Cambria Math" panose="02040503050406030204" pitchFamily="18" charset="0"/>
+                          </a:rPr>
+                          <m:t>𝑝𝑖𝑡𝑐h</m:t>
+                        </m:r>
+                        <m:r>
+                          <a:rPr lang="en-US" i="1">
+                            <a:latin typeface="Cambria Math" panose="02040503050406030204" pitchFamily="18" charset="0"/>
+                          </a:rPr>
+                          <m:t>,</m:t>
+                        </m:r>
+                        <m:r>
+                          <a:rPr lang="en-US" i="1">
+                            <a:latin typeface="Cambria Math" panose="02040503050406030204" pitchFamily="18" charset="0"/>
+                          </a:rPr>
+                          <m:t>𝑐𝑜𝑒𝑓𝑓𝑠</m:t>
+                        </m:r>
+                      </m:sub>
+                    </m:sSub>
+                    <m:sSub>
+                      <m:sSubPr>
+                        <m:ctrlPr>
+                          <a:rPr lang="en-US" i="1">
+                            <a:latin typeface="Cambria Math" panose="02040503050406030204" pitchFamily="18" charset="0"/>
+                          </a:rPr>
+                        </m:ctrlPr>
+                      </m:sSubPr>
+                      <m:e>
+                        <m:r>
+                          <a:rPr lang="en-US" i="1">
+                            <a:latin typeface="Cambria Math" panose="02040503050406030204" pitchFamily="18" charset="0"/>
+                          </a:rPr>
+                          <m:t>𝜃</m:t>
+                        </m:r>
+                      </m:e>
+                      <m:sub>
+                        <m:r>
+                          <a:rPr lang="en-US" i="1">
+                            <a:latin typeface="Cambria Math" panose="02040503050406030204" pitchFamily="18" charset="0"/>
+                          </a:rPr>
+                          <m:t>2</m:t>
+                        </m:r>
+                      </m:sub>
+                    </m:sSub>
+                    <m:r>
+                      <a:rPr lang="en-US" b="0" i="1" smtClean="0">
+                        <a:latin typeface="Cambria Math" panose="02040503050406030204" pitchFamily="18" charset="0"/>
+                      </a:rPr>
+                      <m:t>−3</m:t>
+                    </m:r>
+                    <m:sSub>
+                      <m:sSubPr>
+                        <m:ctrlPr>
+                          <a:rPr lang="en-US" i="1">
+                            <a:latin typeface="Cambria Math" panose="02040503050406030204" pitchFamily="18" charset="0"/>
+                          </a:rPr>
+                        </m:ctrlPr>
+                      </m:sSubPr>
+                      <m:e>
+                        <m:r>
+                          <a:rPr lang="en-US" i="1">
+                            <a:latin typeface="Cambria Math" panose="02040503050406030204" pitchFamily="18" charset="0"/>
+                          </a:rPr>
+                          <m:t>𝐹</m:t>
+                        </m:r>
+                      </m:e>
+                      <m:sub>
+                        <m:r>
+                          <a:rPr lang="en-US" i="1">
+                            <a:latin typeface="Cambria Math" panose="02040503050406030204" pitchFamily="18" charset="0"/>
+                          </a:rPr>
+                          <m:t>h𝑒𝑎𝑣𝑒</m:t>
+                        </m:r>
+                        <m:r>
+                          <a:rPr lang="en-US" i="1">
+                            <a:latin typeface="Cambria Math" panose="02040503050406030204" pitchFamily="18" charset="0"/>
+                          </a:rPr>
+                          <m:t>,</m:t>
+                        </m:r>
+                        <m:r>
+                          <a:rPr lang="en-US" i="1">
+                            <a:latin typeface="Cambria Math" panose="02040503050406030204" pitchFamily="18" charset="0"/>
+                          </a:rPr>
+                          <m:t>𝑐𝑜𝑒𝑓𝑓𝑠</m:t>
+                        </m:r>
+                      </m:sub>
+                    </m:sSub>
+                    <m:r>
+                      <a:rPr lang="en-US" i="1">
+                        <a:latin typeface="Cambria Math" panose="02040503050406030204" pitchFamily="18" charset="0"/>
+                      </a:rPr>
+                      <m:t>𝑑</m:t>
+                    </m:r>
+                    <m:sSub>
+                      <m:sSubPr>
+                        <m:ctrlPr>
+                          <a:rPr lang="en-US" b="0" i="1" smtClean="0">
+                            <a:latin typeface="Cambria Math" panose="02040503050406030204" pitchFamily="18" charset="0"/>
+                          </a:rPr>
+                        </m:ctrlPr>
+                      </m:sSubPr>
+                      <m:e>
+                        <m:r>
+                          <a:rPr lang="en-US" b="0" i="1" smtClean="0">
+                            <a:latin typeface="Cambria Math" panose="02040503050406030204" pitchFamily="18" charset="0"/>
+                          </a:rPr>
+                          <m:t>𝜃</m:t>
+                        </m:r>
+                      </m:e>
+                      <m:sub>
+                        <m:r>
+                          <a:rPr lang="en-US" b="0" i="1" smtClean="0">
+                            <a:latin typeface="Cambria Math" panose="02040503050406030204" pitchFamily="18" charset="0"/>
+                          </a:rPr>
+                          <m:t>1</m:t>
+                        </m:r>
+                      </m:sub>
+                    </m:sSub>
+                    <m:r>
+                      <a:rPr lang="en-US" b="0" i="1" smtClean="0">
+                        <a:latin typeface="Cambria Math" panose="02040503050406030204" pitchFamily="18" charset="0"/>
+                      </a:rPr>
+                      <m:t>−</m:t>
+                    </m:r>
+                    <m:sSub>
+                      <m:sSubPr>
+                        <m:ctrlPr>
+                          <a:rPr lang="en-US" i="1">
+                            <a:latin typeface="Cambria Math" panose="02040503050406030204" pitchFamily="18" charset="0"/>
+                          </a:rPr>
+                        </m:ctrlPr>
+                      </m:sSubPr>
+                      <m:e>
+                        <m:r>
+                          <a:rPr lang="en-US" i="1">
+                            <a:latin typeface="Cambria Math" panose="02040503050406030204" pitchFamily="18" charset="0"/>
+                          </a:rPr>
+                          <m:t>𝐹</m:t>
+                        </m:r>
+                      </m:e>
+                      <m:sub>
+                        <m:r>
+                          <a:rPr lang="en-US" i="1">
+                            <a:latin typeface="Cambria Math" panose="02040503050406030204" pitchFamily="18" charset="0"/>
+                          </a:rPr>
+                          <m:t>h𝑒𝑎𝑣𝑒</m:t>
+                        </m:r>
+                        <m:r>
+                          <a:rPr lang="en-US" i="1">
+                            <a:latin typeface="Cambria Math" panose="02040503050406030204" pitchFamily="18" charset="0"/>
+                          </a:rPr>
+                          <m:t>,</m:t>
+                        </m:r>
+                        <m:r>
+                          <a:rPr lang="en-US" i="1">
+                            <a:latin typeface="Cambria Math" panose="02040503050406030204" pitchFamily="18" charset="0"/>
+                          </a:rPr>
+                          <m:t>𝑐𝑜𝑒𝑓𝑓𝑠</m:t>
+                        </m:r>
+                      </m:sub>
+                    </m:sSub>
+                    <m:r>
+                      <a:rPr lang="en-US" i="1">
+                        <a:latin typeface="Cambria Math" panose="02040503050406030204" pitchFamily="18" charset="0"/>
+                      </a:rPr>
+                      <m:t>𝑑</m:t>
+                    </m:r>
+                    <m:sSub>
+                      <m:sSubPr>
+                        <m:ctrlPr>
+                          <a:rPr lang="en-US" i="1">
+                            <a:latin typeface="Cambria Math" panose="02040503050406030204" pitchFamily="18" charset="0"/>
+                          </a:rPr>
+                        </m:ctrlPr>
+                      </m:sSubPr>
+                      <m:e>
+                        <m:r>
+                          <a:rPr lang="en-US" i="1">
+                            <a:latin typeface="Cambria Math" panose="02040503050406030204" pitchFamily="18" charset="0"/>
+                          </a:rPr>
+                          <m:t>𝜃</m:t>
+                        </m:r>
+                      </m:e>
+                      <m:sub>
+                        <m:r>
+                          <a:rPr lang="en-US" b="0" i="1" smtClean="0">
+                            <a:latin typeface="Cambria Math" panose="02040503050406030204" pitchFamily="18" charset="0"/>
+                          </a:rPr>
+                          <m:t>2</m:t>
+                        </m:r>
+                      </m:sub>
+                    </m:sSub>
+                  </m:oMath>
+                </a14:m>
+                <a:endParaRPr lang="en-US" dirty="0"/>
+              </a:p>
+              <a:p>
+                <a:pPr lvl="2"/>
+                <a:r>
+                  <a:rPr lang="en-US" dirty="0"/>
+                  <a:t>Let’s assume that </a:t>
+                </a:r>
+                <a14:m>
+                  <m:oMath xmlns:m="http://schemas.openxmlformats.org/officeDocument/2006/math">
+                    <m:r>
+                      <a:rPr lang="en-US" b="0" i="1" smtClean="0">
+                        <a:latin typeface="Cambria Math" panose="02040503050406030204" pitchFamily="18" charset="0"/>
+                      </a:rPr>
+                      <m:t>3</m:t>
+                    </m:r>
+                    <m:sSub>
+                      <m:sSubPr>
+                        <m:ctrlPr>
+                          <a:rPr lang="en-US" i="1">
+                            <a:latin typeface="Cambria Math" panose="02040503050406030204" pitchFamily="18" charset="0"/>
+                          </a:rPr>
+                        </m:ctrlPr>
+                      </m:sSubPr>
+                      <m:e>
+                        <m:r>
+                          <a:rPr lang="en-US" i="1">
+                            <a:latin typeface="Cambria Math" panose="02040503050406030204" pitchFamily="18" charset="0"/>
+                          </a:rPr>
+                          <m:t>𝐹</m:t>
+                        </m:r>
+                      </m:e>
+                      <m:sub>
+                        <m:r>
+                          <a:rPr lang="en-US" i="1">
+                            <a:latin typeface="Cambria Math" panose="02040503050406030204" pitchFamily="18" charset="0"/>
+                          </a:rPr>
+                          <m:t>h𝑒𝑎𝑣𝑒</m:t>
+                        </m:r>
+                        <m:r>
+                          <a:rPr lang="en-US" i="1">
+                            <a:latin typeface="Cambria Math" panose="02040503050406030204" pitchFamily="18" charset="0"/>
+                          </a:rPr>
+                          <m:t>,</m:t>
+                        </m:r>
+                        <m:r>
+                          <a:rPr lang="en-US" i="1">
+                            <a:latin typeface="Cambria Math" panose="02040503050406030204" pitchFamily="18" charset="0"/>
+                          </a:rPr>
+                          <m:t>𝑐𝑜𝑒𝑓𝑓𝑠</m:t>
+                        </m:r>
+                      </m:sub>
+                    </m:sSub>
+                    <m:r>
+                      <a:rPr lang="en-US" i="1">
+                        <a:latin typeface="Cambria Math" panose="02040503050406030204" pitchFamily="18" charset="0"/>
+                      </a:rPr>
+                      <m:t>𝑑</m:t>
+                    </m:r>
+                  </m:oMath>
+                </a14:m>
+                <a:r>
+                  <a:rPr lang="en-US" dirty="0"/>
+                  <a:t> is the coupling term, such that a force of that magnitude*theta1 acts on the pitch of float </a:t>
+                </a:r>
+                <a:r>
+                  <a:rPr lang="en-US"/>
+                  <a:t>2 </a:t>
+                </a:r>
+              </a:p>
+              <a:p>
+                <a:pPr lvl="1"/>
+                <a:r>
+                  <a:rPr lang="en-US" dirty="0"/>
+                  <a:t>I don’t think this works by default because the ratio of heave coefficients acting is different than the ratio of pitch </a:t>
+                </a:r>
+                <a:r>
+                  <a:rPr lang="en-US" dirty="0" err="1"/>
+                  <a:t>coeffs</a:t>
+                </a:r>
+                <a:r>
+                  <a:rPr lang="en-US" dirty="0"/>
+                  <a:t>. Instead, could we define the pitch </a:t>
+                </a:r>
+                <a:r>
+                  <a:rPr lang="en-US" dirty="0" err="1"/>
+                  <a:t>coeff</a:t>
+                </a:r>
+                <a:r>
+                  <a:rPr lang="en-US" dirty="0"/>
+                  <a:t> as dependent on both coefficients?</a:t>
+                </a:r>
+              </a:p>
+            </p:txBody>
+          </p:sp>
+        </mc:Choice>
+        <mc:Fallback>
+          <p:sp>
+            <p:nvSpPr>
+              <p:cNvPr id="3" name="Content Placeholder 2">
+                <a:extLst>
+                  <a:ext uri="{FF2B5EF4-FFF2-40B4-BE49-F238E27FC236}">
+                    <a16:creationId xmlns:a16="http://schemas.microsoft.com/office/drawing/2014/main" id="{55C4DFEB-4D05-866B-39B4-B0727D5AA39D}"/>
+                  </a:ext>
+                </a:extLst>
+              </p:cNvPr>
+              <p:cNvSpPr>
+                <a:spLocks noGrp="1" noRot="1" noChangeAspect="1" noMove="1" noResize="1" noEditPoints="1" noAdjustHandles="1" noChangeArrowheads="1" noChangeShapeType="1" noTextEdit="1"/>
+              </p:cNvSpPr>
+              <p:nvPr>
+                <p:ph idx="1"/>
+              </p:nvPr>
+            </p:nvSpPr>
+            <p:spPr>
+              <a:xfrm>
+                <a:off x="838200" y="1180730"/>
+                <a:ext cx="10515600" cy="5397623"/>
+              </a:xfrm>
+              <a:blipFill>
+                <a:blip r:embed="rId2"/>
+                <a:stretch>
+                  <a:fillRect l="-928" t="-2938" r="-232" b="-904"/>
+                </a:stretch>
+              </a:blipFill>
+            </p:spPr>
+            <p:txBody>
+              <a:bodyPr/>
+              <a:lstStyle/>
+              <a:p>
+                <a:r>
+                  <a:rPr lang="en-US">
+                    <a:noFill/>
+                  </a:rPr>
+                  <a:t> </a:t>
+                </a:r>
+              </a:p>
+            </p:txBody>
+          </p:sp>
+        </mc:Fallback>
+      </mc:AlternateContent>
+    </p:spTree>
+    <p:extLst>
+      <p:ext uri="{BB962C8B-B14F-4D97-AF65-F5344CB8AC3E}">
+        <p14:creationId xmlns:p14="http://schemas.microsoft.com/office/powerpoint/2010/main" val="2885365450"/>
+      </p:ext>
+    </p:extLst>
+  </p:cSld>
+  <p:clrMapOvr>
+    <a:masterClrMapping/>
+  </p:clrMapOvr>
+</p:sld>
+</file>
+
+<file path=ppt/slides/slide12.xml><?xml version="1.0" encoding="utf-8"?>
+<p:sld xmlns:a="http://schemas.openxmlformats.org/drawingml/2006/main" xmlns:r="http://schemas.openxmlformats.org/officeDocument/2006/relationships" xmlns:p="http://schemas.openxmlformats.org/presentationml/2006/main">
+  <p:cSld>
+    <p:spTree>
+      <p:nvGrpSpPr>
+        <p:cNvPr id="1" name=""/>
+        <p:cNvGrpSpPr/>
+        <p:nvPr/>
+      </p:nvGrpSpPr>
+      <p:grpSpPr>
+        <a:xfrm>
+          <a:off x="0" y="0"/>
+          <a:ext cx="0" cy="0"/>
+          <a:chOff x="0" y="0"/>
+          <a:chExt cx="0" cy="0"/>
+        </a:xfrm>
+      </p:grpSpPr>
+      <p:sp>
+        <p:nvSpPr>
+          <p:cNvPr id="2" name="Title 1">
+            <a:extLst>
+              <a:ext uri="{FF2B5EF4-FFF2-40B4-BE49-F238E27FC236}">
+                <a16:creationId xmlns:a16="http://schemas.microsoft.com/office/drawing/2014/main" id="{81D00C7D-D9C4-761E-3E3B-41190499C51F}"/>
+              </a:ext>
+            </a:extLst>
+          </p:cNvPr>
+          <p:cNvSpPr>
+            <a:spLocks noGrp="1"/>
+          </p:cNvSpPr>
+          <p:nvPr>
+            <p:ph type="title"/>
+          </p:nvPr>
+        </p:nvSpPr>
+        <p:spPr/>
+        <p:txBody>
+          <a:bodyPr/>
+          <a:lstStyle/>
+          <a:p>
+            <a:r>
+              <a:rPr lang="en-US" dirty="0"/>
+              <a:t>Is it incorrect to solve a WEC about a </a:t>
+            </a:r>
+            <a:r>
+              <a:rPr lang="en-US" dirty="0" err="1"/>
+              <a:t>dof</a:t>
+            </a:r>
+            <a:r>
+              <a:rPr lang="en-US" dirty="0"/>
+              <a:t> other than the cg without coupling terms?</a:t>
+            </a:r>
+          </a:p>
+        </p:txBody>
+      </p:sp>
+      <p:sp>
+        <p:nvSpPr>
+          <p:cNvPr id="3" name="Content Placeholder 2">
+            <a:extLst>
+              <a:ext uri="{FF2B5EF4-FFF2-40B4-BE49-F238E27FC236}">
+                <a16:creationId xmlns:a16="http://schemas.microsoft.com/office/drawing/2014/main" id="{DA40BD51-172D-B711-FAC5-0B9375A15AE1}"/>
+              </a:ext>
+            </a:extLst>
+          </p:cNvPr>
+          <p:cNvSpPr>
+            <a:spLocks noGrp="1"/>
+          </p:cNvSpPr>
+          <p:nvPr>
+            <p:ph idx="1"/>
+          </p:nvPr>
+        </p:nvSpPr>
+        <p:spPr/>
+        <p:txBody>
+          <a:bodyPr/>
+          <a:lstStyle/>
+          <a:p>
+            <a:r>
+              <a:rPr lang="en-US" dirty="0"/>
+              <a:t>When solving with only pitch, the force from hydrostatic stiffness is K*theta</a:t>
+            </a:r>
+          </a:p>
+          <a:p>
+            <a:r>
+              <a:rPr lang="en-US" dirty="0"/>
+              <a:t>When solving with pitch and heave, the force from hydrostatic stiffness is K*theta + </a:t>
+            </a:r>
+            <a:r>
+              <a:rPr lang="en-US" dirty="0" err="1"/>
+              <a:t>K_couple</a:t>
+            </a:r>
+            <a:r>
+              <a:rPr lang="en-US" dirty="0"/>
+              <a:t>*z</a:t>
+            </a:r>
+          </a:p>
+          <a:p>
+            <a:pPr lvl="1"/>
+            <a:r>
+              <a:rPr lang="en-US" dirty="0"/>
+              <a:t>This leads to the same forces acting on the body for less displacement</a:t>
+            </a:r>
+          </a:p>
+          <a:p>
+            <a:pPr lvl="1"/>
+            <a:r>
+              <a:rPr lang="en-US" dirty="0"/>
+              <a:t>Is this an incorrect way of solving?</a:t>
+            </a:r>
+          </a:p>
+        </p:txBody>
+      </p:sp>
+    </p:spTree>
+    <p:extLst>
+      <p:ext uri="{BB962C8B-B14F-4D97-AF65-F5344CB8AC3E}">
+        <p14:creationId xmlns:p14="http://schemas.microsoft.com/office/powerpoint/2010/main" val="2457811619"/>
+      </p:ext>
+    </p:extLst>
+  </p:cSld>
+  <p:clrMapOvr>
+    <a:masterClrMapping/>
+  </p:clrMapOvr>
+</p:sld>
+</file>
+
+<file path=ppt/slides/slide13.xml><?xml version="1.0" encoding="utf-8"?>
+<p:sld xmlns:a="http://schemas.openxmlformats.org/drawingml/2006/main" xmlns:r="http://schemas.openxmlformats.org/officeDocument/2006/relationships" xmlns:p="http://schemas.openxmlformats.org/presentationml/2006/main">
+  <p:cSld>
+    <p:spTree>
+      <p:nvGrpSpPr>
+        <p:cNvPr id="1" name=""/>
+        <p:cNvGrpSpPr/>
+        <p:nvPr/>
+      </p:nvGrpSpPr>
+      <p:grpSpPr>
+        <a:xfrm>
+          <a:off x="0" y="0"/>
+          <a:ext cx="0" cy="0"/>
+          <a:chOff x="0" y="0"/>
+          <a:chExt cx="0" cy="0"/>
+        </a:xfrm>
+      </p:grpSpPr>
+      <p:sp>
+        <p:nvSpPr>
+          <p:cNvPr id="2" name="Title 1">
+            <a:extLst>
+              <a:ext uri="{FF2B5EF4-FFF2-40B4-BE49-F238E27FC236}">
+                <a16:creationId xmlns:a16="http://schemas.microsoft.com/office/drawing/2014/main" id="{6EC2CB92-F42A-89C6-9D35-B9039DA98521}"/>
+              </a:ext>
+            </a:extLst>
+          </p:cNvPr>
+          <p:cNvSpPr>
+            <a:spLocks noGrp="1"/>
+          </p:cNvSpPr>
+          <p:nvPr>
+            <p:ph type="title"/>
+          </p:nvPr>
+        </p:nvSpPr>
+        <p:spPr/>
+        <p:txBody>
+          <a:bodyPr/>
+          <a:lstStyle/>
+          <a:p>
+            <a:r>
+              <a:rPr lang="en-US" dirty="0"/>
+              <a:t>Am I solving the FOSWEC incorrectly?</a:t>
+            </a:r>
+          </a:p>
+        </p:txBody>
+      </p:sp>
+      <p:sp>
+        <p:nvSpPr>
+          <p:cNvPr id="3" name="Content Placeholder 2">
+            <a:extLst>
+              <a:ext uri="{FF2B5EF4-FFF2-40B4-BE49-F238E27FC236}">
+                <a16:creationId xmlns:a16="http://schemas.microsoft.com/office/drawing/2014/main" id="{84E3CB95-777D-E4FD-2F0C-6A6F70EC6330}"/>
+              </a:ext>
+            </a:extLst>
+          </p:cNvPr>
+          <p:cNvSpPr>
+            <a:spLocks noGrp="1"/>
+          </p:cNvSpPr>
+          <p:nvPr>
+            <p:ph idx="1"/>
+          </p:nvPr>
+        </p:nvSpPr>
+        <p:spPr/>
+        <p:txBody>
+          <a:bodyPr>
+            <a:normAutofit lnSpcReduction="10000"/>
+          </a:bodyPr>
+          <a:lstStyle/>
+          <a:p>
+            <a:r>
+              <a:rPr lang="en-US" dirty="0"/>
+              <a:t>I don’t think so because:</a:t>
+            </a:r>
+          </a:p>
+          <a:p>
+            <a:pPr lvl="1"/>
+            <a:r>
+              <a:rPr lang="en-US" dirty="0"/>
+              <a:t>No hydrostatic restoring force is present in surge</a:t>
+            </a:r>
+          </a:p>
+          <a:p>
+            <a:pPr lvl="1"/>
+            <a:r>
+              <a:rPr lang="en-US" dirty="0"/>
+              <a:t>No horizontal distance between cg and hinge point, so heave doesn’t have coupling terms</a:t>
+            </a:r>
+          </a:p>
+          <a:p>
+            <a:r>
+              <a:rPr lang="en-US" dirty="0"/>
+              <a:t>But there is a difference…</a:t>
+            </a:r>
+          </a:p>
+          <a:p>
+            <a:pPr lvl="1"/>
+            <a:r>
+              <a:rPr lang="en-US" dirty="0"/>
+              <a:t>And it’s a big difference</a:t>
+            </a:r>
+          </a:p>
+          <a:p>
+            <a:pPr lvl="1"/>
+            <a:r>
+              <a:rPr lang="en-US" dirty="0"/>
+              <a:t>This is likely because of lack of </a:t>
+            </a:r>
+            <a:br>
+              <a:rPr lang="en-US" dirty="0"/>
+            </a:br>
+            <a:r>
+              <a:rPr lang="en-US" dirty="0"/>
+              <a:t>constraints on surge/heave</a:t>
+            </a:r>
+          </a:p>
+          <a:p>
+            <a:pPr lvl="2"/>
+            <a:r>
+              <a:rPr lang="en-US" dirty="0"/>
+              <a:t>But I can’t add constraints</a:t>
+            </a:r>
+          </a:p>
+          <a:p>
+            <a:r>
+              <a:rPr lang="en-US" dirty="0"/>
+              <a:t>I think I need to prescribe/force </a:t>
+            </a:r>
+            <a:br>
+              <a:rPr lang="en-US" dirty="0"/>
+            </a:br>
+            <a:r>
+              <a:rPr lang="en-US" dirty="0"/>
+              <a:t>heave motion for attenuator</a:t>
+            </a:r>
+          </a:p>
+        </p:txBody>
+      </p:sp>
+      <p:pic>
+        <p:nvPicPr>
+          <p:cNvPr id="5" name="Picture 4">
+            <a:extLst>
+              <a:ext uri="{FF2B5EF4-FFF2-40B4-BE49-F238E27FC236}">
+                <a16:creationId xmlns:a16="http://schemas.microsoft.com/office/drawing/2014/main" id="{280ADB69-500E-D9B9-BD62-7B0F4FF6697A}"/>
+              </a:ext>
+            </a:extLst>
+          </p:cNvPr>
+          <p:cNvPicPr>
+            <a:picLocks noChangeAspect="1"/>
+          </p:cNvPicPr>
+          <p:nvPr/>
+        </p:nvPicPr>
+        <p:blipFill>
+          <a:blip r:embed="rId2"/>
+          <a:stretch>
+            <a:fillRect/>
+          </a:stretch>
+        </p:blipFill>
+        <p:spPr>
+          <a:xfrm>
+            <a:off x="5725719" y="3189312"/>
+            <a:ext cx="1972749" cy="1556891"/>
+          </a:xfrm>
+          <a:prstGeom prst="rect">
+            <a:avLst/>
+          </a:prstGeom>
+        </p:spPr>
+      </p:pic>
+      <p:pic>
+        <p:nvPicPr>
+          <p:cNvPr id="7" name="Picture 6">
+            <a:extLst>
+              <a:ext uri="{FF2B5EF4-FFF2-40B4-BE49-F238E27FC236}">
+                <a16:creationId xmlns:a16="http://schemas.microsoft.com/office/drawing/2014/main" id="{E06047D8-F4A3-70A7-889A-0DF5C7EAB122}"/>
+              </a:ext>
+            </a:extLst>
+          </p:cNvPr>
+          <p:cNvPicPr>
+            <a:picLocks noChangeAspect="1"/>
+          </p:cNvPicPr>
+          <p:nvPr/>
+        </p:nvPicPr>
+        <p:blipFill>
+          <a:blip r:embed="rId3"/>
+          <a:stretch>
+            <a:fillRect/>
+          </a:stretch>
+        </p:blipFill>
+        <p:spPr>
+          <a:xfrm>
+            <a:off x="7790377" y="3189312"/>
+            <a:ext cx="1972749" cy="1522411"/>
+          </a:xfrm>
+          <a:prstGeom prst="rect">
+            <a:avLst/>
+          </a:prstGeom>
+        </p:spPr>
+      </p:pic>
+      <p:pic>
+        <p:nvPicPr>
+          <p:cNvPr id="9" name="Picture 8">
+            <a:extLst>
+              <a:ext uri="{FF2B5EF4-FFF2-40B4-BE49-F238E27FC236}">
+                <a16:creationId xmlns:a16="http://schemas.microsoft.com/office/drawing/2014/main" id="{85548C64-151F-80EE-AFBC-E0AAD471FA43}"/>
+              </a:ext>
+            </a:extLst>
+          </p:cNvPr>
+          <p:cNvPicPr>
+            <a:picLocks noChangeAspect="1"/>
+          </p:cNvPicPr>
+          <p:nvPr/>
+        </p:nvPicPr>
+        <p:blipFill>
+          <a:blip r:embed="rId4"/>
+          <a:stretch>
+            <a:fillRect/>
+          </a:stretch>
+        </p:blipFill>
+        <p:spPr>
+          <a:xfrm>
+            <a:off x="9933778" y="3189312"/>
+            <a:ext cx="1972749" cy="1514670"/>
+          </a:xfrm>
+          <a:prstGeom prst="rect">
+            <a:avLst/>
+          </a:prstGeom>
+        </p:spPr>
+      </p:pic>
+      <p:pic>
+        <p:nvPicPr>
+          <p:cNvPr id="11" name="Picture 10">
+            <a:extLst>
+              <a:ext uri="{FF2B5EF4-FFF2-40B4-BE49-F238E27FC236}">
+                <a16:creationId xmlns:a16="http://schemas.microsoft.com/office/drawing/2014/main" id="{494B4AE5-66EC-2AAA-A162-7E9F614A507F}"/>
+              </a:ext>
+            </a:extLst>
+          </p:cNvPr>
+          <p:cNvPicPr>
+            <a:picLocks noChangeAspect="1"/>
+          </p:cNvPicPr>
+          <p:nvPr/>
+        </p:nvPicPr>
+        <p:blipFill>
+          <a:blip r:embed="rId5"/>
+          <a:stretch>
+            <a:fillRect/>
+          </a:stretch>
+        </p:blipFill>
+        <p:spPr>
+          <a:xfrm>
+            <a:off x="5725719" y="5020408"/>
+            <a:ext cx="1989934" cy="1556891"/>
+          </a:xfrm>
+          <a:prstGeom prst="rect">
+            <a:avLst/>
+          </a:prstGeom>
+        </p:spPr>
+      </p:pic>
+      <p:pic>
+        <p:nvPicPr>
+          <p:cNvPr id="13" name="Picture 12">
+            <a:extLst>
+              <a:ext uri="{FF2B5EF4-FFF2-40B4-BE49-F238E27FC236}">
+                <a16:creationId xmlns:a16="http://schemas.microsoft.com/office/drawing/2014/main" id="{3DCD7851-33F1-E4AD-B571-1209BE4AD454}"/>
+              </a:ext>
+            </a:extLst>
+          </p:cNvPr>
+          <p:cNvPicPr>
+            <a:picLocks noChangeAspect="1"/>
+          </p:cNvPicPr>
+          <p:nvPr/>
+        </p:nvPicPr>
+        <p:blipFill>
+          <a:blip r:embed="rId6"/>
+          <a:stretch>
+            <a:fillRect/>
+          </a:stretch>
+        </p:blipFill>
+        <p:spPr>
+          <a:xfrm>
+            <a:off x="7790376" y="4970029"/>
+            <a:ext cx="1972749" cy="1576112"/>
+          </a:xfrm>
+          <a:prstGeom prst="rect">
+            <a:avLst/>
+          </a:prstGeom>
+        </p:spPr>
+      </p:pic>
+      <p:pic>
+        <p:nvPicPr>
+          <p:cNvPr id="15" name="Picture 14">
+            <a:extLst>
+              <a:ext uri="{FF2B5EF4-FFF2-40B4-BE49-F238E27FC236}">
+                <a16:creationId xmlns:a16="http://schemas.microsoft.com/office/drawing/2014/main" id="{AD5F05AC-1855-BC35-DC61-9F2E9EA7DCB0}"/>
+              </a:ext>
+            </a:extLst>
+          </p:cNvPr>
+          <p:cNvPicPr>
+            <a:picLocks noChangeAspect="1"/>
+          </p:cNvPicPr>
+          <p:nvPr/>
+        </p:nvPicPr>
+        <p:blipFill>
+          <a:blip r:embed="rId7"/>
+          <a:stretch>
+            <a:fillRect/>
+          </a:stretch>
+        </p:blipFill>
+        <p:spPr>
+          <a:xfrm>
+            <a:off x="9933778" y="5020408"/>
+            <a:ext cx="1996807" cy="1556891"/>
+          </a:xfrm>
+          <a:prstGeom prst="rect">
+            <a:avLst/>
+          </a:prstGeom>
+        </p:spPr>
+      </p:pic>
+    </p:spTree>
+    <p:extLst>
+      <p:ext uri="{BB962C8B-B14F-4D97-AF65-F5344CB8AC3E}">
+        <p14:creationId xmlns:p14="http://schemas.microsoft.com/office/powerpoint/2010/main" val="2643524306"/>
+      </p:ext>
+    </p:extLst>
+  </p:cSld>
+  <p:clrMapOvr>
+    <a:masterClrMapping/>
+  </p:clrMapOvr>
+</p:sld>
+</file>
+
+<file path=ppt/slides/slide14.xml><?xml version="1.0" encoding="utf-8"?>
+<p:sld xmlns:a="http://schemas.openxmlformats.org/drawingml/2006/main" xmlns:r="http://schemas.openxmlformats.org/officeDocument/2006/relationships" xmlns:p="http://schemas.openxmlformats.org/presentationml/2006/main">
+  <p:cSld>
+    <p:spTree>
+      <p:nvGrpSpPr>
+        <p:cNvPr id="1" name=""/>
+        <p:cNvGrpSpPr/>
+        <p:nvPr/>
+      </p:nvGrpSpPr>
+      <p:grpSpPr>
+        <a:xfrm>
+          <a:off x="0" y="0"/>
+          <a:ext cx="0" cy="0"/>
+          <a:chOff x="0" y="0"/>
+          <a:chExt cx="0" cy="0"/>
+        </a:xfrm>
+      </p:grpSpPr>
+      <p:sp>
+        <p:nvSpPr>
+          <p:cNvPr id="2" name="Title 1">
+            <a:extLst>
+              <a:ext uri="{FF2B5EF4-FFF2-40B4-BE49-F238E27FC236}">
+                <a16:creationId xmlns:a16="http://schemas.microsoft.com/office/drawing/2014/main" id="{B10E8190-0056-A6FA-74D0-25930DB670F2}"/>
+              </a:ext>
+            </a:extLst>
+          </p:cNvPr>
+          <p:cNvSpPr>
+            <a:spLocks noGrp="1"/>
+          </p:cNvSpPr>
+          <p:nvPr>
+            <p:ph type="title"/>
+          </p:nvPr>
+        </p:nvSpPr>
+        <p:spPr/>
+        <p:txBody>
+          <a:bodyPr/>
+          <a:lstStyle/>
+          <a:p>
+            <a:r>
+              <a:rPr lang="en-US" dirty="0"/>
+              <a:t>Adding inverse kinematics matrix separate from kinematics matrix</a:t>
+            </a:r>
+          </a:p>
+        </p:txBody>
+      </p:sp>
+      <mc:AlternateContent xmlns:mc="http://schemas.openxmlformats.org/markup-compatibility/2006" xmlns:a14="http://schemas.microsoft.com/office/drawing/2010/main">
+        <mc:Choice Requires="a14">
+          <p:sp>
+            <p:nvSpPr>
+              <p:cNvPr id="3" name="Content Placeholder 2">
+                <a:extLst>
+                  <a:ext uri="{FF2B5EF4-FFF2-40B4-BE49-F238E27FC236}">
+                    <a16:creationId xmlns:a16="http://schemas.microsoft.com/office/drawing/2014/main" id="{80A5C004-00D3-0424-BB74-AF4A6AEB72CC}"/>
+                  </a:ext>
+                </a:extLst>
+              </p:cNvPr>
+              <p:cNvSpPr>
+                <a:spLocks noGrp="1"/>
+              </p:cNvSpPr>
+              <p:nvPr>
+                <p:ph idx="1"/>
+              </p:nvPr>
+            </p:nvSpPr>
+            <p:spPr/>
+            <p:txBody>
+              <a:bodyPr/>
+              <a:lstStyle/>
+              <a:p>
+                <a14:m>
+                  <m:oMath xmlns:m="http://schemas.openxmlformats.org/officeDocument/2006/math">
+                    <m:d>
+                      <m:dPr>
+                        <m:begChr m:val="["/>
+                        <m:endChr m:val="]"/>
+                        <m:ctrlPr>
+                          <a:rPr lang="en-US" sz="2800" i="1" smtClean="0">
+                            <a:latin typeface="Cambria Math" panose="02040503050406030204" pitchFamily="18" charset="0"/>
+                          </a:rPr>
+                        </m:ctrlPr>
+                      </m:dPr>
+                      <m:e>
+                        <m:m>
+                          <m:mPr>
+                            <m:mcs>
+                              <m:mc>
+                                <m:mcPr>
+                                  <m:count m:val="1"/>
+                                  <m:mcJc m:val="center"/>
+                                </m:mcPr>
+                              </m:mc>
+                            </m:mcs>
+                            <m:ctrlPr>
+                              <a:rPr lang="en-US" sz="2800" i="1">
+                                <a:latin typeface="Cambria Math" panose="02040503050406030204" pitchFamily="18" charset="0"/>
+                              </a:rPr>
+                            </m:ctrlPr>
+                          </m:mPr>
+                          <m:mr>
+                            <m:e>
+                              <m:sSub>
+                                <m:sSubPr>
+                                  <m:ctrlPr>
+                                    <a:rPr lang="en-US" sz="2800" b="0" i="1" smtClean="0">
+                                      <a:latin typeface="Cambria Math" panose="02040503050406030204" pitchFamily="18" charset="0"/>
+                                    </a:rPr>
+                                  </m:ctrlPr>
+                                </m:sSubPr>
+                                <m:e>
+                                  <m:r>
+                                    <m:rPr>
+                                      <m:brk m:alnAt="7"/>
+                                    </m:rPr>
+                                    <a:rPr lang="en-US" sz="2800" b="0" i="1" smtClean="0">
+                                      <a:latin typeface="Cambria Math" panose="02040503050406030204" pitchFamily="18" charset="0"/>
+                                    </a:rPr>
+                                    <m:t>𝐹</m:t>
+                                  </m:r>
+                                </m:e>
+                                <m:sub>
+                                  <m:r>
+                                    <m:rPr>
+                                      <m:brk m:alnAt="7"/>
+                                    </m:rPr>
+                                    <a:rPr lang="en-US" sz="2800" b="0" i="1" smtClean="0">
+                                      <a:latin typeface="Cambria Math" panose="02040503050406030204" pitchFamily="18" charset="0"/>
+                                    </a:rPr>
+                                    <m:t>𝑧</m:t>
+                                  </m:r>
+                                  <m:r>
+                                    <a:rPr lang="en-US" sz="2800" b="0" i="1" smtClean="0">
+                                      <a:latin typeface="Cambria Math" panose="02040503050406030204" pitchFamily="18" charset="0"/>
+                                    </a:rPr>
+                                    <m:t>1</m:t>
+                                  </m:r>
+                                </m:sub>
+                              </m:sSub>
+                            </m:e>
+                          </m:mr>
+                          <m:mr>
+                            <m:e>
+                              <m:sSub>
+                                <m:sSubPr>
+                                  <m:ctrlPr>
+                                    <a:rPr lang="en-US" sz="2800" b="0" i="1" smtClean="0">
+                                      <a:latin typeface="Cambria Math" panose="02040503050406030204" pitchFamily="18" charset="0"/>
+                                    </a:rPr>
+                                  </m:ctrlPr>
+                                </m:sSubPr>
+                                <m:e>
+                                  <m:r>
+                                    <a:rPr lang="en-US" sz="2800" b="0" i="1" smtClean="0">
+                                      <a:latin typeface="Cambria Math" panose="02040503050406030204" pitchFamily="18" charset="0"/>
+                                    </a:rPr>
+                                    <m:t>𝜏</m:t>
+                                  </m:r>
+                                </m:e>
+                                <m:sub>
+                                  <m:r>
+                                    <a:rPr lang="en-US" sz="2800" b="0" i="1" smtClean="0">
+                                      <a:latin typeface="Cambria Math" panose="02040503050406030204" pitchFamily="18" charset="0"/>
+                                    </a:rPr>
+                                    <m:t>𝜃</m:t>
+                                  </m:r>
+                                  <m:r>
+                                    <a:rPr lang="en-US" sz="2800" b="0" i="1" smtClean="0">
+                                      <a:latin typeface="Cambria Math" panose="02040503050406030204" pitchFamily="18" charset="0"/>
+                                    </a:rPr>
+                                    <m:t>1</m:t>
+                                  </m:r>
+                                </m:sub>
+                              </m:sSub>
+                            </m:e>
+                          </m:mr>
+                        </m:m>
+                      </m:e>
+                    </m:d>
+                    <m:r>
+                      <a:rPr lang="en-US" sz="2800" b="0" i="1" smtClean="0">
+                        <a:latin typeface="Cambria Math" panose="02040503050406030204" pitchFamily="18" charset="0"/>
+                      </a:rPr>
+                      <m:t>=</m:t>
+                    </m:r>
+                    <m:d>
+                      <m:dPr>
+                        <m:begChr m:val="["/>
+                        <m:endChr m:val="]"/>
+                        <m:ctrlPr>
+                          <a:rPr lang="en-US" sz="2800" b="0" i="1" smtClean="0">
+                            <a:latin typeface="Cambria Math" panose="02040503050406030204" pitchFamily="18" charset="0"/>
+                          </a:rPr>
+                        </m:ctrlPr>
+                      </m:dPr>
+                      <m:e>
+                        <m:m>
+                          <m:mPr>
+                            <m:mcs>
+                              <m:mc>
+                                <m:mcPr>
+                                  <m:count m:val="1"/>
+                                  <m:mcJc m:val="center"/>
+                                </m:mcPr>
+                              </m:mc>
+                            </m:mcs>
+                            <m:ctrlPr>
+                              <a:rPr lang="en-US" sz="2800" b="0" i="1" smtClean="0">
+                                <a:latin typeface="Cambria Math" panose="02040503050406030204" pitchFamily="18" charset="0"/>
+                              </a:rPr>
+                            </m:ctrlPr>
+                          </m:mPr>
+                          <m:mr>
+                            <m:e>
+                              <m:f>
+                                <m:fPr>
+                                  <m:ctrlPr>
+                                    <a:rPr lang="en-US" sz="2800" b="0" i="1" smtClean="0">
+                                      <a:latin typeface="Cambria Math" panose="02040503050406030204" pitchFamily="18" charset="0"/>
+                                    </a:rPr>
+                                  </m:ctrlPr>
+                                </m:fPr>
+                                <m:num>
+                                  <m:r>
+                                    <a:rPr lang="en-US" sz="2800" b="0" i="1" smtClean="0">
+                                      <a:latin typeface="Cambria Math" panose="02040503050406030204" pitchFamily="18" charset="0"/>
+                                    </a:rPr>
+                                    <m:t>−1</m:t>
+                                  </m:r>
+                                </m:num>
+                                <m:den>
+                                  <m:r>
+                                    <m:rPr>
+                                      <m:brk m:alnAt="7"/>
+                                    </m:rPr>
+                                    <a:rPr lang="en-US" sz="2800" b="0" i="1" smtClean="0">
+                                      <a:latin typeface="Cambria Math" panose="02040503050406030204" pitchFamily="18" charset="0"/>
+                                    </a:rPr>
+                                    <m:t>𝑑</m:t>
+                                  </m:r>
+                                </m:den>
+                              </m:f>
+                            </m:e>
+                          </m:mr>
+                          <m:mr>
+                            <m:e>
+                              <m:r>
+                                <a:rPr lang="en-US" sz="2800" b="0" i="1" smtClean="0">
+                                  <a:latin typeface="Cambria Math" panose="02040503050406030204" pitchFamily="18" charset="0"/>
+                                </a:rPr>
+                                <m:t>1</m:t>
+                              </m:r>
+                            </m:e>
+                          </m:mr>
+                        </m:m>
+                      </m:e>
+                    </m:d>
+                    <m:sSub>
+                      <m:sSubPr>
+                        <m:ctrlPr>
+                          <a:rPr lang="en-US" sz="2800" i="1">
+                            <a:latin typeface="Cambria Math" panose="02040503050406030204" pitchFamily="18" charset="0"/>
+                          </a:rPr>
+                        </m:ctrlPr>
+                      </m:sSubPr>
+                      <m:e>
+                        <m:r>
+                          <a:rPr lang="en-US" sz="2800" b="0" i="1" smtClean="0">
+                            <a:latin typeface="Cambria Math" panose="02040503050406030204" pitchFamily="18" charset="0"/>
+                          </a:rPr>
+                          <m:t>𝜏</m:t>
+                        </m:r>
+                      </m:e>
+                      <m:sub>
+                        <m:r>
+                          <a:rPr lang="en-US" sz="2800" i="1">
+                            <a:latin typeface="Cambria Math" panose="02040503050406030204" pitchFamily="18" charset="0"/>
+                          </a:rPr>
+                          <m:t>𝑃𝑇𝑂</m:t>
+                        </m:r>
+                      </m:sub>
+                    </m:sSub>
+                  </m:oMath>
+                </a14:m>
+                <a:endParaRPr lang="en-US" sz="2800" dirty="0"/>
+              </a:p>
+              <a:p>
+                <a:r>
+                  <a:rPr lang="en-US" dirty="0"/>
+                  <a:t>Rewriting </a:t>
+                </a:r>
+                <a:r>
+                  <a:rPr lang="en-US" dirty="0" err="1"/>
+                  <a:t>pto</a:t>
+                </a:r>
+                <a:r>
+                  <a:rPr lang="en-US" dirty="0"/>
+                  <a:t> class to account for inverse kinematics matrix</a:t>
+                </a:r>
+                <a:endParaRPr lang="en-US" sz="2800" dirty="0"/>
+              </a:p>
+            </p:txBody>
+          </p:sp>
+        </mc:Choice>
+        <mc:Fallback xmlns="">
+          <p:sp>
+            <p:nvSpPr>
+              <p:cNvPr id="3" name="Content Placeholder 2">
+                <a:extLst>
+                  <a:ext uri="{FF2B5EF4-FFF2-40B4-BE49-F238E27FC236}">
+                    <a16:creationId xmlns:a16="http://schemas.microsoft.com/office/drawing/2014/main" id="{80A5C004-00D3-0424-BB74-AF4A6AEB72CC}"/>
+                  </a:ext>
+                </a:extLst>
+              </p:cNvPr>
+              <p:cNvSpPr>
+                <a:spLocks noGrp="1" noRot="1" noChangeAspect="1" noMove="1" noResize="1" noEditPoints="1" noAdjustHandles="1" noChangeArrowheads="1" noChangeShapeType="1" noTextEdit="1"/>
+              </p:cNvSpPr>
+              <p:nvPr>
+                <p:ph idx="1"/>
+              </p:nvPr>
+            </p:nvSpPr>
+            <p:spPr>
+              <a:blipFill>
+                <a:blip r:embed="rId2"/>
+                <a:stretch>
+                  <a:fillRect l="-1043"/>
+                </a:stretch>
+              </a:blipFill>
+            </p:spPr>
+            <p:txBody>
+              <a:bodyPr/>
+              <a:lstStyle/>
+              <a:p>
+                <a:r>
+                  <a:rPr lang="en-US">
+                    <a:noFill/>
+                  </a:rPr>
+                  <a:t> </a:t>
+                </a:r>
+              </a:p>
+            </p:txBody>
+          </p:sp>
+        </mc:Fallback>
+      </mc:AlternateContent>
+    </p:spTree>
+    <p:extLst>
+      <p:ext uri="{BB962C8B-B14F-4D97-AF65-F5344CB8AC3E}">
+        <p14:creationId xmlns:p14="http://schemas.microsoft.com/office/powerpoint/2010/main" val="1272466366"/>
+      </p:ext>
+    </p:extLst>
+  </p:cSld>
+  <p:clrMapOvr>
+    <a:masterClrMapping/>
+  </p:clrMapOvr>
+</p:sld>
+</file>
+
+<file path=ppt/slides/slide15.xml><?xml version="1.0" encoding="utf-8"?>
+<p:sld xmlns:a="http://schemas.openxmlformats.org/drawingml/2006/main" xmlns:r="http://schemas.openxmlformats.org/officeDocument/2006/relationships" xmlns:p="http://schemas.openxmlformats.org/presentationml/2006/main">
+  <p:cSld>
+    <p:spTree>
+      <p:nvGrpSpPr>
+        <p:cNvPr id="1" name=""/>
+        <p:cNvGrpSpPr/>
+        <p:nvPr/>
+      </p:nvGrpSpPr>
+      <p:grpSpPr>
+        <a:xfrm>
+          <a:off x="0" y="0"/>
+          <a:ext cx="0" cy="0"/>
+          <a:chOff x="0" y="0"/>
+          <a:chExt cx="0" cy="0"/>
+        </a:xfrm>
+      </p:grpSpPr>
+      <p:sp>
+        <p:nvSpPr>
+          <p:cNvPr id="2" name="Title 1">
+            <a:extLst>
+              <a:ext uri="{FF2B5EF4-FFF2-40B4-BE49-F238E27FC236}">
+                <a16:creationId xmlns:a16="http://schemas.microsoft.com/office/drawing/2014/main" id="{C98C8FC7-E702-7EB1-5070-1E8AA9788A06}"/>
+              </a:ext>
+            </a:extLst>
+          </p:cNvPr>
+          <p:cNvSpPr>
+            <a:spLocks noGrp="1"/>
+          </p:cNvSpPr>
+          <p:nvPr>
+            <p:ph type="title"/>
+          </p:nvPr>
+        </p:nvSpPr>
+        <p:spPr/>
+        <p:txBody>
+          <a:bodyPr/>
+          <a:lstStyle/>
+          <a:p>
+            <a:endParaRPr lang="en-US" dirty="0"/>
+          </a:p>
+        </p:txBody>
+      </p:sp>
+      <p:sp>
+        <p:nvSpPr>
+          <p:cNvPr id="3" name="Content Placeholder 2">
+            <a:extLst>
+              <a:ext uri="{FF2B5EF4-FFF2-40B4-BE49-F238E27FC236}">
+                <a16:creationId xmlns:a16="http://schemas.microsoft.com/office/drawing/2014/main" id="{06C0F535-B0D8-EA8D-79DA-5C55B171EBE3}"/>
+              </a:ext>
+            </a:extLst>
+          </p:cNvPr>
+          <p:cNvSpPr>
+            <a:spLocks noGrp="1"/>
+          </p:cNvSpPr>
+          <p:nvPr>
+            <p:ph idx="1"/>
+          </p:nvPr>
+        </p:nvSpPr>
+        <p:spPr/>
+        <p:txBody>
+          <a:bodyPr/>
+          <a:lstStyle/>
+          <a:p>
+            <a:r>
+              <a:rPr lang="en-US" dirty="0"/>
+              <a:t>Maybe instead I need to prescribe heave motion?</a:t>
+            </a:r>
+          </a:p>
+          <a:p>
+            <a:r>
+              <a:rPr lang="en-US" dirty="0"/>
+              <a:t>If I model the system in WEC-Sim, what is the heave force?</a:t>
+            </a:r>
+          </a:p>
+          <a:p>
+            <a:pPr lvl="1"/>
+            <a:r>
+              <a:rPr lang="en-US" dirty="0"/>
+              <a:t>Is it equal to the inverse kinematics? Probably not quite due to constraints</a:t>
+            </a:r>
+          </a:p>
+          <a:p>
+            <a:pPr lvl="1"/>
+            <a:r>
+              <a:rPr lang="en-US" dirty="0"/>
+              <a:t>Are there constraint forces acting in heave? I think so when not at equilibrium?</a:t>
+            </a:r>
+          </a:p>
+        </p:txBody>
+      </p:sp>
+    </p:spTree>
+    <p:extLst>
+      <p:ext uri="{BB962C8B-B14F-4D97-AF65-F5344CB8AC3E}">
+        <p14:creationId xmlns:p14="http://schemas.microsoft.com/office/powerpoint/2010/main" val="2302958258"/>
+      </p:ext>
+    </p:extLst>
+  </p:cSld>
+  <p:clrMapOvr>
+    <a:masterClrMapping/>
+  </p:clrMapOvr>
+</p:sld>
+</file>
+
+<file path=ppt/slides/slide16.xml><?xml version="1.0" encoding="utf-8"?>
+<p:sld xmlns:a="http://schemas.openxmlformats.org/drawingml/2006/main" xmlns:r="http://schemas.openxmlformats.org/officeDocument/2006/relationships" xmlns:p="http://schemas.openxmlformats.org/presentationml/2006/main">
+  <p:cSld>
+    <p:spTree>
+      <p:nvGrpSpPr>
+        <p:cNvPr id="1" name=""/>
+        <p:cNvGrpSpPr/>
+        <p:nvPr/>
+      </p:nvGrpSpPr>
+      <p:grpSpPr>
+        <a:xfrm>
+          <a:off x="0" y="0"/>
+          <a:ext cx="0" cy="0"/>
+          <a:chOff x="0" y="0"/>
+          <a:chExt cx="0" cy="0"/>
+        </a:xfrm>
+      </p:grpSpPr>
+      <p:sp>
+        <p:nvSpPr>
+          <p:cNvPr id="2" name="Title 1">
+            <a:extLst>
+              <a:ext uri="{FF2B5EF4-FFF2-40B4-BE49-F238E27FC236}">
+                <a16:creationId xmlns:a16="http://schemas.microsoft.com/office/drawing/2014/main" id="{27F1E7A4-655D-C3EF-217B-D1F3DF9CC15E}"/>
+              </a:ext>
+            </a:extLst>
+          </p:cNvPr>
+          <p:cNvSpPr>
+            <a:spLocks noGrp="1"/>
+          </p:cNvSpPr>
+          <p:nvPr>
+            <p:ph type="title"/>
+          </p:nvPr>
+        </p:nvSpPr>
+        <p:spPr/>
+        <p:txBody>
+          <a:bodyPr/>
+          <a:lstStyle/>
+          <a:p>
+            <a:r>
+              <a:rPr lang="en-US" dirty="0"/>
+              <a:t>Set up 2 body case</a:t>
+            </a:r>
+          </a:p>
+        </p:txBody>
+      </p:sp>
+      <p:sp>
+        <p:nvSpPr>
+          <p:cNvPr id="3" name="Content Placeholder 2">
+            <a:extLst>
+              <a:ext uri="{FF2B5EF4-FFF2-40B4-BE49-F238E27FC236}">
+                <a16:creationId xmlns:a16="http://schemas.microsoft.com/office/drawing/2014/main" id="{502076C7-1B9A-9C96-5F6A-F47F7296D8FD}"/>
+              </a:ext>
+            </a:extLst>
+          </p:cNvPr>
+          <p:cNvSpPr>
+            <a:spLocks noGrp="1"/>
+          </p:cNvSpPr>
+          <p:nvPr>
+            <p:ph idx="1"/>
+          </p:nvPr>
+        </p:nvSpPr>
+        <p:spPr/>
+        <p:txBody>
+          <a:bodyPr/>
+          <a:lstStyle/>
+          <a:p>
+            <a:r>
+              <a:rPr lang="en-US" dirty="0"/>
+              <a:t>If we set up a 2 body case, can we just resolve the dynamics about the PTO location?</a:t>
+            </a:r>
+          </a:p>
+          <a:p>
+            <a:pPr lvl="1"/>
+            <a:r>
+              <a:rPr lang="en-US" dirty="0"/>
+              <a:t>No, we need to solve BEM at the cg, then when we apply forces, apply them about the </a:t>
+            </a:r>
+            <a:r>
+              <a:rPr lang="en-US" dirty="0" err="1"/>
+              <a:t>pto</a:t>
+            </a:r>
+            <a:r>
+              <a:rPr lang="en-US" dirty="0"/>
+              <a:t> location</a:t>
+            </a:r>
+          </a:p>
+          <a:p>
+            <a:pPr lvl="1"/>
+            <a:endParaRPr lang="en-US" dirty="0"/>
+          </a:p>
+        </p:txBody>
+      </p:sp>
+    </p:spTree>
+    <p:extLst>
+      <p:ext uri="{BB962C8B-B14F-4D97-AF65-F5344CB8AC3E}">
+        <p14:creationId xmlns:p14="http://schemas.microsoft.com/office/powerpoint/2010/main" val="3831275330"/>
+      </p:ext>
+    </p:extLst>
+  </p:cSld>
+  <p:clrMapOvr>
+    <a:masterClrMapping/>
+  </p:clrMapOvr>
+</p:sld>
+</file>
+
+<file path=ppt/slides/slide17.xml><?xml version="1.0" encoding="utf-8"?>
+<p:sld xmlns:a="http://schemas.openxmlformats.org/drawingml/2006/main" xmlns:r="http://schemas.openxmlformats.org/officeDocument/2006/relationships" xmlns:p="http://schemas.openxmlformats.org/presentationml/2006/main">
+  <p:cSld>
+    <p:spTree>
+      <p:nvGrpSpPr>
+        <p:cNvPr id="1" name=""/>
+        <p:cNvGrpSpPr/>
+        <p:nvPr/>
+      </p:nvGrpSpPr>
+      <p:grpSpPr>
+        <a:xfrm>
+          <a:off x="0" y="0"/>
+          <a:ext cx="0" cy="0"/>
+          <a:chOff x="0" y="0"/>
+          <a:chExt cx="0" cy="0"/>
+        </a:xfrm>
+      </p:grpSpPr>
+      <p:sp>
+        <p:nvSpPr>
+          <p:cNvPr id="2" name="Title 1">
+            <a:extLst>
+              <a:ext uri="{FF2B5EF4-FFF2-40B4-BE49-F238E27FC236}">
+                <a16:creationId xmlns:a16="http://schemas.microsoft.com/office/drawing/2014/main" id="{C98C8FC7-E702-7EB1-5070-1E8AA9788A06}"/>
+              </a:ext>
+            </a:extLst>
+          </p:cNvPr>
+          <p:cNvSpPr>
+            <a:spLocks noGrp="1"/>
+          </p:cNvSpPr>
+          <p:nvPr>
+            <p:ph type="title"/>
+          </p:nvPr>
+        </p:nvSpPr>
+        <p:spPr>
+          <a:xfrm>
+            <a:off x="838200" y="116551"/>
+            <a:ext cx="10515600" cy="1325563"/>
+          </a:xfrm>
+        </p:spPr>
+        <p:txBody>
+          <a:bodyPr/>
+          <a:lstStyle/>
+          <a:p>
+            <a:r>
+              <a:rPr lang="en-US" dirty="0"/>
+              <a:t>WEC-Sim model?</a:t>
+            </a:r>
+          </a:p>
+        </p:txBody>
+      </p:sp>
+      <p:sp>
+        <p:nvSpPr>
+          <p:cNvPr id="3" name="Content Placeholder 2">
+            <a:extLst>
+              <a:ext uri="{FF2B5EF4-FFF2-40B4-BE49-F238E27FC236}">
+                <a16:creationId xmlns:a16="http://schemas.microsoft.com/office/drawing/2014/main" id="{06C0F535-B0D8-EA8D-79DA-5C55B171EBE3}"/>
+              </a:ext>
+            </a:extLst>
+          </p:cNvPr>
+          <p:cNvSpPr>
+            <a:spLocks noGrp="1"/>
+          </p:cNvSpPr>
+          <p:nvPr>
+            <p:ph idx="1"/>
+          </p:nvPr>
+        </p:nvSpPr>
+        <p:spPr>
+          <a:xfrm>
+            <a:off x="838200" y="1442114"/>
+            <a:ext cx="7542320" cy="4967564"/>
+          </a:xfrm>
+        </p:spPr>
+        <p:txBody>
+          <a:bodyPr/>
+          <a:lstStyle/>
+          <a:p>
+            <a:r>
+              <a:rPr lang="en-US" dirty="0"/>
+              <a:t>If I model the system in WEC-Sim, what is the heave force?</a:t>
+            </a:r>
+          </a:p>
+          <a:p>
+            <a:pPr lvl="1"/>
+            <a:r>
+              <a:rPr lang="en-US" dirty="0"/>
+              <a:t>Is it equal to the inverse kinematics? Probably not quite due to constraints</a:t>
+            </a:r>
+          </a:p>
+          <a:p>
+            <a:pPr lvl="1"/>
+            <a:r>
+              <a:rPr lang="en-US" dirty="0"/>
+              <a:t>Are there constraint forces acting in heave? I think so when not at equilibrium?</a:t>
+            </a:r>
+          </a:p>
+          <a:p>
+            <a:r>
+              <a:rPr lang="en-US" dirty="0"/>
+              <a:t>PTO has internal mechanics forces only in pitch</a:t>
+            </a:r>
+          </a:p>
+          <a:p>
+            <a:r>
+              <a:rPr lang="en-US" dirty="0"/>
+              <a:t>But, it has constraint forces in other directions</a:t>
+            </a:r>
+          </a:p>
+          <a:p>
+            <a:r>
+              <a:rPr lang="en-US" dirty="0"/>
+              <a:t>Constraint on body is a bit bigger than PTO constraint force</a:t>
+            </a:r>
+          </a:p>
+        </p:txBody>
+      </p:sp>
+      <p:pic>
+        <p:nvPicPr>
+          <p:cNvPr id="5" name="Picture 4">
+            <a:extLst>
+              <a:ext uri="{FF2B5EF4-FFF2-40B4-BE49-F238E27FC236}">
+                <a16:creationId xmlns:a16="http://schemas.microsoft.com/office/drawing/2014/main" id="{C6FACFB5-6BB0-E56C-BAA3-41D5F7F3ACC8}"/>
+              </a:ext>
+            </a:extLst>
+          </p:cNvPr>
+          <p:cNvPicPr>
+            <a:picLocks noChangeAspect="1"/>
+          </p:cNvPicPr>
+          <p:nvPr/>
+        </p:nvPicPr>
+        <p:blipFill>
+          <a:blip r:embed="rId2"/>
+          <a:stretch>
+            <a:fillRect/>
+          </a:stretch>
+        </p:blipFill>
+        <p:spPr>
+          <a:xfrm>
+            <a:off x="7960310" y="264489"/>
+            <a:ext cx="3983115" cy="2987336"/>
+          </a:xfrm>
+          <a:prstGeom prst="rect">
+            <a:avLst/>
+          </a:prstGeom>
+        </p:spPr>
+      </p:pic>
+    </p:spTree>
+    <p:extLst>
+      <p:ext uri="{BB962C8B-B14F-4D97-AF65-F5344CB8AC3E}">
+        <p14:creationId xmlns:p14="http://schemas.microsoft.com/office/powerpoint/2010/main" val="665967443"/>
+      </p:ext>
+    </p:extLst>
+  </p:cSld>
+  <p:clrMapOvr>
+    <a:masterClrMapping/>
+  </p:clrMapOvr>
+</p:sld>
+</file>
+
+<file path=ppt/slides/slide18.xml><?xml version="1.0" encoding="utf-8"?>
+<p:sld xmlns:a="http://schemas.openxmlformats.org/drawingml/2006/main" xmlns:r="http://schemas.openxmlformats.org/officeDocument/2006/relationships" xmlns:p="http://schemas.openxmlformats.org/presentationml/2006/main">
+  <p:cSld>
+    <p:spTree>
+      <p:nvGrpSpPr>
+        <p:cNvPr id="1" name=""/>
+        <p:cNvGrpSpPr/>
+        <p:nvPr/>
+      </p:nvGrpSpPr>
+      <p:grpSpPr>
+        <a:xfrm>
+          <a:off x="0" y="0"/>
+          <a:ext cx="0" cy="0"/>
+          <a:chOff x="0" y="0"/>
+          <a:chExt cx="0" cy="0"/>
+        </a:xfrm>
+      </p:grpSpPr>
+      <p:sp>
+        <p:nvSpPr>
+          <p:cNvPr id="2" name="Title 1">
+            <a:extLst>
+              <a:ext uri="{FF2B5EF4-FFF2-40B4-BE49-F238E27FC236}">
+                <a16:creationId xmlns:a16="http://schemas.microsoft.com/office/drawing/2014/main" id="{DDCE582B-B071-B468-4F61-FC61422ECF82}"/>
+              </a:ext>
+            </a:extLst>
+          </p:cNvPr>
+          <p:cNvSpPr>
+            <a:spLocks noGrp="1"/>
+          </p:cNvSpPr>
+          <p:nvPr>
+            <p:ph type="title"/>
+          </p:nvPr>
+        </p:nvSpPr>
+        <p:spPr/>
+        <p:txBody>
+          <a:bodyPr/>
+          <a:lstStyle/>
+          <a:p>
+            <a:r>
+              <a:rPr lang="en-US" dirty="0"/>
+              <a:t>Should converted coefficients match?</a:t>
+            </a:r>
+          </a:p>
+        </p:txBody>
+      </p:sp>
+      <p:sp>
+        <p:nvSpPr>
+          <p:cNvPr id="3" name="Content Placeholder 2">
+            <a:extLst>
+              <a:ext uri="{FF2B5EF4-FFF2-40B4-BE49-F238E27FC236}">
+                <a16:creationId xmlns:a16="http://schemas.microsoft.com/office/drawing/2014/main" id="{AD3A55D0-322E-7E6F-77F3-EF523ED0E0B8}"/>
+              </a:ext>
+            </a:extLst>
+          </p:cNvPr>
+          <p:cNvSpPr>
+            <a:spLocks noGrp="1"/>
+          </p:cNvSpPr>
+          <p:nvPr>
+            <p:ph idx="1"/>
+          </p:nvPr>
+        </p:nvSpPr>
+        <p:spPr>
+          <a:xfrm>
+            <a:off x="838200" y="1825625"/>
+            <a:ext cx="4230950" cy="4351338"/>
+          </a:xfrm>
+        </p:spPr>
+        <p:txBody>
+          <a:bodyPr/>
+          <a:lstStyle/>
+          <a:p>
+            <a:r>
+              <a:rPr lang="en-US" dirty="0"/>
+              <a:t>Heave matches, and now pitch matches! Just a difference in the center of mass</a:t>
+            </a:r>
+          </a:p>
+          <a:p>
+            <a:r>
+              <a:rPr lang="en-US" dirty="0"/>
+              <a:t>Pitch results suggest more coupling but its okay</a:t>
+            </a:r>
+          </a:p>
+        </p:txBody>
+      </p:sp>
+      <p:pic>
+        <p:nvPicPr>
+          <p:cNvPr id="11" name="Picture 10">
+            <a:extLst>
+              <a:ext uri="{FF2B5EF4-FFF2-40B4-BE49-F238E27FC236}">
+                <a16:creationId xmlns:a16="http://schemas.microsoft.com/office/drawing/2014/main" id="{285F5C0A-FFE8-18E7-A83D-7250FCD0E704}"/>
+              </a:ext>
+            </a:extLst>
+          </p:cNvPr>
+          <p:cNvPicPr>
+            <a:picLocks noChangeAspect="1"/>
+          </p:cNvPicPr>
+          <p:nvPr/>
+        </p:nvPicPr>
+        <p:blipFill>
+          <a:blip r:embed="rId2"/>
+          <a:stretch>
+            <a:fillRect/>
+          </a:stretch>
+        </p:blipFill>
+        <p:spPr>
+          <a:xfrm>
+            <a:off x="5069150" y="1825624"/>
+            <a:ext cx="3623201" cy="4021461"/>
+          </a:xfrm>
+          <a:prstGeom prst="rect">
+            <a:avLst/>
+          </a:prstGeom>
+        </p:spPr>
+      </p:pic>
+      <p:pic>
+        <p:nvPicPr>
+          <p:cNvPr id="13" name="Picture 12">
+            <a:extLst>
+              <a:ext uri="{FF2B5EF4-FFF2-40B4-BE49-F238E27FC236}">
+                <a16:creationId xmlns:a16="http://schemas.microsoft.com/office/drawing/2014/main" id="{E91D82D2-F023-7A18-4504-8F1BBD81DC7E}"/>
+              </a:ext>
+            </a:extLst>
+          </p:cNvPr>
+          <p:cNvPicPr>
+            <a:picLocks noChangeAspect="1"/>
+          </p:cNvPicPr>
+          <p:nvPr/>
+        </p:nvPicPr>
+        <p:blipFill>
+          <a:blip r:embed="rId3"/>
+          <a:stretch>
+            <a:fillRect/>
+          </a:stretch>
+        </p:blipFill>
+        <p:spPr>
+          <a:xfrm>
+            <a:off x="8803920" y="1825625"/>
+            <a:ext cx="3388080" cy="4021461"/>
+          </a:xfrm>
+          <a:prstGeom prst="rect">
+            <a:avLst/>
+          </a:prstGeom>
+        </p:spPr>
+      </p:pic>
+      <p:pic>
+        <p:nvPicPr>
+          <p:cNvPr id="15" name="Picture 14">
+            <a:extLst>
+              <a:ext uri="{FF2B5EF4-FFF2-40B4-BE49-F238E27FC236}">
+                <a16:creationId xmlns:a16="http://schemas.microsoft.com/office/drawing/2014/main" id="{E7C9D0D8-28E7-7C80-AF4A-5834CB2F94D2}"/>
+              </a:ext>
+            </a:extLst>
+          </p:cNvPr>
+          <p:cNvPicPr>
+            <a:picLocks noChangeAspect="1"/>
+          </p:cNvPicPr>
+          <p:nvPr/>
+        </p:nvPicPr>
+        <p:blipFill>
+          <a:blip r:embed="rId4"/>
+          <a:stretch>
+            <a:fillRect/>
+          </a:stretch>
+        </p:blipFill>
+        <p:spPr>
+          <a:xfrm>
+            <a:off x="570846" y="5563419"/>
+            <a:ext cx="4386735" cy="504222"/>
+          </a:xfrm>
+          <a:prstGeom prst="rect">
+            <a:avLst/>
+          </a:prstGeom>
+        </p:spPr>
+      </p:pic>
+      <p:pic>
+        <p:nvPicPr>
+          <p:cNvPr id="17" name="Picture 16">
+            <a:extLst>
+              <a:ext uri="{FF2B5EF4-FFF2-40B4-BE49-F238E27FC236}">
+                <a16:creationId xmlns:a16="http://schemas.microsoft.com/office/drawing/2014/main" id="{E1956CF0-E86D-AA6E-8138-C3640A9049AD}"/>
+              </a:ext>
+            </a:extLst>
+          </p:cNvPr>
+          <p:cNvPicPr>
+            <a:picLocks noChangeAspect="1"/>
+          </p:cNvPicPr>
+          <p:nvPr/>
+        </p:nvPicPr>
+        <p:blipFill>
+          <a:blip r:embed="rId5"/>
+          <a:stretch>
+            <a:fillRect/>
+          </a:stretch>
+        </p:blipFill>
+        <p:spPr>
+          <a:xfrm>
+            <a:off x="838200" y="4675685"/>
+            <a:ext cx="4033510" cy="707634"/>
+          </a:xfrm>
+          <a:prstGeom prst="rect">
+            <a:avLst/>
+          </a:prstGeom>
+        </p:spPr>
+      </p:pic>
+    </p:spTree>
+    <p:extLst>
+      <p:ext uri="{BB962C8B-B14F-4D97-AF65-F5344CB8AC3E}">
+        <p14:creationId xmlns:p14="http://schemas.microsoft.com/office/powerpoint/2010/main" val="1460651491"/>
+      </p:ext>
+    </p:extLst>
+  </p:cSld>
+  <p:clrMapOvr>
+    <a:masterClrMapping/>
+  </p:clrMapOvr>
+</p:sld>
+</file>
+
+<file path=ppt/slides/slide19.xml><?xml version="1.0" encoding="utf-8"?>
+<p:sld xmlns:a="http://schemas.openxmlformats.org/drawingml/2006/main" xmlns:r="http://schemas.openxmlformats.org/officeDocument/2006/relationships" xmlns:p="http://schemas.openxmlformats.org/presentationml/2006/main">
+  <p:cSld>
+    <p:spTree>
+      <p:nvGrpSpPr>
+        <p:cNvPr id="1" name=""/>
+        <p:cNvGrpSpPr/>
+        <p:nvPr/>
+      </p:nvGrpSpPr>
+      <p:grpSpPr>
+        <a:xfrm>
+          <a:off x="0" y="0"/>
+          <a:ext cx="0" cy="0"/>
+          <a:chOff x="0" y="0"/>
+          <a:chExt cx="0" cy="0"/>
+        </a:xfrm>
+      </p:grpSpPr>
+      <p:sp>
+        <p:nvSpPr>
+          <p:cNvPr id="2" name="Title 1">
+            <a:extLst>
+              <a:ext uri="{FF2B5EF4-FFF2-40B4-BE49-F238E27FC236}">
+                <a16:creationId xmlns:a16="http://schemas.microsoft.com/office/drawing/2014/main" id="{EBAC801E-EF4F-952B-F000-C6A197D102DD}"/>
+              </a:ext>
+            </a:extLst>
+          </p:cNvPr>
+          <p:cNvSpPr>
+            <a:spLocks noGrp="1"/>
+          </p:cNvSpPr>
+          <p:nvPr>
+            <p:ph type="title"/>
+          </p:nvPr>
+        </p:nvSpPr>
+        <p:spPr/>
+        <p:txBody>
+          <a:bodyPr/>
+          <a:lstStyle/>
+          <a:p>
+            <a:r>
+              <a:rPr lang="en-US" dirty="0"/>
+              <a:t>Why doesn’t added mass match?</a:t>
+            </a:r>
+          </a:p>
+        </p:txBody>
+      </p:sp>
+      <p:sp>
+        <p:nvSpPr>
+          <p:cNvPr id="3" name="Content Placeholder 2">
+            <a:extLst>
+              <a:ext uri="{FF2B5EF4-FFF2-40B4-BE49-F238E27FC236}">
+                <a16:creationId xmlns:a16="http://schemas.microsoft.com/office/drawing/2014/main" id="{79725C56-51E8-6C2D-60F5-FA9FFCB2913F}"/>
+              </a:ext>
+            </a:extLst>
+          </p:cNvPr>
+          <p:cNvSpPr>
+            <a:spLocks noGrp="1"/>
+          </p:cNvSpPr>
+          <p:nvPr>
+            <p:ph idx="1"/>
+          </p:nvPr>
+        </p:nvSpPr>
+        <p:spPr>
+          <a:xfrm>
+            <a:off x="838201" y="1825625"/>
+            <a:ext cx="5003064" cy="4351338"/>
+          </a:xfrm>
+        </p:spPr>
+        <p:txBody>
+          <a:bodyPr/>
+          <a:lstStyle/>
+          <a:p>
+            <a:r>
+              <a:rPr lang="en-US" dirty="0"/>
+              <a:t>Added mass matches now</a:t>
+            </a:r>
+          </a:p>
+          <a:p>
+            <a:r>
+              <a:rPr lang="en-US" dirty="0"/>
+              <a:t>Radiation damping and hydrostatic stiffness also match now</a:t>
+            </a:r>
+          </a:p>
+        </p:txBody>
+      </p:sp>
+      <p:pic>
+        <p:nvPicPr>
+          <p:cNvPr id="13" name="Picture 12">
+            <a:extLst>
+              <a:ext uri="{FF2B5EF4-FFF2-40B4-BE49-F238E27FC236}">
+                <a16:creationId xmlns:a16="http://schemas.microsoft.com/office/drawing/2014/main" id="{E7F49DE6-3D5E-9D52-24AF-819DF0E70109}"/>
+              </a:ext>
+            </a:extLst>
+          </p:cNvPr>
+          <p:cNvPicPr>
+            <a:picLocks noChangeAspect="1"/>
+          </p:cNvPicPr>
+          <p:nvPr/>
+        </p:nvPicPr>
+        <p:blipFill>
+          <a:blip r:embed="rId2"/>
+          <a:stretch>
+            <a:fillRect/>
+          </a:stretch>
+        </p:blipFill>
+        <p:spPr>
+          <a:xfrm>
+            <a:off x="9017150" y="1832283"/>
+            <a:ext cx="3011911" cy="4344680"/>
+          </a:xfrm>
+          <a:prstGeom prst="rect">
+            <a:avLst/>
+          </a:prstGeom>
+        </p:spPr>
+      </p:pic>
+      <p:pic>
+        <p:nvPicPr>
+          <p:cNvPr id="19" name="Picture 18">
+            <a:extLst>
+              <a:ext uri="{FF2B5EF4-FFF2-40B4-BE49-F238E27FC236}">
+                <a16:creationId xmlns:a16="http://schemas.microsoft.com/office/drawing/2014/main" id="{22ED6F5F-CA7E-6A81-1376-B7C15E19EFBB}"/>
+              </a:ext>
+            </a:extLst>
+          </p:cNvPr>
+          <p:cNvPicPr>
+            <a:picLocks noChangeAspect="1"/>
+          </p:cNvPicPr>
+          <p:nvPr/>
+        </p:nvPicPr>
+        <p:blipFill>
+          <a:blip r:embed="rId3"/>
+          <a:stretch>
+            <a:fillRect/>
+          </a:stretch>
+        </p:blipFill>
+        <p:spPr>
+          <a:xfrm>
+            <a:off x="6230429" y="1832283"/>
+            <a:ext cx="2673070" cy="4344680"/>
+          </a:xfrm>
+          <a:prstGeom prst="rect">
+            <a:avLst/>
+          </a:prstGeom>
+        </p:spPr>
+      </p:pic>
+    </p:spTree>
+    <p:extLst>
+      <p:ext uri="{BB962C8B-B14F-4D97-AF65-F5344CB8AC3E}">
+        <p14:creationId xmlns:p14="http://schemas.microsoft.com/office/powerpoint/2010/main" val="4227260501"/>
+      </p:ext>
+    </p:extLst>
+  </p:cSld>
+  <p:clrMapOvr>
+    <a:masterClrMapping/>
+  </p:clrMapOvr>
+</p:sld>
+</file>
+
 <file path=ppt/slides/slide2.xml><?xml version="1.0" encoding="utf-8"?>
 <p:sld xmlns:a="http://schemas.openxmlformats.org/drawingml/2006/main" xmlns:r="http://schemas.openxmlformats.org/officeDocument/2006/relationships" xmlns:p="http://schemas.openxmlformats.org/presentationml/2006/main">
   <p:cSld>
@@ -7202,8 +10142,8 @@
           </a:p>
         </p:txBody>
       </p:sp>
-      <mc:AlternateContent xmlns:mc="http://schemas.openxmlformats.org/markup-compatibility/2006">
-        <mc:Choice xmlns:a14="http://schemas.microsoft.com/office/drawing/2010/main" Requires="a14">
+      <mc:AlternateContent xmlns:mc="http://schemas.openxmlformats.org/markup-compatibility/2006" xmlns:a14="http://schemas.microsoft.com/office/drawing/2010/main">
+        <mc:Choice Requires="a14">
           <p:sp>
             <p:nvSpPr>
               <p:cNvPr id="3" name="Content Placeholder 2">
@@ -7384,7 +10324,7 @@
             </p:txBody>
           </p:sp>
         </mc:Choice>
-        <mc:Fallback>
+        <mc:Fallback xmlns="">
           <p:sp>
             <p:nvSpPr>
               <p:cNvPr id="3" name="Content Placeholder 2">
@@ -7745,6 +10685,284 @@
           <p:cNvPr id="2" name="Title 1">
             <a:extLst>
               <a:ext uri="{FF2B5EF4-FFF2-40B4-BE49-F238E27FC236}">
+                <a16:creationId xmlns:a16="http://schemas.microsoft.com/office/drawing/2014/main" id="{684764EA-4A3B-277E-46FF-FE7C08ACA735}"/>
+              </a:ext>
+            </a:extLst>
+          </p:cNvPr>
+          <p:cNvSpPr>
+            <a:spLocks noGrp="1"/>
+          </p:cNvSpPr>
+          <p:nvPr>
+            <p:ph type="title"/>
+          </p:nvPr>
+        </p:nvSpPr>
+        <p:spPr/>
+        <p:txBody>
+          <a:bodyPr/>
+          <a:lstStyle/>
+          <a:p>
+            <a:r>
+              <a:rPr lang="en-US" dirty="0"/>
+              <a:t>Compare pitch BEM vs. pitch manual</a:t>
+            </a:r>
+          </a:p>
+        </p:txBody>
+      </p:sp>
+      <p:sp>
+        <p:nvSpPr>
+          <p:cNvPr id="3" name="Content Placeholder 2">
+            <a:extLst>
+              <a:ext uri="{FF2B5EF4-FFF2-40B4-BE49-F238E27FC236}">
+                <a16:creationId xmlns:a16="http://schemas.microsoft.com/office/drawing/2014/main" id="{83F5DF41-E4A6-B6DF-CA8D-B64CDF655526}"/>
+              </a:ext>
+            </a:extLst>
+          </p:cNvPr>
+          <p:cNvSpPr>
+            <a:spLocks noGrp="1"/>
+          </p:cNvSpPr>
+          <p:nvPr>
+            <p:ph idx="1"/>
+          </p:nvPr>
+        </p:nvSpPr>
+        <p:spPr>
+          <a:xfrm>
+            <a:off x="829358" y="1467119"/>
+            <a:ext cx="10515600" cy="4351338"/>
+          </a:xfrm>
+        </p:spPr>
+        <p:txBody>
+          <a:bodyPr/>
+          <a:lstStyle/>
+          <a:p>
+            <a:r>
+              <a:rPr lang="en-US" dirty="0"/>
+              <a:t>Results are slightly off, but I think its okay?</a:t>
+            </a:r>
+          </a:p>
+          <a:p>
+            <a:pPr lvl="1"/>
+            <a:r>
+              <a:rPr lang="en-US" dirty="0"/>
+              <a:t>Confirmed that coefficients match without axis of rotation, so this is the best we’ve got…</a:t>
+            </a:r>
+          </a:p>
+        </p:txBody>
+      </p:sp>
+      <p:pic>
+        <p:nvPicPr>
+          <p:cNvPr id="5" name="Picture 4">
+            <a:extLst>
+              <a:ext uri="{FF2B5EF4-FFF2-40B4-BE49-F238E27FC236}">
+                <a16:creationId xmlns:a16="http://schemas.microsoft.com/office/drawing/2014/main" id="{CF908E74-5FD6-276D-B3A6-B3A4CD6A7EE5}"/>
+              </a:ext>
+            </a:extLst>
+          </p:cNvPr>
+          <p:cNvPicPr>
+            <a:picLocks noChangeAspect="1"/>
+          </p:cNvPicPr>
+          <p:nvPr/>
+        </p:nvPicPr>
+        <p:blipFill>
+          <a:blip r:embed="rId2"/>
+          <a:stretch>
+            <a:fillRect/>
+          </a:stretch>
+        </p:blipFill>
+        <p:spPr>
+          <a:xfrm>
+            <a:off x="896604" y="4708766"/>
+            <a:ext cx="2604671" cy="2010079"/>
+          </a:xfrm>
+          <a:prstGeom prst="rect">
+            <a:avLst/>
+          </a:prstGeom>
+        </p:spPr>
+      </p:pic>
+      <p:pic>
+        <p:nvPicPr>
+          <p:cNvPr id="7" name="Picture 6">
+            <a:extLst>
+              <a:ext uri="{FF2B5EF4-FFF2-40B4-BE49-F238E27FC236}">
+                <a16:creationId xmlns:a16="http://schemas.microsoft.com/office/drawing/2014/main" id="{95A92AEF-1496-7631-112D-9F5F5A72BB05}"/>
+              </a:ext>
+            </a:extLst>
+          </p:cNvPr>
+          <p:cNvPicPr>
+            <a:picLocks noChangeAspect="1"/>
+          </p:cNvPicPr>
+          <p:nvPr/>
+        </p:nvPicPr>
+        <p:blipFill>
+          <a:blip r:embed="rId3"/>
+          <a:stretch>
+            <a:fillRect/>
+          </a:stretch>
+        </p:blipFill>
+        <p:spPr>
+          <a:xfrm>
+            <a:off x="3559679" y="4708766"/>
+            <a:ext cx="2578451" cy="1979726"/>
+          </a:xfrm>
+          <a:prstGeom prst="rect">
+            <a:avLst/>
+          </a:prstGeom>
+        </p:spPr>
+      </p:pic>
+      <p:pic>
+        <p:nvPicPr>
+          <p:cNvPr id="9" name="Picture 8">
+            <a:extLst>
+              <a:ext uri="{FF2B5EF4-FFF2-40B4-BE49-F238E27FC236}">
+                <a16:creationId xmlns:a16="http://schemas.microsoft.com/office/drawing/2014/main" id="{63B068F0-14F5-1B57-1FDC-2D6D857B7561}"/>
+              </a:ext>
+            </a:extLst>
+          </p:cNvPr>
+          <p:cNvPicPr>
+            <a:picLocks noChangeAspect="1"/>
+          </p:cNvPicPr>
+          <p:nvPr/>
+        </p:nvPicPr>
+        <p:blipFill>
+          <a:blip r:embed="rId4"/>
+          <a:stretch>
+            <a:fillRect/>
+          </a:stretch>
+        </p:blipFill>
+        <p:spPr>
+          <a:xfrm>
+            <a:off x="6196534" y="4708766"/>
+            <a:ext cx="2530377" cy="1979726"/>
+          </a:xfrm>
+          <a:prstGeom prst="rect">
+            <a:avLst/>
+          </a:prstGeom>
+        </p:spPr>
+      </p:pic>
+      <p:pic>
+        <p:nvPicPr>
+          <p:cNvPr id="11" name="Picture 10">
+            <a:extLst>
+              <a:ext uri="{FF2B5EF4-FFF2-40B4-BE49-F238E27FC236}">
+                <a16:creationId xmlns:a16="http://schemas.microsoft.com/office/drawing/2014/main" id="{84A89C8B-BF67-BC74-39BB-775664304397}"/>
+              </a:ext>
+            </a:extLst>
+          </p:cNvPr>
+          <p:cNvPicPr>
+            <a:picLocks noChangeAspect="1"/>
+          </p:cNvPicPr>
+          <p:nvPr/>
+        </p:nvPicPr>
+        <p:blipFill>
+          <a:blip r:embed="rId5"/>
+          <a:stretch>
+            <a:fillRect/>
+          </a:stretch>
+        </p:blipFill>
+        <p:spPr>
+          <a:xfrm>
+            <a:off x="2354242" y="2665654"/>
+            <a:ext cx="2604671" cy="1979725"/>
+          </a:xfrm>
+          <a:prstGeom prst="rect">
+            <a:avLst/>
+          </a:prstGeom>
+        </p:spPr>
+      </p:pic>
+      <p:pic>
+        <p:nvPicPr>
+          <p:cNvPr id="13" name="Picture 12">
+            <a:extLst>
+              <a:ext uri="{FF2B5EF4-FFF2-40B4-BE49-F238E27FC236}">
+                <a16:creationId xmlns:a16="http://schemas.microsoft.com/office/drawing/2014/main" id="{5713E047-9E75-6B6F-19C1-A04A61384949}"/>
+              </a:ext>
+            </a:extLst>
+          </p:cNvPr>
+          <p:cNvPicPr>
+            <a:picLocks noChangeAspect="1"/>
+          </p:cNvPicPr>
+          <p:nvPr/>
+        </p:nvPicPr>
+        <p:blipFill>
+          <a:blip r:embed="rId6"/>
+          <a:stretch>
+            <a:fillRect/>
+          </a:stretch>
+        </p:blipFill>
+        <p:spPr>
+          <a:xfrm>
+            <a:off x="5017317" y="2576810"/>
+            <a:ext cx="2852737" cy="2157412"/>
+          </a:xfrm>
+          <a:prstGeom prst="rect">
+            <a:avLst/>
+          </a:prstGeom>
+        </p:spPr>
+      </p:pic>
+      <p:pic>
+        <p:nvPicPr>
+          <p:cNvPr id="15" name="Picture 14">
+            <a:extLst>
+              <a:ext uri="{FF2B5EF4-FFF2-40B4-BE49-F238E27FC236}">
+                <a16:creationId xmlns:a16="http://schemas.microsoft.com/office/drawing/2014/main" id="{A2A3F80E-4542-28F9-A454-E2F1A95112D4}"/>
+              </a:ext>
+            </a:extLst>
+          </p:cNvPr>
+          <p:cNvPicPr>
+            <a:picLocks noChangeAspect="1"/>
+          </p:cNvPicPr>
+          <p:nvPr/>
+        </p:nvPicPr>
+        <p:blipFill>
+          <a:blip r:embed="rId7"/>
+          <a:stretch>
+            <a:fillRect/>
+          </a:stretch>
+        </p:blipFill>
+        <p:spPr>
+          <a:xfrm>
+            <a:off x="7948948" y="2551354"/>
+            <a:ext cx="2757487" cy="2157412"/>
+          </a:xfrm>
+          <a:prstGeom prst="rect">
+            <a:avLst/>
+          </a:prstGeom>
+        </p:spPr>
+      </p:pic>
+    </p:spTree>
+    <p:extLst>
+      <p:ext uri="{BB962C8B-B14F-4D97-AF65-F5344CB8AC3E}">
+        <p14:creationId xmlns:p14="http://schemas.microsoft.com/office/powerpoint/2010/main" val="2717386843"/>
+      </p:ext>
+    </p:extLst>
+  </p:cSld>
+  <p:clrMapOvr>
+    <a:masterClrMapping/>
+  </p:clrMapOvr>
+</p:sld>
+</file>
+
+<file path=ppt/slides/slide7.xml><?xml version="1.0" encoding="utf-8"?>
+<p:sld xmlns:a="http://schemas.openxmlformats.org/drawingml/2006/main" xmlns:r="http://schemas.openxmlformats.org/officeDocument/2006/relationships" xmlns:p="http://schemas.openxmlformats.org/presentationml/2006/main">
+  <p:cSld>
+    <p:spTree>
+      <p:nvGrpSpPr>
+        <p:cNvPr id="1" name=""/>
+        <p:cNvGrpSpPr/>
+        <p:nvPr/>
+      </p:nvGrpSpPr>
+      <p:grpSpPr>
+        <a:xfrm>
+          <a:off x="0" y="0"/>
+          <a:ext cx="0" cy="0"/>
+          <a:chOff x="0" y="0"/>
+          <a:chExt cx="0" cy="0"/>
+        </a:xfrm>
+      </p:grpSpPr>
+      <p:sp>
+        <p:nvSpPr>
+          <p:cNvPr id="2" name="Title 1">
+            <a:extLst>
+              <a:ext uri="{FF2B5EF4-FFF2-40B4-BE49-F238E27FC236}">
                 <a16:creationId xmlns:a16="http://schemas.microsoft.com/office/drawing/2014/main" id="{21ABB264-3214-B36D-00DD-F8E259AC4489}"/>
               </a:ext>
             </a:extLst>
@@ -7768,7 +10986,7 @@
           <a:p>
             <a:r>
               <a:rPr lang="en-US" dirty="0"/>
-              <a:t>Compare types of forces:</a:t>
+              <a:t>Compare results:</a:t>
             </a:r>
           </a:p>
         </p:txBody>
@@ -7801,13 +11019,289 @@
           <a:p>
             <a:r>
               <a:rPr lang="en-US" dirty="0"/>
-              <a:t>Hydrostatic stiffness is very different – seems like coupling term is in one vs. two terms </a:t>
-            </a:r>
-          </a:p>
+              <a:t>Resultant pitch, force, and power are all less than half of pitch only results</a:t>
+            </a:r>
+          </a:p>
+        </p:txBody>
+      </p:sp>
+      <p:pic>
+        <p:nvPicPr>
+          <p:cNvPr id="14" name="Picture 13">
+            <a:extLst>
+              <a:ext uri="{FF2B5EF4-FFF2-40B4-BE49-F238E27FC236}">
+                <a16:creationId xmlns:a16="http://schemas.microsoft.com/office/drawing/2014/main" id="{B3996284-7B6A-BCEA-193D-73BEFECC43F3}"/>
+              </a:ext>
+            </a:extLst>
+          </p:cNvPr>
+          <p:cNvPicPr>
+            <a:picLocks noChangeAspect="1"/>
+          </p:cNvPicPr>
+          <p:nvPr/>
+        </p:nvPicPr>
+        <p:blipFill>
+          <a:blip r:embed="rId2"/>
+          <a:stretch>
+            <a:fillRect/>
+          </a:stretch>
+        </p:blipFill>
+        <p:spPr>
+          <a:xfrm>
+            <a:off x="354553" y="2445522"/>
+            <a:ext cx="2838449" cy="2157412"/>
+          </a:xfrm>
+          <a:prstGeom prst="rect">
+            <a:avLst/>
+          </a:prstGeom>
+        </p:spPr>
+      </p:pic>
+      <p:pic>
+        <p:nvPicPr>
+          <p:cNvPr id="18" name="Picture 17">
+            <a:extLst>
+              <a:ext uri="{FF2B5EF4-FFF2-40B4-BE49-F238E27FC236}">
+                <a16:creationId xmlns:a16="http://schemas.microsoft.com/office/drawing/2014/main" id="{E54B54C5-2EDD-B09E-8C39-8B98558A7BA9}"/>
+              </a:ext>
+            </a:extLst>
+          </p:cNvPr>
+          <p:cNvPicPr>
+            <a:picLocks noChangeAspect="1"/>
+          </p:cNvPicPr>
+          <p:nvPr/>
+        </p:nvPicPr>
+        <p:blipFill>
+          <a:blip r:embed="rId3"/>
+          <a:stretch>
+            <a:fillRect/>
+          </a:stretch>
+        </p:blipFill>
+        <p:spPr>
+          <a:xfrm>
+            <a:off x="3235864" y="2456327"/>
+            <a:ext cx="2838449" cy="2146607"/>
+          </a:xfrm>
+          <a:prstGeom prst="rect">
+            <a:avLst/>
+          </a:prstGeom>
+        </p:spPr>
+      </p:pic>
+      <p:pic>
+        <p:nvPicPr>
+          <p:cNvPr id="21" name="Picture 20">
+            <a:extLst>
+              <a:ext uri="{FF2B5EF4-FFF2-40B4-BE49-F238E27FC236}">
+                <a16:creationId xmlns:a16="http://schemas.microsoft.com/office/drawing/2014/main" id="{BD449C71-75E7-2248-D84D-9C7C3CE87DFA}"/>
+              </a:ext>
+            </a:extLst>
+          </p:cNvPr>
+          <p:cNvPicPr>
+            <a:picLocks noChangeAspect="1"/>
+          </p:cNvPicPr>
+          <p:nvPr/>
+        </p:nvPicPr>
+        <p:blipFill>
+          <a:blip r:embed="rId4"/>
+          <a:stretch>
+            <a:fillRect/>
+          </a:stretch>
+        </p:blipFill>
+        <p:spPr>
+          <a:xfrm>
+            <a:off x="6117175" y="2456327"/>
+            <a:ext cx="2757487" cy="2157412"/>
+          </a:xfrm>
+          <a:prstGeom prst="rect">
+            <a:avLst/>
+          </a:prstGeom>
+        </p:spPr>
+      </p:pic>
+      <p:pic>
+        <p:nvPicPr>
+          <p:cNvPr id="23" name="Picture 22">
+            <a:extLst>
+              <a:ext uri="{FF2B5EF4-FFF2-40B4-BE49-F238E27FC236}">
+                <a16:creationId xmlns:a16="http://schemas.microsoft.com/office/drawing/2014/main" id="{E21A57B8-F9BF-7B11-36B2-34F99F13F0D1}"/>
+              </a:ext>
+            </a:extLst>
+          </p:cNvPr>
+          <p:cNvPicPr>
+            <a:picLocks noChangeAspect="1"/>
+          </p:cNvPicPr>
+          <p:nvPr/>
+        </p:nvPicPr>
+        <p:blipFill>
+          <a:blip r:embed="rId5"/>
+          <a:stretch>
+            <a:fillRect/>
+          </a:stretch>
+        </p:blipFill>
+        <p:spPr>
+          <a:xfrm>
+            <a:off x="397415" y="4602934"/>
+            <a:ext cx="2795587" cy="2157412"/>
+          </a:xfrm>
+          <a:prstGeom prst="rect">
+            <a:avLst/>
+          </a:prstGeom>
+        </p:spPr>
+      </p:pic>
+      <p:pic>
+        <p:nvPicPr>
+          <p:cNvPr id="25" name="Picture 24">
+            <a:extLst>
+              <a:ext uri="{FF2B5EF4-FFF2-40B4-BE49-F238E27FC236}">
+                <a16:creationId xmlns:a16="http://schemas.microsoft.com/office/drawing/2014/main" id="{894F8F75-4FC0-D325-6AF5-3B7659953F98}"/>
+              </a:ext>
+            </a:extLst>
+          </p:cNvPr>
+          <p:cNvPicPr>
+            <a:picLocks noChangeAspect="1"/>
+          </p:cNvPicPr>
+          <p:nvPr/>
+        </p:nvPicPr>
+        <p:blipFill>
+          <a:blip r:embed="rId6"/>
+          <a:stretch>
+            <a:fillRect/>
+          </a:stretch>
+        </p:blipFill>
+        <p:spPr>
+          <a:xfrm>
+            <a:off x="3321373" y="4602934"/>
+            <a:ext cx="2795802" cy="2146607"/>
+          </a:xfrm>
+          <a:prstGeom prst="rect">
+            <a:avLst/>
+          </a:prstGeom>
+        </p:spPr>
+      </p:pic>
+      <p:pic>
+        <p:nvPicPr>
+          <p:cNvPr id="27" name="Picture 26">
+            <a:extLst>
+              <a:ext uri="{FF2B5EF4-FFF2-40B4-BE49-F238E27FC236}">
+                <a16:creationId xmlns:a16="http://schemas.microsoft.com/office/drawing/2014/main" id="{B20BB3DD-8BDD-9805-8B54-067A36E4C08D}"/>
+              </a:ext>
+            </a:extLst>
+          </p:cNvPr>
+          <p:cNvPicPr>
+            <a:picLocks noChangeAspect="1"/>
+          </p:cNvPicPr>
+          <p:nvPr/>
+        </p:nvPicPr>
+        <p:blipFill>
+          <a:blip r:embed="rId7"/>
+          <a:stretch>
+            <a:fillRect/>
+          </a:stretch>
+        </p:blipFill>
+        <p:spPr>
+          <a:xfrm>
+            <a:off x="6096000" y="4613739"/>
+            <a:ext cx="2824233" cy="2146607"/>
+          </a:xfrm>
+          <a:prstGeom prst="rect">
+            <a:avLst/>
+          </a:prstGeom>
+        </p:spPr>
+      </p:pic>
+    </p:spTree>
+    <p:extLst>
+      <p:ext uri="{BB962C8B-B14F-4D97-AF65-F5344CB8AC3E}">
+        <p14:creationId xmlns:p14="http://schemas.microsoft.com/office/powerpoint/2010/main" val="386026626"/>
+      </p:ext>
+    </p:extLst>
+  </p:cSld>
+  <p:clrMapOvr>
+    <a:masterClrMapping/>
+  </p:clrMapOvr>
+</p:sld>
+</file>
+
+<file path=ppt/slides/slide8.xml><?xml version="1.0" encoding="utf-8"?>
+<p:sld xmlns:a="http://schemas.openxmlformats.org/drawingml/2006/main" xmlns:r="http://schemas.openxmlformats.org/officeDocument/2006/relationships" xmlns:p="http://schemas.openxmlformats.org/presentationml/2006/main">
+  <p:cSld>
+    <p:spTree>
+      <p:nvGrpSpPr>
+        <p:cNvPr id="1" name=""/>
+        <p:cNvGrpSpPr/>
+        <p:nvPr/>
+      </p:nvGrpSpPr>
+      <p:grpSpPr>
+        <a:xfrm>
+          <a:off x="0" y="0"/>
+          <a:ext cx="0" cy="0"/>
+          <a:chOff x="0" y="0"/>
+          <a:chExt cx="0" cy="0"/>
+        </a:xfrm>
+      </p:grpSpPr>
+      <p:sp>
+        <p:nvSpPr>
+          <p:cNvPr id="2" name="Title 1">
+            <a:extLst>
+              <a:ext uri="{FF2B5EF4-FFF2-40B4-BE49-F238E27FC236}">
+                <a16:creationId xmlns:a16="http://schemas.microsoft.com/office/drawing/2014/main" id="{21ABB264-3214-B36D-00DD-F8E259AC4489}"/>
+              </a:ext>
+            </a:extLst>
+          </p:cNvPr>
+          <p:cNvSpPr>
+            <a:spLocks noGrp="1"/>
+          </p:cNvSpPr>
+          <p:nvPr>
+            <p:ph type="title"/>
+          </p:nvPr>
+        </p:nvSpPr>
+        <p:spPr>
+          <a:xfrm>
+            <a:off x="838200" y="261015"/>
+            <a:ext cx="10515600" cy="1325563"/>
+          </a:xfrm>
+        </p:spPr>
+        <p:txBody>
+          <a:bodyPr/>
+          <a:lstStyle/>
           <a:p>
             <a:r>
               <a:rPr lang="en-US" dirty="0"/>
-              <a:t>Pretty close results! Coupling term might still be an issue!?</a:t>
+              <a:t>Compare types of forces:</a:t>
+            </a:r>
+          </a:p>
+        </p:txBody>
+      </p:sp>
+      <p:sp>
+        <p:nvSpPr>
+          <p:cNvPr id="3" name="Content Placeholder 2">
+            <a:extLst>
+              <a:ext uri="{FF2B5EF4-FFF2-40B4-BE49-F238E27FC236}">
+                <a16:creationId xmlns:a16="http://schemas.microsoft.com/office/drawing/2014/main" id="{4AAE332E-529E-889D-0FF6-AB5EB53AC830}"/>
+              </a:ext>
+            </a:extLst>
+          </p:cNvPr>
+          <p:cNvSpPr>
+            <a:spLocks noGrp="1"/>
+          </p:cNvSpPr>
+          <p:nvPr>
+            <p:ph idx="1"/>
+          </p:nvPr>
+        </p:nvSpPr>
+        <p:spPr>
+          <a:xfrm>
+            <a:off x="838200" y="1247346"/>
+            <a:ext cx="10515600" cy="1645129"/>
+          </a:xfrm>
+        </p:spPr>
+        <p:txBody>
+          <a:bodyPr/>
+          <a:lstStyle/>
+          <a:p>
+            <a:r>
+              <a:rPr lang="en-US" dirty="0"/>
+              <a:t>Results are the same</a:t>
+            </a:r>
+          </a:p>
+          <a:p>
+            <a:r>
+              <a:rPr lang="en-US" dirty="0"/>
+              <a:t>Shouldn’t hydrostatics be different for different pitch angles?</a:t>
             </a:r>
           </a:p>
         </p:txBody>
@@ -7904,10 +11398,10 @@
       </p:pic>
       <p:pic>
         <p:nvPicPr>
-          <p:cNvPr id="11" name="Picture 10">
-            <a:extLst>
-              <a:ext uri="{FF2B5EF4-FFF2-40B4-BE49-F238E27FC236}">
-                <a16:creationId xmlns:a16="http://schemas.microsoft.com/office/drawing/2014/main" id="{05A169EF-83A8-1D30-C04F-B0DCB90C8DE2}"/>
+          <p:cNvPr id="15" name="Picture 14">
+            <a:extLst>
+              <a:ext uri="{FF2B5EF4-FFF2-40B4-BE49-F238E27FC236}">
+                <a16:creationId xmlns:a16="http://schemas.microsoft.com/office/drawing/2014/main" id="{E35F8EAD-FF79-C011-2ABF-239C9FED2611}"/>
               </a:ext>
             </a:extLst>
           </p:cNvPr>
@@ -7918,66 +11412,6 @@
         </p:nvPicPr>
         <p:blipFill>
           <a:blip r:embed="rId5"/>
-          <a:stretch>
-            <a:fillRect/>
-          </a:stretch>
-        </p:blipFill>
-        <p:spPr>
-          <a:xfrm>
-            <a:off x="6096000" y="4765897"/>
-            <a:ext cx="2876827" cy="2069912"/>
-          </a:xfrm>
-          <a:prstGeom prst="rect">
-            <a:avLst/>
-          </a:prstGeom>
-        </p:spPr>
-      </p:pic>
-      <p:pic>
-        <p:nvPicPr>
-          <p:cNvPr id="13" name="Picture 12">
-            <a:extLst>
-              <a:ext uri="{FF2B5EF4-FFF2-40B4-BE49-F238E27FC236}">
-                <a16:creationId xmlns:a16="http://schemas.microsoft.com/office/drawing/2014/main" id="{2E6F38E3-E643-0534-D254-8DE56EEE0475}"/>
-              </a:ext>
-            </a:extLst>
-          </p:cNvPr>
-          <p:cNvPicPr>
-            <a:picLocks noChangeAspect="1"/>
-          </p:cNvPicPr>
-          <p:nvPr/>
-        </p:nvPicPr>
-        <p:blipFill>
-          <a:blip r:embed="rId6"/>
-          <a:stretch>
-            <a:fillRect/>
-          </a:stretch>
-        </p:blipFill>
-        <p:spPr>
-          <a:xfrm>
-            <a:off x="8972827" y="4765897"/>
-            <a:ext cx="2890606" cy="2047720"/>
-          </a:xfrm>
-          <a:prstGeom prst="rect">
-            <a:avLst/>
-          </a:prstGeom>
-        </p:spPr>
-      </p:pic>
-      <p:pic>
-        <p:nvPicPr>
-          <p:cNvPr id="15" name="Picture 14">
-            <a:extLst>
-              <a:ext uri="{FF2B5EF4-FFF2-40B4-BE49-F238E27FC236}">
-                <a16:creationId xmlns:a16="http://schemas.microsoft.com/office/drawing/2014/main" id="{E35F8EAD-FF79-C011-2ABF-239C9FED2611}"/>
-              </a:ext>
-            </a:extLst>
-          </p:cNvPr>
-          <p:cNvPicPr>
-            <a:picLocks noChangeAspect="1"/>
-          </p:cNvPicPr>
-          <p:nvPr/>
-        </p:nvPicPr>
-        <p:blipFill>
-          <a:blip r:embed="rId7"/>
           <a:stretch>
             <a:fillRect/>
           </a:stretch>
@@ -8007,7 +11441,7 @@
           <p:nvPr/>
         </p:nvPicPr>
         <p:blipFill>
-          <a:blip r:embed="rId8"/>
+          <a:blip r:embed="rId6"/>
           <a:stretch>
             <a:fillRect/>
           </a:stretch>
@@ -8037,7 +11471,7 @@
           <p:nvPr/>
         </p:nvPicPr>
         <p:blipFill>
-          <a:blip r:embed="rId9"/>
+          <a:blip r:embed="rId7"/>
           <a:stretch>
             <a:fillRect/>
           </a:stretch>
@@ -8052,10 +11486,506 @@
           </a:prstGeom>
         </p:spPr>
       </p:pic>
+      <p:pic>
+        <p:nvPicPr>
+          <p:cNvPr id="6" name="Picture 5">
+            <a:extLst>
+              <a:ext uri="{FF2B5EF4-FFF2-40B4-BE49-F238E27FC236}">
+                <a16:creationId xmlns:a16="http://schemas.microsoft.com/office/drawing/2014/main" id="{B4FDBFFF-5E19-4663-219F-FC2D2BC49DB5}"/>
+              </a:ext>
+            </a:extLst>
+          </p:cNvPr>
+          <p:cNvPicPr>
+            <a:picLocks noChangeAspect="1"/>
+          </p:cNvPicPr>
+          <p:nvPr/>
+        </p:nvPicPr>
+        <p:blipFill>
+          <a:blip r:embed="rId8"/>
+          <a:stretch>
+            <a:fillRect/>
+          </a:stretch>
+        </p:blipFill>
+        <p:spPr>
+          <a:xfrm>
+            <a:off x="6050893" y="4754801"/>
+            <a:ext cx="2921934" cy="2069912"/>
+          </a:xfrm>
+          <a:prstGeom prst="rect">
+            <a:avLst/>
+          </a:prstGeom>
+        </p:spPr>
+      </p:pic>
+      <p:pic>
+        <p:nvPicPr>
+          <p:cNvPr id="10" name="Picture 9">
+            <a:extLst>
+              <a:ext uri="{FF2B5EF4-FFF2-40B4-BE49-F238E27FC236}">
+                <a16:creationId xmlns:a16="http://schemas.microsoft.com/office/drawing/2014/main" id="{71C88A82-F722-CF52-E032-88ED14487C49}"/>
+              </a:ext>
+            </a:extLst>
+          </p:cNvPr>
+          <p:cNvPicPr>
+            <a:picLocks noChangeAspect="1"/>
+          </p:cNvPicPr>
+          <p:nvPr/>
+        </p:nvPicPr>
+        <p:blipFill>
+          <a:blip r:embed="rId9"/>
+          <a:stretch>
+            <a:fillRect/>
+          </a:stretch>
+        </p:blipFill>
+        <p:spPr>
+          <a:xfrm>
+            <a:off x="9107545" y="4754801"/>
+            <a:ext cx="3012148" cy="2069912"/>
+          </a:xfrm>
+          <a:prstGeom prst="rect">
+            <a:avLst/>
+          </a:prstGeom>
+        </p:spPr>
+      </p:pic>
     </p:spTree>
     <p:extLst>
       <p:ext uri="{BB962C8B-B14F-4D97-AF65-F5344CB8AC3E}">
-        <p14:creationId xmlns:p14="http://schemas.microsoft.com/office/powerpoint/2010/main" val="386026626"/>
+        <p14:creationId xmlns:p14="http://schemas.microsoft.com/office/powerpoint/2010/main" val="2589152775"/>
+      </p:ext>
+    </p:extLst>
+  </p:cSld>
+  <p:clrMapOvr>
+    <a:masterClrMapping/>
+  </p:clrMapOvr>
+</p:sld>
+</file>
+
+<file path=ppt/slides/slide9.xml><?xml version="1.0" encoding="utf-8"?>
+<p:sld xmlns:a="http://schemas.openxmlformats.org/drawingml/2006/main" xmlns:r="http://schemas.openxmlformats.org/officeDocument/2006/relationships" xmlns:p="http://schemas.openxmlformats.org/presentationml/2006/main">
+  <p:cSld>
+    <p:spTree>
+      <p:nvGrpSpPr>
+        <p:cNvPr id="1" name=""/>
+        <p:cNvGrpSpPr/>
+        <p:nvPr/>
+      </p:nvGrpSpPr>
+      <p:grpSpPr>
+        <a:xfrm>
+          <a:off x="0" y="0"/>
+          <a:ext cx="0" cy="0"/>
+          <a:chOff x="0" y="0"/>
+          <a:chExt cx="0" cy="0"/>
+        </a:xfrm>
+      </p:grpSpPr>
+      <p:sp>
+        <p:nvSpPr>
+          <p:cNvPr id="2" name="Title 1">
+            <a:extLst>
+              <a:ext uri="{FF2B5EF4-FFF2-40B4-BE49-F238E27FC236}">
+                <a16:creationId xmlns:a16="http://schemas.microsoft.com/office/drawing/2014/main" id="{93A59AB7-41C7-2619-6D17-EC53A51EF3F8}"/>
+              </a:ext>
+            </a:extLst>
+          </p:cNvPr>
+          <p:cNvSpPr>
+            <a:spLocks noGrp="1"/>
+          </p:cNvSpPr>
+          <p:nvPr>
+            <p:ph type="title"/>
+          </p:nvPr>
+        </p:nvSpPr>
+        <p:spPr/>
+        <p:txBody>
+          <a:bodyPr/>
+          <a:lstStyle/>
+          <a:p>
+            <a:r>
+              <a:rPr lang="en-US" dirty="0"/>
+              <a:t>Results match each other when I include heave</a:t>
+            </a:r>
+          </a:p>
+        </p:txBody>
+      </p:sp>
+      <p:pic>
+        <p:nvPicPr>
+          <p:cNvPr id="5" name="Content Placeholder 4">
+            <a:extLst>
+              <a:ext uri="{FF2B5EF4-FFF2-40B4-BE49-F238E27FC236}">
+                <a16:creationId xmlns:a16="http://schemas.microsoft.com/office/drawing/2014/main" id="{315B2616-3625-0CE1-BA38-7FECA4B533D7}"/>
+              </a:ext>
+            </a:extLst>
+          </p:cNvPr>
+          <p:cNvPicPr>
+            <a:picLocks noGrp="1" noChangeAspect="1"/>
+          </p:cNvPicPr>
+          <p:nvPr>
+            <p:ph idx="1"/>
+          </p:nvPr>
+        </p:nvPicPr>
+        <p:blipFill>
+          <a:blip r:embed="rId2"/>
+          <a:stretch>
+            <a:fillRect/>
+          </a:stretch>
+        </p:blipFill>
+        <p:spPr>
+          <a:xfrm>
+            <a:off x="547456" y="2492089"/>
+            <a:ext cx="2838450" cy="2157413"/>
+          </a:xfrm>
+        </p:spPr>
+      </p:pic>
+      <p:pic>
+        <p:nvPicPr>
+          <p:cNvPr id="7" name="Picture 6">
+            <a:extLst>
+              <a:ext uri="{FF2B5EF4-FFF2-40B4-BE49-F238E27FC236}">
+                <a16:creationId xmlns:a16="http://schemas.microsoft.com/office/drawing/2014/main" id="{B228DF88-AFB8-9A08-A941-6D524685F9AF}"/>
+              </a:ext>
+            </a:extLst>
+          </p:cNvPr>
+          <p:cNvPicPr>
+            <a:picLocks noChangeAspect="1"/>
+          </p:cNvPicPr>
+          <p:nvPr/>
+        </p:nvPicPr>
+        <p:blipFill>
+          <a:blip r:embed="rId3"/>
+          <a:stretch>
+            <a:fillRect/>
+          </a:stretch>
+        </p:blipFill>
+        <p:spPr>
+          <a:xfrm>
+            <a:off x="3537287" y="2470149"/>
+            <a:ext cx="2838451" cy="2179353"/>
+          </a:xfrm>
+          <a:prstGeom prst="rect">
+            <a:avLst/>
+          </a:prstGeom>
+        </p:spPr>
+      </p:pic>
+      <p:pic>
+        <p:nvPicPr>
+          <p:cNvPr id="9" name="Picture 8">
+            <a:extLst>
+              <a:ext uri="{FF2B5EF4-FFF2-40B4-BE49-F238E27FC236}">
+                <a16:creationId xmlns:a16="http://schemas.microsoft.com/office/drawing/2014/main" id="{C2080270-7826-E124-986D-597AB1BDA505}"/>
+              </a:ext>
+            </a:extLst>
+          </p:cNvPr>
+          <p:cNvPicPr>
+            <a:picLocks noChangeAspect="1"/>
+          </p:cNvPicPr>
+          <p:nvPr/>
+        </p:nvPicPr>
+        <p:blipFill>
+          <a:blip r:embed="rId4"/>
+          <a:stretch>
+            <a:fillRect/>
+          </a:stretch>
+        </p:blipFill>
+        <p:spPr>
+          <a:xfrm>
+            <a:off x="6527119" y="2470148"/>
+            <a:ext cx="2785531" cy="2179353"/>
+          </a:xfrm>
+          <a:prstGeom prst="rect">
+            <a:avLst/>
+          </a:prstGeom>
+        </p:spPr>
+      </p:pic>
+      <p:pic>
+        <p:nvPicPr>
+          <p:cNvPr id="11" name="Picture 10">
+            <a:extLst>
+              <a:ext uri="{FF2B5EF4-FFF2-40B4-BE49-F238E27FC236}">
+                <a16:creationId xmlns:a16="http://schemas.microsoft.com/office/drawing/2014/main" id="{0F103120-C4AD-3C5B-4603-C80E6532787C}"/>
+              </a:ext>
+            </a:extLst>
+          </p:cNvPr>
+          <p:cNvPicPr>
+            <a:picLocks noChangeAspect="1"/>
+          </p:cNvPicPr>
+          <p:nvPr/>
+        </p:nvPicPr>
+        <p:blipFill>
+          <a:blip r:embed="rId5"/>
+          <a:stretch>
+            <a:fillRect/>
+          </a:stretch>
+        </p:blipFill>
+        <p:spPr>
+          <a:xfrm>
+            <a:off x="547456" y="4574218"/>
+            <a:ext cx="2838452" cy="2157414"/>
+          </a:xfrm>
+          <a:prstGeom prst="rect">
+            <a:avLst/>
+          </a:prstGeom>
+        </p:spPr>
+      </p:pic>
+      <p:pic>
+        <p:nvPicPr>
+          <p:cNvPr id="13" name="Picture 12">
+            <a:extLst>
+              <a:ext uri="{FF2B5EF4-FFF2-40B4-BE49-F238E27FC236}">
+                <a16:creationId xmlns:a16="http://schemas.microsoft.com/office/drawing/2014/main" id="{236A7D2B-3076-F3C7-D8C9-D44D72837943}"/>
+              </a:ext>
+            </a:extLst>
+          </p:cNvPr>
+          <p:cNvPicPr>
+            <a:picLocks noChangeAspect="1"/>
+          </p:cNvPicPr>
+          <p:nvPr/>
+        </p:nvPicPr>
+        <p:blipFill>
+          <a:blip r:embed="rId6"/>
+          <a:stretch>
+            <a:fillRect/>
+          </a:stretch>
+        </p:blipFill>
+        <p:spPr>
+          <a:xfrm>
+            <a:off x="3565861" y="4654509"/>
+            <a:ext cx="2809877" cy="2157414"/>
+          </a:xfrm>
+          <a:prstGeom prst="rect">
+            <a:avLst/>
+          </a:prstGeom>
+        </p:spPr>
+      </p:pic>
+      <p:pic>
+        <p:nvPicPr>
+          <p:cNvPr id="15" name="Picture 14">
+            <a:extLst>
+              <a:ext uri="{FF2B5EF4-FFF2-40B4-BE49-F238E27FC236}">
+                <a16:creationId xmlns:a16="http://schemas.microsoft.com/office/drawing/2014/main" id="{8B657D28-F1AB-F1E2-16DC-F84F53F6C0DF}"/>
+              </a:ext>
+            </a:extLst>
+          </p:cNvPr>
+          <p:cNvPicPr>
+            <a:picLocks noChangeAspect="1"/>
+          </p:cNvPicPr>
+          <p:nvPr/>
+        </p:nvPicPr>
+        <p:blipFill>
+          <a:blip r:embed="rId7"/>
+          <a:stretch>
+            <a:fillRect/>
+          </a:stretch>
+        </p:blipFill>
+        <p:spPr>
+          <a:xfrm>
+            <a:off x="6555691" y="4654509"/>
+            <a:ext cx="2757489" cy="2157414"/>
+          </a:xfrm>
+          <a:prstGeom prst="rect">
+            <a:avLst/>
+          </a:prstGeom>
+        </p:spPr>
+      </p:pic>
+      <p:sp>
+        <p:nvSpPr>
+          <p:cNvPr id="16" name="Content Placeholder 2">
+            <a:extLst>
+              <a:ext uri="{FF2B5EF4-FFF2-40B4-BE49-F238E27FC236}">
+                <a16:creationId xmlns:a16="http://schemas.microsoft.com/office/drawing/2014/main" id="{4CA22A88-E1BB-73F8-505D-8358EEDAD68D}"/>
+              </a:ext>
+            </a:extLst>
+          </p:cNvPr>
+          <p:cNvSpPr txBox="1">
+            <a:spLocks/>
+          </p:cNvSpPr>
+          <p:nvPr/>
+        </p:nvSpPr>
+        <p:spPr>
+          <a:xfrm>
+            <a:off x="838200" y="1667021"/>
+            <a:ext cx="10515600" cy="1645129"/>
+          </a:xfrm>
+          <a:prstGeom prst="rect">
+            <a:avLst/>
+          </a:prstGeom>
+        </p:spPr>
+        <p:txBody>
+          <a:bodyPr vert="horz" lIns="91440" tIns="45720" rIns="91440" bIns="45720" rtlCol="0">
+            <a:normAutofit/>
+          </a:bodyPr>
+          <a:lstStyle>
+            <a:lvl1pPr marL="228600" indent="-228600" algn="l" defTabSz="914400" rtl="0" eaLnBrk="1" latinLnBrk="0" hangingPunct="1">
+              <a:lnSpc>
+                <a:spcPct val="90000"/>
+              </a:lnSpc>
+              <a:spcBef>
+                <a:spcPts val="1000"/>
+              </a:spcBef>
+              <a:buFont typeface="Arial" panose="020B0604020202020204" pitchFamily="34" charset="0"/>
+              <a:buChar char="•"/>
+              <a:defRPr sz="2800" kern="1200">
+                <a:solidFill>
+                  <a:schemeClr val="tx1"/>
+                </a:solidFill>
+                <a:latin typeface="+mn-lt"/>
+                <a:ea typeface="+mn-ea"/>
+                <a:cs typeface="+mn-cs"/>
+              </a:defRPr>
+            </a:lvl1pPr>
+            <a:lvl2pPr marL="685800" indent="-228600" algn="l" defTabSz="914400" rtl="0" eaLnBrk="1" latinLnBrk="0" hangingPunct="1">
+              <a:lnSpc>
+                <a:spcPct val="90000"/>
+              </a:lnSpc>
+              <a:spcBef>
+                <a:spcPts val="500"/>
+              </a:spcBef>
+              <a:buFont typeface="Arial" panose="020B0604020202020204" pitchFamily="34" charset="0"/>
+              <a:buChar char="•"/>
+              <a:defRPr sz="2400" kern="1200">
+                <a:solidFill>
+                  <a:schemeClr val="tx1"/>
+                </a:solidFill>
+                <a:latin typeface="+mn-lt"/>
+                <a:ea typeface="+mn-ea"/>
+                <a:cs typeface="+mn-cs"/>
+              </a:defRPr>
+            </a:lvl2pPr>
+            <a:lvl3pPr marL="1143000" indent="-228600" algn="l" defTabSz="914400" rtl="0" eaLnBrk="1" latinLnBrk="0" hangingPunct="1">
+              <a:lnSpc>
+                <a:spcPct val="90000"/>
+              </a:lnSpc>
+              <a:spcBef>
+                <a:spcPts val="500"/>
+              </a:spcBef>
+              <a:buFont typeface="Arial" panose="020B0604020202020204" pitchFamily="34" charset="0"/>
+              <a:buChar char="•"/>
+              <a:defRPr sz="2000" kern="1200">
+                <a:solidFill>
+                  <a:schemeClr val="tx1"/>
+                </a:solidFill>
+                <a:latin typeface="+mn-lt"/>
+                <a:ea typeface="+mn-ea"/>
+                <a:cs typeface="+mn-cs"/>
+              </a:defRPr>
+            </a:lvl3pPr>
+            <a:lvl4pPr marL="1600200" indent="-228600" algn="l" defTabSz="914400" rtl="0" eaLnBrk="1" latinLnBrk="0" hangingPunct="1">
+              <a:lnSpc>
+                <a:spcPct val="90000"/>
+              </a:lnSpc>
+              <a:spcBef>
+                <a:spcPts val="500"/>
+              </a:spcBef>
+              <a:buFont typeface="Arial" panose="020B0604020202020204" pitchFamily="34" charset="0"/>
+              <a:buChar char="•"/>
+              <a:defRPr sz="1800" kern="1200">
+                <a:solidFill>
+                  <a:schemeClr val="tx1"/>
+                </a:solidFill>
+                <a:latin typeface="+mn-lt"/>
+                <a:ea typeface="+mn-ea"/>
+                <a:cs typeface="+mn-cs"/>
+              </a:defRPr>
+            </a:lvl4pPr>
+            <a:lvl5pPr marL="2057400" indent="-228600" algn="l" defTabSz="914400" rtl="0" eaLnBrk="1" latinLnBrk="0" hangingPunct="1">
+              <a:lnSpc>
+                <a:spcPct val="90000"/>
+              </a:lnSpc>
+              <a:spcBef>
+                <a:spcPts val="500"/>
+              </a:spcBef>
+              <a:buFont typeface="Arial" panose="020B0604020202020204" pitchFamily="34" charset="0"/>
+              <a:buChar char="•"/>
+              <a:defRPr sz="1800" kern="1200">
+                <a:solidFill>
+                  <a:schemeClr val="tx1"/>
+                </a:solidFill>
+                <a:latin typeface="+mn-lt"/>
+                <a:ea typeface="+mn-ea"/>
+                <a:cs typeface="+mn-cs"/>
+              </a:defRPr>
+            </a:lvl5pPr>
+            <a:lvl6pPr marL="2514600" indent="-228600" algn="l" defTabSz="914400" rtl="0" eaLnBrk="1" latinLnBrk="0" hangingPunct="1">
+              <a:lnSpc>
+                <a:spcPct val="90000"/>
+              </a:lnSpc>
+              <a:spcBef>
+                <a:spcPts val="500"/>
+              </a:spcBef>
+              <a:buFont typeface="Arial" panose="020B0604020202020204" pitchFamily="34" charset="0"/>
+              <a:buChar char="•"/>
+              <a:defRPr sz="1800" kern="1200">
+                <a:solidFill>
+                  <a:schemeClr val="tx1"/>
+                </a:solidFill>
+                <a:latin typeface="+mn-lt"/>
+                <a:ea typeface="+mn-ea"/>
+                <a:cs typeface="+mn-cs"/>
+              </a:defRPr>
+            </a:lvl6pPr>
+            <a:lvl7pPr marL="2971800" indent="-228600" algn="l" defTabSz="914400" rtl="0" eaLnBrk="1" latinLnBrk="0" hangingPunct="1">
+              <a:lnSpc>
+                <a:spcPct val="90000"/>
+              </a:lnSpc>
+              <a:spcBef>
+                <a:spcPts val="500"/>
+              </a:spcBef>
+              <a:buFont typeface="Arial" panose="020B0604020202020204" pitchFamily="34" charset="0"/>
+              <a:buChar char="•"/>
+              <a:defRPr sz="1800" kern="1200">
+                <a:solidFill>
+                  <a:schemeClr val="tx1"/>
+                </a:solidFill>
+                <a:latin typeface="+mn-lt"/>
+                <a:ea typeface="+mn-ea"/>
+                <a:cs typeface="+mn-cs"/>
+              </a:defRPr>
+            </a:lvl7pPr>
+            <a:lvl8pPr marL="3429000" indent="-228600" algn="l" defTabSz="914400" rtl="0" eaLnBrk="1" latinLnBrk="0" hangingPunct="1">
+              <a:lnSpc>
+                <a:spcPct val="90000"/>
+              </a:lnSpc>
+              <a:spcBef>
+                <a:spcPts val="500"/>
+              </a:spcBef>
+              <a:buFont typeface="Arial" panose="020B0604020202020204" pitchFamily="34" charset="0"/>
+              <a:buChar char="•"/>
+              <a:defRPr sz="1800" kern="1200">
+                <a:solidFill>
+                  <a:schemeClr val="tx1"/>
+                </a:solidFill>
+                <a:latin typeface="+mn-lt"/>
+                <a:ea typeface="+mn-ea"/>
+                <a:cs typeface="+mn-cs"/>
+              </a:defRPr>
+            </a:lvl8pPr>
+            <a:lvl9pPr marL="3886200" indent="-228600" algn="l" defTabSz="914400" rtl="0" eaLnBrk="1" latinLnBrk="0" hangingPunct="1">
+              <a:lnSpc>
+                <a:spcPct val="90000"/>
+              </a:lnSpc>
+              <a:spcBef>
+                <a:spcPts val="500"/>
+              </a:spcBef>
+              <a:buFont typeface="Arial" panose="020B0604020202020204" pitchFamily="34" charset="0"/>
+              <a:buChar char="•"/>
+              <a:defRPr sz="1800" kern="1200">
+                <a:solidFill>
+                  <a:schemeClr val="tx1"/>
+                </a:solidFill>
+                <a:latin typeface="+mn-lt"/>
+                <a:ea typeface="+mn-ea"/>
+                <a:cs typeface="+mn-cs"/>
+              </a:defRPr>
+            </a:lvl9pPr>
+          </a:lstStyle>
+          <a:p>
+            <a:r>
+              <a:rPr lang="en-US" dirty="0"/>
+              <a:t>Why aren’t results the same with and without heave in BEM?</a:t>
+            </a:r>
+          </a:p>
+        </p:txBody>
+      </p:sp>
+    </p:spTree>
+    <p:extLst>
+      <p:ext uri="{BB962C8B-B14F-4D97-AF65-F5344CB8AC3E}">
+        <p14:creationId xmlns:p14="http://schemas.microsoft.com/office/powerpoint/2010/main" val="2647383007"/>
       </p:ext>
     </p:extLst>
   </p:cSld>

--- a/examples/attenuatorInWOT.pptx
+++ b/examples/attenuatorInWOT.pptx
@@ -11,19 +11,20 @@
     <p:sldId id="287" r:id="rId5"/>
     <p:sldId id="288" r:id="rId6"/>
     <p:sldId id="302" r:id="rId7"/>
-    <p:sldId id="289" r:id="rId8"/>
-    <p:sldId id="292" r:id="rId9"/>
-    <p:sldId id="293" r:id="rId10"/>
-    <p:sldId id="300" r:id="rId11"/>
-    <p:sldId id="301" r:id="rId12"/>
+    <p:sldId id="303" r:id="rId8"/>
+    <p:sldId id="301" r:id="rId9"/>
+    <p:sldId id="305" r:id="rId10"/>
+    <p:sldId id="306" r:id="rId11"/>
+    <p:sldId id="298" r:id="rId12"/>
     <p:sldId id="294" r:id="rId13"/>
     <p:sldId id="295" r:id="rId14"/>
-    <p:sldId id="296" r:id="rId15"/>
-    <p:sldId id="297" r:id="rId16"/>
-    <p:sldId id="299" r:id="rId17"/>
-    <p:sldId id="298" r:id="rId18"/>
-    <p:sldId id="290" r:id="rId19"/>
-    <p:sldId id="291" r:id="rId20"/>
+    <p:sldId id="300" r:id="rId15"/>
+    <p:sldId id="290" r:id="rId16"/>
+    <p:sldId id="291" r:id="rId17"/>
+    <p:sldId id="304" r:id="rId18"/>
+    <p:sldId id="289" r:id="rId19"/>
+    <p:sldId id="292" r:id="rId20"/>
+    <p:sldId id="293" r:id="rId21"/>
   </p:sldIdLst>
   <p:sldSz cx="12192000" cy="6858000"/>
   <p:notesSz cx="6858000" cy="9144000"/>
@@ -277,7 +278,7 @@
           <a:p>
             <a:fld id="{D092EC4C-57CC-4761-ABF1-95EBC3C1FA39}" type="datetimeFigureOut">
               <a:rPr lang="en-US" smtClean="0"/>
-              <a:t>1/9/2025</a:t>
+              <a:t>1/24/2025</a:t>
             </a:fld>
             <a:endParaRPr lang="en-US"/>
           </a:p>
@@ -475,7 +476,7 @@
           <a:p>
             <a:fld id="{D092EC4C-57CC-4761-ABF1-95EBC3C1FA39}" type="datetimeFigureOut">
               <a:rPr lang="en-US" smtClean="0"/>
-              <a:t>1/9/2025</a:t>
+              <a:t>1/24/2025</a:t>
             </a:fld>
             <a:endParaRPr lang="en-US"/>
           </a:p>
@@ -683,7 +684,7 @@
           <a:p>
             <a:fld id="{D092EC4C-57CC-4761-ABF1-95EBC3C1FA39}" type="datetimeFigureOut">
               <a:rPr lang="en-US" smtClean="0"/>
-              <a:t>1/9/2025</a:t>
+              <a:t>1/24/2025</a:t>
             </a:fld>
             <a:endParaRPr lang="en-US"/>
           </a:p>
@@ -881,7 +882,7 @@
           <a:p>
             <a:fld id="{D092EC4C-57CC-4761-ABF1-95EBC3C1FA39}" type="datetimeFigureOut">
               <a:rPr lang="en-US" smtClean="0"/>
-              <a:t>1/9/2025</a:t>
+              <a:t>1/24/2025</a:t>
             </a:fld>
             <a:endParaRPr lang="en-US"/>
           </a:p>
@@ -1156,7 +1157,7 @@
           <a:p>
             <a:fld id="{D092EC4C-57CC-4761-ABF1-95EBC3C1FA39}" type="datetimeFigureOut">
               <a:rPr lang="en-US" smtClean="0"/>
-              <a:t>1/9/2025</a:t>
+              <a:t>1/24/2025</a:t>
             </a:fld>
             <a:endParaRPr lang="en-US"/>
           </a:p>
@@ -1421,7 +1422,7 @@
           <a:p>
             <a:fld id="{D092EC4C-57CC-4761-ABF1-95EBC3C1FA39}" type="datetimeFigureOut">
               <a:rPr lang="en-US" smtClean="0"/>
-              <a:t>1/9/2025</a:t>
+              <a:t>1/24/2025</a:t>
             </a:fld>
             <a:endParaRPr lang="en-US"/>
           </a:p>
@@ -1833,7 +1834,7 @@
           <a:p>
             <a:fld id="{D092EC4C-57CC-4761-ABF1-95EBC3C1FA39}" type="datetimeFigureOut">
               <a:rPr lang="en-US" smtClean="0"/>
-              <a:t>1/9/2025</a:t>
+              <a:t>1/24/2025</a:t>
             </a:fld>
             <a:endParaRPr lang="en-US"/>
           </a:p>
@@ -1974,7 +1975,7 @@
           <a:p>
             <a:fld id="{D092EC4C-57CC-4761-ABF1-95EBC3C1FA39}" type="datetimeFigureOut">
               <a:rPr lang="en-US" smtClean="0"/>
-              <a:t>1/9/2025</a:t>
+              <a:t>1/24/2025</a:t>
             </a:fld>
             <a:endParaRPr lang="en-US"/>
           </a:p>
@@ -2087,7 +2088,7 @@
           <a:p>
             <a:fld id="{D092EC4C-57CC-4761-ABF1-95EBC3C1FA39}" type="datetimeFigureOut">
               <a:rPr lang="en-US" smtClean="0"/>
-              <a:t>1/9/2025</a:t>
+              <a:t>1/24/2025</a:t>
             </a:fld>
             <a:endParaRPr lang="en-US"/>
           </a:p>
@@ -2398,7 +2399,7 @@
           <a:p>
             <a:fld id="{D092EC4C-57CC-4761-ABF1-95EBC3C1FA39}" type="datetimeFigureOut">
               <a:rPr lang="en-US" smtClean="0"/>
-              <a:t>1/9/2025</a:t>
+              <a:t>1/24/2025</a:t>
             </a:fld>
             <a:endParaRPr lang="en-US"/>
           </a:p>
@@ -2686,7 +2687,7 @@
           <a:p>
             <a:fld id="{D092EC4C-57CC-4761-ABF1-95EBC3C1FA39}" type="datetimeFigureOut">
               <a:rPr lang="en-US" smtClean="0"/>
-              <a:t>1/9/2025</a:t>
+              <a:t>1/24/2025</a:t>
             </a:fld>
             <a:endParaRPr lang="en-US"/>
           </a:p>
@@ -2927,7 +2928,7 @@
           <a:p>
             <a:fld id="{D092EC4C-57CC-4761-ABF1-95EBC3C1FA39}" type="datetimeFigureOut">
               <a:rPr lang="en-US" smtClean="0"/>
-              <a:t>1/9/2025</a:t>
+              <a:t>1/24/2025</a:t>
             </a:fld>
             <a:endParaRPr lang="en-US"/>
           </a:p>
@@ -6938,7 +6939,7 @@
           <p:cNvPr id="2" name="Title 1">
             <a:extLst>
               <a:ext uri="{FF2B5EF4-FFF2-40B4-BE49-F238E27FC236}">
-                <a16:creationId xmlns:a16="http://schemas.microsoft.com/office/drawing/2014/main" id="{78A28E3F-B8F9-B009-EAD9-D865DAB48D75}"/>
+                <a16:creationId xmlns:a16="http://schemas.microsoft.com/office/drawing/2014/main" id="{A6B7AF86-5715-77C8-78A0-16FAFD19A25F}"/>
               </a:ext>
             </a:extLst>
           </p:cNvPr>
@@ -6949,14 +6950,19 @@
             <p:ph type="title"/>
           </p:nvPr>
         </p:nvSpPr>
-        <p:spPr/>
+        <p:spPr>
+          <a:xfrm>
+            <a:off x="838200" y="0"/>
+            <a:ext cx="10515600" cy="1325563"/>
+          </a:xfrm>
+        </p:spPr>
         <p:txBody>
           <a:bodyPr/>
           <a:lstStyle/>
           <a:p>
             <a:r>
               <a:rPr lang="en-US" dirty="0"/>
-              <a:t>Try prescribing heave position</a:t>
+              <a:t>Compare 2 body</a:t>
             </a:r>
           </a:p>
         </p:txBody>
@@ -6966,7 +6972,7 @@
           <p:cNvPr id="3" name="Content Placeholder 2">
             <a:extLst>
               <a:ext uri="{FF2B5EF4-FFF2-40B4-BE49-F238E27FC236}">
-                <a16:creationId xmlns:a16="http://schemas.microsoft.com/office/drawing/2014/main" id="{6E53D2DF-DEBB-5E1E-8F7D-F196DAA01481}"/>
+                <a16:creationId xmlns:a16="http://schemas.microsoft.com/office/drawing/2014/main" id="{4E33786C-4A6A-E595-8883-6AB953E9BB7B}"/>
               </a:ext>
             </a:extLst>
           </p:cNvPr>
@@ -6977,64 +6983,32 @@
             <p:ph idx="1"/>
           </p:nvPr>
         </p:nvSpPr>
-        <p:spPr/>
+        <p:spPr>
+          <a:xfrm>
+            <a:off x="834521" y="1017757"/>
+            <a:ext cx="10515600" cy="935330"/>
+          </a:xfrm>
+        </p:spPr>
         <p:txBody>
-          <a:bodyPr/>
+          <a:bodyPr>
+            <a:normAutofit lnSpcReduction="10000"/>
+          </a:bodyPr>
           <a:lstStyle/>
           <a:p>
             <a:r>
               <a:rPr lang="en-US" dirty="0"/>
-              <a:t>Can I replace the residual to include only pitch?</a:t>
-            </a:r>
-          </a:p>
-          <a:p>
-            <a:pPr lvl="1"/>
+              <a:t>WecOptTool results seem pretty large (and small for body 2)</a:t>
+            </a:r>
+          </a:p>
+          <a:p>
             <a:r>
               <a:rPr lang="en-US" dirty="0"/>
-              <a:t>Yes, I did this successfully</a:t>
-            </a:r>
-          </a:p>
-          <a:p>
-            <a:r>
-              <a:rPr lang="en-US" dirty="0"/>
-              <a:t>Now, can I make heave residual just a component </a:t>
-            </a:r>
-            <a:br>
-              <a:rPr lang="en-US" dirty="0"/>
-            </a:br>
-            <a:r>
-              <a:rPr lang="en-US" dirty="0"/>
-              <a:t>based on pitch instead?</a:t>
-            </a:r>
-          </a:p>
-          <a:p>
-            <a:pPr lvl="1"/>
-            <a:r>
-              <a:rPr lang="en-US" dirty="0"/>
-              <a:t>Maybe heave can just be an afterthought and pitch is </a:t>
-            </a:r>
-          </a:p>
-          <a:p>
-            <a:pPr lvl="1"/>
-            <a:r>
-              <a:rPr lang="en-US" dirty="0"/>
-              <a:t>Forces converted to PTO location, then .</a:t>
-            </a:r>
-          </a:p>
-          <a:p>
-            <a:pPr lvl="2"/>
-            <a:r>
-              <a:rPr lang="en-US" dirty="0"/>
-              <a:t>We def need another state variable so force of the waves can depend on both heave and pitch</a:t>
-            </a:r>
-          </a:p>
-          <a:p>
-            <a:r>
-              <a:rPr lang="en-US" dirty="0"/>
-              <a:t>Try to run and resolve issues</a:t>
-            </a:r>
-          </a:p>
-          <a:p>
+              <a:t>WEC-Sim set up but need to make sure its </a:t>
+            </a:r>
+            <a:r>
+              <a:rPr lang="en-US"/>
+              <a:t>relative rotation!</a:t>
+            </a:r>
             <a:endParaRPr lang="en-US" dirty="0"/>
           </a:p>
         </p:txBody>
@@ -7044,7 +7018,7 @@
           <p:cNvPr id="5" name="Picture 4">
             <a:extLst>
               <a:ext uri="{FF2B5EF4-FFF2-40B4-BE49-F238E27FC236}">
-                <a16:creationId xmlns:a16="http://schemas.microsoft.com/office/drawing/2014/main" id="{0E8D28F2-F88E-37AB-698F-DECD1131C053}"/>
+                <a16:creationId xmlns:a16="http://schemas.microsoft.com/office/drawing/2014/main" id="{4AFED3F5-301B-10F5-1436-48516FF3F74E}"/>
               </a:ext>
             </a:extLst>
           </p:cNvPr>
@@ -7061,8 +7035,158 @@
         </p:blipFill>
         <p:spPr>
           <a:xfrm>
-            <a:off x="8338453" y="1825625"/>
-            <a:ext cx="3238666" cy="1257365"/>
+            <a:off x="323315" y="2221598"/>
+            <a:ext cx="2895600" cy="2184312"/>
+          </a:xfrm>
+          <a:prstGeom prst="rect">
+            <a:avLst/>
+          </a:prstGeom>
+        </p:spPr>
+      </p:pic>
+      <p:pic>
+        <p:nvPicPr>
+          <p:cNvPr id="7" name="Picture 6">
+            <a:extLst>
+              <a:ext uri="{FF2B5EF4-FFF2-40B4-BE49-F238E27FC236}">
+                <a16:creationId xmlns:a16="http://schemas.microsoft.com/office/drawing/2014/main" id="{1B26DAD6-6557-96ED-9645-2D37A7F1B8EE}"/>
+              </a:ext>
+            </a:extLst>
+          </p:cNvPr>
+          <p:cNvPicPr>
+            <a:picLocks noChangeAspect="1"/>
+          </p:cNvPicPr>
+          <p:nvPr/>
+        </p:nvPicPr>
+        <p:blipFill>
+          <a:blip r:embed="rId3"/>
+          <a:stretch>
+            <a:fillRect/>
+          </a:stretch>
+        </p:blipFill>
+        <p:spPr>
+          <a:xfrm>
+            <a:off x="3235839" y="2186804"/>
+            <a:ext cx="2895601" cy="2219106"/>
+          </a:xfrm>
+          <a:prstGeom prst="rect">
+            <a:avLst/>
+          </a:prstGeom>
+        </p:spPr>
+      </p:pic>
+      <p:pic>
+        <p:nvPicPr>
+          <p:cNvPr id="9" name="Picture 8">
+            <a:extLst>
+              <a:ext uri="{FF2B5EF4-FFF2-40B4-BE49-F238E27FC236}">
+                <a16:creationId xmlns:a16="http://schemas.microsoft.com/office/drawing/2014/main" id="{DF0CD25B-A4A5-6F1A-8B81-57C76DC50174}"/>
+              </a:ext>
+            </a:extLst>
+          </p:cNvPr>
+          <p:cNvPicPr>
+            <a:picLocks noChangeAspect="1"/>
+          </p:cNvPicPr>
+          <p:nvPr/>
+        </p:nvPicPr>
+        <p:blipFill>
+          <a:blip r:embed="rId4"/>
+          <a:stretch>
+            <a:fillRect/>
+          </a:stretch>
+        </p:blipFill>
+        <p:spPr>
+          <a:xfrm>
+            <a:off x="287875" y="4485460"/>
+            <a:ext cx="2895600" cy="2157413"/>
+          </a:xfrm>
+          <a:prstGeom prst="rect">
+            <a:avLst/>
+          </a:prstGeom>
+        </p:spPr>
+      </p:pic>
+      <p:pic>
+        <p:nvPicPr>
+          <p:cNvPr id="11" name="Picture 10">
+            <a:extLst>
+              <a:ext uri="{FF2B5EF4-FFF2-40B4-BE49-F238E27FC236}">
+                <a16:creationId xmlns:a16="http://schemas.microsoft.com/office/drawing/2014/main" id="{03CC569F-C3C8-EBD3-B114-89120B4641AA}"/>
+              </a:ext>
+            </a:extLst>
+          </p:cNvPr>
+          <p:cNvPicPr>
+            <a:picLocks noChangeAspect="1"/>
+          </p:cNvPicPr>
+          <p:nvPr/>
+        </p:nvPicPr>
+        <p:blipFill>
+          <a:blip r:embed="rId5"/>
+          <a:stretch>
+            <a:fillRect/>
+          </a:stretch>
+        </p:blipFill>
+        <p:spPr>
+          <a:xfrm>
+            <a:off x="3287711" y="4453045"/>
+            <a:ext cx="2895601" cy="2189828"/>
+          </a:xfrm>
+          <a:prstGeom prst="rect">
+            <a:avLst/>
+          </a:prstGeom>
+        </p:spPr>
+      </p:pic>
+      <p:pic>
+        <p:nvPicPr>
+          <p:cNvPr id="13" name="Picture 12">
+            <a:extLst>
+              <a:ext uri="{FF2B5EF4-FFF2-40B4-BE49-F238E27FC236}">
+                <a16:creationId xmlns:a16="http://schemas.microsoft.com/office/drawing/2014/main" id="{A52A5A7F-E490-5E94-6B93-A54446A7AB8E}"/>
+              </a:ext>
+            </a:extLst>
+          </p:cNvPr>
+          <p:cNvPicPr>
+            <a:picLocks noChangeAspect="1"/>
+          </p:cNvPicPr>
+          <p:nvPr/>
+        </p:nvPicPr>
+        <p:blipFill>
+          <a:blip r:embed="rId6"/>
+          <a:stretch>
+            <a:fillRect/>
+          </a:stretch>
+        </p:blipFill>
+        <p:spPr>
+          <a:xfrm>
+            <a:off x="351037" y="4453045"/>
+            <a:ext cx="2769276" cy="2151770"/>
+          </a:xfrm>
+          <a:prstGeom prst="rect">
+            <a:avLst/>
+          </a:prstGeom>
+        </p:spPr>
+      </p:pic>
+      <p:pic>
+        <p:nvPicPr>
+          <p:cNvPr id="15" name="Picture 14">
+            <a:extLst>
+              <a:ext uri="{FF2B5EF4-FFF2-40B4-BE49-F238E27FC236}">
+                <a16:creationId xmlns:a16="http://schemas.microsoft.com/office/drawing/2014/main" id="{E09D11AD-691C-16B4-4EBC-CA7CD0F3C2B6}"/>
+              </a:ext>
+            </a:extLst>
+          </p:cNvPr>
+          <p:cNvPicPr>
+            <a:picLocks noChangeAspect="1"/>
+          </p:cNvPicPr>
+          <p:nvPr/>
+        </p:nvPicPr>
+        <p:blipFill>
+          <a:blip r:embed="rId7"/>
+          <a:stretch>
+            <a:fillRect/>
+          </a:stretch>
+        </p:blipFill>
+        <p:spPr>
+          <a:xfrm>
+            <a:off x="3393413" y="4443968"/>
+            <a:ext cx="2738027" cy="2160847"/>
           </a:xfrm>
           <a:prstGeom prst="rect">
             <a:avLst/>
@@ -7072,7 +7196,7 @@
     </p:spTree>
     <p:extLst>
       <p:ext uri="{BB962C8B-B14F-4D97-AF65-F5344CB8AC3E}">
-        <p14:creationId xmlns:p14="http://schemas.microsoft.com/office/powerpoint/2010/main" val="657355495"/>
+        <p14:creationId xmlns:p14="http://schemas.microsoft.com/office/powerpoint/2010/main" val="2212420116"/>
       </p:ext>
     </p:extLst>
   </p:cSld>
@@ -7083,7 +7207,7 @@
 </file>
 
 <file path=ppt/slides/slide11.xml><?xml version="1.0" encoding="utf-8"?>
-<p:sld xmlns:a="http://schemas.openxmlformats.org/drawingml/2006/main" xmlns:r="http://schemas.openxmlformats.org/officeDocument/2006/relationships" xmlns:p="http://schemas.openxmlformats.org/presentationml/2006/main">
+<p:sld xmlns:a="http://schemas.openxmlformats.org/drawingml/2006/main" xmlns:r="http://schemas.openxmlformats.org/officeDocument/2006/relationships" xmlns:p="http://schemas.openxmlformats.org/presentationml/2006/main" show="0">
   <p:cSld>
     <p:spTree>
       <p:nvGrpSpPr>
@@ -7104,7 +7228,7 @@
           <p:cNvPr id="2" name="Title 1">
             <a:extLst>
               <a:ext uri="{FF2B5EF4-FFF2-40B4-BE49-F238E27FC236}">
-                <a16:creationId xmlns:a16="http://schemas.microsoft.com/office/drawing/2014/main" id="{5B04CF58-180C-3359-F3FE-887B463CD692}"/>
+                <a16:creationId xmlns:a16="http://schemas.microsoft.com/office/drawing/2014/main" id="{C98C8FC7-E702-7EB1-5070-1E8AA9788A06}"/>
               </a:ext>
             </a:extLst>
           </p:cNvPr>
@@ -7117,7 +7241,7 @@
         </p:nvSpPr>
         <p:spPr>
           <a:xfrm>
-            <a:off x="838200" y="134306"/>
+            <a:off x="838200" y="116551"/>
             <a:ext cx="10515600" cy="1325563"/>
           </a:xfrm>
         </p:spPr>
@@ -7127,1168 +7251,110 @@
           <a:p>
             <a:r>
               <a:rPr lang="en-US" dirty="0"/>
-              <a:t>2 body</a:t>
+              <a:t>WEC-Sim model?</a:t>
             </a:r>
           </a:p>
         </p:txBody>
       </p:sp>
-      <mc:AlternateContent xmlns:mc="http://schemas.openxmlformats.org/markup-compatibility/2006">
-        <mc:Choice xmlns:a14="http://schemas.microsoft.com/office/drawing/2010/main" Requires="a14">
-          <p:sp>
-            <p:nvSpPr>
-              <p:cNvPr id="3" name="Content Placeholder 2">
-                <a:extLst>
-                  <a:ext uri="{FF2B5EF4-FFF2-40B4-BE49-F238E27FC236}">
-                    <a16:creationId xmlns:a16="http://schemas.microsoft.com/office/drawing/2014/main" id="{55C4DFEB-4D05-866B-39B4-B0727D5AA39D}"/>
-                  </a:ext>
-                </a:extLst>
-              </p:cNvPr>
-              <p:cNvSpPr>
-                <a:spLocks noGrp="1"/>
-              </p:cNvSpPr>
-              <p:nvPr>
-                <p:ph idx="1"/>
-              </p:nvPr>
-            </p:nvSpPr>
-            <p:spPr>
-              <a:xfrm>
-                <a:off x="838200" y="1180730"/>
-                <a:ext cx="10515600" cy="5397623"/>
-              </a:xfrm>
-            </p:spPr>
-            <p:txBody>
-              <a:bodyPr>
-                <a:normAutofit fontScale="92500" lnSpcReduction="20000"/>
-              </a:bodyPr>
-              <a:lstStyle/>
-              <a:p>
-                <a:r>
-                  <a:rPr lang="en-US" dirty="0"/>
-                  <a:t>If we have a 2 body attenuator, the forces on float 1:</a:t>
-                </a:r>
-              </a:p>
-              <a:p>
-                <a:pPr lvl="1"/>
-                <a:r>
-                  <a:rPr lang="en-US" dirty="0"/>
-                  <a:t>The PTO force only depends on pitch (about PTO)</a:t>
-                </a:r>
-              </a:p>
-              <a:p>
-                <a:pPr lvl="1"/>
-                <a:r>
-                  <a:rPr lang="en-US" dirty="0"/>
-                  <a:t>Since the PTO location is constant, the wave forces depend on both pitch and heave, but they can easily be written to depend only on pitch:</a:t>
-                </a:r>
-              </a:p>
-              <a:p>
-                <a:pPr lvl="2"/>
-                <a14:m>
-                  <m:oMath xmlns:m="http://schemas.openxmlformats.org/officeDocument/2006/math">
-                    <m:sSub>
-                      <m:sSubPr>
-                        <m:ctrlPr>
-                          <a:rPr lang="en-US" b="0" i="1" smtClean="0">
-                            <a:latin typeface="Cambria Math" panose="02040503050406030204" pitchFamily="18" charset="0"/>
-                          </a:rPr>
-                        </m:ctrlPr>
-                      </m:sSubPr>
-                      <m:e>
-                        <m:r>
-                          <a:rPr lang="en-US" b="0" i="1" smtClean="0">
-                            <a:latin typeface="Cambria Math" panose="02040503050406030204" pitchFamily="18" charset="0"/>
-                          </a:rPr>
-                          <m:t>𝑧</m:t>
-                        </m:r>
-                      </m:e>
-                      <m:sub>
-                        <m:r>
-                          <a:rPr lang="en-US" b="0" i="1" smtClean="0">
-                            <a:latin typeface="Cambria Math" panose="02040503050406030204" pitchFamily="18" charset="0"/>
-                          </a:rPr>
-                          <m:t>1</m:t>
-                        </m:r>
-                      </m:sub>
-                    </m:sSub>
-                    <m:r>
-                      <a:rPr lang="en-US" b="0" i="1" smtClean="0">
-                        <a:latin typeface="Cambria Math" panose="02040503050406030204" pitchFamily="18" charset="0"/>
-                      </a:rPr>
-                      <m:t>=−</m:t>
-                    </m:r>
-                    <m:r>
-                      <m:rPr>
-                        <m:sty m:val="p"/>
-                      </m:rPr>
-                      <a:rPr lang="en-US" b="0" i="0" smtClean="0">
-                        <a:latin typeface="Cambria Math" panose="02040503050406030204" pitchFamily="18" charset="0"/>
-                      </a:rPr>
-                      <m:t>dsin</m:t>
-                    </m:r>
-                    <m:r>
-                      <a:rPr lang="en-US" b="0" i="1" smtClean="0">
-                        <a:latin typeface="Cambria Math" panose="02040503050406030204" pitchFamily="18" charset="0"/>
-                      </a:rPr>
-                      <m:t>⁡(</m:t>
-                    </m:r>
-                    <m:sSub>
-                      <m:sSubPr>
-                        <m:ctrlPr>
-                          <a:rPr lang="en-US" b="0" i="1" smtClean="0">
-                            <a:latin typeface="Cambria Math" panose="02040503050406030204" pitchFamily="18" charset="0"/>
-                          </a:rPr>
-                        </m:ctrlPr>
-                      </m:sSubPr>
-                      <m:e>
-                        <m:r>
-                          <a:rPr lang="en-US" b="0" i="1" smtClean="0">
-                            <a:latin typeface="Cambria Math" panose="02040503050406030204" pitchFamily="18" charset="0"/>
-                          </a:rPr>
-                          <m:t>𝜃</m:t>
-                        </m:r>
-                      </m:e>
-                      <m:sub>
-                        <m:r>
-                          <a:rPr lang="en-US" b="0" i="1" smtClean="0">
-                            <a:latin typeface="Cambria Math" panose="02040503050406030204" pitchFamily="18" charset="0"/>
-                          </a:rPr>
-                          <m:t>1</m:t>
-                        </m:r>
-                      </m:sub>
-                    </m:sSub>
-                    <m:r>
-                      <a:rPr lang="en-US" b="0" i="1" smtClean="0">
-                        <a:latin typeface="Cambria Math" panose="02040503050406030204" pitchFamily="18" charset="0"/>
-                      </a:rPr>
-                      <m:t>)</m:t>
-                    </m:r>
-                  </m:oMath>
-                </a14:m>
-                <a:endParaRPr lang="en-US" dirty="0"/>
-              </a:p>
-              <a:p>
-                <a:pPr lvl="2"/>
-                <a14:m>
-                  <m:oMath xmlns:m="http://schemas.openxmlformats.org/officeDocument/2006/math">
-                    <m:sSub>
-                      <m:sSubPr>
-                        <m:ctrlPr>
-                          <a:rPr lang="en-US" b="0" i="1" smtClean="0">
-                            <a:latin typeface="Cambria Math" panose="02040503050406030204" pitchFamily="18" charset="0"/>
-                          </a:rPr>
-                        </m:ctrlPr>
-                      </m:sSubPr>
-                      <m:e>
-                        <m:r>
-                          <a:rPr lang="en-US" b="0" i="1" smtClean="0">
-                            <a:latin typeface="Cambria Math" panose="02040503050406030204" pitchFamily="18" charset="0"/>
-                          </a:rPr>
-                          <m:t>𝜏</m:t>
-                        </m:r>
-                      </m:e>
-                      <m:sub>
-                        <m:r>
-                          <a:rPr lang="en-US" b="0" i="1" smtClean="0">
-                            <a:latin typeface="Cambria Math" panose="02040503050406030204" pitchFamily="18" charset="0"/>
-                          </a:rPr>
-                          <m:t>𝑡𝑜𝑡</m:t>
-                        </m:r>
-                        <m:r>
-                          <a:rPr lang="en-US" b="0" i="1" smtClean="0">
-                            <a:latin typeface="Cambria Math" panose="02040503050406030204" pitchFamily="18" charset="0"/>
-                          </a:rPr>
-                          <m:t>,1</m:t>
-                        </m:r>
-                      </m:sub>
-                    </m:sSub>
-                    <m:r>
-                      <a:rPr lang="en-US" b="0" i="1" smtClean="0">
-                        <a:latin typeface="Cambria Math" panose="02040503050406030204" pitchFamily="18" charset="0"/>
-                      </a:rPr>
-                      <m:t>=</m:t>
-                    </m:r>
-                    <m:sSub>
-                      <m:sSubPr>
-                        <m:ctrlPr>
-                          <a:rPr lang="en-US" b="0" i="1" smtClean="0">
-                            <a:latin typeface="Cambria Math" panose="02040503050406030204" pitchFamily="18" charset="0"/>
-                          </a:rPr>
-                        </m:ctrlPr>
-                      </m:sSubPr>
-                      <m:e>
-                        <m:r>
-                          <a:rPr lang="en-US" b="0" i="1" smtClean="0">
-                            <a:latin typeface="Cambria Math" panose="02040503050406030204" pitchFamily="18" charset="0"/>
-                          </a:rPr>
-                          <m:t>𝜏</m:t>
-                        </m:r>
-                      </m:e>
-                      <m:sub>
-                        <m:r>
-                          <a:rPr lang="en-US" b="0" i="1" smtClean="0">
-                            <a:latin typeface="Cambria Math" panose="02040503050406030204" pitchFamily="18" charset="0"/>
-                          </a:rPr>
-                          <m:t>𝑝𝑖𝑡𝑐h</m:t>
-                        </m:r>
-                        <m:r>
-                          <a:rPr lang="en-US" b="0" i="1" smtClean="0">
-                            <a:latin typeface="Cambria Math" panose="02040503050406030204" pitchFamily="18" charset="0"/>
-                          </a:rPr>
-                          <m:t>,</m:t>
-                        </m:r>
-                        <m:r>
-                          <a:rPr lang="en-US" b="0" i="1" smtClean="0">
-                            <a:latin typeface="Cambria Math" panose="02040503050406030204" pitchFamily="18" charset="0"/>
-                          </a:rPr>
-                          <m:t>𝑐𝑜𝑒𝑓𝑓𝑠</m:t>
-                        </m:r>
-                      </m:sub>
-                    </m:sSub>
-                    <m:sSub>
-                      <m:sSubPr>
-                        <m:ctrlPr>
-                          <a:rPr lang="en-US" b="0" i="1" smtClean="0">
-                            <a:latin typeface="Cambria Math" panose="02040503050406030204" pitchFamily="18" charset="0"/>
-                          </a:rPr>
-                        </m:ctrlPr>
-                      </m:sSubPr>
-                      <m:e>
-                        <m:r>
-                          <a:rPr lang="en-US" b="0" i="1" smtClean="0">
-                            <a:latin typeface="Cambria Math" panose="02040503050406030204" pitchFamily="18" charset="0"/>
-                          </a:rPr>
-                          <m:t>𝜃</m:t>
-                        </m:r>
-                      </m:e>
-                      <m:sub>
-                        <m:r>
-                          <a:rPr lang="en-US" b="0" i="1" smtClean="0">
-                            <a:latin typeface="Cambria Math" panose="02040503050406030204" pitchFamily="18" charset="0"/>
-                          </a:rPr>
-                          <m:t>1</m:t>
-                        </m:r>
-                      </m:sub>
-                    </m:sSub>
-                    <m:r>
-                      <a:rPr lang="en-US" b="0" i="1" smtClean="0">
-                        <a:latin typeface="Cambria Math" panose="02040503050406030204" pitchFamily="18" charset="0"/>
-                      </a:rPr>
-                      <m:t>+</m:t>
-                    </m:r>
-                    <m:sSub>
-                      <m:sSubPr>
-                        <m:ctrlPr>
-                          <a:rPr lang="en-US" b="0" i="1" smtClean="0">
-                            <a:latin typeface="Cambria Math" panose="02040503050406030204" pitchFamily="18" charset="0"/>
-                          </a:rPr>
-                        </m:ctrlPr>
-                      </m:sSubPr>
-                      <m:e>
-                        <m:r>
-                          <a:rPr lang="en-US" b="0" i="1" smtClean="0">
-                            <a:latin typeface="Cambria Math" panose="02040503050406030204" pitchFamily="18" charset="0"/>
-                          </a:rPr>
-                          <m:t>𝐹</m:t>
-                        </m:r>
-                      </m:e>
-                      <m:sub>
-                        <m:r>
-                          <a:rPr lang="en-US" b="0" i="1" smtClean="0">
-                            <a:latin typeface="Cambria Math" panose="02040503050406030204" pitchFamily="18" charset="0"/>
-                          </a:rPr>
-                          <m:t>h𝑒𝑎𝑣𝑒</m:t>
-                        </m:r>
-                        <m:r>
-                          <a:rPr lang="en-US" b="0" i="1" smtClean="0">
-                            <a:latin typeface="Cambria Math" panose="02040503050406030204" pitchFamily="18" charset="0"/>
-                          </a:rPr>
-                          <m:t>,</m:t>
-                        </m:r>
-                        <m:r>
-                          <a:rPr lang="en-US" b="0" i="1" smtClean="0">
-                            <a:latin typeface="Cambria Math" panose="02040503050406030204" pitchFamily="18" charset="0"/>
-                          </a:rPr>
-                          <m:t>𝑐𝑜𝑒𝑓𝑓𝑠</m:t>
-                        </m:r>
-                      </m:sub>
-                    </m:sSub>
-                    <m:r>
-                      <a:rPr lang="en-US" b="0" i="1" smtClean="0">
-                        <a:latin typeface="Cambria Math" panose="02040503050406030204" pitchFamily="18" charset="0"/>
-                      </a:rPr>
-                      <m:t>𝑑𝑧</m:t>
-                    </m:r>
-                    <m:r>
-                      <a:rPr lang="en-US" b="0" i="1" smtClean="0">
-                        <a:latin typeface="Cambria Math" panose="02040503050406030204" pitchFamily="18" charset="0"/>
-                      </a:rPr>
-                      <m:t> ~ </m:t>
-                    </m:r>
-                    <m:sSub>
-                      <m:sSubPr>
-                        <m:ctrlPr>
-                          <a:rPr lang="en-US" i="1">
-                            <a:latin typeface="Cambria Math" panose="02040503050406030204" pitchFamily="18" charset="0"/>
-                          </a:rPr>
-                        </m:ctrlPr>
-                      </m:sSubPr>
-                      <m:e>
-                        <m:r>
-                          <a:rPr lang="en-US" i="1">
-                            <a:latin typeface="Cambria Math" panose="02040503050406030204" pitchFamily="18" charset="0"/>
-                          </a:rPr>
-                          <m:t>𝜏</m:t>
-                        </m:r>
-                      </m:e>
-                      <m:sub>
-                        <m:r>
-                          <a:rPr lang="en-US" i="1">
-                            <a:latin typeface="Cambria Math" panose="02040503050406030204" pitchFamily="18" charset="0"/>
-                          </a:rPr>
-                          <m:t>𝑝𝑖𝑡𝑐h</m:t>
-                        </m:r>
-                        <m:r>
-                          <a:rPr lang="en-US" i="1">
-                            <a:latin typeface="Cambria Math" panose="02040503050406030204" pitchFamily="18" charset="0"/>
-                          </a:rPr>
-                          <m:t>,</m:t>
-                        </m:r>
-                        <m:r>
-                          <a:rPr lang="en-US" i="1">
-                            <a:latin typeface="Cambria Math" panose="02040503050406030204" pitchFamily="18" charset="0"/>
-                          </a:rPr>
-                          <m:t>𝑐𝑜𝑒𝑓𝑓𝑠</m:t>
-                        </m:r>
-                      </m:sub>
-                    </m:sSub>
-                    <m:sSub>
-                      <m:sSubPr>
-                        <m:ctrlPr>
-                          <a:rPr lang="en-US" b="0" i="1" smtClean="0">
-                            <a:latin typeface="Cambria Math" panose="02040503050406030204" pitchFamily="18" charset="0"/>
-                          </a:rPr>
-                        </m:ctrlPr>
-                      </m:sSubPr>
-                      <m:e>
-                        <m:r>
-                          <a:rPr lang="en-US" i="1">
-                            <a:latin typeface="Cambria Math" panose="02040503050406030204" pitchFamily="18" charset="0"/>
-                          </a:rPr>
-                          <m:t>𝜃</m:t>
-                        </m:r>
-                      </m:e>
-                      <m:sub>
-                        <m:r>
-                          <a:rPr lang="en-US" b="0" i="1" smtClean="0">
-                            <a:latin typeface="Cambria Math" panose="02040503050406030204" pitchFamily="18" charset="0"/>
-                          </a:rPr>
-                          <m:t>1</m:t>
-                        </m:r>
-                      </m:sub>
-                    </m:sSub>
-                    <m:r>
-                      <a:rPr lang="en-US" b="0" i="1" smtClean="0">
-                        <a:latin typeface="Cambria Math" panose="02040503050406030204" pitchFamily="18" charset="0"/>
-                      </a:rPr>
-                      <m:t>−</m:t>
-                    </m:r>
-                    <m:sSub>
-                      <m:sSubPr>
-                        <m:ctrlPr>
-                          <a:rPr lang="en-US" i="1">
-                            <a:latin typeface="Cambria Math" panose="02040503050406030204" pitchFamily="18" charset="0"/>
-                          </a:rPr>
-                        </m:ctrlPr>
-                      </m:sSubPr>
-                      <m:e>
-                        <m:r>
-                          <a:rPr lang="en-US" i="1">
-                            <a:latin typeface="Cambria Math" panose="02040503050406030204" pitchFamily="18" charset="0"/>
-                          </a:rPr>
-                          <m:t>𝐹</m:t>
-                        </m:r>
-                      </m:e>
-                      <m:sub>
-                        <m:r>
-                          <a:rPr lang="en-US" i="1">
-                            <a:latin typeface="Cambria Math" panose="02040503050406030204" pitchFamily="18" charset="0"/>
-                          </a:rPr>
-                          <m:t>h𝑒𝑎𝑣𝑒</m:t>
-                        </m:r>
-                        <m:r>
-                          <a:rPr lang="en-US" i="1">
-                            <a:latin typeface="Cambria Math" panose="02040503050406030204" pitchFamily="18" charset="0"/>
-                          </a:rPr>
-                          <m:t>,</m:t>
-                        </m:r>
-                        <m:r>
-                          <a:rPr lang="en-US" i="1">
-                            <a:latin typeface="Cambria Math" panose="02040503050406030204" pitchFamily="18" charset="0"/>
-                          </a:rPr>
-                          <m:t>𝑐𝑜𝑒𝑓𝑓𝑠</m:t>
-                        </m:r>
-                      </m:sub>
-                    </m:sSub>
-                    <m:r>
-                      <a:rPr lang="en-US" i="1">
-                        <a:latin typeface="Cambria Math" panose="02040503050406030204" pitchFamily="18" charset="0"/>
-                      </a:rPr>
-                      <m:t>𝑑</m:t>
-                    </m:r>
-                    <m:sSub>
-                      <m:sSubPr>
-                        <m:ctrlPr>
-                          <a:rPr lang="en-US" b="0" i="1" smtClean="0">
-                            <a:latin typeface="Cambria Math" panose="02040503050406030204" pitchFamily="18" charset="0"/>
-                          </a:rPr>
-                        </m:ctrlPr>
-                      </m:sSubPr>
-                      <m:e>
-                        <m:r>
-                          <a:rPr lang="en-US" b="0" i="1" smtClean="0">
-                            <a:latin typeface="Cambria Math" panose="02040503050406030204" pitchFamily="18" charset="0"/>
-                          </a:rPr>
-                          <m:t>𝜃</m:t>
-                        </m:r>
-                      </m:e>
-                      <m:sub>
-                        <m:r>
-                          <a:rPr lang="en-US" b="0" i="1" smtClean="0">
-                            <a:latin typeface="Cambria Math" panose="02040503050406030204" pitchFamily="18" charset="0"/>
-                          </a:rPr>
-                          <m:t>1</m:t>
-                        </m:r>
-                      </m:sub>
-                    </m:sSub>
-                  </m:oMath>
-                </a14:m>
-                <a:endParaRPr lang="en-US" dirty="0"/>
-              </a:p>
-              <a:p>
-                <a:r>
-                  <a:rPr lang="en-US" dirty="0"/>
-                  <a:t>The forces on float 2:</a:t>
-                </a:r>
-              </a:p>
-              <a:p>
-                <a:pPr lvl="1"/>
-                <a:r>
-                  <a:rPr lang="en-US" dirty="0"/>
-                  <a:t>The PTO force only depends on pitch (about PTO)</a:t>
-                </a:r>
-              </a:p>
-              <a:p>
-                <a:pPr lvl="1"/>
-                <a:r>
-                  <a:rPr lang="en-US" dirty="0"/>
-                  <a:t>Since the PTO location changes, the wave forces depend on pitch and heave of 2</a:t>
-                </a:r>
-                <a:r>
-                  <a:rPr lang="en-US" baseline="30000" dirty="0"/>
-                  <a:t>nd</a:t>
-                </a:r>
-                <a:r>
-                  <a:rPr lang="en-US" dirty="0"/>
-                  <a:t> body. These can both be described in terms of the two pitch values:</a:t>
-                </a:r>
-              </a:p>
-              <a:p>
-                <a:pPr lvl="2"/>
-                <a14:m>
-                  <m:oMath xmlns:m="http://schemas.openxmlformats.org/officeDocument/2006/math">
-                    <m:r>
-                      <a:rPr lang="en-US" b="0" i="1" smtClean="0">
-                        <a:latin typeface="Cambria Math" panose="02040503050406030204" pitchFamily="18" charset="0"/>
-                      </a:rPr>
-                      <m:t>𝑧</m:t>
-                    </m:r>
-                    <m:r>
-                      <a:rPr lang="en-US" b="0" i="1" smtClean="0">
-                        <a:latin typeface="Cambria Math" panose="02040503050406030204" pitchFamily="18" charset="0"/>
-                      </a:rPr>
-                      <m:t>=−2</m:t>
-                    </m:r>
-                    <m:r>
-                      <a:rPr lang="en-US" b="0" i="1" smtClean="0">
-                        <a:latin typeface="Cambria Math" panose="02040503050406030204" pitchFamily="18" charset="0"/>
-                      </a:rPr>
-                      <m:t>𝑑</m:t>
-                    </m:r>
-                    <m:func>
-                      <m:funcPr>
-                        <m:ctrlPr>
-                          <a:rPr lang="en-US" b="0" i="1" smtClean="0">
-                            <a:latin typeface="Cambria Math" panose="02040503050406030204" pitchFamily="18" charset="0"/>
-                          </a:rPr>
-                        </m:ctrlPr>
-                      </m:funcPr>
-                      <m:fName>
-                        <m:r>
-                          <m:rPr>
-                            <m:sty m:val="p"/>
-                          </m:rPr>
-                          <a:rPr lang="en-US" b="0" i="0" smtClean="0">
-                            <a:latin typeface="Cambria Math" panose="02040503050406030204" pitchFamily="18" charset="0"/>
-                          </a:rPr>
-                          <m:t>sin</m:t>
-                        </m:r>
-                      </m:fName>
-                      <m:e>
-                        <m:d>
-                          <m:dPr>
-                            <m:ctrlPr>
-                              <a:rPr lang="en-US" b="0" i="1" smtClean="0">
-                                <a:latin typeface="Cambria Math" panose="02040503050406030204" pitchFamily="18" charset="0"/>
-                              </a:rPr>
-                            </m:ctrlPr>
-                          </m:dPr>
-                          <m:e>
-                            <m:sSub>
-                              <m:sSubPr>
-                                <m:ctrlPr>
-                                  <a:rPr lang="en-US" b="0" i="1" smtClean="0">
-                                    <a:latin typeface="Cambria Math" panose="02040503050406030204" pitchFamily="18" charset="0"/>
-                                  </a:rPr>
-                                </m:ctrlPr>
-                              </m:sSubPr>
-                              <m:e>
-                                <m:r>
-                                  <a:rPr lang="en-US" b="0" i="1" smtClean="0">
-                                    <a:latin typeface="Cambria Math" panose="02040503050406030204" pitchFamily="18" charset="0"/>
-                                  </a:rPr>
-                                  <m:t>𝜃</m:t>
-                                </m:r>
-                              </m:e>
-                              <m:sub>
-                                <m:r>
-                                  <a:rPr lang="en-US" b="0" i="1" smtClean="0">
-                                    <a:latin typeface="Cambria Math" panose="02040503050406030204" pitchFamily="18" charset="0"/>
-                                  </a:rPr>
-                                  <m:t>1</m:t>
-                                </m:r>
-                              </m:sub>
-                            </m:sSub>
-                          </m:e>
-                        </m:d>
-                      </m:e>
-                    </m:func>
-                    <m:r>
-                      <a:rPr lang="en-US" b="0" i="1" smtClean="0">
-                        <a:latin typeface="Cambria Math" panose="02040503050406030204" pitchFamily="18" charset="0"/>
-                      </a:rPr>
-                      <m:t>−</m:t>
-                    </m:r>
-                    <m:r>
-                      <a:rPr lang="en-US" b="0" i="1" smtClean="0">
-                        <a:latin typeface="Cambria Math" panose="02040503050406030204" pitchFamily="18" charset="0"/>
-                      </a:rPr>
-                      <m:t>𝑑𝑠𝑖𝑛</m:t>
-                    </m:r>
-                    <m:d>
-                      <m:dPr>
-                        <m:ctrlPr>
-                          <a:rPr lang="en-US" b="0" i="1" smtClean="0">
-                            <a:latin typeface="Cambria Math" panose="02040503050406030204" pitchFamily="18" charset="0"/>
-                          </a:rPr>
-                        </m:ctrlPr>
-                      </m:dPr>
-                      <m:e>
-                        <m:sSub>
-                          <m:sSubPr>
-                            <m:ctrlPr>
-                              <a:rPr lang="en-US" b="0" i="1" smtClean="0">
-                                <a:latin typeface="Cambria Math" panose="02040503050406030204" pitchFamily="18" charset="0"/>
-                              </a:rPr>
-                            </m:ctrlPr>
-                          </m:sSubPr>
-                          <m:e>
-                            <m:r>
-                              <a:rPr lang="en-US" b="0" i="1" smtClean="0">
-                                <a:latin typeface="Cambria Math" panose="02040503050406030204" pitchFamily="18" charset="0"/>
-                              </a:rPr>
-                              <m:t>𝜃</m:t>
-                            </m:r>
-                          </m:e>
-                          <m:sub>
-                            <m:r>
-                              <a:rPr lang="en-US" b="0" i="1" smtClean="0">
-                                <a:latin typeface="Cambria Math" panose="02040503050406030204" pitchFamily="18" charset="0"/>
-                              </a:rPr>
-                              <m:t>1</m:t>
-                            </m:r>
-                          </m:sub>
-                        </m:sSub>
-                      </m:e>
-                    </m:d>
-                    <m:r>
-                      <a:rPr lang="en-US" b="0" i="1" smtClean="0">
-                        <a:latin typeface="Cambria Math" panose="02040503050406030204" pitchFamily="18" charset="0"/>
-                      </a:rPr>
-                      <m:t>−</m:t>
-                    </m:r>
-                    <m:r>
-                      <a:rPr lang="en-US" b="0" i="1" smtClean="0">
-                        <a:latin typeface="Cambria Math" panose="02040503050406030204" pitchFamily="18" charset="0"/>
-                      </a:rPr>
-                      <m:t>𝑑𝑠𝑖𝑛</m:t>
-                    </m:r>
-                    <m:r>
-                      <a:rPr lang="en-US" b="0" i="1" smtClean="0">
-                        <a:latin typeface="Cambria Math" panose="02040503050406030204" pitchFamily="18" charset="0"/>
-                      </a:rPr>
-                      <m:t>(</m:t>
-                    </m:r>
-                    <m:sSub>
-                      <m:sSubPr>
-                        <m:ctrlPr>
-                          <a:rPr lang="en-US" b="0" i="1" smtClean="0">
-                            <a:latin typeface="Cambria Math" panose="02040503050406030204" pitchFamily="18" charset="0"/>
-                          </a:rPr>
-                        </m:ctrlPr>
-                      </m:sSubPr>
-                      <m:e>
-                        <m:r>
-                          <a:rPr lang="en-US" b="0" i="1" smtClean="0">
-                            <a:latin typeface="Cambria Math" panose="02040503050406030204" pitchFamily="18" charset="0"/>
-                          </a:rPr>
-                          <m:t>𝜃</m:t>
-                        </m:r>
-                      </m:e>
-                      <m:sub>
-                        <m:r>
-                          <a:rPr lang="en-US" b="0" i="1" smtClean="0">
-                            <a:latin typeface="Cambria Math" panose="02040503050406030204" pitchFamily="18" charset="0"/>
-                          </a:rPr>
-                          <m:t>2</m:t>
-                        </m:r>
-                      </m:sub>
-                    </m:sSub>
-                    <m:r>
-                      <a:rPr lang="en-US" b="0" i="1" smtClean="0">
-                        <a:latin typeface="Cambria Math" panose="02040503050406030204" pitchFamily="18" charset="0"/>
-                      </a:rPr>
-                      <m:t>)</m:t>
-                    </m:r>
-                  </m:oMath>
-                </a14:m>
-                <a:endParaRPr lang="en-US" b="0" i="1" dirty="0">
-                  <a:latin typeface="Cambria Math" panose="02040503050406030204" pitchFamily="18" charset="0"/>
-                </a:endParaRPr>
-              </a:p>
-              <a:p>
-                <a:pPr lvl="2"/>
-                <a14:m>
-                  <m:oMath xmlns:m="http://schemas.openxmlformats.org/officeDocument/2006/math">
-                    <m:sSub>
-                      <m:sSubPr>
-                        <m:ctrlPr>
-                          <a:rPr lang="en-US" b="0" i="1" smtClean="0">
-                            <a:latin typeface="Cambria Math" panose="02040503050406030204" pitchFamily="18" charset="0"/>
-                          </a:rPr>
-                        </m:ctrlPr>
-                      </m:sSubPr>
-                      <m:e>
-                        <m:r>
-                          <a:rPr lang="en-US" b="0" i="1" smtClean="0">
-                            <a:latin typeface="Cambria Math" panose="02040503050406030204" pitchFamily="18" charset="0"/>
-                          </a:rPr>
-                          <m:t>𝜏</m:t>
-                        </m:r>
-                      </m:e>
-                      <m:sub>
-                        <m:r>
-                          <a:rPr lang="en-US" b="0" i="1" smtClean="0">
-                            <a:latin typeface="Cambria Math" panose="02040503050406030204" pitchFamily="18" charset="0"/>
-                          </a:rPr>
-                          <m:t>𝑡𝑜𝑡</m:t>
-                        </m:r>
-                        <m:r>
-                          <a:rPr lang="en-US" b="0" i="1" smtClean="0">
-                            <a:latin typeface="Cambria Math" panose="02040503050406030204" pitchFamily="18" charset="0"/>
-                          </a:rPr>
-                          <m:t>,2</m:t>
-                        </m:r>
-                      </m:sub>
-                    </m:sSub>
-                    <m:r>
-                      <a:rPr lang="en-US" b="0" i="1" smtClean="0">
-                        <a:latin typeface="Cambria Math" panose="02040503050406030204" pitchFamily="18" charset="0"/>
-                      </a:rPr>
-                      <m:t>=</m:t>
-                    </m:r>
-                    <m:sSub>
-                      <m:sSubPr>
-                        <m:ctrlPr>
-                          <a:rPr lang="en-US" i="1">
-                            <a:latin typeface="Cambria Math" panose="02040503050406030204" pitchFamily="18" charset="0"/>
-                          </a:rPr>
-                        </m:ctrlPr>
-                      </m:sSubPr>
-                      <m:e>
-                        <m:r>
-                          <a:rPr lang="en-US" i="1">
-                            <a:latin typeface="Cambria Math" panose="02040503050406030204" pitchFamily="18" charset="0"/>
-                          </a:rPr>
-                          <m:t>𝜏</m:t>
-                        </m:r>
-                      </m:e>
-                      <m:sub>
-                        <m:r>
-                          <a:rPr lang="en-US" i="1">
-                            <a:latin typeface="Cambria Math" panose="02040503050406030204" pitchFamily="18" charset="0"/>
-                          </a:rPr>
-                          <m:t>𝑝𝑖𝑡𝑐h</m:t>
-                        </m:r>
-                        <m:r>
-                          <a:rPr lang="en-US" i="1">
-                            <a:latin typeface="Cambria Math" panose="02040503050406030204" pitchFamily="18" charset="0"/>
-                          </a:rPr>
-                          <m:t>,</m:t>
-                        </m:r>
-                        <m:r>
-                          <a:rPr lang="en-US" i="1">
-                            <a:latin typeface="Cambria Math" panose="02040503050406030204" pitchFamily="18" charset="0"/>
-                          </a:rPr>
-                          <m:t>𝑐𝑜𝑒𝑓𝑓𝑠</m:t>
-                        </m:r>
-                      </m:sub>
-                    </m:sSub>
-                    <m:sSub>
-                      <m:sSubPr>
-                        <m:ctrlPr>
-                          <a:rPr lang="en-US" b="0" i="1" smtClean="0">
-                            <a:latin typeface="Cambria Math" panose="02040503050406030204" pitchFamily="18" charset="0"/>
-                          </a:rPr>
-                        </m:ctrlPr>
-                      </m:sSubPr>
-                      <m:e>
-                        <m:r>
-                          <a:rPr lang="en-US" i="1">
-                            <a:latin typeface="Cambria Math" panose="02040503050406030204" pitchFamily="18" charset="0"/>
-                          </a:rPr>
-                          <m:t>𝜃</m:t>
-                        </m:r>
-                      </m:e>
-                      <m:sub>
-                        <m:r>
-                          <a:rPr lang="en-US" b="0" i="1" smtClean="0">
-                            <a:latin typeface="Cambria Math" panose="02040503050406030204" pitchFamily="18" charset="0"/>
-                          </a:rPr>
-                          <m:t>2</m:t>
-                        </m:r>
-                      </m:sub>
-                    </m:sSub>
-                    <m:r>
-                      <a:rPr lang="en-US" i="1">
-                        <a:latin typeface="Cambria Math" panose="02040503050406030204" pitchFamily="18" charset="0"/>
-                      </a:rPr>
-                      <m:t>+</m:t>
-                    </m:r>
-                    <m:sSub>
-                      <m:sSubPr>
-                        <m:ctrlPr>
-                          <a:rPr lang="en-US" i="1">
-                            <a:latin typeface="Cambria Math" panose="02040503050406030204" pitchFamily="18" charset="0"/>
-                          </a:rPr>
-                        </m:ctrlPr>
-                      </m:sSubPr>
-                      <m:e>
-                        <m:r>
-                          <a:rPr lang="en-US" i="1">
-                            <a:latin typeface="Cambria Math" panose="02040503050406030204" pitchFamily="18" charset="0"/>
-                          </a:rPr>
-                          <m:t>𝐹</m:t>
-                        </m:r>
-                      </m:e>
-                      <m:sub>
-                        <m:r>
-                          <a:rPr lang="en-US" i="1">
-                            <a:latin typeface="Cambria Math" panose="02040503050406030204" pitchFamily="18" charset="0"/>
-                          </a:rPr>
-                          <m:t>h𝑒𝑎𝑣𝑒</m:t>
-                        </m:r>
-                        <m:r>
-                          <a:rPr lang="en-US" i="1">
-                            <a:latin typeface="Cambria Math" panose="02040503050406030204" pitchFamily="18" charset="0"/>
-                          </a:rPr>
-                          <m:t>,</m:t>
-                        </m:r>
-                        <m:r>
-                          <a:rPr lang="en-US" i="1">
-                            <a:latin typeface="Cambria Math" panose="02040503050406030204" pitchFamily="18" charset="0"/>
-                          </a:rPr>
-                          <m:t>𝑐𝑜𝑒𝑓𝑓𝑠</m:t>
-                        </m:r>
-                      </m:sub>
-                    </m:sSub>
-                    <m:r>
-                      <a:rPr lang="en-US" i="1">
-                        <a:latin typeface="Cambria Math" panose="02040503050406030204" pitchFamily="18" charset="0"/>
-                      </a:rPr>
-                      <m:t>𝑑𝑧</m:t>
-                    </m:r>
-                    <m:r>
-                      <a:rPr lang="en-US" b="0" i="1" smtClean="0">
-                        <a:latin typeface="Cambria Math" panose="02040503050406030204" pitchFamily="18" charset="0"/>
-                      </a:rPr>
-                      <m:t>=</m:t>
-                    </m:r>
-                    <m:sSub>
-                      <m:sSubPr>
-                        <m:ctrlPr>
-                          <a:rPr lang="en-US" i="1">
-                            <a:latin typeface="Cambria Math" panose="02040503050406030204" pitchFamily="18" charset="0"/>
-                          </a:rPr>
-                        </m:ctrlPr>
-                      </m:sSubPr>
-                      <m:e>
-                        <m:r>
-                          <a:rPr lang="en-US" i="1">
-                            <a:latin typeface="Cambria Math" panose="02040503050406030204" pitchFamily="18" charset="0"/>
-                          </a:rPr>
-                          <m:t>𝜏</m:t>
-                        </m:r>
-                      </m:e>
-                      <m:sub>
-                        <m:r>
-                          <a:rPr lang="en-US" i="1">
-                            <a:latin typeface="Cambria Math" panose="02040503050406030204" pitchFamily="18" charset="0"/>
-                          </a:rPr>
-                          <m:t>𝑝𝑖𝑡𝑐h</m:t>
-                        </m:r>
-                        <m:r>
-                          <a:rPr lang="en-US" i="1">
-                            <a:latin typeface="Cambria Math" panose="02040503050406030204" pitchFamily="18" charset="0"/>
-                          </a:rPr>
-                          <m:t>,</m:t>
-                        </m:r>
-                        <m:r>
-                          <a:rPr lang="en-US" i="1">
-                            <a:latin typeface="Cambria Math" panose="02040503050406030204" pitchFamily="18" charset="0"/>
-                          </a:rPr>
-                          <m:t>𝑐𝑜𝑒𝑓𝑓𝑠</m:t>
-                        </m:r>
-                      </m:sub>
-                    </m:sSub>
-                    <m:sSub>
-                      <m:sSubPr>
-                        <m:ctrlPr>
-                          <a:rPr lang="en-US" i="1">
-                            <a:latin typeface="Cambria Math" panose="02040503050406030204" pitchFamily="18" charset="0"/>
-                          </a:rPr>
-                        </m:ctrlPr>
-                      </m:sSubPr>
-                      <m:e>
-                        <m:r>
-                          <a:rPr lang="en-US" i="1">
-                            <a:latin typeface="Cambria Math" panose="02040503050406030204" pitchFamily="18" charset="0"/>
-                          </a:rPr>
-                          <m:t>𝜃</m:t>
-                        </m:r>
-                      </m:e>
-                      <m:sub>
-                        <m:r>
-                          <a:rPr lang="en-US" i="1">
-                            <a:latin typeface="Cambria Math" panose="02040503050406030204" pitchFamily="18" charset="0"/>
-                          </a:rPr>
-                          <m:t>2</m:t>
-                        </m:r>
-                      </m:sub>
-                    </m:sSub>
-                    <m:r>
-                      <a:rPr lang="en-US" b="0" i="1" smtClean="0">
-                        <a:latin typeface="Cambria Math" panose="02040503050406030204" pitchFamily="18" charset="0"/>
-                      </a:rPr>
-                      <m:t>−3</m:t>
-                    </m:r>
-                    <m:sSub>
-                      <m:sSubPr>
-                        <m:ctrlPr>
-                          <a:rPr lang="en-US" i="1">
-                            <a:latin typeface="Cambria Math" panose="02040503050406030204" pitchFamily="18" charset="0"/>
-                          </a:rPr>
-                        </m:ctrlPr>
-                      </m:sSubPr>
-                      <m:e>
-                        <m:r>
-                          <a:rPr lang="en-US" i="1">
-                            <a:latin typeface="Cambria Math" panose="02040503050406030204" pitchFamily="18" charset="0"/>
-                          </a:rPr>
-                          <m:t>𝐹</m:t>
-                        </m:r>
-                      </m:e>
-                      <m:sub>
-                        <m:r>
-                          <a:rPr lang="en-US" i="1">
-                            <a:latin typeface="Cambria Math" panose="02040503050406030204" pitchFamily="18" charset="0"/>
-                          </a:rPr>
-                          <m:t>h𝑒𝑎𝑣𝑒</m:t>
-                        </m:r>
-                        <m:r>
-                          <a:rPr lang="en-US" i="1">
-                            <a:latin typeface="Cambria Math" panose="02040503050406030204" pitchFamily="18" charset="0"/>
-                          </a:rPr>
-                          <m:t>,</m:t>
-                        </m:r>
-                        <m:r>
-                          <a:rPr lang="en-US" i="1">
-                            <a:latin typeface="Cambria Math" panose="02040503050406030204" pitchFamily="18" charset="0"/>
-                          </a:rPr>
-                          <m:t>𝑐𝑜𝑒𝑓𝑓𝑠</m:t>
-                        </m:r>
-                      </m:sub>
-                    </m:sSub>
-                    <m:r>
-                      <a:rPr lang="en-US" i="1">
-                        <a:latin typeface="Cambria Math" panose="02040503050406030204" pitchFamily="18" charset="0"/>
-                      </a:rPr>
-                      <m:t>𝑑</m:t>
-                    </m:r>
-                    <m:sSub>
-                      <m:sSubPr>
-                        <m:ctrlPr>
-                          <a:rPr lang="en-US" b="0" i="1" smtClean="0">
-                            <a:latin typeface="Cambria Math" panose="02040503050406030204" pitchFamily="18" charset="0"/>
-                          </a:rPr>
-                        </m:ctrlPr>
-                      </m:sSubPr>
-                      <m:e>
-                        <m:r>
-                          <a:rPr lang="en-US" b="0" i="1" smtClean="0">
-                            <a:latin typeface="Cambria Math" panose="02040503050406030204" pitchFamily="18" charset="0"/>
-                          </a:rPr>
-                          <m:t>𝜃</m:t>
-                        </m:r>
-                      </m:e>
-                      <m:sub>
-                        <m:r>
-                          <a:rPr lang="en-US" b="0" i="1" smtClean="0">
-                            <a:latin typeface="Cambria Math" panose="02040503050406030204" pitchFamily="18" charset="0"/>
-                          </a:rPr>
-                          <m:t>1</m:t>
-                        </m:r>
-                      </m:sub>
-                    </m:sSub>
-                    <m:r>
-                      <a:rPr lang="en-US" b="0" i="1" smtClean="0">
-                        <a:latin typeface="Cambria Math" panose="02040503050406030204" pitchFamily="18" charset="0"/>
-                      </a:rPr>
-                      <m:t>−</m:t>
-                    </m:r>
-                    <m:sSub>
-                      <m:sSubPr>
-                        <m:ctrlPr>
-                          <a:rPr lang="en-US" i="1">
-                            <a:latin typeface="Cambria Math" panose="02040503050406030204" pitchFamily="18" charset="0"/>
-                          </a:rPr>
-                        </m:ctrlPr>
-                      </m:sSubPr>
-                      <m:e>
-                        <m:r>
-                          <a:rPr lang="en-US" i="1">
-                            <a:latin typeface="Cambria Math" panose="02040503050406030204" pitchFamily="18" charset="0"/>
-                          </a:rPr>
-                          <m:t>𝐹</m:t>
-                        </m:r>
-                      </m:e>
-                      <m:sub>
-                        <m:r>
-                          <a:rPr lang="en-US" i="1">
-                            <a:latin typeface="Cambria Math" panose="02040503050406030204" pitchFamily="18" charset="0"/>
-                          </a:rPr>
-                          <m:t>h𝑒𝑎𝑣𝑒</m:t>
-                        </m:r>
-                        <m:r>
-                          <a:rPr lang="en-US" i="1">
-                            <a:latin typeface="Cambria Math" panose="02040503050406030204" pitchFamily="18" charset="0"/>
-                          </a:rPr>
-                          <m:t>,</m:t>
-                        </m:r>
-                        <m:r>
-                          <a:rPr lang="en-US" i="1">
-                            <a:latin typeface="Cambria Math" panose="02040503050406030204" pitchFamily="18" charset="0"/>
-                          </a:rPr>
-                          <m:t>𝑐𝑜𝑒𝑓𝑓𝑠</m:t>
-                        </m:r>
-                      </m:sub>
-                    </m:sSub>
-                    <m:r>
-                      <a:rPr lang="en-US" i="1">
-                        <a:latin typeface="Cambria Math" panose="02040503050406030204" pitchFamily="18" charset="0"/>
-                      </a:rPr>
-                      <m:t>𝑑</m:t>
-                    </m:r>
-                    <m:sSub>
-                      <m:sSubPr>
-                        <m:ctrlPr>
-                          <a:rPr lang="en-US" i="1">
-                            <a:latin typeface="Cambria Math" panose="02040503050406030204" pitchFamily="18" charset="0"/>
-                          </a:rPr>
-                        </m:ctrlPr>
-                      </m:sSubPr>
-                      <m:e>
-                        <m:r>
-                          <a:rPr lang="en-US" i="1">
-                            <a:latin typeface="Cambria Math" panose="02040503050406030204" pitchFamily="18" charset="0"/>
-                          </a:rPr>
-                          <m:t>𝜃</m:t>
-                        </m:r>
-                      </m:e>
-                      <m:sub>
-                        <m:r>
-                          <a:rPr lang="en-US" b="0" i="1" smtClean="0">
-                            <a:latin typeface="Cambria Math" panose="02040503050406030204" pitchFamily="18" charset="0"/>
-                          </a:rPr>
-                          <m:t>2</m:t>
-                        </m:r>
-                      </m:sub>
-                    </m:sSub>
-                  </m:oMath>
-                </a14:m>
-                <a:endParaRPr lang="en-US" dirty="0"/>
-              </a:p>
-              <a:p>
-                <a:pPr lvl="2"/>
-                <a:r>
-                  <a:rPr lang="en-US" dirty="0"/>
-                  <a:t>Let’s assume that </a:t>
-                </a:r>
-                <a14:m>
-                  <m:oMath xmlns:m="http://schemas.openxmlformats.org/officeDocument/2006/math">
-                    <m:r>
-                      <a:rPr lang="en-US" b="0" i="1" smtClean="0">
-                        <a:latin typeface="Cambria Math" panose="02040503050406030204" pitchFamily="18" charset="0"/>
-                      </a:rPr>
-                      <m:t>3</m:t>
-                    </m:r>
-                    <m:sSub>
-                      <m:sSubPr>
-                        <m:ctrlPr>
-                          <a:rPr lang="en-US" i="1">
-                            <a:latin typeface="Cambria Math" panose="02040503050406030204" pitchFamily="18" charset="0"/>
-                          </a:rPr>
-                        </m:ctrlPr>
-                      </m:sSubPr>
-                      <m:e>
-                        <m:r>
-                          <a:rPr lang="en-US" i="1">
-                            <a:latin typeface="Cambria Math" panose="02040503050406030204" pitchFamily="18" charset="0"/>
-                          </a:rPr>
-                          <m:t>𝐹</m:t>
-                        </m:r>
-                      </m:e>
-                      <m:sub>
-                        <m:r>
-                          <a:rPr lang="en-US" i="1">
-                            <a:latin typeface="Cambria Math" panose="02040503050406030204" pitchFamily="18" charset="0"/>
-                          </a:rPr>
-                          <m:t>h𝑒𝑎𝑣𝑒</m:t>
-                        </m:r>
-                        <m:r>
-                          <a:rPr lang="en-US" i="1">
-                            <a:latin typeface="Cambria Math" panose="02040503050406030204" pitchFamily="18" charset="0"/>
-                          </a:rPr>
-                          <m:t>,</m:t>
-                        </m:r>
-                        <m:r>
-                          <a:rPr lang="en-US" i="1">
-                            <a:latin typeface="Cambria Math" panose="02040503050406030204" pitchFamily="18" charset="0"/>
-                          </a:rPr>
-                          <m:t>𝑐𝑜𝑒𝑓𝑓𝑠</m:t>
-                        </m:r>
-                      </m:sub>
-                    </m:sSub>
-                    <m:r>
-                      <a:rPr lang="en-US" i="1">
-                        <a:latin typeface="Cambria Math" panose="02040503050406030204" pitchFamily="18" charset="0"/>
-                      </a:rPr>
-                      <m:t>𝑑</m:t>
-                    </m:r>
-                  </m:oMath>
-                </a14:m>
-                <a:r>
-                  <a:rPr lang="en-US" dirty="0"/>
-                  <a:t> is the coupling term, such that a force of that magnitude*theta1 acts on the pitch of float </a:t>
-                </a:r>
-                <a:r>
-                  <a:rPr lang="en-US"/>
-                  <a:t>2 </a:t>
-                </a:r>
-              </a:p>
-              <a:p>
-                <a:pPr lvl="1"/>
-                <a:r>
-                  <a:rPr lang="en-US" dirty="0"/>
-                  <a:t>I don’t think this works by default because the ratio of heave coefficients acting is different than the ratio of pitch </a:t>
-                </a:r>
-                <a:r>
-                  <a:rPr lang="en-US" dirty="0" err="1"/>
-                  <a:t>coeffs</a:t>
-                </a:r>
-                <a:r>
-                  <a:rPr lang="en-US" dirty="0"/>
-                  <a:t>. Instead, could we define the pitch </a:t>
-                </a:r>
-                <a:r>
-                  <a:rPr lang="en-US" dirty="0" err="1"/>
-                  <a:t>coeff</a:t>
-                </a:r>
-                <a:r>
-                  <a:rPr lang="en-US" dirty="0"/>
-                  <a:t> as dependent on both coefficients?</a:t>
-                </a:r>
-              </a:p>
-            </p:txBody>
-          </p:sp>
-        </mc:Choice>
-        <mc:Fallback>
-          <p:sp>
-            <p:nvSpPr>
-              <p:cNvPr id="3" name="Content Placeholder 2">
-                <a:extLst>
-                  <a:ext uri="{FF2B5EF4-FFF2-40B4-BE49-F238E27FC236}">
-                    <a16:creationId xmlns:a16="http://schemas.microsoft.com/office/drawing/2014/main" id="{55C4DFEB-4D05-866B-39B4-B0727D5AA39D}"/>
-                  </a:ext>
-                </a:extLst>
-              </p:cNvPr>
-              <p:cNvSpPr>
-                <a:spLocks noGrp="1" noRot="1" noChangeAspect="1" noMove="1" noResize="1" noEditPoints="1" noAdjustHandles="1" noChangeArrowheads="1" noChangeShapeType="1" noTextEdit="1"/>
-              </p:cNvSpPr>
-              <p:nvPr>
-                <p:ph idx="1"/>
-              </p:nvPr>
-            </p:nvSpPr>
-            <p:spPr>
-              <a:xfrm>
-                <a:off x="838200" y="1180730"/>
-                <a:ext cx="10515600" cy="5397623"/>
-              </a:xfrm>
-              <a:blipFill>
-                <a:blip r:embed="rId2"/>
-                <a:stretch>
-                  <a:fillRect l="-928" t="-2938" r="-232" b="-904"/>
-                </a:stretch>
-              </a:blipFill>
-            </p:spPr>
-            <p:txBody>
-              <a:bodyPr/>
-              <a:lstStyle/>
-              <a:p>
-                <a:r>
-                  <a:rPr lang="en-US">
-                    <a:noFill/>
-                  </a:rPr>
-                  <a:t> </a:t>
-                </a:r>
-              </a:p>
-            </p:txBody>
-          </p:sp>
-        </mc:Fallback>
-      </mc:AlternateContent>
+      <p:sp>
+        <p:nvSpPr>
+          <p:cNvPr id="3" name="Content Placeholder 2">
+            <a:extLst>
+              <a:ext uri="{FF2B5EF4-FFF2-40B4-BE49-F238E27FC236}">
+                <a16:creationId xmlns:a16="http://schemas.microsoft.com/office/drawing/2014/main" id="{06C0F535-B0D8-EA8D-79DA-5C55B171EBE3}"/>
+              </a:ext>
+            </a:extLst>
+          </p:cNvPr>
+          <p:cNvSpPr>
+            <a:spLocks noGrp="1"/>
+          </p:cNvSpPr>
+          <p:nvPr>
+            <p:ph idx="1"/>
+          </p:nvPr>
+        </p:nvSpPr>
+        <p:spPr>
+          <a:xfrm>
+            <a:off x="838200" y="1442114"/>
+            <a:ext cx="7542320" cy="4967564"/>
+          </a:xfrm>
+        </p:spPr>
+        <p:txBody>
+          <a:bodyPr/>
+          <a:lstStyle/>
+          <a:p>
+            <a:r>
+              <a:rPr lang="en-US" dirty="0"/>
+              <a:t>If I model the system in WEC-Sim, what is the heave force?</a:t>
+            </a:r>
+          </a:p>
+          <a:p>
+            <a:pPr lvl="1"/>
+            <a:r>
+              <a:rPr lang="en-US" dirty="0"/>
+              <a:t>Is it equal to the inverse kinematics? Probably not quite due to constraints</a:t>
+            </a:r>
+          </a:p>
+          <a:p>
+            <a:pPr lvl="1"/>
+            <a:r>
+              <a:rPr lang="en-US" dirty="0"/>
+              <a:t>Are there constraint forces acting in heave? I think so when not at equilibrium?</a:t>
+            </a:r>
+          </a:p>
+          <a:p>
+            <a:r>
+              <a:rPr lang="en-US" dirty="0"/>
+              <a:t>PTO has internal mechanics forces only in pitch</a:t>
+            </a:r>
+          </a:p>
+          <a:p>
+            <a:r>
+              <a:rPr lang="en-US" dirty="0"/>
+              <a:t>But, it has constraint forces in other directions</a:t>
+            </a:r>
+          </a:p>
+          <a:p>
+            <a:r>
+              <a:rPr lang="en-US" dirty="0"/>
+              <a:t>Constraint on body is a bit bigger than PTO constraint force</a:t>
+            </a:r>
+          </a:p>
+        </p:txBody>
+      </p:sp>
+      <p:pic>
+        <p:nvPicPr>
+          <p:cNvPr id="5" name="Picture 4">
+            <a:extLst>
+              <a:ext uri="{FF2B5EF4-FFF2-40B4-BE49-F238E27FC236}">
+                <a16:creationId xmlns:a16="http://schemas.microsoft.com/office/drawing/2014/main" id="{C6FACFB5-6BB0-E56C-BAA3-41D5F7F3ACC8}"/>
+              </a:ext>
+            </a:extLst>
+          </p:cNvPr>
+          <p:cNvPicPr>
+            <a:picLocks noChangeAspect="1"/>
+          </p:cNvPicPr>
+          <p:nvPr/>
+        </p:nvPicPr>
+        <p:blipFill>
+          <a:blip r:embed="rId2"/>
+          <a:stretch>
+            <a:fillRect/>
+          </a:stretch>
+        </p:blipFill>
+        <p:spPr>
+          <a:xfrm>
+            <a:off x="7960310" y="264489"/>
+            <a:ext cx="3983115" cy="2987336"/>
+          </a:xfrm>
+          <a:prstGeom prst="rect">
+            <a:avLst/>
+          </a:prstGeom>
+        </p:spPr>
+      </p:pic>
     </p:spTree>
     <p:extLst>
       <p:ext uri="{BB962C8B-B14F-4D97-AF65-F5344CB8AC3E}">
-        <p14:creationId xmlns:p14="http://schemas.microsoft.com/office/powerpoint/2010/main" val="2885365450"/>
+        <p14:creationId xmlns:p14="http://schemas.microsoft.com/office/powerpoint/2010/main" val="665967443"/>
       </p:ext>
     </p:extLst>
   </p:cSld>
@@ -8299,7 +7365,7 @@
 </file>
 
 <file path=ppt/slides/slide12.xml><?xml version="1.0" encoding="utf-8"?>
-<p:sld xmlns:a="http://schemas.openxmlformats.org/drawingml/2006/main" xmlns:r="http://schemas.openxmlformats.org/officeDocument/2006/relationships" xmlns:p="http://schemas.openxmlformats.org/presentationml/2006/main">
+<p:sld xmlns:a="http://schemas.openxmlformats.org/drawingml/2006/main" xmlns:r="http://schemas.openxmlformats.org/officeDocument/2006/relationships" xmlns:p="http://schemas.openxmlformats.org/presentationml/2006/main" show="0">
   <p:cSld>
     <p:spTree>
       <p:nvGrpSpPr>
@@ -8395,14 +7461,7 @@
             <a:pPr lvl="1"/>
             <a:r>
               <a:rPr lang="en-US" dirty="0"/>
-              <a:t>This leads to the same forces acting on the body for less displacement</a:t>
-            </a:r>
-          </a:p>
-          <a:p>
-            <a:pPr lvl="1"/>
-            <a:r>
-              <a:rPr lang="en-US" dirty="0"/>
-              <a:t>Is this an incorrect way of solving?</a:t>
+              <a:t>When solving BEM about a point other than the CG, Capytaine handles this!</a:t>
             </a:r>
           </a:p>
         </p:txBody>
@@ -8421,7 +7480,7 @@
 </file>
 
 <file path=ppt/slides/slide13.xml><?xml version="1.0" encoding="utf-8"?>
-<p:sld xmlns:a="http://schemas.openxmlformats.org/drawingml/2006/main" xmlns:r="http://schemas.openxmlformats.org/officeDocument/2006/relationships" xmlns:p="http://schemas.openxmlformats.org/presentationml/2006/main">
+<p:sld xmlns:a="http://schemas.openxmlformats.org/drawingml/2006/main" xmlns:r="http://schemas.openxmlformats.org/officeDocument/2006/relationships" xmlns:p="http://schemas.openxmlformats.org/presentationml/2006/main" show="0">
   <p:cSld>
     <p:spTree>
       <p:nvGrpSpPr>
@@ -8460,7 +7519,7 @@
           <a:p>
             <a:r>
               <a:rPr lang="en-US" dirty="0"/>
-              <a:t>Am I solving the FOSWEC incorrectly?</a:t>
+              <a:t>Am I solving the FOSWEC incorrectly? No</a:t>
             </a:r>
           </a:p>
         </p:txBody>
@@ -8524,14 +7583,14 @@
             <a:pPr lvl="1"/>
             <a:r>
               <a:rPr lang="en-US" dirty="0"/>
-              <a:t>This is likely because of lack of </a:t>
+              <a:t>This is because of lack of </a:t>
             </a:r>
             <a:br>
               <a:rPr lang="en-US" dirty="0"/>
             </a:br>
             <a:r>
               <a:rPr lang="en-US" dirty="0"/>
-              <a:t>constraints on surge/heave</a:t>
+              <a:t>constraints on surge/heave!!!!</a:t>
             </a:r>
           </a:p>
           <a:p>
@@ -8750,7 +7809,7 @@
 </file>
 
 <file path=ppt/slides/slide14.xml><?xml version="1.0" encoding="utf-8"?>
-<p:sld xmlns:a="http://schemas.openxmlformats.org/drawingml/2006/main" xmlns:r="http://schemas.openxmlformats.org/officeDocument/2006/relationships" xmlns:p="http://schemas.openxmlformats.org/presentationml/2006/main">
+<p:sld xmlns:a="http://schemas.openxmlformats.org/drawingml/2006/main" xmlns:r="http://schemas.openxmlformats.org/officeDocument/2006/relationships" xmlns:p="http://schemas.openxmlformats.org/presentationml/2006/main" show="0">
   <p:cSld>
     <p:spTree>
       <p:nvGrpSpPr>
@@ -8771,7 +7830,7 @@
           <p:cNvPr id="2" name="Title 1">
             <a:extLst>
               <a:ext uri="{FF2B5EF4-FFF2-40B4-BE49-F238E27FC236}">
-                <a16:creationId xmlns:a16="http://schemas.microsoft.com/office/drawing/2014/main" id="{B10E8190-0056-A6FA-74D0-25930DB670F2}"/>
+                <a16:creationId xmlns:a16="http://schemas.microsoft.com/office/drawing/2014/main" id="{78A28E3F-B8F9-B009-EAD9-D865DAB48D75}"/>
               </a:ext>
             </a:extLst>
           </p:cNvPr>
@@ -8789,359 +7848,8 @@
           <a:p>
             <a:r>
               <a:rPr lang="en-US" dirty="0"/>
-              <a:t>Adding inverse kinematics matrix separate from kinematics matrix</a:t>
-            </a:r>
-          </a:p>
-        </p:txBody>
-      </p:sp>
-      <mc:AlternateContent xmlns:mc="http://schemas.openxmlformats.org/markup-compatibility/2006" xmlns:a14="http://schemas.microsoft.com/office/drawing/2010/main">
-        <mc:Choice Requires="a14">
-          <p:sp>
-            <p:nvSpPr>
-              <p:cNvPr id="3" name="Content Placeholder 2">
-                <a:extLst>
-                  <a:ext uri="{FF2B5EF4-FFF2-40B4-BE49-F238E27FC236}">
-                    <a16:creationId xmlns:a16="http://schemas.microsoft.com/office/drawing/2014/main" id="{80A5C004-00D3-0424-BB74-AF4A6AEB72CC}"/>
-                  </a:ext>
-                </a:extLst>
-              </p:cNvPr>
-              <p:cNvSpPr>
-                <a:spLocks noGrp="1"/>
-              </p:cNvSpPr>
-              <p:nvPr>
-                <p:ph idx="1"/>
-              </p:nvPr>
-            </p:nvSpPr>
-            <p:spPr/>
-            <p:txBody>
-              <a:bodyPr/>
-              <a:lstStyle/>
-              <a:p>
-                <a14:m>
-                  <m:oMath xmlns:m="http://schemas.openxmlformats.org/officeDocument/2006/math">
-                    <m:d>
-                      <m:dPr>
-                        <m:begChr m:val="["/>
-                        <m:endChr m:val="]"/>
-                        <m:ctrlPr>
-                          <a:rPr lang="en-US" sz="2800" i="1" smtClean="0">
-                            <a:latin typeface="Cambria Math" panose="02040503050406030204" pitchFamily="18" charset="0"/>
-                          </a:rPr>
-                        </m:ctrlPr>
-                      </m:dPr>
-                      <m:e>
-                        <m:m>
-                          <m:mPr>
-                            <m:mcs>
-                              <m:mc>
-                                <m:mcPr>
-                                  <m:count m:val="1"/>
-                                  <m:mcJc m:val="center"/>
-                                </m:mcPr>
-                              </m:mc>
-                            </m:mcs>
-                            <m:ctrlPr>
-                              <a:rPr lang="en-US" sz="2800" i="1">
-                                <a:latin typeface="Cambria Math" panose="02040503050406030204" pitchFamily="18" charset="0"/>
-                              </a:rPr>
-                            </m:ctrlPr>
-                          </m:mPr>
-                          <m:mr>
-                            <m:e>
-                              <m:sSub>
-                                <m:sSubPr>
-                                  <m:ctrlPr>
-                                    <a:rPr lang="en-US" sz="2800" b="0" i="1" smtClean="0">
-                                      <a:latin typeface="Cambria Math" panose="02040503050406030204" pitchFamily="18" charset="0"/>
-                                    </a:rPr>
-                                  </m:ctrlPr>
-                                </m:sSubPr>
-                                <m:e>
-                                  <m:r>
-                                    <m:rPr>
-                                      <m:brk m:alnAt="7"/>
-                                    </m:rPr>
-                                    <a:rPr lang="en-US" sz="2800" b="0" i="1" smtClean="0">
-                                      <a:latin typeface="Cambria Math" panose="02040503050406030204" pitchFamily="18" charset="0"/>
-                                    </a:rPr>
-                                    <m:t>𝐹</m:t>
-                                  </m:r>
-                                </m:e>
-                                <m:sub>
-                                  <m:r>
-                                    <m:rPr>
-                                      <m:brk m:alnAt="7"/>
-                                    </m:rPr>
-                                    <a:rPr lang="en-US" sz="2800" b="0" i="1" smtClean="0">
-                                      <a:latin typeface="Cambria Math" panose="02040503050406030204" pitchFamily="18" charset="0"/>
-                                    </a:rPr>
-                                    <m:t>𝑧</m:t>
-                                  </m:r>
-                                  <m:r>
-                                    <a:rPr lang="en-US" sz="2800" b="0" i="1" smtClean="0">
-                                      <a:latin typeface="Cambria Math" panose="02040503050406030204" pitchFamily="18" charset="0"/>
-                                    </a:rPr>
-                                    <m:t>1</m:t>
-                                  </m:r>
-                                </m:sub>
-                              </m:sSub>
-                            </m:e>
-                          </m:mr>
-                          <m:mr>
-                            <m:e>
-                              <m:sSub>
-                                <m:sSubPr>
-                                  <m:ctrlPr>
-                                    <a:rPr lang="en-US" sz="2800" b="0" i="1" smtClean="0">
-                                      <a:latin typeface="Cambria Math" panose="02040503050406030204" pitchFamily="18" charset="0"/>
-                                    </a:rPr>
-                                  </m:ctrlPr>
-                                </m:sSubPr>
-                                <m:e>
-                                  <m:r>
-                                    <a:rPr lang="en-US" sz="2800" b="0" i="1" smtClean="0">
-                                      <a:latin typeface="Cambria Math" panose="02040503050406030204" pitchFamily="18" charset="0"/>
-                                    </a:rPr>
-                                    <m:t>𝜏</m:t>
-                                  </m:r>
-                                </m:e>
-                                <m:sub>
-                                  <m:r>
-                                    <a:rPr lang="en-US" sz="2800" b="0" i="1" smtClean="0">
-                                      <a:latin typeface="Cambria Math" panose="02040503050406030204" pitchFamily="18" charset="0"/>
-                                    </a:rPr>
-                                    <m:t>𝜃</m:t>
-                                  </m:r>
-                                  <m:r>
-                                    <a:rPr lang="en-US" sz="2800" b="0" i="1" smtClean="0">
-                                      <a:latin typeface="Cambria Math" panose="02040503050406030204" pitchFamily="18" charset="0"/>
-                                    </a:rPr>
-                                    <m:t>1</m:t>
-                                  </m:r>
-                                </m:sub>
-                              </m:sSub>
-                            </m:e>
-                          </m:mr>
-                        </m:m>
-                      </m:e>
-                    </m:d>
-                    <m:r>
-                      <a:rPr lang="en-US" sz="2800" b="0" i="1" smtClean="0">
-                        <a:latin typeface="Cambria Math" panose="02040503050406030204" pitchFamily="18" charset="0"/>
-                      </a:rPr>
-                      <m:t>=</m:t>
-                    </m:r>
-                    <m:d>
-                      <m:dPr>
-                        <m:begChr m:val="["/>
-                        <m:endChr m:val="]"/>
-                        <m:ctrlPr>
-                          <a:rPr lang="en-US" sz="2800" b="0" i="1" smtClean="0">
-                            <a:latin typeface="Cambria Math" panose="02040503050406030204" pitchFamily="18" charset="0"/>
-                          </a:rPr>
-                        </m:ctrlPr>
-                      </m:dPr>
-                      <m:e>
-                        <m:m>
-                          <m:mPr>
-                            <m:mcs>
-                              <m:mc>
-                                <m:mcPr>
-                                  <m:count m:val="1"/>
-                                  <m:mcJc m:val="center"/>
-                                </m:mcPr>
-                              </m:mc>
-                            </m:mcs>
-                            <m:ctrlPr>
-                              <a:rPr lang="en-US" sz="2800" b="0" i="1" smtClean="0">
-                                <a:latin typeface="Cambria Math" panose="02040503050406030204" pitchFamily="18" charset="0"/>
-                              </a:rPr>
-                            </m:ctrlPr>
-                          </m:mPr>
-                          <m:mr>
-                            <m:e>
-                              <m:f>
-                                <m:fPr>
-                                  <m:ctrlPr>
-                                    <a:rPr lang="en-US" sz="2800" b="0" i="1" smtClean="0">
-                                      <a:latin typeface="Cambria Math" panose="02040503050406030204" pitchFamily="18" charset="0"/>
-                                    </a:rPr>
-                                  </m:ctrlPr>
-                                </m:fPr>
-                                <m:num>
-                                  <m:r>
-                                    <a:rPr lang="en-US" sz="2800" b="0" i="1" smtClean="0">
-                                      <a:latin typeface="Cambria Math" panose="02040503050406030204" pitchFamily="18" charset="0"/>
-                                    </a:rPr>
-                                    <m:t>−1</m:t>
-                                  </m:r>
-                                </m:num>
-                                <m:den>
-                                  <m:r>
-                                    <m:rPr>
-                                      <m:brk m:alnAt="7"/>
-                                    </m:rPr>
-                                    <a:rPr lang="en-US" sz="2800" b="0" i="1" smtClean="0">
-                                      <a:latin typeface="Cambria Math" panose="02040503050406030204" pitchFamily="18" charset="0"/>
-                                    </a:rPr>
-                                    <m:t>𝑑</m:t>
-                                  </m:r>
-                                </m:den>
-                              </m:f>
-                            </m:e>
-                          </m:mr>
-                          <m:mr>
-                            <m:e>
-                              <m:r>
-                                <a:rPr lang="en-US" sz="2800" b="0" i="1" smtClean="0">
-                                  <a:latin typeface="Cambria Math" panose="02040503050406030204" pitchFamily="18" charset="0"/>
-                                </a:rPr>
-                                <m:t>1</m:t>
-                              </m:r>
-                            </m:e>
-                          </m:mr>
-                        </m:m>
-                      </m:e>
-                    </m:d>
-                    <m:sSub>
-                      <m:sSubPr>
-                        <m:ctrlPr>
-                          <a:rPr lang="en-US" sz="2800" i="1">
-                            <a:latin typeface="Cambria Math" panose="02040503050406030204" pitchFamily="18" charset="0"/>
-                          </a:rPr>
-                        </m:ctrlPr>
-                      </m:sSubPr>
-                      <m:e>
-                        <m:r>
-                          <a:rPr lang="en-US" sz="2800" b="0" i="1" smtClean="0">
-                            <a:latin typeface="Cambria Math" panose="02040503050406030204" pitchFamily="18" charset="0"/>
-                          </a:rPr>
-                          <m:t>𝜏</m:t>
-                        </m:r>
-                      </m:e>
-                      <m:sub>
-                        <m:r>
-                          <a:rPr lang="en-US" sz="2800" i="1">
-                            <a:latin typeface="Cambria Math" panose="02040503050406030204" pitchFamily="18" charset="0"/>
-                          </a:rPr>
-                          <m:t>𝑃𝑇𝑂</m:t>
-                        </m:r>
-                      </m:sub>
-                    </m:sSub>
-                  </m:oMath>
-                </a14:m>
-                <a:endParaRPr lang="en-US" sz="2800" dirty="0"/>
-              </a:p>
-              <a:p>
-                <a:r>
-                  <a:rPr lang="en-US" dirty="0"/>
-                  <a:t>Rewriting </a:t>
-                </a:r>
-                <a:r>
-                  <a:rPr lang="en-US" dirty="0" err="1"/>
-                  <a:t>pto</a:t>
-                </a:r>
-                <a:r>
-                  <a:rPr lang="en-US" dirty="0"/>
-                  <a:t> class to account for inverse kinematics matrix</a:t>
-                </a:r>
-                <a:endParaRPr lang="en-US" sz="2800" dirty="0"/>
-              </a:p>
-            </p:txBody>
-          </p:sp>
-        </mc:Choice>
-        <mc:Fallback xmlns="">
-          <p:sp>
-            <p:nvSpPr>
-              <p:cNvPr id="3" name="Content Placeholder 2">
-                <a:extLst>
-                  <a:ext uri="{FF2B5EF4-FFF2-40B4-BE49-F238E27FC236}">
-                    <a16:creationId xmlns:a16="http://schemas.microsoft.com/office/drawing/2014/main" id="{80A5C004-00D3-0424-BB74-AF4A6AEB72CC}"/>
-                  </a:ext>
-                </a:extLst>
-              </p:cNvPr>
-              <p:cNvSpPr>
-                <a:spLocks noGrp="1" noRot="1" noChangeAspect="1" noMove="1" noResize="1" noEditPoints="1" noAdjustHandles="1" noChangeArrowheads="1" noChangeShapeType="1" noTextEdit="1"/>
-              </p:cNvSpPr>
-              <p:nvPr>
-                <p:ph idx="1"/>
-              </p:nvPr>
-            </p:nvSpPr>
-            <p:spPr>
-              <a:blipFill>
-                <a:blip r:embed="rId2"/>
-                <a:stretch>
-                  <a:fillRect l="-1043"/>
-                </a:stretch>
-              </a:blipFill>
-            </p:spPr>
-            <p:txBody>
-              <a:bodyPr/>
-              <a:lstStyle/>
-              <a:p>
-                <a:r>
-                  <a:rPr lang="en-US">
-                    <a:noFill/>
-                  </a:rPr>
-                  <a:t> </a:t>
-                </a:r>
-              </a:p>
-            </p:txBody>
-          </p:sp>
-        </mc:Fallback>
-      </mc:AlternateContent>
-    </p:spTree>
-    <p:extLst>
-      <p:ext uri="{BB962C8B-B14F-4D97-AF65-F5344CB8AC3E}">
-        <p14:creationId xmlns:p14="http://schemas.microsoft.com/office/powerpoint/2010/main" val="1272466366"/>
-      </p:ext>
-    </p:extLst>
-  </p:cSld>
-  <p:clrMapOvr>
-    <a:masterClrMapping/>
-  </p:clrMapOvr>
-</p:sld>
-</file>
-
-<file path=ppt/slides/slide15.xml><?xml version="1.0" encoding="utf-8"?>
-<p:sld xmlns:a="http://schemas.openxmlformats.org/drawingml/2006/main" xmlns:r="http://schemas.openxmlformats.org/officeDocument/2006/relationships" xmlns:p="http://schemas.openxmlformats.org/presentationml/2006/main">
-  <p:cSld>
-    <p:spTree>
-      <p:nvGrpSpPr>
-        <p:cNvPr id="1" name=""/>
-        <p:cNvGrpSpPr/>
-        <p:nvPr/>
-      </p:nvGrpSpPr>
-      <p:grpSpPr>
-        <a:xfrm>
-          <a:off x="0" y="0"/>
-          <a:ext cx="0" cy="0"/>
-          <a:chOff x="0" y="0"/>
-          <a:chExt cx="0" cy="0"/>
-        </a:xfrm>
-      </p:grpSpPr>
-      <p:sp>
-        <p:nvSpPr>
-          <p:cNvPr id="2" name="Title 1">
-            <a:extLst>
-              <a:ext uri="{FF2B5EF4-FFF2-40B4-BE49-F238E27FC236}">
-                <a16:creationId xmlns:a16="http://schemas.microsoft.com/office/drawing/2014/main" id="{C98C8FC7-E702-7EB1-5070-1E8AA9788A06}"/>
-              </a:ext>
-            </a:extLst>
-          </p:cNvPr>
-          <p:cNvSpPr>
-            <a:spLocks noGrp="1"/>
-          </p:cNvSpPr>
-          <p:nvPr>
-            <p:ph type="title"/>
-          </p:nvPr>
-        </p:nvSpPr>
-        <p:spPr/>
-        <p:txBody>
-          <a:bodyPr/>
-          <a:lstStyle/>
-          <a:p>
-            <a:endParaRPr lang="en-US" dirty="0"/>
+              <a:t>Try prescribing heave position</a:t>
+            </a:r>
           </a:p>
         </p:txBody>
       </p:sp>
@@ -9150,7 +7858,7 @@
           <p:cNvPr id="3" name="Content Placeholder 2">
             <a:extLst>
               <a:ext uri="{FF2B5EF4-FFF2-40B4-BE49-F238E27FC236}">
-                <a16:creationId xmlns:a16="http://schemas.microsoft.com/office/drawing/2014/main" id="{06C0F535-B0D8-EA8D-79DA-5C55B171EBE3}"/>
+                <a16:creationId xmlns:a16="http://schemas.microsoft.com/office/drawing/2014/main" id="{6E53D2DF-DEBB-5E1E-8F7D-F196DAA01481}"/>
               </a:ext>
             </a:extLst>
           </p:cNvPr>
@@ -9168,261 +7876,58 @@
           <a:p>
             <a:r>
               <a:rPr lang="en-US" dirty="0"/>
-              <a:t>Maybe instead I need to prescribe heave motion?</a:t>
-            </a:r>
-          </a:p>
-          <a:p>
+              <a:t>Can I replace the residual to include only pitch?</a:t>
+            </a:r>
+          </a:p>
+          <a:p>
+            <a:pPr lvl="1"/>
             <a:r>
               <a:rPr lang="en-US" dirty="0"/>
-              <a:t>If I model the system in WEC-Sim, what is the heave force?</a:t>
+              <a:t>Yes, I did this successfully</a:t>
+            </a:r>
+          </a:p>
+          <a:p>
+            <a:r>
+              <a:rPr lang="en-US" dirty="0"/>
+              <a:t>Now, can I make heave residual just a component </a:t>
+            </a:r>
+            <a:br>
+              <a:rPr lang="en-US" dirty="0"/>
+            </a:br>
+            <a:r>
+              <a:rPr lang="en-US" dirty="0"/>
+              <a:t>based on pitch instead?</a:t>
             </a:r>
           </a:p>
           <a:p>
             <a:pPr lvl="1"/>
             <a:r>
               <a:rPr lang="en-US" dirty="0"/>
-              <a:t>Is it equal to the inverse kinematics? Probably not quite due to constraints</a:t>
+              <a:t>Maybe heave can just be an afterthought and pitch is </a:t>
             </a:r>
           </a:p>
           <a:p>
             <a:pPr lvl="1"/>
             <a:r>
               <a:rPr lang="en-US" dirty="0"/>
-              <a:t>Are there constraint forces acting in heave? I think so when not at equilibrium?</a:t>
-            </a:r>
-          </a:p>
-        </p:txBody>
-      </p:sp>
-    </p:spTree>
-    <p:extLst>
-      <p:ext uri="{BB962C8B-B14F-4D97-AF65-F5344CB8AC3E}">
-        <p14:creationId xmlns:p14="http://schemas.microsoft.com/office/powerpoint/2010/main" val="2302958258"/>
-      </p:ext>
-    </p:extLst>
-  </p:cSld>
-  <p:clrMapOvr>
-    <a:masterClrMapping/>
-  </p:clrMapOvr>
-</p:sld>
-</file>
-
-<file path=ppt/slides/slide16.xml><?xml version="1.0" encoding="utf-8"?>
-<p:sld xmlns:a="http://schemas.openxmlformats.org/drawingml/2006/main" xmlns:r="http://schemas.openxmlformats.org/officeDocument/2006/relationships" xmlns:p="http://schemas.openxmlformats.org/presentationml/2006/main">
-  <p:cSld>
-    <p:spTree>
-      <p:nvGrpSpPr>
-        <p:cNvPr id="1" name=""/>
-        <p:cNvGrpSpPr/>
-        <p:nvPr/>
-      </p:nvGrpSpPr>
-      <p:grpSpPr>
-        <a:xfrm>
-          <a:off x="0" y="0"/>
-          <a:ext cx="0" cy="0"/>
-          <a:chOff x="0" y="0"/>
-          <a:chExt cx="0" cy="0"/>
-        </a:xfrm>
-      </p:grpSpPr>
-      <p:sp>
-        <p:nvSpPr>
-          <p:cNvPr id="2" name="Title 1">
-            <a:extLst>
-              <a:ext uri="{FF2B5EF4-FFF2-40B4-BE49-F238E27FC236}">
-                <a16:creationId xmlns:a16="http://schemas.microsoft.com/office/drawing/2014/main" id="{27F1E7A4-655D-C3EF-217B-D1F3DF9CC15E}"/>
-              </a:ext>
-            </a:extLst>
-          </p:cNvPr>
-          <p:cNvSpPr>
-            <a:spLocks noGrp="1"/>
-          </p:cNvSpPr>
-          <p:nvPr>
-            <p:ph type="title"/>
-          </p:nvPr>
-        </p:nvSpPr>
-        <p:spPr/>
-        <p:txBody>
-          <a:bodyPr/>
-          <a:lstStyle/>
-          <a:p>
+              <a:t>Forces converted to PTO location, then .</a:t>
+            </a:r>
+          </a:p>
+          <a:p>
+            <a:pPr lvl="2"/>
             <a:r>
               <a:rPr lang="en-US" dirty="0"/>
-              <a:t>Set up 2 body case</a:t>
-            </a:r>
-          </a:p>
-        </p:txBody>
-      </p:sp>
-      <p:sp>
-        <p:nvSpPr>
-          <p:cNvPr id="3" name="Content Placeholder 2">
-            <a:extLst>
-              <a:ext uri="{FF2B5EF4-FFF2-40B4-BE49-F238E27FC236}">
-                <a16:creationId xmlns:a16="http://schemas.microsoft.com/office/drawing/2014/main" id="{502076C7-1B9A-9C96-5F6A-F47F7296D8FD}"/>
-              </a:ext>
-            </a:extLst>
-          </p:cNvPr>
-          <p:cNvSpPr>
-            <a:spLocks noGrp="1"/>
-          </p:cNvSpPr>
-          <p:nvPr>
-            <p:ph idx="1"/>
-          </p:nvPr>
-        </p:nvSpPr>
-        <p:spPr/>
-        <p:txBody>
-          <a:bodyPr/>
-          <a:lstStyle/>
+              <a:t>We def need another state variable so force of the waves can depend on both heave and pitch</a:t>
+            </a:r>
+          </a:p>
           <a:p>
             <a:r>
               <a:rPr lang="en-US" dirty="0"/>
-              <a:t>If we set up a 2 body case, can we just resolve the dynamics about the PTO location?</a:t>
-            </a:r>
-          </a:p>
-          <a:p>
-            <a:pPr lvl="1"/>
-            <a:r>
-              <a:rPr lang="en-US" dirty="0"/>
-              <a:t>No, we need to solve BEM at the cg, then when we apply forces, apply them about the </a:t>
-            </a:r>
-            <a:r>
-              <a:rPr lang="en-US" dirty="0" err="1"/>
-              <a:t>pto</a:t>
-            </a:r>
-            <a:r>
-              <a:rPr lang="en-US" dirty="0"/>
-              <a:t> location</a:t>
-            </a:r>
-          </a:p>
-          <a:p>
-            <a:pPr lvl="1"/>
+              <a:t>Try to run and resolve issues</a:t>
+            </a:r>
+          </a:p>
+          <a:p>
             <a:endParaRPr lang="en-US" dirty="0"/>
-          </a:p>
-        </p:txBody>
-      </p:sp>
-    </p:spTree>
-    <p:extLst>
-      <p:ext uri="{BB962C8B-B14F-4D97-AF65-F5344CB8AC3E}">
-        <p14:creationId xmlns:p14="http://schemas.microsoft.com/office/powerpoint/2010/main" val="3831275330"/>
-      </p:ext>
-    </p:extLst>
-  </p:cSld>
-  <p:clrMapOvr>
-    <a:masterClrMapping/>
-  </p:clrMapOvr>
-</p:sld>
-</file>
-
-<file path=ppt/slides/slide17.xml><?xml version="1.0" encoding="utf-8"?>
-<p:sld xmlns:a="http://schemas.openxmlformats.org/drawingml/2006/main" xmlns:r="http://schemas.openxmlformats.org/officeDocument/2006/relationships" xmlns:p="http://schemas.openxmlformats.org/presentationml/2006/main">
-  <p:cSld>
-    <p:spTree>
-      <p:nvGrpSpPr>
-        <p:cNvPr id="1" name=""/>
-        <p:cNvGrpSpPr/>
-        <p:nvPr/>
-      </p:nvGrpSpPr>
-      <p:grpSpPr>
-        <a:xfrm>
-          <a:off x="0" y="0"/>
-          <a:ext cx="0" cy="0"/>
-          <a:chOff x="0" y="0"/>
-          <a:chExt cx="0" cy="0"/>
-        </a:xfrm>
-      </p:grpSpPr>
-      <p:sp>
-        <p:nvSpPr>
-          <p:cNvPr id="2" name="Title 1">
-            <a:extLst>
-              <a:ext uri="{FF2B5EF4-FFF2-40B4-BE49-F238E27FC236}">
-                <a16:creationId xmlns:a16="http://schemas.microsoft.com/office/drawing/2014/main" id="{C98C8FC7-E702-7EB1-5070-1E8AA9788A06}"/>
-              </a:ext>
-            </a:extLst>
-          </p:cNvPr>
-          <p:cNvSpPr>
-            <a:spLocks noGrp="1"/>
-          </p:cNvSpPr>
-          <p:nvPr>
-            <p:ph type="title"/>
-          </p:nvPr>
-        </p:nvSpPr>
-        <p:spPr>
-          <a:xfrm>
-            <a:off x="838200" y="116551"/>
-            <a:ext cx="10515600" cy="1325563"/>
-          </a:xfrm>
-        </p:spPr>
-        <p:txBody>
-          <a:bodyPr/>
-          <a:lstStyle/>
-          <a:p>
-            <a:r>
-              <a:rPr lang="en-US" dirty="0"/>
-              <a:t>WEC-Sim model?</a:t>
-            </a:r>
-          </a:p>
-        </p:txBody>
-      </p:sp>
-      <p:sp>
-        <p:nvSpPr>
-          <p:cNvPr id="3" name="Content Placeholder 2">
-            <a:extLst>
-              <a:ext uri="{FF2B5EF4-FFF2-40B4-BE49-F238E27FC236}">
-                <a16:creationId xmlns:a16="http://schemas.microsoft.com/office/drawing/2014/main" id="{06C0F535-B0D8-EA8D-79DA-5C55B171EBE3}"/>
-              </a:ext>
-            </a:extLst>
-          </p:cNvPr>
-          <p:cNvSpPr>
-            <a:spLocks noGrp="1"/>
-          </p:cNvSpPr>
-          <p:nvPr>
-            <p:ph idx="1"/>
-          </p:nvPr>
-        </p:nvSpPr>
-        <p:spPr>
-          <a:xfrm>
-            <a:off x="838200" y="1442114"/>
-            <a:ext cx="7542320" cy="4967564"/>
-          </a:xfrm>
-        </p:spPr>
-        <p:txBody>
-          <a:bodyPr/>
-          <a:lstStyle/>
-          <a:p>
-            <a:r>
-              <a:rPr lang="en-US" dirty="0"/>
-              <a:t>If I model the system in WEC-Sim, what is the heave force?</a:t>
-            </a:r>
-          </a:p>
-          <a:p>
-            <a:pPr lvl="1"/>
-            <a:r>
-              <a:rPr lang="en-US" dirty="0"/>
-              <a:t>Is it equal to the inverse kinematics? Probably not quite due to constraints</a:t>
-            </a:r>
-          </a:p>
-          <a:p>
-            <a:pPr lvl="1"/>
-            <a:r>
-              <a:rPr lang="en-US" dirty="0"/>
-              <a:t>Are there constraint forces acting in heave? I think so when not at equilibrium?</a:t>
-            </a:r>
-          </a:p>
-          <a:p>
-            <a:r>
-              <a:rPr lang="en-US" dirty="0"/>
-              <a:t>PTO has internal mechanics forces only in pitch</a:t>
-            </a:r>
-          </a:p>
-          <a:p>
-            <a:r>
-              <a:rPr lang="en-US" dirty="0"/>
-              <a:t>But, it has constraint forces in other directions</a:t>
-            </a:r>
-          </a:p>
-          <a:p>
-            <a:r>
-              <a:rPr lang="en-US" dirty="0"/>
-              <a:t>Constraint on body is a bit bigger than PTO constraint force</a:t>
-            </a:r>
           </a:p>
         </p:txBody>
       </p:sp>
@@ -9431,7 +7936,7 @@
           <p:cNvPr id="5" name="Picture 4">
             <a:extLst>
               <a:ext uri="{FF2B5EF4-FFF2-40B4-BE49-F238E27FC236}">
-                <a16:creationId xmlns:a16="http://schemas.microsoft.com/office/drawing/2014/main" id="{C6FACFB5-6BB0-E56C-BAA3-41D5F7F3ACC8}"/>
+                <a16:creationId xmlns:a16="http://schemas.microsoft.com/office/drawing/2014/main" id="{0E8D28F2-F88E-37AB-698F-DECD1131C053}"/>
               </a:ext>
             </a:extLst>
           </p:cNvPr>
@@ -9448,8 +7953,8 @@
         </p:blipFill>
         <p:spPr>
           <a:xfrm>
-            <a:off x="7960310" y="264489"/>
-            <a:ext cx="3983115" cy="2987336"/>
+            <a:off x="8338453" y="1825625"/>
+            <a:ext cx="3238666" cy="1257365"/>
           </a:xfrm>
           <a:prstGeom prst="rect">
             <a:avLst/>
@@ -9459,7 +7964,7 @@
     </p:spTree>
     <p:extLst>
       <p:ext uri="{BB962C8B-B14F-4D97-AF65-F5344CB8AC3E}">
-        <p14:creationId xmlns:p14="http://schemas.microsoft.com/office/powerpoint/2010/main" val="665967443"/>
+        <p14:creationId xmlns:p14="http://schemas.microsoft.com/office/powerpoint/2010/main" val="657355495"/>
       </p:ext>
     </p:extLst>
   </p:cSld>
@@ -9469,8 +7974,8 @@
 </p:sld>
 </file>
 
-<file path=ppt/slides/slide18.xml><?xml version="1.0" encoding="utf-8"?>
-<p:sld xmlns:a="http://schemas.openxmlformats.org/drawingml/2006/main" xmlns:r="http://schemas.openxmlformats.org/officeDocument/2006/relationships" xmlns:p="http://schemas.openxmlformats.org/presentationml/2006/main">
+<file path=ppt/slides/slide15.xml><?xml version="1.0" encoding="utf-8"?>
+<p:sld xmlns:a="http://schemas.openxmlformats.org/drawingml/2006/main" xmlns:r="http://schemas.openxmlformats.org/officeDocument/2006/relationships" xmlns:p="http://schemas.openxmlformats.org/presentationml/2006/main" show="0">
   <p:cSld>
     <p:spTree>
       <p:nvGrpSpPr>
@@ -9686,8 +8191,8 @@
 </p:sld>
 </file>
 
-<file path=ppt/slides/slide19.xml><?xml version="1.0" encoding="utf-8"?>
-<p:sld xmlns:a="http://schemas.openxmlformats.org/drawingml/2006/main" xmlns:r="http://schemas.openxmlformats.org/officeDocument/2006/relationships" xmlns:p="http://schemas.openxmlformats.org/presentationml/2006/main">
+<file path=ppt/slides/slide16.xml><?xml version="1.0" encoding="utf-8"?>
+<p:sld xmlns:a="http://schemas.openxmlformats.org/drawingml/2006/main" xmlns:r="http://schemas.openxmlformats.org/officeDocument/2006/relationships" xmlns:p="http://schemas.openxmlformats.org/presentationml/2006/main" show="0">
   <p:cSld>
     <p:spTree>
       <p:nvGrpSpPr>
@@ -9843,8 +8348,8 @@
 </p:sld>
 </file>
 
-<file path=ppt/slides/slide2.xml><?xml version="1.0" encoding="utf-8"?>
-<p:sld xmlns:a="http://schemas.openxmlformats.org/drawingml/2006/main" xmlns:r="http://schemas.openxmlformats.org/officeDocument/2006/relationships" xmlns:p="http://schemas.openxmlformats.org/presentationml/2006/main">
+<file path=ppt/slides/slide17.xml><?xml version="1.0" encoding="utf-8"?>
+<p:sld xmlns:a="http://schemas.openxmlformats.org/drawingml/2006/main" xmlns:r="http://schemas.openxmlformats.org/officeDocument/2006/relationships" xmlns:p="http://schemas.openxmlformats.org/presentationml/2006/main" show="0">
   <p:cSld>
     <p:spTree>
       <p:nvGrpSpPr>
@@ -9865,7 +8370,7 @@
           <p:cNvPr id="2" name="Title 1">
             <a:extLst>
               <a:ext uri="{FF2B5EF4-FFF2-40B4-BE49-F238E27FC236}">
-                <a16:creationId xmlns:a16="http://schemas.microsoft.com/office/drawing/2014/main" id="{2F0298EF-919A-1D84-80D2-7277D85E7698}"/>
+                <a16:creationId xmlns:a16="http://schemas.microsoft.com/office/drawing/2014/main" id="{CEE6E447-B08C-BAA2-6A68-5C973F306CD0}"/>
               </a:ext>
             </a:extLst>
           </p:cNvPr>
@@ -9883,884 +8388,26 @@
           <a:p>
             <a:r>
               <a:rPr lang="en-US" dirty="0"/>
-              <a:t>Including heave?</a:t>
-            </a:r>
-          </a:p>
-        </p:txBody>
-      </p:sp>
-      <p:sp>
-        <p:nvSpPr>
-          <p:cNvPr id="3" name="Content Placeholder 2">
-            <a:extLst>
-              <a:ext uri="{FF2B5EF4-FFF2-40B4-BE49-F238E27FC236}">
-                <a16:creationId xmlns:a16="http://schemas.microsoft.com/office/drawing/2014/main" id="{F5EE5CD2-03A2-FBB2-C7A8-44A85C9E0067}"/>
-              </a:ext>
-            </a:extLst>
-          </p:cNvPr>
-          <p:cNvSpPr>
-            <a:spLocks noGrp="1"/>
-          </p:cNvSpPr>
-          <p:nvPr>
-            <p:ph idx="1"/>
-          </p:nvPr>
-        </p:nvSpPr>
-        <p:spPr>
-          <a:xfrm>
-            <a:off x="838200" y="1825624"/>
-            <a:ext cx="10515600" cy="4788239"/>
-          </a:xfrm>
-        </p:spPr>
-        <p:txBody>
-          <a:bodyPr>
-            <a:normAutofit/>
-          </a:bodyPr>
-          <a:lstStyle/>
-          <a:p>
-            <a:pPr marL="0" indent="0">
-              <a:buNone/>
-            </a:pPr>
-            <a:r>
-              <a:rPr lang="en-US" dirty="0"/>
-              <a:t>The whole point of including heave would be to have accurate hydrodynamics, but I think the hydrodynamics would still be inaccurate because the pitch hydrodynamics are solved about a stationary point, but the PTO point is translating in reality</a:t>
-            </a:r>
-          </a:p>
-          <a:p>
-            <a:r>
-              <a:rPr lang="en-US" dirty="0"/>
-              <a:t>Even if we include heave, the pitch hydrostatics are still based on a stationary PTO so are inaccurate.</a:t>
-            </a:r>
-          </a:p>
-          <a:p>
-            <a:pPr marL="0" indent="0">
-              <a:buNone/>
-            </a:pPr>
-            <a:r>
-              <a:rPr lang="en-US" dirty="0"/>
-              <a:t>How would WEC-Sim handle this problem?</a:t>
-            </a:r>
-          </a:p>
-          <a:p>
-            <a:r>
-              <a:rPr lang="en-US" dirty="0"/>
-              <a:t>Computes BEM about the center of gravity, then uses parallel axis theorem to translate forces to the point of rotation</a:t>
-            </a:r>
-          </a:p>
-          <a:p>
-            <a:r>
-              <a:rPr lang="en-US" dirty="0"/>
-              <a:t>Think about how to do this in WecOptTool</a:t>
-            </a:r>
-          </a:p>
-        </p:txBody>
-      </p:sp>
-    </p:spTree>
-    <p:extLst>
-      <p:ext uri="{BB962C8B-B14F-4D97-AF65-F5344CB8AC3E}">
-        <p14:creationId xmlns:p14="http://schemas.microsoft.com/office/powerpoint/2010/main" val="1051560904"/>
-      </p:ext>
-    </p:extLst>
-  </p:cSld>
-  <p:clrMapOvr>
-    <a:masterClrMapping/>
-  </p:clrMapOvr>
-</p:sld>
-</file>
-
-<file path=ppt/slides/slide3.xml><?xml version="1.0" encoding="utf-8"?>
-<p:sld xmlns:a="http://schemas.openxmlformats.org/drawingml/2006/main" xmlns:r="http://schemas.openxmlformats.org/officeDocument/2006/relationships" xmlns:p="http://schemas.openxmlformats.org/presentationml/2006/main">
-  <p:cSld>
-    <p:spTree>
-      <p:nvGrpSpPr>
-        <p:cNvPr id="1" name=""/>
-        <p:cNvGrpSpPr/>
-        <p:nvPr/>
-      </p:nvGrpSpPr>
-      <p:grpSpPr>
-        <a:xfrm>
-          <a:off x="0" y="0"/>
-          <a:ext cx="0" cy="0"/>
-          <a:chOff x="0" y="0"/>
-          <a:chExt cx="0" cy="0"/>
-        </a:xfrm>
-      </p:grpSpPr>
-      <p:sp>
-        <p:nvSpPr>
-          <p:cNvPr id="2" name="Title 1">
-            <a:extLst>
-              <a:ext uri="{FF2B5EF4-FFF2-40B4-BE49-F238E27FC236}">
-                <a16:creationId xmlns:a16="http://schemas.microsoft.com/office/drawing/2014/main" id="{AE8B36A1-F77C-F758-EB9D-D00CB832E1DF}"/>
-              </a:ext>
-            </a:extLst>
-          </p:cNvPr>
-          <p:cNvSpPr>
-            <a:spLocks noGrp="1"/>
-          </p:cNvSpPr>
-          <p:nvPr>
-            <p:ph type="title"/>
-          </p:nvPr>
-        </p:nvSpPr>
-        <p:spPr/>
-        <p:txBody>
-          <a:bodyPr/>
-          <a:lstStyle/>
-          <a:p>
-            <a:r>
-              <a:rPr lang="en-US" dirty="0"/>
-              <a:t>Hydrostatics</a:t>
-            </a:r>
-          </a:p>
-        </p:txBody>
-      </p:sp>
-      <p:sp>
-        <p:nvSpPr>
-          <p:cNvPr id="3" name="Content Placeholder 2">
-            <a:extLst>
-              <a:ext uri="{FF2B5EF4-FFF2-40B4-BE49-F238E27FC236}">
-                <a16:creationId xmlns:a16="http://schemas.microsoft.com/office/drawing/2014/main" id="{7ECA4C7C-61B4-1FBB-7C3E-6234C017D7B0}"/>
-              </a:ext>
-            </a:extLst>
-          </p:cNvPr>
-          <p:cNvSpPr>
-            <a:spLocks noGrp="1"/>
-          </p:cNvSpPr>
-          <p:nvPr>
-            <p:ph idx="1"/>
-          </p:nvPr>
-        </p:nvSpPr>
-        <p:spPr/>
-        <p:txBody>
-          <a:bodyPr/>
-          <a:lstStyle/>
-          <a:p>
-            <a:pPr marL="0" indent="0">
-              <a:buNone/>
-            </a:pPr>
-            <a:r>
-              <a:rPr lang="en-US" dirty="0"/>
-              <a:t>Do the hydrostatics take into account body position or just wave elevation?</a:t>
-            </a:r>
-          </a:p>
-          <a:p>
-            <a:r>
-              <a:rPr lang="en-US" dirty="0"/>
-              <a:t>In WEC-Sim it just uses wave elevation for linear hydrostatics</a:t>
-            </a:r>
-          </a:p>
-          <a:p>
-            <a:r>
-              <a:rPr lang="en-US" dirty="0"/>
-              <a:t>WecOptTool uses the transfer function defined as the hydrostatic stiffness from BEM to convert </a:t>
-            </a:r>
-            <a:r>
-              <a:rPr lang="en-US" dirty="0" err="1"/>
-              <a:t>x_wec</a:t>
-            </a:r>
-            <a:r>
-              <a:rPr lang="en-US" dirty="0"/>
-              <a:t> (</a:t>
-            </a:r>
-            <a:r>
-              <a:rPr lang="en-US" dirty="0" err="1"/>
-              <a:t>wec</a:t>
-            </a:r>
-            <a:r>
-              <a:rPr lang="en-US" dirty="0"/>
-              <a:t> position) to force in frequency domain</a:t>
-            </a:r>
-          </a:p>
-          <a:p>
-            <a:pPr lvl="1"/>
-            <a:r>
-              <a:rPr lang="en-US" dirty="0"/>
-              <a:t>Also just uses the body displacement</a:t>
-            </a:r>
-          </a:p>
-          <a:p>
-            <a:pPr lvl="1"/>
-            <a:r>
-              <a:rPr lang="en-US" dirty="0"/>
-              <a:t>But, this won’t be accurate if pitch is about a location that isn’t stationary</a:t>
-            </a:r>
-          </a:p>
-        </p:txBody>
-      </p:sp>
-    </p:spTree>
-    <p:extLst>
-      <p:ext uri="{BB962C8B-B14F-4D97-AF65-F5344CB8AC3E}">
-        <p14:creationId xmlns:p14="http://schemas.microsoft.com/office/powerpoint/2010/main" val="2388058262"/>
-      </p:ext>
-    </p:extLst>
-  </p:cSld>
-  <p:clrMapOvr>
-    <a:masterClrMapping/>
-  </p:clrMapOvr>
-</p:sld>
-</file>
-
-<file path=ppt/slides/slide4.xml><?xml version="1.0" encoding="utf-8"?>
-<p:sld xmlns:a="http://schemas.openxmlformats.org/drawingml/2006/main" xmlns:r="http://schemas.openxmlformats.org/officeDocument/2006/relationships" xmlns:p="http://schemas.openxmlformats.org/presentationml/2006/main">
-  <p:cSld>
-    <p:spTree>
-      <p:nvGrpSpPr>
-        <p:cNvPr id="1" name=""/>
-        <p:cNvGrpSpPr/>
-        <p:nvPr/>
-      </p:nvGrpSpPr>
-      <p:grpSpPr>
-        <a:xfrm>
-          <a:off x="0" y="0"/>
-          <a:ext cx="0" cy="0"/>
-          <a:chOff x="0" y="0"/>
-          <a:chExt cx="0" cy="0"/>
-        </a:xfrm>
-      </p:grpSpPr>
-      <p:sp>
-        <p:nvSpPr>
-          <p:cNvPr id="2" name="Title 1">
-            <a:extLst>
-              <a:ext uri="{FF2B5EF4-FFF2-40B4-BE49-F238E27FC236}">
-                <a16:creationId xmlns:a16="http://schemas.microsoft.com/office/drawing/2014/main" id="{E8796714-77A8-2256-8FDD-5828DE67523B}"/>
-              </a:ext>
-            </a:extLst>
-          </p:cNvPr>
-          <p:cNvSpPr>
-            <a:spLocks noGrp="1"/>
-          </p:cNvSpPr>
-          <p:nvPr>
-            <p:ph type="title"/>
-          </p:nvPr>
-        </p:nvSpPr>
-        <p:spPr/>
-        <p:txBody>
-          <a:bodyPr/>
-          <a:lstStyle/>
-          <a:p>
-            <a:r>
-              <a:rPr lang="en-US" dirty="0"/>
-              <a:t>How to apply parallel axis theorem in WecOptTool</a:t>
-            </a:r>
-          </a:p>
-        </p:txBody>
-      </p:sp>
-      <mc:AlternateContent xmlns:mc="http://schemas.openxmlformats.org/markup-compatibility/2006" xmlns:a14="http://schemas.microsoft.com/office/drawing/2010/main">
-        <mc:Choice Requires="a14">
-          <p:sp>
-            <p:nvSpPr>
-              <p:cNvPr id="3" name="Content Placeholder 2">
-                <a:extLst>
-                  <a:ext uri="{FF2B5EF4-FFF2-40B4-BE49-F238E27FC236}">
-                    <a16:creationId xmlns:a16="http://schemas.microsoft.com/office/drawing/2014/main" id="{B2C47865-2B66-323B-0FA4-F7B50C08B73D}"/>
-                  </a:ext>
-                </a:extLst>
-              </p:cNvPr>
-              <p:cNvSpPr>
-                <a:spLocks noGrp="1"/>
-              </p:cNvSpPr>
-              <p:nvPr>
-                <p:ph idx="1"/>
-              </p:nvPr>
-            </p:nvSpPr>
-            <p:spPr/>
-            <p:txBody>
-              <a:bodyPr/>
-              <a:lstStyle/>
-              <a:p>
-                <a:r>
-                  <a:rPr lang="en-US" dirty="0"/>
-                  <a:t>BEM is calculated about center of gravity</a:t>
-                </a:r>
-              </a:p>
-              <a:p>
-                <a:r>
-                  <a:rPr lang="en-US" dirty="0"/>
-                  <a:t>Forces about the PTO rotation point are pitch + heave*d</a:t>
-                </a:r>
-              </a:p>
-              <a:p>
-                <a:r>
-                  <a:rPr lang="en-US" dirty="0"/>
-                  <a:t>I can replace the “</a:t>
-                </a:r>
-                <a:r>
-                  <a:rPr lang="en-US" dirty="0" err="1"/>
-                  <a:t>standard_forces</a:t>
-                </a:r>
-                <a:r>
-                  <a:rPr lang="en-US" dirty="0"/>
-                  <a:t>” with “</a:t>
-                </a:r>
-                <a:r>
-                  <a:rPr lang="en-US" dirty="0" err="1"/>
-                  <a:t>f_add</a:t>
-                </a:r>
-                <a:r>
-                  <a:rPr lang="en-US" dirty="0"/>
-                  <a:t>” forces of the same name and it will automatically replace them</a:t>
-                </a:r>
-              </a:p>
-              <a:p>
-                <a:pPr marL="0" indent="0">
-                  <a:buNone/>
-                </a:pPr>
-                <a:endParaRPr lang="en-US" dirty="0"/>
-              </a:p>
-              <a:p>
-                <a:pPr marL="0" indent="0">
-                  <a:buNone/>
-                </a:pPr>
-                <a:r>
-                  <a:rPr lang="en-US" dirty="0"/>
-                  <a:t>Convert forces to be about PTO</a:t>
-                </a:r>
-              </a:p>
-              <a:p>
-                <a:pPr marL="0" indent="0">
-                  <a:buNone/>
-                </a:pPr>
-                <a14:m>
-                  <m:oMathPara xmlns:m="http://schemas.openxmlformats.org/officeDocument/2006/math">
-                    <m:oMathParaPr>
-                      <m:jc m:val="centerGroup"/>
-                    </m:oMathParaPr>
-                    <m:oMath xmlns:m="http://schemas.openxmlformats.org/officeDocument/2006/math">
-                      <m:sSub>
-                        <m:sSubPr>
-                          <m:ctrlPr>
-                            <a:rPr lang="en-US" b="0" i="1" smtClean="0">
-                              <a:latin typeface="Cambria Math" panose="02040503050406030204" pitchFamily="18" charset="0"/>
-                            </a:rPr>
-                          </m:ctrlPr>
-                        </m:sSubPr>
-                        <m:e>
-                          <m:r>
-                            <a:rPr lang="en-US" b="0" i="1" smtClean="0">
-                              <a:latin typeface="Cambria Math" panose="02040503050406030204" pitchFamily="18" charset="0"/>
-                            </a:rPr>
-                            <m:t>𝜏</m:t>
-                          </m:r>
-                        </m:e>
-                        <m:sub>
-                          <m:r>
-                            <a:rPr lang="en-US" b="0" i="1" smtClean="0">
-                              <a:latin typeface="Cambria Math" panose="02040503050406030204" pitchFamily="18" charset="0"/>
-                            </a:rPr>
-                            <m:t>𝑃𝑇𝑂</m:t>
-                          </m:r>
-                        </m:sub>
-                      </m:sSub>
-                      <m:r>
-                        <a:rPr lang="en-US" b="0" i="1" smtClean="0">
-                          <a:latin typeface="Cambria Math" panose="02040503050406030204" pitchFamily="18" charset="0"/>
-                        </a:rPr>
-                        <m:t>=</m:t>
-                      </m:r>
-                      <m:sSub>
-                        <m:sSubPr>
-                          <m:ctrlPr>
-                            <a:rPr lang="en-US" b="0" i="1" smtClean="0">
-                              <a:latin typeface="Cambria Math" panose="02040503050406030204" pitchFamily="18" charset="0"/>
-                            </a:rPr>
-                          </m:ctrlPr>
-                        </m:sSubPr>
-                        <m:e>
-                          <m:r>
-                            <a:rPr lang="en-US" b="0" i="1" smtClean="0">
-                              <a:latin typeface="Cambria Math" panose="02040503050406030204" pitchFamily="18" charset="0"/>
-                            </a:rPr>
-                            <m:t>𝜏</m:t>
-                          </m:r>
-                        </m:e>
-                        <m:sub>
-                          <m:r>
-                            <a:rPr lang="en-US" b="0" i="1" smtClean="0">
-                              <a:latin typeface="Cambria Math" panose="02040503050406030204" pitchFamily="18" charset="0"/>
-                            </a:rPr>
-                            <m:t>𝑝𝑖𝑡𝑐h</m:t>
-                          </m:r>
-                        </m:sub>
-                      </m:sSub>
-                      <m:r>
-                        <a:rPr lang="en-US" i="1">
-                          <a:latin typeface="Cambria Math" panose="02040503050406030204" pitchFamily="18" charset="0"/>
-                        </a:rPr>
-                        <m:t>+</m:t>
-                      </m:r>
-                      <m:sSub>
-                        <m:sSubPr>
-                          <m:ctrlPr>
-                            <a:rPr lang="en-US" i="1">
-                              <a:latin typeface="Cambria Math" panose="02040503050406030204" pitchFamily="18" charset="0"/>
-                            </a:rPr>
-                          </m:ctrlPr>
-                        </m:sSubPr>
-                        <m:e>
-                          <m:r>
-                            <a:rPr lang="en-US" i="1">
-                              <a:latin typeface="Cambria Math" panose="02040503050406030204" pitchFamily="18" charset="0"/>
-                            </a:rPr>
-                            <m:t>𝐹</m:t>
-                          </m:r>
-                        </m:e>
-                        <m:sub>
-                          <m:r>
-                            <a:rPr lang="en-US" i="1">
-                              <a:latin typeface="Cambria Math" panose="02040503050406030204" pitchFamily="18" charset="0"/>
-                            </a:rPr>
-                            <m:t>h𝑒𝑎𝑣𝑒</m:t>
-                          </m:r>
-                        </m:sub>
-                      </m:sSub>
-                      <m:r>
-                        <a:rPr lang="en-US" i="1">
-                          <a:latin typeface="Cambria Math" panose="02040503050406030204" pitchFamily="18" charset="0"/>
-                        </a:rPr>
-                        <m:t>𝑑</m:t>
-                      </m:r>
-                    </m:oMath>
-                  </m:oMathPara>
-                </a14:m>
-                <a:endParaRPr lang="en-US" dirty="0"/>
-              </a:p>
-            </p:txBody>
-          </p:sp>
-        </mc:Choice>
-        <mc:Fallback xmlns="">
-          <p:sp>
-            <p:nvSpPr>
-              <p:cNvPr id="3" name="Content Placeholder 2">
-                <a:extLst>
-                  <a:ext uri="{FF2B5EF4-FFF2-40B4-BE49-F238E27FC236}">
-                    <a16:creationId xmlns:a16="http://schemas.microsoft.com/office/drawing/2014/main" id="{B2C47865-2B66-323B-0FA4-F7B50C08B73D}"/>
-                  </a:ext>
-                </a:extLst>
-              </p:cNvPr>
-              <p:cNvSpPr>
-                <a:spLocks noGrp="1" noRot="1" noChangeAspect="1" noMove="1" noResize="1" noEditPoints="1" noAdjustHandles="1" noChangeArrowheads="1" noChangeShapeType="1" noTextEdit="1"/>
-              </p:cNvSpPr>
-              <p:nvPr>
-                <p:ph idx="1"/>
-              </p:nvPr>
-            </p:nvSpPr>
-            <p:spPr>
-              <a:blipFill>
-                <a:blip r:embed="rId2"/>
-                <a:stretch>
-                  <a:fillRect l="-1217" t="-2241"/>
-                </a:stretch>
-              </a:blipFill>
-            </p:spPr>
-            <p:txBody>
-              <a:bodyPr/>
-              <a:lstStyle/>
-              <a:p>
-                <a:r>
-                  <a:rPr lang="en-US">
-                    <a:noFill/>
-                  </a:rPr>
-                  <a:t> </a:t>
-                </a:r>
-              </a:p>
-            </p:txBody>
-          </p:sp>
-        </mc:Fallback>
-      </mc:AlternateContent>
-    </p:spTree>
-    <p:extLst>
-      <p:ext uri="{BB962C8B-B14F-4D97-AF65-F5344CB8AC3E}">
-        <p14:creationId xmlns:p14="http://schemas.microsoft.com/office/powerpoint/2010/main" val="471557536"/>
-      </p:ext>
-    </p:extLst>
-  </p:cSld>
-  <p:clrMapOvr>
-    <a:masterClrMapping/>
-  </p:clrMapOvr>
-</p:sld>
-</file>
-
-<file path=ppt/slides/slide5.xml><?xml version="1.0" encoding="utf-8"?>
-<p:sld xmlns:a="http://schemas.openxmlformats.org/drawingml/2006/main" xmlns:r="http://schemas.openxmlformats.org/officeDocument/2006/relationships" xmlns:p="http://schemas.openxmlformats.org/presentationml/2006/main">
-  <p:cSld>
-    <p:spTree>
-      <p:nvGrpSpPr>
-        <p:cNvPr id="1" name=""/>
-        <p:cNvGrpSpPr/>
-        <p:nvPr/>
-      </p:nvGrpSpPr>
-      <p:grpSpPr>
-        <a:xfrm>
-          <a:off x="0" y="0"/>
-          <a:ext cx="0" cy="0"/>
-          <a:chOff x="0" y="0"/>
-          <a:chExt cx="0" cy="0"/>
-        </a:xfrm>
-      </p:grpSpPr>
-      <p:sp>
-        <p:nvSpPr>
-          <p:cNvPr id="2" name="Title 1">
-            <a:extLst>
-              <a:ext uri="{FF2B5EF4-FFF2-40B4-BE49-F238E27FC236}">
-                <a16:creationId xmlns:a16="http://schemas.microsoft.com/office/drawing/2014/main" id="{6B5D0E11-7C57-EAB4-B890-DA6F00E7D3AD}"/>
-              </a:ext>
-            </a:extLst>
-          </p:cNvPr>
-          <p:cNvSpPr>
-            <a:spLocks noGrp="1"/>
-          </p:cNvSpPr>
-          <p:nvPr>
-            <p:ph type="title"/>
-          </p:nvPr>
-        </p:nvSpPr>
-        <p:spPr/>
-        <p:txBody>
-          <a:bodyPr/>
-          <a:lstStyle/>
-          <a:p>
-            <a:r>
-              <a:rPr lang="en-US" dirty="0"/>
-              <a:t>Applying parallel axis theorem</a:t>
-            </a:r>
-          </a:p>
-        </p:txBody>
-      </p:sp>
-      <mc:AlternateContent xmlns:mc="http://schemas.openxmlformats.org/markup-compatibility/2006" xmlns:a14="http://schemas.microsoft.com/office/drawing/2010/main">
-        <mc:Choice Requires="a14">
-          <p:sp>
-            <p:nvSpPr>
-              <p:cNvPr id="3" name="Content Placeholder 2">
-                <a:extLst>
-                  <a:ext uri="{FF2B5EF4-FFF2-40B4-BE49-F238E27FC236}">
-                    <a16:creationId xmlns:a16="http://schemas.microsoft.com/office/drawing/2014/main" id="{75046EBC-6779-2365-3CD3-B0448E4B2512}"/>
-                  </a:ext>
-                </a:extLst>
-              </p:cNvPr>
-              <p:cNvSpPr>
-                <a:spLocks noGrp="1"/>
-              </p:cNvSpPr>
-              <p:nvPr>
-                <p:ph idx="1"/>
-              </p:nvPr>
-            </p:nvSpPr>
-            <p:spPr/>
-            <p:txBody>
-              <a:bodyPr/>
-              <a:lstStyle/>
-              <a:p>
-                <a:r>
-                  <a:rPr lang="en-US" dirty="0"/>
-                  <a:t>BEM data is defining forces about the center of gravity. </a:t>
-                </a:r>
-              </a:p>
-              <a:p>
-                <a:r>
-                  <a:rPr lang="en-US" dirty="0"/>
-                  <a:t>Convert to torque about the PTO location:</a:t>
-                </a:r>
-              </a:p>
-              <a:p>
-                <a:pPr lvl="1"/>
-                <a:r>
-                  <a:rPr lang="en-US" dirty="0"/>
-                  <a:t>Pitch torques are the same magnitude</a:t>
-                </a:r>
-              </a:p>
-              <a:p>
-                <a:pPr lvl="1"/>
-                <a:r>
-                  <a:rPr lang="en-US" dirty="0"/>
-                  <a:t>Heave forces need to be multiplied by the lever length</a:t>
-                </a:r>
-              </a:p>
-              <a:p>
-                <a:pPr lvl="1"/>
-                <a:r>
-                  <a:rPr lang="en-US" dirty="0"/>
-                  <a:t>Total torque:</a:t>
-                </a:r>
-              </a:p>
-              <a:p>
-                <a:pPr lvl="2"/>
-                <a14:m>
-                  <m:oMath xmlns:m="http://schemas.openxmlformats.org/officeDocument/2006/math">
-                    <m:sSub>
-                      <m:sSubPr>
-                        <m:ctrlPr>
-                          <a:rPr lang="en-US" b="0" i="1" smtClean="0">
-                            <a:latin typeface="Cambria Math" panose="02040503050406030204" pitchFamily="18" charset="0"/>
-                          </a:rPr>
-                        </m:ctrlPr>
-                      </m:sSubPr>
-                      <m:e>
-                        <m:r>
-                          <a:rPr lang="en-US" b="0" i="1" smtClean="0">
-                            <a:latin typeface="Cambria Math" panose="02040503050406030204" pitchFamily="18" charset="0"/>
-                          </a:rPr>
-                          <m:t>𝜏</m:t>
-                        </m:r>
-                      </m:e>
-                      <m:sub>
-                        <m:r>
-                          <a:rPr lang="en-US" b="0" i="1" smtClean="0">
-                            <a:latin typeface="Cambria Math" panose="02040503050406030204" pitchFamily="18" charset="0"/>
-                          </a:rPr>
-                          <m:t>𝑡𝑜𝑡</m:t>
-                        </m:r>
-                      </m:sub>
-                    </m:sSub>
-                    <m:r>
-                      <a:rPr lang="en-US" b="0" i="1" smtClean="0">
-                        <a:latin typeface="Cambria Math" panose="02040503050406030204" pitchFamily="18" charset="0"/>
-                      </a:rPr>
-                      <m:t>=</m:t>
-                    </m:r>
-                    <m:sSub>
-                      <m:sSubPr>
-                        <m:ctrlPr>
-                          <a:rPr lang="en-US" b="0" i="1" smtClean="0">
-                            <a:latin typeface="Cambria Math" panose="02040503050406030204" pitchFamily="18" charset="0"/>
-                          </a:rPr>
-                        </m:ctrlPr>
-                      </m:sSubPr>
-                      <m:e>
-                        <m:r>
-                          <a:rPr lang="en-US" b="0" i="1" smtClean="0">
-                            <a:latin typeface="Cambria Math" panose="02040503050406030204" pitchFamily="18" charset="0"/>
-                          </a:rPr>
-                          <m:t>𝜏</m:t>
-                        </m:r>
-                      </m:e>
-                      <m:sub>
-                        <m:r>
-                          <a:rPr lang="en-US" b="0" i="1" smtClean="0">
-                            <a:latin typeface="Cambria Math" panose="02040503050406030204" pitchFamily="18" charset="0"/>
-                          </a:rPr>
-                          <m:t>𝑝𝑖𝑡𝑐h</m:t>
-                        </m:r>
-                      </m:sub>
-                    </m:sSub>
-                    <m:r>
-                      <a:rPr lang="en-US" b="0" i="1" smtClean="0">
-                        <a:latin typeface="Cambria Math" panose="02040503050406030204" pitchFamily="18" charset="0"/>
-                      </a:rPr>
-                      <m:t>+</m:t>
-                    </m:r>
-                    <m:sSub>
-                      <m:sSubPr>
-                        <m:ctrlPr>
-                          <a:rPr lang="en-US" b="0" i="1" smtClean="0">
-                            <a:latin typeface="Cambria Math" panose="02040503050406030204" pitchFamily="18" charset="0"/>
-                          </a:rPr>
-                        </m:ctrlPr>
-                      </m:sSubPr>
-                      <m:e>
-                        <m:r>
-                          <a:rPr lang="en-US" b="0" i="1" smtClean="0">
-                            <a:latin typeface="Cambria Math" panose="02040503050406030204" pitchFamily="18" charset="0"/>
-                          </a:rPr>
-                          <m:t>𝐹</m:t>
-                        </m:r>
-                      </m:e>
-                      <m:sub>
-                        <m:r>
-                          <a:rPr lang="en-US" b="0" i="1" smtClean="0">
-                            <a:latin typeface="Cambria Math" panose="02040503050406030204" pitchFamily="18" charset="0"/>
-                          </a:rPr>
-                          <m:t>h𝑒𝑎𝑣𝑒</m:t>
-                        </m:r>
-                      </m:sub>
-                    </m:sSub>
-                    <m:r>
-                      <a:rPr lang="en-US" b="0" i="1" smtClean="0">
-                        <a:latin typeface="Cambria Math" panose="02040503050406030204" pitchFamily="18" charset="0"/>
-                      </a:rPr>
-                      <m:t>𝑑</m:t>
-                    </m:r>
-                  </m:oMath>
-                </a14:m>
-                <a:endParaRPr lang="en-US" dirty="0"/>
-              </a:p>
-              <a:p>
-                <a:r>
-                  <a:rPr lang="en-US" dirty="0"/>
-                  <a:t>Now, the residual needs to be solved about the </a:t>
-                </a:r>
-                <a:r>
-                  <a:rPr lang="en-US" dirty="0" err="1"/>
-                  <a:t>pto</a:t>
-                </a:r>
-                <a:r>
-                  <a:rPr lang="en-US" dirty="0"/>
-                  <a:t> location</a:t>
-                </a:r>
-              </a:p>
-              <a:p>
-                <a:pPr lvl="1"/>
-                <a:r>
-                  <a:rPr lang="en-US" dirty="0"/>
-                  <a:t>Set up the standard forces, need to add them as </a:t>
-                </a:r>
-                <a:r>
-                  <a:rPr lang="en-US" dirty="0" err="1"/>
-                  <a:t>f_add</a:t>
-                </a:r>
-                <a:r>
-                  <a:rPr lang="en-US" dirty="0"/>
-                  <a:t> and then try to solve</a:t>
-                </a:r>
-              </a:p>
-            </p:txBody>
-          </p:sp>
-        </mc:Choice>
-        <mc:Fallback xmlns="">
-          <p:sp>
-            <p:nvSpPr>
-              <p:cNvPr id="3" name="Content Placeholder 2">
-                <a:extLst>
-                  <a:ext uri="{FF2B5EF4-FFF2-40B4-BE49-F238E27FC236}">
-                    <a16:creationId xmlns:a16="http://schemas.microsoft.com/office/drawing/2014/main" id="{75046EBC-6779-2365-3CD3-B0448E4B2512}"/>
-                  </a:ext>
-                </a:extLst>
-              </p:cNvPr>
-              <p:cNvSpPr>
-                <a:spLocks noGrp="1" noRot="1" noChangeAspect="1" noMove="1" noResize="1" noEditPoints="1" noAdjustHandles="1" noChangeArrowheads="1" noChangeShapeType="1" noTextEdit="1"/>
-              </p:cNvSpPr>
-              <p:nvPr>
-                <p:ph idx="1"/>
-              </p:nvPr>
-            </p:nvSpPr>
-            <p:spPr>
-              <a:blipFill>
-                <a:blip r:embed="rId2"/>
-                <a:stretch>
-                  <a:fillRect l="-1043" t="-2241"/>
-                </a:stretch>
-              </a:blipFill>
-            </p:spPr>
-            <p:txBody>
-              <a:bodyPr/>
-              <a:lstStyle/>
-              <a:p>
-                <a:r>
-                  <a:rPr lang="en-US">
-                    <a:noFill/>
-                  </a:rPr>
-                  <a:t> </a:t>
-                </a:r>
-              </a:p>
-            </p:txBody>
-          </p:sp>
-        </mc:Fallback>
-      </mc:AlternateContent>
-    </p:spTree>
-    <p:extLst>
-      <p:ext uri="{BB962C8B-B14F-4D97-AF65-F5344CB8AC3E}">
-        <p14:creationId xmlns:p14="http://schemas.microsoft.com/office/powerpoint/2010/main" val="2307938445"/>
-      </p:ext>
-    </p:extLst>
-  </p:cSld>
-  <p:clrMapOvr>
-    <a:masterClrMapping/>
-  </p:clrMapOvr>
-</p:sld>
-</file>
-
-<file path=ppt/slides/slide6.xml><?xml version="1.0" encoding="utf-8"?>
-<p:sld xmlns:a="http://schemas.openxmlformats.org/drawingml/2006/main" xmlns:r="http://schemas.openxmlformats.org/officeDocument/2006/relationships" xmlns:p="http://schemas.openxmlformats.org/presentationml/2006/main">
-  <p:cSld>
-    <p:spTree>
-      <p:nvGrpSpPr>
-        <p:cNvPr id="1" name=""/>
-        <p:cNvGrpSpPr/>
-        <p:nvPr/>
-      </p:nvGrpSpPr>
-      <p:grpSpPr>
-        <a:xfrm>
-          <a:off x="0" y="0"/>
-          <a:ext cx="0" cy="0"/>
-          <a:chOff x="0" y="0"/>
-          <a:chExt cx="0" cy="0"/>
-        </a:xfrm>
-      </p:grpSpPr>
-      <p:sp>
-        <p:nvSpPr>
-          <p:cNvPr id="2" name="Title 1">
-            <a:extLst>
-              <a:ext uri="{FF2B5EF4-FFF2-40B4-BE49-F238E27FC236}">
-                <a16:creationId xmlns:a16="http://schemas.microsoft.com/office/drawing/2014/main" id="{684764EA-4A3B-277E-46FF-FE7C08ACA735}"/>
-              </a:ext>
-            </a:extLst>
-          </p:cNvPr>
-          <p:cNvSpPr>
-            <a:spLocks noGrp="1"/>
-          </p:cNvSpPr>
-          <p:nvPr>
-            <p:ph type="title"/>
-          </p:nvPr>
-        </p:nvSpPr>
-        <p:spPr/>
-        <p:txBody>
-          <a:bodyPr/>
-          <a:lstStyle/>
-          <a:p>
-            <a:r>
-              <a:rPr lang="en-US" dirty="0"/>
-              <a:t>Compare pitch BEM vs. pitch manual</a:t>
-            </a:r>
-          </a:p>
-        </p:txBody>
-      </p:sp>
-      <p:sp>
-        <p:nvSpPr>
-          <p:cNvPr id="3" name="Content Placeholder 2">
-            <a:extLst>
-              <a:ext uri="{FF2B5EF4-FFF2-40B4-BE49-F238E27FC236}">
-                <a16:creationId xmlns:a16="http://schemas.microsoft.com/office/drawing/2014/main" id="{83F5DF41-E4A6-B6DF-CA8D-B64CDF655526}"/>
-              </a:ext>
-            </a:extLst>
-          </p:cNvPr>
-          <p:cNvSpPr>
-            <a:spLocks noGrp="1"/>
-          </p:cNvSpPr>
-          <p:nvPr>
-            <p:ph idx="1"/>
-          </p:nvPr>
-        </p:nvSpPr>
-        <p:spPr>
-          <a:xfrm>
-            <a:off x="829358" y="1467119"/>
-            <a:ext cx="10515600" cy="4351338"/>
-          </a:xfrm>
-        </p:spPr>
-        <p:txBody>
-          <a:bodyPr/>
-          <a:lstStyle/>
-          <a:p>
-            <a:r>
-              <a:rPr lang="en-US" dirty="0"/>
-              <a:t>Results are slightly off, but I think its okay?</a:t>
-            </a:r>
-          </a:p>
-          <a:p>
-            <a:pPr lvl="1"/>
-            <a:r>
-              <a:rPr lang="en-US" dirty="0"/>
-              <a:t>Confirmed that coefficients match without axis of rotation, so this is the best we’ve got…</a:t>
+              <a:t>Compare pitch only to consolidated heave/pitch forces</a:t>
             </a:r>
           </a:p>
         </p:txBody>
       </p:sp>
       <p:pic>
         <p:nvPicPr>
-          <p:cNvPr id="5" name="Picture 4">
-            <a:extLst>
-              <a:ext uri="{FF2B5EF4-FFF2-40B4-BE49-F238E27FC236}">
-                <a16:creationId xmlns:a16="http://schemas.microsoft.com/office/drawing/2014/main" id="{CF908E74-5FD6-276D-B3A6-B3A4CD6A7EE5}"/>
+          <p:cNvPr id="15" name="Content Placeholder 14">
+            <a:extLst>
+              <a:ext uri="{FF2B5EF4-FFF2-40B4-BE49-F238E27FC236}">
+                <a16:creationId xmlns:a16="http://schemas.microsoft.com/office/drawing/2014/main" id="{83769B33-D5C1-25D0-30C6-740A841A9689}"/>
               </a:ext>
             </a:extLst>
           </p:cNvPr>
           <p:cNvPicPr>
-            <a:picLocks noChangeAspect="1"/>
+            <a:picLocks noGrp="1" noChangeAspect="1"/>
           </p:cNvPicPr>
-          <p:nvPr/>
+          <p:nvPr>
+            <p:ph idx="1"/>
+          </p:nvPr>
         </p:nvPicPr>
         <p:blipFill>
           <a:blip r:embed="rId2"/>
@@ -10770,12 +8417,9 @@
         </p:blipFill>
         <p:spPr>
           <a:xfrm>
-            <a:off x="896604" y="4708766"/>
-            <a:ext cx="2604671" cy="2010079"/>
+            <a:off x="0" y="4663644"/>
+            <a:ext cx="3051216" cy="2128635"/>
           </a:xfrm>
-          <a:prstGeom prst="rect">
-            <a:avLst/>
-          </a:prstGeom>
         </p:spPr>
       </p:pic>
       <p:pic>
@@ -10783,7 +8427,7 @@
           <p:cNvPr id="7" name="Picture 6">
             <a:extLst>
               <a:ext uri="{FF2B5EF4-FFF2-40B4-BE49-F238E27FC236}">
-                <a16:creationId xmlns:a16="http://schemas.microsoft.com/office/drawing/2014/main" id="{95A92AEF-1496-7631-112D-9F5F5A72BB05}"/>
+                <a16:creationId xmlns:a16="http://schemas.microsoft.com/office/drawing/2014/main" id="{E7B94E2D-148D-48B2-0F7D-EFB6BC2CD9FA}"/>
               </a:ext>
             </a:extLst>
           </p:cNvPr>
@@ -10800,8 +8444,8 @@
         </p:blipFill>
         <p:spPr>
           <a:xfrm>
-            <a:off x="3559679" y="4708766"/>
-            <a:ext cx="2578451" cy="1979726"/>
+            <a:off x="0" y="2570629"/>
+            <a:ext cx="3047260" cy="2125876"/>
           </a:xfrm>
           <a:prstGeom prst="rect">
             <a:avLst/>
@@ -10813,7 +8457,7 @@
           <p:cNvPr id="9" name="Picture 8">
             <a:extLst>
               <a:ext uri="{FF2B5EF4-FFF2-40B4-BE49-F238E27FC236}">
-                <a16:creationId xmlns:a16="http://schemas.microsoft.com/office/drawing/2014/main" id="{63B068F0-14F5-1B57-1FDC-2D6D857B7561}"/>
+                <a16:creationId xmlns:a16="http://schemas.microsoft.com/office/drawing/2014/main" id="{0F4E3F1C-AE21-C1D1-B233-CBB41ADD81E5}"/>
               </a:ext>
             </a:extLst>
           </p:cNvPr>
@@ -10830,8 +8474,8 @@
         </p:blipFill>
         <p:spPr>
           <a:xfrm>
-            <a:off x="6196534" y="4708766"/>
-            <a:ext cx="2530377" cy="1979726"/>
+            <a:off x="3047260" y="2570629"/>
+            <a:ext cx="3097602" cy="2128635"/>
           </a:xfrm>
           <a:prstGeom prst="rect">
             <a:avLst/>
@@ -10843,7 +8487,7 @@
           <p:cNvPr id="11" name="Picture 10">
             <a:extLst>
               <a:ext uri="{FF2B5EF4-FFF2-40B4-BE49-F238E27FC236}">
-                <a16:creationId xmlns:a16="http://schemas.microsoft.com/office/drawing/2014/main" id="{84A89C8B-BF67-BC74-39BB-775664304397}"/>
+                <a16:creationId xmlns:a16="http://schemas.microsoft.com/office/drawing/2014/main" id="{3B3535D5-E026-2469-308A-C4F252BE70ED}"/>
               </a:ext>
             </a:extLst>
           </p:cNvPr>
@@ -10860,8 +8504,8 @@
         </p:blipFill>
         <p:spPr>
           <a:xfrm>
-            <a:off x="2354242" y="2665654"/>
-            <a:ext cx="2604671" cy="1979725"/>
+            <a:off x="6144862" y="2570629"/>
+            <a:ext cx="3047260" cy="2125876"/>
           </a:xfrm>
           <a:prstGeom prst="rect">
             <a:avLst/>
@@ -10873,7 +8517,7 @@
           <p:cNvPr id="13" name="Picture 12">
             <a:extLst>
               <a:ext uri="{FF2B5EF4-FFF2-40B4-BE49-F238E27FC236}">
-                <a16:creationId xmlns:a16="http://schemas.microsoft.com/office/drawing/2014/main" id="{5713E047-9E75-6B6F-19C1-A04A61384949}"/>
+                <a16:creationId xmlns:a16="http://schemas.microsoft.com/office/drawing/2014/main" id="{7E9CA461-084A-311D-24E7-F7165EF2E702}"/>
               </a:ext>
             </a:extLst>
           </p:cNvPr>
@@ -10890,8 +8534,8 @@
         </p:blipFill>
         <p:spPr>
           <a:xfrm>
-            <a:off x="5017317" y="2576810"/>
-            <a:ext cx="2852737" cy="2157412"/>
+            <a:off x="9144740" y="2567870"/>
+            <a:ext cx="3097602" cy="2128635"/>
           </a:xfrm>
           <a:prstGeom prst="rect">
             <a:avLst/>
@@ -10900,10 +8544,10 @@
       </p:pic>
       <p:pic>
         <p:nvPicPr>
-          <p:cNvPr id="15" name="Picture 14">
-            <a:extLst>
-              <a:ext uri="{FF2B5EF4-FFF2-40B4-BE49-F238E27FC236}">
-                <a16:creationId xmlns:a16="http://schemas.microsoft.com/office/drawing/2014/main" id="{A2A3F80E-4542-28F9-A454-E2F1A95112D4}"/>
+          <p:cNvPr id="17" name="Picture 16">
+            <a:extLst>
+              <a:ext uri="{FF2B5EF4-FFF2-40B4-BE49-F238E27FC236}">
+                <a16:creationId xmlns:a16="http://schemas.microsoft.com/office/drawing/2014/main" id="{44996005-DCE7-68DD-1356-84F7C3ECAE7D}"/>
               </a:ext>
             </a:extLst>
           </p:cNvPr>
@@ -10920,8 +8564,267 @@
         </p:blipFill>
         <p:spPr>
           <a:xfrm>
-            <a:off x="7948948" y="2551354"/>
-            <a:ext cx="2757487" cy="2157412"/>
+            <a:off x="3047260" y="4696505"/>
+            <a:ext cx="3097602" cy="2128635"/>
+          </a:xfrm>
+          <a:prstGeom prst="rect">
+            <a:avLst/>
+          </a:prstGeom>
+        </p:spPr>
+      </p:pic>
+      <p:pic>
+        <p:nvPicPr>
+          <p:cNvPr id="19" name="Picture 18">
+            <a:extLst>
+              <a:ext uri="{FF2B5EF4-FFF2-40B4-BE49-F238E27FC236}">
+                <a16:creationId xmlns:a16="http://schemas.microsoft.com/office/drawing/2014/main" id="{F403D2C0-BD55-BBC1-84D4-216D5FC6BECA}"/>
+              </a:ext>
+            </a:extLst>
+          </p:cNvPr>
+          <p:cNvPicPr>
+            <a:picLocks noChangeAspect="1"/>
+          </p:cNvPicPr>
+          <p:nvPr/>
+        </p:nvPicPr>
+        <p:blipFill>
+          <a:blip r:embed="rId8"/>
+          <a:stretch>
+            <a:fillRect/>
+          </a:stretch>
+        </p:blipFill>
+        <p:spPr>
+          <a:xfrm>
+            <a:off x="6142885" y="4702023"/>
+            <a:ext cx="3051215" cy="2128635"/>
+          </a:xfrm>
+          <a:prstGeom prst="rect">
+            <a:avLst/>
+          </a:prstGeom>
+        </p:spPr>
+      </p:pic>
+      <p:sp>
+        <p:nvSpPr>
+          <p:cNvPr id="22" name="Content Placeholder 2">
+            <a:extLst>
+              <a:ext uri="{FF2B5EF4-FFF2-40B4-BE49-F238E27FC236}">
+                <a16:creationId xmlns:a16="http://schemas.microsoft.com/office/drawing/2014/main" id="{B5AECDBF-C421-1D61-3E62-9F9CA615A354}"/>
+              </a:ext>
+            </a:extLst>
+          </p:cNvPr>
+          <p:cNvSpPr txBox="1">
+            <a:spLocks/>
+          </p:cNvSpPr>
+          <p:nvPr/>
+        </p:nvSpPr>
+        <p:spPr>
+          <a:xfrm>
+            <a:off x="93955" y="1606858"/>
+            <a:ext cx="11491404" cy="1490232"/>
+          </a:xfrm>
+          <a:prstGeom prst="rect">
+            <a:avLst/>
+          </a:prstGeom>
+        </p:spPr>
+        <p:txBody>
+          <a:bodyPr vert="horz" lIns="91440" tIns="45720" rIns="91440" bIns="45720" rtlCol="0">
+            <a:normAutofit/>
+          </a:bodyPr>
+          <a:lstStyle>
+            <a:lvl1pPr marL="228600" indent="-228600" algn="l" defTabSz="914400" rtl="0" eaLnBrk="1" latinLnBrk="0" hangingPunct="1">
+              <a:lnSpc>
+                <a:spcPct val="90000"/>
+              </a:lnSpc>
+              <a:spcBef>
+                <a:spcPts val="1000"/>
+              </a:spcBef>
+              <a:buFont typeface="Arial" panose="020B0604020202020204" pitchFamily="34" charset="0"/>
+              <a:buChar char="•"/>
+              <a:defRPr sz="2800" kern="1200">
+                <a:solidFill>
+                  <a:schemeClr val="tx1"/>
+                </a:solidFill>
+                <a:latin typeface="+mn-lt"/>
+                <a:ea typeface="+mn-ea"/>
+                <a:cs typeface="+mn-cs"/>
+              </a:defRPr>
+            </a:lvl1pPr>
+            <a:lvl2pPr marL="685800" indent="-228600" algn="l" defTabSz="914400" rtl="0" eaLnBrk="1" latinLnBrk="0" hangingPunct="1">
+              <a:lnSpc>
+                <a:spcPct val="90000"/>
+              </a:lnSpc>
+              <a:spcBef>
+                <a:spcPts val="500"/>
+              </a:spcBef>
+              <a:buFont typeface="Arial" panose="020B0604020202020204" pitchFamily="34" charset="0"/>
+              <a:buChar char="•"/>
+              <a:defRPr sz="2400" kern="1200">
+                <a:solidFill>
+                  <a:schemeClr val="tx1"/>
+                </a:solidFill>
+                <a:latin typeface="+mn-lt"/>
+                <a:ea typeface="+mn-ea"/>
+                <a:cs typeface="+mn-cs"/>
+              </a:defRPr>
+            </a:lvl2pPr>
+            <a:lvl3pPr marL="1143000" indent="-228600" algn="l" defTabSz="914400" rtl="0" eaLnBrk="1" latinLnBrk="0" hangingPunct="1">
+              <a:lnSpc>
+                <a:spcPct val="90000"/>
+              </a:lnSpc>
+              <a:spcBef>
+                <a:spcPts val="500"/>
+              </a:spcBef>
+              <a:buFont typeface="Arial" panose="020B0604020202020204" pitchFamily="34" charset="0"/>
+              <a:buChar char="•"/>
+              <a:defRPr sz="2000" kern="1200">
+                <a:solidFill>
+                  <a:schemeClr val="tx1"/>
+                </a:solidFill>
+                <a:latin typeface="+mn-lt"/>
+                <a:ea typeface="+mn-ea"/>
+                <a:cs typeface="+mn-cs"/>
+              </a:defRPr>
+            </a:lvl3pPr>
+            <a:lvl4pPr marL="1600200" indent="-228600" algn="l" defTabSz="914400" rtl="0" eaLnBrk="1" latinLnBrk="0" hangingPunct="1">
+              <a:lnSpc>
+                <a:spcPct val="90000"/>
+              </a:lnSpc>
+              <a:spcBef>
+                <a:spcPts val="500"/>
+              </a:spcBef>
+              <a:buFont typeface="Arial" panose="020B0604020202020204" pitchFamily="34" charset="0"/>
+              <a:buChar char="•"/>
+              <a:defRPr sz="1800" kern="1200">
+                <a:solidFill>
+                  <a:schemeClr val="tx1"/>
+                </a:solidFill>
+                <a:latin typeface="+mn-lt"/>
+                <a:ea typeface="+mn-ea"/>
+                <a:cs typeface="+mn-cs"/>
+              </a:defRPr>
+            </a:lvl4pPr>
+            <a:lvl5pPr marL="2057400" indent="-228600" algn="l" defTabSz="914400" rtl="0" eaLnBrk="1" latinLnBrk="0" hangingPunct="1">
+              <a:lnSpc>
+                <a:spcPct val="90000"/>
+              </a:lnSpc>
+              <a:spcBef>
+                <a:spcPts val="500"/>
+              </a:spcBef>
+              <a:buFont typeface="Arial" panose="020B0604020202020204" pitchFamily="34" charset="0"/>
+              <a:buChar char="•"/>
+              <a:defRPr sz="1800" kern="1200">
+                <a:solidFill>
+                  <a:schemeClr val="tx1"/>
+                </a:solidFill>
+                <a:latin typeface="+mn-lt"/>
+                <a:ea typeface="+mn-ea"/>
+                <a:cs typeface="+mn-cs"/>
+              </a:defRPr>
+            </a:lvl5pPr>
+            <a:lvl6pPr marL="2514600" indent="-228600" algn="l" defTabSz="914400" rtl="0" eaLnBrk="1" latinLnBrk="0" hangingPunct="1">
+              <a:lnSpc>
+                <a:spcPct val="90000"/>
+              </a:lnSpc>
+              <a:spcBef>
+                <a:spcPts val="500"/>
+              </a:spcBef>
+              <a:buFont typeface="Arial" panose="020B0604020202020204" pitchFamily="34" charset="0"/>
+              <a:buChar char="•"/>
+              <a:defRPr sz="1800" kern="1200">
+                <a:solidFill>
+                  <a:schemeClr val="tx1"/>
+                </a:solidFill>
+                <a:latin typeface="+mn-lt"/>
+                <a:ea typeface="+mn-ea"/>
+                <a:cs typeface="+mn-cs"/>
+              </a:defRPr>
+            </a:lvl6pPr>
+            <a:lvl7pPr marL="2971800" indent="-228600" algn="l" defTabSz="914400" rtl="0" eaLnBrk="1" latinLnBrk="0" hangingPunct="1">
+              <a:lnSpc>
+                <a:spcPct val="90000"/>
+              </a:lnSpc>
+              <a:spcBef>
+                <a:spcPts val="500"/>
+              </a:spcBef>
+              <a:buFont typeface="Arial" panose="020B0604020202020204" pitchFamily="34" charset="0"/>
+              <a:buChar char="•"/>
+              <a:defRPr sz="1800" kern="1200">
+                <a:solidFill>
+                  <a:schemeClr val="tx1"/>
+                </a:solidFill>
+                <a:latin typeface="+mn-lt"/>
+                <a:ea typeface="+mn-ea"/>
+                <a:cs typeface="+mn-cs"/>
+              </a:defRPr>
+            </a:lvl7pPr>
+            <a:lvl8pPr marL="3429000" indent="-228600" algn="l" defTabSz="914400" rtl="0" eaLnBrk="1" latinLnBrk="0" hangingPunct="1">
+              <a:lnSpc>
+                <a:spcPct val="90000"/>
+              </a:lnSpc>
+              <a:spcBef>
+                <a:spcPts val="500"/>
+              </a:spcBef>
+              <a:buFont typeface="Arial" panose="020B0604020202020204" pitchFamily="34" charset="0"/>
+              <a:buChar char="•"/>
+              <a:defRPr sz="1800" kern="1200">
+                <a:solidFill>
+                  <a:schemeClr val="tx1"/>
+                </a:solidFill>
+                <a:latin typeface="+mn-lt"/>
+                <a:ea typeface="+mn-ea"/>
+                <a:cs typeface="+mn-cs"/>
+              </a:defRPr>
+            </a:lvl8pPr>
+            <a:lvl9pPr marL="3886200" indent="-228600" algn="l" defTabSz="914400" rtl="0" eaLnBrk="1" latinLnBrk="0" hangingPunct="1">
+              <a:lnSpc>
+                <a:spcPct val="90000"/>
+              </a:lnSpc>
+              <a:spcBef>
+                <a:spcPts val="500"/>
+              </a:spcBef>
+              <a:buFont typeface="Arial" panose="020B0604020202020204" pitchFamily="34" charset="0"/>
+              <a:buChar char="•"/>
+              <a:defRPr sz="1800" kern="1200">
+                <a:solidFill>
+                  <a:schemeClr val="tx1"/>
+                </a:solidFill>
+                <a:latin typeface="+mn-lt"/>
+                <a:ea typeface="+mn-ea"/>
+                <a:cs typeface="+mn-cs"/>
+              </a:defRPr>
+            </a:lvl9pPr>
+          </a:lstStyle>
+          <a:p>
+            <a:r>
+              <a:rPr lang="en-US" dirty="0"/>
+              <a:t>Fixed – negate inertia</a:t>
+            </a:r>
+          </a:p>
+        </p:txBody>
+      </p:sp>
+      <p:pic>
+        <p:nvPicPr>
+          <p:cNvPr id="24" name="Picture 23">
+            <a:extLst>
+              <a:ext uri="{FF2B5EF4-FFF2-40B4-BE49-F238E27FC236}">
+                <a16:creationId xmlns:a16="http://schemas.microsoft.com/office/drawing/2014/main" id="{04692B35-8553-239F-54E3-7BC96A5AB533}"/>
+              </a:ext>
+            </a:extLst>
+          </p:cNvPr>
+          <p:cNvPicPr>
+            <a:picLocks noChangeAspect="1"/>
+          </p:cNvPicPr>
+          <p:nvPr/>
+        </p:nvPicPr>
+        <p:blipFill>
+          <a:blip r:embed="rId9"/>
+          <a:stretch>
+            <a:fillRect/>
+          </a:stretch>
+        </p:blipFill>
+        <p:spPr>
+          <a:xfrm>
+            <a:off x="9259410" y="4696505"/>
+            <a:ext cx="3097602" cy="2128635"/>
           </a:xfrm>
           <a:prstGeom prst="rect">
             <a:avLst/>
@@ -10931,7 +8834,7 @@
     </p:spTree>
     <p:extLst>
       <p:ext uri="{BB962C8B-B14F-4D97-AF65-F5344CB8AC3E}">
-        <p14:creationId xmlns:p14="http://schemas.microsoft.com/office/powerpoint/2010/main" val="2717386843"/>
+        <p14:creationId xmlns:p14="http://schemas.microsoft.com/office/powerpoint/2010/main" val="2763240195"/>
       </p:ext>
     </p:extLst>
   </p:cSld>
@@ -10941,8 +8844,8 @@
 </p:sld>
 </file>
 
-<file path=ppt/slides/slide7.xml><?xml version="1.0" encoding="utf-8"?>
-<p:sld xmlns:a="http://schemas.openxmlformats.org/drawingml/2006/main" xmlns:r="http://schemas.openxmlformats.org/officeDocument/2006/relationships" xmlns:p="http://schemas.openxmlformats.org/presentationml/2006/main">
+<file path=ppt/slides/slide18.xml><?xml version="1.0" encoding="utf-8"?>
+<p:sld xmlns:a="http://schemas.openxmlformats.org/drawingml/2006/main" xmlns:r="http://schemas.openxmlformats.org/officeDocument/2006/relationships" xmlns:p="http://schemas.openxmlformats.org/presentationml/2006/main" show="0">
   <p:cSld>
     <p:spTree>
       <p:nvGrpSpPr>
@@ -11217,8 +9120,8 @@
 </p:sld>
 </file>
 
-<file path=ppt/slides/slide8.xml><?xml version="1.0" encoding="utf-8"?>
-<p:sld xmlns:a="http://schemas.openxmlformats.org/drawingml/2006/main" xmlns:r="http://schemas.openxmlformats.org/officeDocument/2006/relationships" xmlns:p="http://schemas.openxmlformats.org/presentationml/2006/main">
+<file path=ppt/slides/slide19.xml><?xml version="1.0" encoding="utf-8"?>
+<p:sld xmlns:a="http://schemas.openxmlformats.org/drawingml/2006/main" xmlns:r="http://schemas.openxmlformats.org/officeDocument/2006/relationships" xmlns:p="http://schemas.openxmlformats.org/presentationml/2006/main" show="0">
   <p:cSld>
     <p:spTree>
       <p:nvGrpSpPr>
@@ -11559,8 +9462,131 @@
 </p:sld>
 </file>
 
-<file path=ppt/slides/slide9.xml><?xml version="1.0" encoding="utf-8"?>
+<file path=ppt/slides/slide2.xml><?xml version="1.0" encoding="utf-8"?>
 <p:sld xmlns:a="http://schemas.openxmlformats.org/drawingml/2006/main" xmlns:r="http://schemas.openxmlformats.org/officeDocument/2006/relationships" xmlns:p="http://schemas.openxmlformats.org/presentationml/2006/main">
+  <p:cSld>
+    <p:spTree>
+      <p:nvGrpSpPr>
+        <p:cNvPr id="1" name=""/>
+        <p:cNvGrpSpPr/>
+        <p:nvPr/>
+      </p:nvGrpSpPr>
+      <p:grpSpPr>
+        <a:xfrm>
+          <a:off x="0" y="0"/>
+          <a:ext cx="0" cy="0"/>
+          <a:chOff x="0" y="0"/>
+          <a:chExt cx="0" cy="0"/>
+        </a:xfrm>
+      </p:grpSpPr>
+      <p:sp>
+        <p:nvSpPr>
+          <p:cNvPr id="2" name="Title 1">
+            <a:extLst>
+              <a:ext uri="{FF2B5EF4-FFF2-40B4-BE49-F238E27FC236}">
+                <a16:creationId xmlns:a16="http://schemas.microsoft.com/office/drawing/2014/main" id="{2F0298EF-919A-1D84-80D2-7277D85E7698}"/>
+              </a:ext>
+            </a:extLst>
+          </p:cNvPr>
+          <p:cNvSpPr>
+            <a:spLocks noGrp="1"/>
+          </p:cNvSpPr>
+          <p:nvPr>
+            <p:ph type="title"/>
+          </p:nvPr>
+        </p:nvSpPr>
+        <p:spPr/>
+        <p:txBody>
+          <a:bodyPr/>
+          <a:lstStyle/>
+          <a:p>
+            <a:r>
+              <a:rPr lang="en-US" dirty="0"/>
+              <a:t>Including heave?</a:t>
+            </a:r>
+          </a:p>
+        </p:txBody>
+      </p:sp>
+      <p:sp>
+        <p:nvSpPr>
+          <p:cNvPr id="3" name="Content Placeholder 2">
+            <a:extLst>
+              <a:ext uri="{FF2B5EF4-FFF2-40B4-BE49-F238E27FC236}">
+                <a16:creationId xmlns:a16="http://schemas.microsoft.com/office/drawing/2014/main" id="{F5EE5CD2-03A2-FBB2-C7A8-44A85C9E0067}"/>
+              </a:ext>
+            </a:extLst>
+          </p:cNvPr>
+          <p:cNvSpPr>
+            <a:spLocks noGrp="1"/>
+          </p:cNvSpPr>
+          <p:nvPr>
+            <p:ph idx="1"/>
+          </p:nvPr>
+        </p:nvSpPr>
+        <p:spPr>
+          <a:xfrm>
+            <a:off x="838200" y="1825624"/>
+            <a:ext cx="10515600" cy="4788239"/>
+          </a:xfrm>
+        </p:spPr>
+        <p:txBody>
+          <a:bodyPr>
+            <a:normAutofit/>
+          </a:bodyPr>
+          <a:lstStyle/>
+          <a:p>
+            <a:pPr marL="0" indent="0">
+              <a:buNone/>
+            </a:pPr>
+            <a:r>
+              <a:rPr lang="en-US" dirty="0"/>
+              <a:t>The whole point of including heave would be to have accurate hydrodynamics, but I think the hydrodynamics would still be inaccurate because the pitch hydrodynamics are solved about a stationary point, but the PTO point is translating in reality</a:t>
+            </a:r>
+          </a:p>
+          <a:p>
+            <a:r>
+              <a:rPr lang="en-US" dirty="0"/>
+              <a:t>Even if we include heave, the pitch hydrostatics are still based on a stationary PTO so are inaccurate.</a:t>
+            </a:r>
+          </a:p>
+          <a:p>
+            <a:pPr marL="0" indent="0">
+              <a:buNone/>
+            </a:pPr>
+            <a:r>
+              <a:rPr lang="en-US" dirty="0"/>
+              <a:t>How would WEC-Sim handle this problem?</a:t>
+            </a:r>
+          </a:p>
+          <a:p>
+            <a:r>
+              <a:rPr lang="en-US" dirty="0"/>
+              <a:t>Computes BEM about the center of gravity, then uses parallel axis theorem to translate forces to the point of rotation</a:t>
+            </a:r>
+          </a:p>
+          <a:p>
+            <a:r>
+              <a:rPr lang="en-US" dirty="0"/>
+              <a:t>Think about how to do this in WecOptTool</a:t>
+            </a:r>
+          </a:p>
+        </p:txBody>
+      </p:sp>
+    </p:spTree>
+    <p:extLst>
+      <p:ext uri="{BB962C8B-B14F-4D97-AF65-F5344CB8AC3E}">
+        <p14:creationId xmlns:p14="http://schemas.microsoft.com/office/powerpoint/2010/main" val="1051560904"/>
+      </p:ext>
+    </p:extLst>
+  </p:cSld>
+  <p:clrMapOvr>
+    <a:masterClrMapping/>
+  </p:clrMapOvr>
+</p:sld>
+</file>
+
+<file path=ppt/slides/slide20.xml><?xml version="1.0" encoding="utf-8"?>
+<p:sld xmlns:a="http://schemas.openxmlformats.org/drawingml/2006/main" xmlns:r="http://schemas.openxmlformats.org/officeDocument/2006/relationships" xmlns:p="http://schemas.openxmlformats.org/presentationml/2006/main" show="0">
   <p:cSld>
     <p:spTree>
       <p:nvGrpSpPr>
@@ -11986,6 +10012,3397 @@
     <p:extLst>
       <p:ext uri="{BB962C8B-B14F-4D97-AF65-F5344CB8AC3E}">
         <p14:creationId xmlns:p14="http://schemas.microsoft.com/office/powerpoint/2010/main" val="2647383007"/>
+      </p:ext>
+    </p:extLst>
+  </p:cSld>
+  <p:clrMapOvr>
+    <a:masterClrMapping/>
+  </p:clrMapOvr>
+</p:sld>
+</file>
+
+<file path=ppt/slides/slide3.xml><?xml version="1.0" encoding="utf-8"?>
+<p:sld xmlns:a="http://schemas.openxmlformats.org/drawingml/2006/main" xmlns:r="http://schemas.openxmlformats.org/officeDocument/2006/relationships" xmlns:p="http://schemas.openxmlformats.org/presentationml/2006/main">
+  <p:cSld>
+    <p:spTree>
+      <p:nvGrpSpPr>
+        <p:cNvPr id="1" name=""/>
+        <p:cNvGrpSpPr/>
+        <p:nvPr/>
+      </p:nvGrpSpPr>
+      <p:grpSpPr>
+        <a:xfrm>
+          <a:off x="0" y="0"/>
+          <a:ext cx="0" cy="0"/>
+          <a:chOff x="0" y="0"/>
+          <a:chExt cx="0" cy="0"/>
+        </a:xfrm>
+      </p:grpSpPr>
+      <p:sp>
+        <p:nvSpPr>
+          <p:cNvPr id="2" name="Title 1">
+            <a:extLst>
+              <a:ext uri="{FF2B5EF4-FFF2-40B4-BE49-F238E27FC236}">
+                <a16:creationId xmlns:a16="http://schemas.microsoft.com/office/drawing/2014/main" id="{AE8B36A1-F77C-F758-EB9D-D00CB832E1DF}"/>
+              </a:ext>
+            </a:extLst>
+          </p:cNvPr>
+          <p:cNvSpPr>
+            <a:spLocks noGrp="1"/>
+          </p:cNvSpPr>
+          <p:nvPr>
+            <p:ph type="title"/>
+          </p:nvPr>
+        </p:nvSpPr>
+        <p:spPr/>
+        <p:txBody>
+          <a:bodyPr/>
+          <a:lstStyle/>
+          <a:p>
+            <a:r>
+              <a:rPr lang="en-US" dirty="0"/>
+              <a:t>Hydrostatics</a:t>
+            </a:r>
+          </a:p>
+        </p:txBody>
+      </p:sp>
+      <p:sp>
+        <p:nvSpPr>
+          <p:cNvPr id="3" name="Content Placeholder 2">
+            <a:extLst>
+              <a:ext uri="{FF2B5EF4-FFF2-40B4-BE49-F238E27FC236}">
+                <a16:creationId xmlns:a16="http://schemas.microsoft.com/office/drawing/2014/main" id="{7ECA4C7C-61B4-1FBB-7C3E-6234C017D7B0}"/>
+              </a:ext>
+            </a:extLst>
+          </p:cNvPr>
+          <p:cNvSpPr>
+            <a:spLocks noGrp="1"/>
+          </p:cNvSpPr>
+          <p:nvPr>
+            <p:ph idx="1"/>
+          </p:nvPr>
+        </p:nvSpPr>
+        <p:spPr/>
+        <p:txBody>
+          <a:bodyPr/>
+          <a:lstStyle/>
+          <a:p>
+            <a:pPr marL="0" indent="0">
+              <a:buNone/>
+            </a:pPr>
+            <a:r>
+              <a:rPr lang="en-US" dirty="0"/>
+              <a:t>Do the hydrostatics take into account body position or just wave elevation?</a:t>
+            </a:r>
+          </a:p>
+          <a:p>
+            <a:r>
+              <a:rPr lang="en-US" dirty="0"/>
+              <a:t>In WEC-Sim it just uses wave elevation for linear hydrostatics</a:t>
+            </a:r>
+          </a:p>
+          <a:p>
+            <a:r>
+              <a:rPr lang="en-US" dirty="0"/>
+              <a:t>WecOptTool uses the transfer function defined as the hydrostatic stiffness from BEM to convert </a:t>
+            </a:r>
+            <a:r>
+              <a:rPr lang="en-US" dirty="0" err="1"/>
+              <a:t>x_wec</a:t>
+            </a:r>
+            <a:r>
+              <a:rPr lang="en-US" dirty="0"/>
+              <a:t> (</a:t>
+            </a:r>
+            <a:r>
+              <a:rPr lang="en-US" dirty="0" err="1"/>
+              <a:t>wec</a:t>
+            </a:r>
+            <a:r>
+              <a:rPr lang="en-US" dirty="0"/>
+              <a:t> position) to force in frequency domain</a:t>
+            </a:r>
+          </a:p>
+          <a:p>
+            <a:pPr lvl="1"/>
+            <a:r>
+              <a:rPr lang="en-US" dirty="0"/>
+              <a:t>Also just uses the body displacement</a:t>
+            </a:r>
+          </a:p>
+          <a:p>
+            <a:pPr lvl="1"/>
+            <a:r>
+              <a:rPr lang="en-US" dirty="0"/>
+              <a:t>But, this won’t be accurate if pitch is about a location that isn’t stationary</a:t>
+            </a:r>
+          </a:p>
+        </p:txBody>
+      </p:sp>
+    </p:spTree>
+    <p:extLst>
+      <p:ext uri="{BB962C8B-B14F-4D97-AF65-F5344CB8AC3E}">
+        <p14:creationId xmlns:p14="http://schemas.microsoft.com/office/powerpoint/2010/main" val="2388058262"/>
+      </p:ext>
+    </p:extLst>
+  </p:cSld>
+  <p:clrMapOvr>
+    <a:masterClrMapping/>
+  </p:clrMapOvr>
+</p:sld>
+</file>
+
+<file path=ppt/slides/slide4.xml><?xml version="1.0" encoding="utf-8"?>
+<p:sld xmlns:a="http://schemas.openxmlformats.org/drawingml/2006/main" xmlns:r="http://schemas.openxmlformats.org/officeDocument/2006/relationships" xmlns:p="http://schemas.openxmlformats.org/presentationml/2006/main">
+  <p:cSld>
+    <p:spTree>
+      <p:nvGrpSpPr>
+        <p:cNvPr id="1" name=""/>
+        <p:cNvGrpSpPr/>
+        <p:nvPr/>
+      </p:nvGrpSpPr>
+      <p:grpSpPr>
+        <a:xfrm>
+          <a:off x="0" y="0"/>
+          <a:ext cx="0" cy="0"/>
+          <a:chOff x="0" y="0"/>
+          <a:chExt cx="0" cy="0"/>
+        </a:xfrm>
+      </p:grpSpPr>
+      <p:sp>
+        <p:nvSpPr>
+          <p:cNvPr id="2" name="Title 1">
+            <a:extLst>
+              <a:ext uri="{FF2B5EF4-FFF2-40B4-BE49-F238E27FC236}">
+                <a16:creationId xmlns:a16="http://schemas.microsoft.com/office/drawing/2014/main" id="{E8796714-77A8-2256-8FDD-5828DE67523B}"/>
+              </a:ext>
+            </a:extLst>
+          </p:cNvPr>
+          <p:cNvSpPr>
+            <a:spLocks noGrp="1"/>
+          </p:cNvSpPr>
+          <p:nvPr>
+            <p:ph type="title"/>
+          </p:nvPr>
+        </p:nvSpPr>
+        <p:spPr/>
+        <p:txBody>
+          <a:bodyPr/>
+          <a:lstStyle/>
+          <a:p>
+            <a:r>
+              <a:rPr lang="en-US" dirty="0"/>
+              <a:t>How to apply parallel axis theorem in WecOptTool</a:t>
+            </a:r>
+          </a:p>
+        </p:txBody>
+      </p:sp>
+      <mc:AlternateContent xmlns:mc="http://schemas.openxmlformats.org/markup-compatibility/2006" xmlns:a14="http://schemas.microsoft.com/office/drawing/2010/main">
+        <mc:Choice Requires="a14">
+          <p:sp>
+            <p:nvSpPr>
+              <p:cNvPr id="3" name="Content Placeholder 2">
+                <a:extLst>
+                  <a:ext uri="{FF2B5EF4-FFF2-40B4-BE49-F238E27FC236}">
+                    <a16:creationId xmlns:a16="http://schemas.microsoft.com/office/drawing/2014/main" id="{B2C47865-2B66-323B-0FA4-F7B50C08B73D}"/>
+                  </a:ext>
+                </a:extLst>
+              </p:cNvPr>
+              <p:cNvSpPr>
+                <a:spLocks noGrp="1"/>
+              </p:cNvSpPr>
+              <p:nvPr>
+                <p:ph idx="1"/>
+              </p:nvPr>
+            </p:nvSpPr>
+            <p:spPr/>
+            <p:txBody>
+              <a:bodyPr/>
+              <a:lstStyle/>
+              <a:p>
+                <a:r>
+                  <a:rPr lang="en-US" dirty="0"/>
+                  <a:t>BEM is calculated about center of gravity</a:t>
+                </a:r>
+              </a:p>
+              <a:p>
+                <a:r>
+                  <a:rPr lang="en-US" dirty="0"/>
+                  <a:t>Forces about the PTO rotation point are pitch + heave*d</a:t>
+                </a:r>
+              </a:p>
+              <a:p>
+                <a:r>
+                  <a:rPr lang="en-US" dirty="0"/>
+                  <a:t>I can replace the “</a:t>
+                </a:r>
+                <a:r>
+                  <a:rPr lang="en-US" dirty="0" err="1"/>
+                  <a:t>standard_forces</a:t>
+                </a:r>
+                <a:r>
+                  <a:rPr lang="en-US" dirty="0"/>
+                  <a:t>” with “</a:t>
+                </a:r>
+                <a:r>
+                  <a:rPr lang="en-US" dirty="0" err="1"/>
+                  <a:t>f_add</a:t>
+                </a:r>
+                <a:r>
+                  <a:rPr lang="en-US" dirty="0"/>
+                  <a:t>” forces of the same name and it will automatically replace them</a:t>
+                </a:r>
+              </a:p>
+              <a:p>
+                <a:pPr marL="0" indent="0">
+                  <a:buNone/>
+                </a:pPr>
+                <a:endParaRPr lang="en-US" dirty="0"/>
+              </a:p>
+              <a:p>
+                <a:pPr marL="0" indent="0">
+                  <a:buNone/>
+                </a:pPr>
+                <a:r>
+                  <a:rPr lang="en-US" dirty="0"/>
+                  <a:t>Convert forces to be about PTO</a:t>
+                </a:r>
+              </a:p>
+              <a:p>
+                <a:pPr marL="0" indent="0">
+                  <a:buNone/>
+                </a:pPr>
+                <a14:m>
+                  <m:oMathPara xmlns:m="http://schemas.openxmlformats.org/officeDocument/2006/math">
+                    <m:oMathParaPr>
+                      <m:jc m:val="centerGroup"/>
+                    </m:oMathParaPr>
+                    <m:oMath xmlns:m="http://schemas.openxmlformats.org/officeDocument/2006/math">
+                      <m:sSub>
+                        <m:sSubPr>
+                          <m:ctrlPr>
+                            <a:rPr lang="en-US" b="0" i="1" smtClean="0">
+                              <a:latin typeface="Cambria Math" panose="02040503050406030204" pitchFamily="18" charset="0"/>
+                            </a:rPr>
+                          </m:ctrlPr>
+                        </m:sSubPr>
+                        <m:e>
+                          <m:r>
+                            <a:rPr lang="en-US" b="0" i="1" smtClean="0">
+                              <a:latin typeface="Cambria Math" panose="02040503050406030204" pitchFamily="18" charset="0"/>
+                            </a:rPr>
+                            <m:t>𝜏</m:t>
+                          </m:r>
+                        </m:e>
+                        <m:sub>
+                          <m:r>
+                            <a:rPr lang="en-US" b="0" i="1" smtClean="0">
+                              <a:latin typeface="Cambria Math" panose="02040503050406030204" pitchFamily="18" charset="0"/>
+                            </a:rPr>
+                            <m:t>𝑃𝑇𝑂</m:t>
+                          </m:r>
+                        </m:sub>
+                      </m:sSub>
+                      <m:r>
+                        <a:rPr lang="en-US" b="0" i="1" smtClean="0">
+                          <a:latin typeface="Cambria Math" panose="02040503050406030204" pitchFamily="18" charset="0"/>
+                        </a:rPr>
+                        <m:t>=</m:t>
+                      </m:r>
+                      <m:sSub>
+                        <m:sSubPr>
+                          <m:ctrlPr>
+                            <a:rPr lang="en-US" b="0" i="1" smtClean="0">
+                              <a:latin typeface="Cambria Math" panose="02040503050406030204" pitchFamily="18" charset="0"/>
+                            </a:rPr>
+                          </m:ctrlPr>
+                        </m:sSubPr>
+                        <m:e>
+                          <m:r>
+                            <a:rPr lang="en-US" b="0" i="1" smtClean="0">
+                              <a:latin typeface="Cambria Math" panose="02040503050406030204" pitchFamily="18" charset="0"/>
+                            </a:rPr>
+                            <m:t>𝜏</m:t>
+                          </m:r>
+                        </m:e>
+                        <m:sub>
+                          <m:r>
+                            <a:rPr lang="en-US" b="0" i="1" smtClean="0">
+                              <a:latin typeface="Cambria Math" panose="02040503050406030204" pitchFamily="18" charset="0"/>
+                            </a:rPr>
+                            <m:t>𝑝𝑖𝑡𝑐h</m:t>
+                          </m:r>
+                        </m:sub>
+                      </m:sSub>
+                      <m:r>
+                        <a:rPr lang="en-US" i="1">
+                          <a:latin typeface="Cambria Math" panose="02040503050406030204" pitchFamily="18" charset="0"/>
+                        </a:rPr>
+                        <m:t>+</m:t>
+                      </m:r>
+                      <m:sSub>
+                        <m:sSubPr>
+                          <m:ctrlPr>
+                            <a:rPr lang="en-US" i="1">
+                              <a:latin typeface="Cambria Math" panose="02040503050406030204" pitchFamily="18" charset="0"/>
+                            </a:rPr>
+                          </m:ctrlPr>
+                        </m:sSubPr>
+                        <m:e>
+                          <m:r>
+                            <a:rPr lang="en-US" i="1">
+                              <a:latin typeface="Cambria Math" panose="02040503050406030204" pitchFamily="18" charset="0"/>
+                            </a:rPr>
+                            <m:t>𝐹</m:t>
+                          </m:r>
+                        </m:e>
+                        <m:sub>
+                          <m:r>
+                            <a:rPr lang="en-US" i="1">
+                              <a:latin typeface="Cambria Math" panose="02040503050406030204" pitchFamily="18" charset="0"/>
+                            </a:rPr>
+                            <m:t>h𝑒𝑎𝑣𝑒</m:t>
+                          </m:r>
+                        </m:sub>
+                      </m:sSub>
+                      <m:r>
+                        <a:rPr lang="en-US" i="1">
+                          <a:latin typeface="Cambria Math" panose="02040503050406030204" pitchFamily="18" charset="0"/>
+                        </a:rPr>
+                        <m:t>𝑑</m:t>
+                      </m:r>
+                    </m:oMath>
+                  </m:oMathPara>
+                </a14:m>
+                <a:endParaRPr lang="en-US" dirty="0"/>
+              </a:p>
+              <a:p>
+                <a:pPr marL="0" indent="0">
+                  <a:buNone/>
+                </a:pPr>
+                <a:r>
+                  <a:rPr lang="en-US" dirty="0"/>
+                  <a:t>Why isn’t it </a:t>
+                </a:r>
+                <a14:m>
+                  <m:oMath xmlns:m="http://schemas.openxmlformats.org/officeDocument/2006/math">
+                    <m:r>
+                      <a:rPr lang="en-US" b="0" i="0" smtClean="0">
+                        <a:latin typeface="Cambria Math" panose="02040503050406030204" pitchFamily="18" charset="0"/>
+                      </a:rPr>
+                      <m:t>−</m:t>
+                    </m:r>
+                    <m:sSub>
+                      <m:sSubPr>
+                        <m:ctrlPr>
+                          <a:rPr lang="en-US" i="1" smtClean="0">
+                            <a:latin typeface="Cambria Math" panose="02040503050406030204" pitchFamily="18" charset="0"/>
+                          </a:rPr>
+                        </m:ctrlPr>
+                      </m:sSubPr>
+                      <m:e>
+                        <m:r>
+                          <a:rPr lang="en-US" i="1">
+                            <a:latin typeface="Cambria Math" panose="02040503050406030204" pitchFamily="18" charset="0"/>
+                          </a:rPr>
+                          <m:t>𝐹</m:t>
+                        </m:r>
+                      </m:e>
+                      <m:sub>
+                        <m:r>
+                          <a:rPr lang="en-US" i="1">
+                            <a:latin typeface="Cambria Math" panose="02040503050406030204" pitchFamily="18" charset="0"/>
+                          </a:rPr>
+                          <m:t>h𝑒𝑎𝑣𝑒</m:t>
+                        </m:r>
+                      </m:sub>
+                    </m:sSub>
+                  </m:oMath>
+                </a14:m>
+                <a:r>
+                  <a:rPr lang="en-US" dirty="0"/>
+                  <a:t>?? I think we </a:t>
+                </a:r>
+                <a:r>
+                  <a:rPr lang="en-US" dirty="0" err="1"/>
+                  <a:t>gotta</a:t>
+                </a:r>
+                <a:r>
+                  <a:rPr lang="en-US" dirty="0"/>
+                  <a:t> look at in terms of the rotation if z is positive – increase in z leads to positive rotation</a:t>
+                </a:r>
+              </a:p>
+            </p:txBody>
+          </p:sp>
+        </mc:Choice>
+        <mc:Fallback xmlns="">
+          <p:sp>
+            <p:nvSpPr>
+              <p:cNvPr id="3" name="Content Placeholder 2">
+                <a:extLst>
+                  <a:ext uri="{FF2B5EF4-FFF2-40B4-BE49-F238E27FC236}">
+                    <a16:creationId xmlns:a16="http://schemas.microsoft.com/office/drawing/2014/main" id="{B2C47865-2B66-323B-0FA4-F7B50C08B73D}"/>
+                  </a:ext>
+                </a:extLst>
+              </p:cNvPr>
+              <p:cNvSpPr>
+                <a:spLocks noGrp="1" noRot="1" noChangeAspect="1" noMove="1" noResize="1" noEditPoints="1" noAdjustHandles="1" noChangeArrowheads="1" noChangeShapeType="1" noTextEdit="1"/>
+              </p:cNvSpPr>
+              <p:nvPr>
+                <p:ph idx="1"/>
+              </p:nvPr>
+            </p:nvSpPr>
+            <p:spPr>
+              <a:blipFill>
+                <a:blip r:embed="rId2"/>
+                <a:stretch>
+                  <a:fillRect l="-1217" t="-2241" b="-840"/>
+                </a:stretch>
+              </a:blipFill>
+            </p:spPr>
+            <p:txBody>
+              <a:bodyPr/>
+              <a:lstStyle/>
+              <a:p>
+                <a:r>
+                  <a:rPr lang="en-US">
+                    <a:noFill/>
+                  </a:rPr>
+                  <a:t> </a:t>
+                </a:r>
+              </a:p>
+            </p:txBody>
+          </p:sp>
+        </mc:Fallback>
+      </mc:AlternateContent>
+    </p:spTree>
+    <p:extLst>
+      <p:ext uri="{BB962C8B-B14F-4D97-AF65-F5344CB8AC3E}">
+        <p14:creationId xmlns:p14="http://schemas.microsoft.com/office/powerpoint/2010/main" val="471557536"/>
+      </p:ext>
+    </p:extLst>
+  </p:cSld>
+  <p:clrMapOvr>
+    <a:masterClrMapping/>
+  </p:clrMapOvr>
+</p:sld>
+</file>
+
+<file path=ppt/slides/slide5.xml><?xml version="1.0" encoding="utf-8"?>
+<p:sld xmlns:a="http://schemas.openxmlformats.org/drawingml/2006/main" xmlns:r="http://schemas.openxmlformats.org/officeDocument/2006/relationships" xmlns:p="http://schemas.openxmlformats.org/presentationml/2006/main">
+  <p:cSld>
+    <p:spTree>
+      <p:nvGrpSpPr>
+        <p:cNvPr id="1" name=""/>
+        <p:cNvGrpSpPr/>
+        <p:nvPr/>
+      </p:nvGrpSpPr>
+      <p:grpSpPr>
+        <a:xfrm>
+          <a:off x="0" y="0"/>
+          <a:ext cx="0" cy="0"/>
+          <a:chOff x="0" y="0"/>
+          <a:chExt cx="0" cy="0"/>
+        </a:xfrm>
+      </p:grpSpPr>
+      <p:sp>
+        <p:nvSpPr>
+          <p:cNvPr id="2" name="Title 1">
+            <a:extLst>
+              <a:ext uri="{FF2B5EF4-FFF2-40B4-BE49-F238E27FC236}">
+                <a16:creationId xmlns:a16="http://schemas.microsoft.com/office/drawing/2014/main" id="{6B5D0E11-7C57-EAB4-B890-DA6F00E7D3AD}"/>
+              </a:ext>
+            </a:extLst>
+          </p:cNvPr>
+          <p:cNvSpPr>
+            <a:spLocks noGrp="1"/>
+          </p:cNvSpPr>
+          <p:nvPr>
+            <p:ph type="title"/>
+          </p:nvPr>
+        </p:nvSpPr>
+        <p:spPr/>
+        <p:txBody>
+          <a:bodyPr/>
+          <a:lstStyle/>
+          <a:p>
+            <a:r>
+              <a:rPr lang="en-US" dirty="0"/>
+              <a:t>Applying parallel axis theorem</a:t>
+            </a:r>
+          </a:p>
+        </p:txBody>
+      </p:sp>
+      <mc:AlternateContent xmlns:mc="http://schemas.openxmlformats.org/markup-compatibility/2006" xmlns:a14="http://schemas.microsoft.com/office/drawing/2010/main">
+        <mc:Choice Requires="a14">
+          <p:sp>
+            <p:nvSpPr>
+              <p:cNvPr id="3" name="Content Placeholder 2">
+                <a:extLst>
+                  <a:ext uri="{FF2B5EF4-FFF2-40B4-BE49-F238E27FC236}">
+                    <a16:creationId xmlns:a16="http://schemas.microsoft.com/office/drawing/2014/main" id="{75046EBC-6779-2365-3CD3-B0448E4B2512}"/>
+                  </a:ext>
+                </a:extLst>
+              </p:cNvPr>
+              <p:cNvSpPr>
+                <a:spLocks noGrp="1"/>
+              </p:cNvSpPr>
+              <p:nvPr>
+                <p:ph idx="1"/>
+              </p:nvPr>
+            </p:nvSpPr>
+            <p:spPr/>
+            <p:txBody>
+              <a:bodyPr/>
+              <a:lstStyle/>
+              <a:p>
+                <a:r>
+                  <a:rPr lang="en-US" dirty="0"/>
+                  <a:t>BEM data is defining forces about the center of gravity. </a:t>
+                </a:r>
+              </a:p>
+              <a:p>
+                <a:r>
+                  <a:rPr lang="en-US" dirty="0"/>
+                  <a:t>Convert BEM data to torque about the PTO location:</a:t>
+                </a:r>
+              </a:p>
+              <a:p>
+                <a:pPr lvl="1"/>
+                <a:r>
+                  <a:rPr lang="en-US" dirty="0"/>
+                  <a:t>Pitch torques are the same magnitude</a:t>
+                </a:r>
+              </a:p>
+              <a:p>
+                <a:pPr lvl="1"/>
+                <a:r>
+                  <a:rPr lang="en-US" dirty="0"/>
+                  <a:t>Heave forces need to be multiplied by the lever length</a:t>
+                </a:r>
+              </a:p>
+              <a:p>
+                <a:pPr lvl="1"/>
+                <a:r>
+                  <a:rPr lang="en-US" dirty="0"/>
+                  <a:t>Total torque:</a:t>
+                </a:r>
+              </a:p>
+              <a:p>
+                <a:pPr lvl="2"/>
+                <a14:m>
+                  <m:oMath xmlns:m="http://schemas.openxmlformats.org/officeDocument/2006/math">
+                    <m:sSub>
+                      <m:sSubPr>
+                        <m:ctrlPr>
+                          <a:rPr lang="en-US" b="0" i="1" smtClean="0">
+                            <a:latin typeface="Cambria Math" panose="02040503050406030204" pitchFamily="18" charset="0"/>
+                          </a:rPr>
+                        </m:ctrlPr>
+                      </m:sSubPr>
+                      <m:e>
+                        <m:r>
+                          <a:rPr lang="en-US" b="0" i="1" smtClean="0">
+                            <a:latin typeface="Cambria Math" panose="02040503050406030204" pitchFamily="18" charset="0"/>
+                          </a:rPr>
+                          <m:t>𝜏</m:t>
+                        </m:r>
+                      </m:e>
+                      <m:sub>
+                        <m:r>
+                          <a:rPr lang="en-US" b="0" i="1" smtClean="0">
+                            <a:latin typeface="Cambria Math" panose="02040503050406030204" pitchFamily="18" charset="0"/>
+                          </a:rPr>
+                          <m:t>𝑡𝑜𝑡</m:t>
+                        </m:r>
+                      </m:sub>
+                    </m:sSub>
+                    <m:r>
+                      <a:rPr lang="en-US" b="0" i="1" smtClean="0">
+                        <a:latin typeface="Cambria Math" panose="02040503050406030204" pitchFamily="18" charset="0"/>
+                      </a:rPr>
+                      <m:t>=</m:t>
+                    </m:r>
+                    <m:sSub>
+                      <m:sSubPr>
+                        <m:ctrlPr>
+                          <a:rPr lang="en-US" b="0" i="1" smtClean="0">
+                            <a:latin typeface="Cambria Math" panose="02040503050406030204" pitchFamily="18" charset="0"/>
+                          </a:rPr>
+                        </m:ctrlPr>
+                      </m:sSubPr>
+                      <m:e>
+                        <m:r>
+                          <a:rPr lang="en-US" b="0" i="1" smtClean="0">
+                            <a:latin typeface="Cambria Math" panose="02040503050406030204" pitchFamily="18" charset="0"/>
+                          </a:rPr>
+                          <m:t>𝜏</m:t>
+                        </m:r>
+                      </m:e>
+                      <m:sub>
+                        <m:r>
+                          <a:rPr lang="en-US" b="0" i="1" smtClean="0">
+                            <a:latin typeface="Cambria Math" panose="02040503050406030204" pitchFamily="18" charset="0"/>
+                          </a:rPr>
+                          <m:t>𝑝𝑖𝑡𝑐h</m:t>
+                        </m:r>
+                      </m:sub>
+                    </m:sSub>
+                    <m:r>
+                      <a:rPr lang="en-US" b="0" i="1" smtClean="0">
+                        <a:latin typeface="Cambria Math" panose="02040503050406030204" pitchFamily="18" charset="0"/>
+                      </a:rPr>
+                      <m:t>+</m:t>
+                    </m:r>
+                    <m:sSub>
+                      <m:sSubPr>
+                        <m:ctrlPr>
+                          <a:rPr lang="en-US" b="0" i="1" smtClean="0">
+                            <a:latin typeface="Cambria Math" panose="02040503050406030204" pitchFamily="18" charset="0"/>
+                          </a:rPr>
+                        </m:ctrlPr>
+                      </m:sSubPr>
+                      <m:e>
+                        <m:r>
+                          <a:rPr lang="en-US" b="0" i="1" smtClean="0">
+                            <a:latin typeface="Cambria Math" panose="02040503050406030204" pitchFamily="18" charset="0"/>
+                          </a:rPr>
+                          <m:t>𝐹</m:t>
+                        </m:r>
+                      </m:e>
+                      <m:sub>
+                        <m:r>
+                          <a:rPr lang="en-US" b="0" i="1" smtClean="0">
+                            <a:latin typeface="Cambria Math" panose="02040503050406030204" pitchFamily="18" charset="0"/>
+                          </a:rPr>
+                          <m:t>h𝑒𝑎𝑣𝑒</m:t>
+                        </m:r>
+                      </m:sub>
+                    </m:sSub>
+                    <m:r>
+                      <a:rPr lang="en-US" b="0" i="1" smtClean="0">
+                        <a:latin typeface="Cambria Math" panose="02040503050406030204" pitchFamily="18" charset="0"/>
+                      </a:rPr>
+                      <m:t>𝑑</m:t>
+                    </m:r>
+                  </m:oMath>
+                </a14:m>
+                <a:endParaRPr lang="en-US" dirty="0"/>
+              </a:p>
+              <a:p>
+                <a:r>
+                  <a:rPr lang="en-US" dirty="0"/>
+                  <a:t>Now, the residual needs to be solved about the </a:t>
+                </a:r>
+                <a:r>
+                  <a:rPr lang="en-US" dirty="0" err="1"/>
+                  <a:t>pto</a:t>
+                </a:r>
+                <a:r>
+                  <a:rPr lang="en-US" dirty="0"/>
+                  <a:t> location</a:t>
+                </a:r>
+              </a:p>
+              <a:p>
+                <a:pPr lvl="1"/>
+                <a:r>
+                  <a:rPr lang="en-US" dirty="0"/>
+                  <a:t>Set up the standard forces, need to add them as </a:t>
+                </a:r>
+                <a:r>
+                  <a:rPr lang="en-US" dirty="0" err="1"/>
+                  <a:t>f_add</a:t>
+                </a:r>
+                <a:r>
+                  <a:rPr lang="en-US" dirty="0"/>
+                  <a:t> and then try to solve</a:t>
+                </a:r>
+              </a:p>
+            </p:txBody>
+          </p:sp>
+        </mc:Choice>
+        <mc:Fallback xmlns="">
+          <p:sp>
+            <p:nvSpPr>
+              <p:cNvPr id="3" name="Content Placeholder 2">
+                <a:extLst>
+                  <a:ext uri="{FF2B5EF4-FFF2-40B4-BE49-F238E27FC236}">
+                    <a16:creationId xmlns:a16="http://schemas.microsoft.com/office/drawing/2014/main" id="{75046EBC-6779-2365-3CD3-B0448E4B2512}"/>
+                  </a:ext>
+                </a:extLst>
+              </p:cNvPr>
+              <p:cNvSpPr>
+                <a:spLocks noGrp="1" noRot="1" noChangeAspect="1" noMove="1" noResize="1" noEditPoints="1" noAdjustHandles="1" noChangeArrowheads="1" noChangeShapeType="1" noTextEdit="1"/>
+              </p:cNvSpPr>
+              <p:nvPr>
+                <p:ph idx="1"/>
+              </p:nvPr>
+            </p:nvSpPr>
+            <p:spPr>
+              <a:blipFill>
+                <a:blip r:embed="rId2"/>
+                <a:stretch>
+                  <a:fillRect l="-1043" t="-2241"/>
+                </a:stretch>
+              </a:blipFill>
+            </p:spPr>
+            <p:txBody>
+              <a:bodyPr/>
+              <a:lstStyle/>
+              <a:p>
+                <a:r>
+                  <a:rPr lang="en-US">
+                    <a:noFill/>
+                  </a:rPr>
+                  <a:t> </a:t>
+                </a:r>
+              </a:p>
+            </p:txBody>
+          </p:sp>
+        </mc:Fallback>
+      </mc:AlternateContent>
+    </p:spTree>
+    <p:extLst>
+      <p:ext uri="{BB962C8B-B14F-4D97-AF65-F5344CB8AC3E}">
+        <p14:creationId xmlns:p14="http://schemas.microsoft.com/office/powerpoint/2010/main" val="2307938445"/>
+      </p:ext>
+    </p:extLst>
+  </p:cSld>
+  <p:clrMapOvr>
+    <a:masterClrMapping/>
+  </p:clrMapOvr>
+</p:sld>
+</file>
+
+<file path=ppt/slides/slide6.xml><?xml version="1.0" encoding="utf-8"?>
+<p:sld xmlns:a="http://schemas.openxmlformats.org/drawingml/2006/main" xmlns:r="http://schemas.openxmlformats.org/officeDocument/2006/relationships" xmlns:p="http://schemas.openxmlformats.org/presentationml/2006/main">
+  <p:cSld>
+    <p:spTree>
+      <p:nvGrpSpPr>
+        <p:cNvPr id="1" name=""/>
+        <p:cNvGrpSpPr/>
+        <p:nvPr/>
+      </p:nvGrpSpPr>
+      <p:grpSpPr>
+        <a:xfrm>
+          <a:off x="0" y="0"/>
+          <a:ext cx="0" cy="0"/>
+          <a:chOff x="0" y="0"/>
+          <a:chExt cx="0" cy="0"/>
+        </a:xfrm>
+      </p:grpSpPr>
+      <p:sp>
+        <p:nvSpPr>
+          <p:cNvPr id="2" name="Title 1">
+            <a:extLst>
+              <a:ext uri="{FF2B5EF4-FFF2-40B4-BE49-F238E27FC236}">
+                <a16:creationId xmlns:a16="http://schemas.microsoft.com/office/drawing/2014/main" id="{684764EA-4A3B-277E-46FF-FE7C08ACA735}"/>
+              </a:ext>
+            </a:extLst>
+          </p:cNvPr>
+          <p:cNvSpPr>
+            <a:spLocks noGrp="1"/>
+          </p:cNvSpPr>
+          <p:nvPr>
+            <p:ph type="title"/>
+          </p:nvPr>
+        </p:nvSpPr>
+        <p:spPr>
+          <a:xfrm>
+            <a:off x="829358" y="267749"/>
+            <a:ext cx="10515600" cy="1325563"/>
+          </a:xfrm>
+        </p:spPr>
+        <p:txBody>
+          <a:bodyPr/>
+          <a:lstStyle/>
+          <a:p>
+            <a:r>
+              <a:rPr lang="en-US" dirty="0"/>
+              <a:t>Compare pitch BEM vs. pitch manual</a:t>
+            </a:r>
+          </a:p>
+        </p:txBody>
+      </p:sp>
+      <p:sp>
+        <p:nvSpPr>
+          <p:cNvPr id="3" name="Content Placeholder 2">
+            <a:extLst>
+              <a:ext uri="{FF2B5EF4-FFF2-40B4-BE49-F238E27FC236}">
+                <a16:creationId xmlns:a16="http://schemas.microsoft.com/office/drawing/2014/main" id="{83F5DF41-E4A6-B6DF-CA8D-B64CDF655526}"/>
+              </a:ext>
+            </a:extLst>
+          </p:cNvPr>
+          <p:cNvSpPr>
+            <a:spLocks noGrp="1"/>
+          </p:cNvSpPr>
+          <p:nvPr>
+            <p:ph idx="1"/>
+          </p:nvPr>
+        </p:nvSpPr>
+        <p:spPr>
+          <a:xfrm>
+            <a:off x="829358" y="1467119"/>
+            <a:ext cx="10515600" cy="4351338"/>
+          </a:xfrm>
+        </p:spPr>
+        <p:txBody>
+          <a:bodyPr/>
+          <a:lstStyle/>
+          <a:p>
+            <a:r>
+              <a:rPr lang="en-US" dirty="0"/>
+              <a:t>Fixed – inertia needed to be subtracted!</a:t>
+            </a:r>
+          </a:p>
+        </p:txBody>
+      </p:sp>
+      <p:pic>
+        <p:nvPicPr>
+          <p:cNvPr id="6" name="Picture 5">
+            <a:extLst>
+              <a:ext uri="{FF2B5EF4-FFF2-40B4-BE49-F238E27FC236}">
+                <a16:creationId xmlns:a16="http://schemas.microsoft.com/office/drawing/2014/main" id="{681DB860-6A04-ED87-1FEA-7FD6FD806E52}"/>
+              </a:ext>
+            </a:extLst>
+          </p:cNvPr>
+          <p:cNvPicPr>
+            <a:picLocks noChangeAspect="1"/>
+          </p:cNvPicPr>
+          <p:nvPr/>
+        </p:nvPicPr>
+        <p:blipFill>
+          <a:blip r:embed="rId2"/>
+          <a:stretch>
+            <a:fillRect/>
+          </a:stretch>
+        </p:blipFill>
+        <p:spPr>
+          <a:xfrm>
+            <a:off x="125015" y="1877588"/>
+            <a:ext cx="3196008" cy="2417494"/>
+          </a:xfrm>
+          <a:prstGeom prst="rect">
+            <a:avLst/>
+          </a:prstGeom>
+        </p:spPr>
+      </p:pic>
+      <p:pic>
+        <p:nvPicPr>
+          <p:cNvPr id="10" name="Picture 9">
+            <a:extLst>
+              <a:ext uri="{FF2B5EF4-FFF2-40B4-BE49-F238E27FC236}">
+                <a16:creationId xmlns:a16="http://schemas.microsoft.com/office/drawing/2014/main" id="{29120921-0A0B-9DCD-EC67-2B64A1F1DDE2}"/>
+              </a:ext>
+            </a:extLst>
+          </p:cNvPr>
+          <p:cNvPicPr>
+            <a:picLocks noChangeAspect="1"/>
+          </p:cNvPicPr>
+          <p:nvPr/>
+        </p:nvPicPr>
+        <p:blipFill>
+          <a:blip r:embed="rId3"/>
+          <a:stretch>
+            <a:fillRect/>
+          </a:stretch>
+        </p:blipFill>
+        <p:spPr>
+          <a:xfrm>
+            <a:off x="3417903" y="1877588"/>
+            <a:ext cx="3196007" cy="2417014"/>
+          </a:xfrm>
+          <a:prstGeom prst="rect">
+            <a:avLst/>
+          </a:prstGeom>
+        </p:spPr>
+      </p:pic>
+      <p:pic>
+        <p:nvPicPr>
+          <p:cNvPr id="14" name="Picture 13">
+            <a:extLst>
+              <a:ext uri="{FF2B5EF4-FFF2-40B4-BE49-F238E27FC236}">
+                <a16:creationId xmlns:a16="http://schemas.microsoft.com/office/drawing/2014/main" id="{079BC86A-6EA4-F2C3-640A-A758CDC52766}"/>
+              </a:ext>
+            </a:extLst>
+          </p:cNvPr>
+          <p:cNvPicPr>
+            <a:picLocks noChangeAspect="1"/>
+          </p:cNvPicPr>
+          <p:nvPr/>
+        </p:nvPicPr>
+        <p:blipFill>
+          <a:blip r:embed="rId4"/>
+          <a:stretch>
+            <a:fillRect/>
+          </a:stretch>
+        </p:blipFill>
+        <p:spPr>
+          <a:xfrm>
+            <a:off x="6710790" y="1852882"/>
+            <a:ext cx="3196008" cy="2466425"/>
+          </a:xfrm>
+          <a:prstGeom prst="rect">
+            <a:avLst/>
+          </a:prstGeom>
+        </p:spPr>
+      </p:pic>
+      <p:pic>
+        <p:nvPicPr>
+          <p:cNvPr id="21" name="Picture 20">
+            <a:extLst>
+              <a:ext uri="{FF2B5EF4-FFF2-40B4-BE49-F238E27FC236}">
+                <a16:creationId xmlns:a16="http://schemas.microsoft.com/office/drawing/2014/main" id="{DD85ED14-0A63-0A1E-D6BE-FD787974FFC1}"/>
+              </a:ext>
+            </a:extLst>
+          </p:cNvPr>
+          <p:cNvPicPr>
+            <a:picLocks noChangeAspect="1"/>
+          </p:cNvPicPr>
+          <p:nvPr/>
+        </p:nvPicPr>
+        <p:blipFill>
+          <a:blip r:embed="rId5"/>
+          <a:stretch>
+            <a:fillRect/>
+          </a:stretch>
+        </p:blipFill>
+        <p:spPr>
+          <a:xfrm>
+            <a:off x="125014" y="4319307"/>
+            <a:ext cx="3196009" cy="2417494"/>
+          </a:xfrm>
+          <a:prstGeom prst="rect">
+            <a:avLst/>
+          </a:prstGeom>
+        </p:spPr>
+      </p:pic>
+      <p:pic>
+        <p:nvPicPr>
+          <p:cNvPr id="23" name="Picture 22">
+            <a:extLst>
+              <a:ext uri="{FF2B5EF4-FFF2-40B4-BE49-F238E27FC236}">
+                <a16:creationId xmlns:a16="http://schemas.microsoft.com/office/drawing/2014/main" id="{0B64FA5A-5148-239E-4275-4571214CF828}"/>
+              </a:ext>
+            </a:extLst>
+          </p:cNvPr>
+          <p:cNvPicPr>
+            <a:picLocks noChangeAspect="1"/>
+          </p:cNvPicPr>
+          <p:nvPr/>
+        </p:nvPicPr>
+        <p:blipFill>
+          <a:blip r:embed="rId6"/>
+          <a:stretch>
+            <a:fillRect/>
+          </a:stretch>
+        </p:blipFill>
+        <p:spPr>
+          <a:xfrm>
+            <a:off x="3514781" y="4285292"/>
+            <a:ext cx="3196009" cy="2417015"/>
+          </a:xfrm>
+          <a:prstGeom prst="rect">
+            <a:avLst/>
+          </a:prstGeom>
+        </p:spPr>
+      </p:pic>
+      <p:pic>
+        <p:nvPicPr>
+          <p:cNvPr id="25" name="Picture 24">
+            <a:extLst>
+              <a:ext uri="{FF2B5EF4-FFF2-40B4-BE49-F238E27FC236}">
+                <a16:creationId xmlns:a16="http://schemas.microsoft.com/office/drawing/2014/main" id="{D9C4D6E8-0FAF-403A-DB48-84A53F21A872}"/>
+              </a:ext>
+            </a:extLst>
+          </p:cNvPr>
+          <p:cNvPicPr>
+            <a:picLocks noChangeAspect="1"/>
+          </p:cNvPicPr>
+          <p:nvPr/>
+        </p:nvPicPr>
+        <p:blipFill>
+          <a:blip r:embed="rId7"/>
+          <a:stretch>
+            <a:fillRect/>
+          </a:stretch>
+        </p:blipFill>
+        <p:spPr>
+          <a:xfrm>
+            <a:off x="6710788" y="4294602"/>
+            <a:ext cx="3196009" cy="2466426"/>
+          </a:xfrm>
+          <a:prstGeom prst="rect">
+            <a:avLst/>
+          </a:prstGeom>
+        </p:spPr>
+      </p:pic>
+    </p:spTree>
+    <p:extLst>
+      <p:ext uri="{BB962C8B-B14F-4D97-AF65-F5344CB8AC3E}">
+        <p14:creationId xmlns:p14="http://schemas.microsoft.com/office/powerpoint/2010/main" val="2717386843"/>
+      </p:ext>
+    </p:extLst>
+  </p:cSld>
+  <p:clrMapOvr>
+    <a:masterClrMapping/>
+  </p:clrMapOvr>
+</p:sld>
+</file>
+
+<file path=ppt/slides/slide7.xml><?xml version="1.0" encoding="utf-8"?>
+<p:sld xmlns:a="http://schemas.openxmlformats.org/drawingml/2006/main" xmlns:r="http://schemas.openxmlformats.org/officeDocument/2006/relationships" xmlns:p="http://schemas.openxmlformats.org/presentationml/2006/main">
+  <p:cSld>
+    <p:spTree>
+      <p:nvGrpSpPr>
+        <p:cNvPr id="1" name=""/>
+        <p:cNvGrpSpPr/>
+        <p:nvPr/>
+      </p:nvGrpSpPr>
+      <p:grpSpPr>
+        <a:xfrm>
+          <a:off x="0" y="0"/>
+          <a:ext cx="0" cy="0"/>
+          <a:chOff x="0" y="0"/>
+          <a:chExt cx="0" cy="0"/>
+        </a:xfrm>
+      </p:grpSpPr>
+      <p:sp>
+        <p:nvSpPr>
+          <p:cNvPr id="2" name="Title 1">
+            <a:extLst>
+              <a:ext uri="{FF2B5EF4-FFF2-40B4-BE49-F238E27FC236}">
+                <a16:creationId xmlns:a16="http://schemas.microsoft.com/office/drawing/2014/main" id="{205FFF63-86A7-068A-2C80-4DFC5E349827}"/>
+              </a:ext>
+            </a:extLst>
+          </p:cNvPr>
+          <p:cNvSpPr>
+            <a:spLocks noGrp="1"/>
+          </p:cNvSpPr>
+          <p:nvPr>
+            <p:ph type="title"/>
+          </p:nvPr>
+        </p:nvSpPr>
+        <p:spPr>
+          <a:xfrm>
+            <a:off x="669525" y="-71850"/>
+            <a:ext cx="10515600" cy="1325563"/>
+          </a:xfrm>
+        </p:spPr>
+        <p:txBody>
+          <a:bodyPr/>
+          <a:lstStyle/>
+          <a:p>
+            <a:r>
+              <a:rPr lang="en-US" dirty="0"/>
+              <a:t>Compare to WEC-Sim</a:t>
+            </a:r>
+          </a:p>
+        </p:txBody>
+      </p:sp>
+      <p:sp>
+        <p:nvSpPr>
+          <p:cNvPr id="3" name="Content Placeholder 2">
+            <a:extLst>
+              <a:ext uri="{FF2B5EF4-FFF2-40B4-BE49-F238E27FC236}">
+                <a16:creationId xmlns:a16="http://schemas.microsoft.com/office/drawing/2014/main" id="{8F8C4F81-780C-DB1F-D552-8B00E4F0A0A3}"/>
+              </a:ext>
+            </a:extLst>
+          </p:cNvPr>
+          <p:cNvSpPr>
+            <a:spLocks noGrp="1"/>
+          </p:cNvSpPr>
+          <p:nvPr>
+            <p:ph idx="1"/>
+          </p:nvPr>
+        </p:nvSpPr>
+        <p:spPr>
+          <a:xfrm>
+            <a:off x="93955" y="971214"/>
+            <a:ext cx="9165455" cy="4351338"/>
+          </a:xfrm>
+        </p:spPr>
+        <p:txBody>
+          <a:bodyPr/>
+          <a:lstStyle/>
+          <a:p>
+            <a:r>
+              <a:rPr lang="en-US" dirty="0"/>
+              <a:t>H = 0.5 m, T = 7.4371 s – so its found in WS frequency array</a:t>
+            </a:r>
+          </a:p>
+          <a:p>
+            <a:r>
+              <a:rPr lang="en-US" dirty="0" err="1"/>
+              <a:t>Kp</a:t>
+            </a:r>
+            <a:r>
+              <a:rPr lang="en-US" dirty="0"/>
+              <a:t> = 1e4 – Matches WEC-Sim!</a:t>
+            </a:r>
+          </a:p>
+          <a:p>
+            <a:r>
+              <a:rPr lang="en-US" dirty="0"/>
+              <a:t>Why doesn’t 2 </a:t>
+            </a:r>
+            <a:r>
+              <a:rPr lang="en-US" dirty="0" err="1"/>
+              <a:t>dof</a:t>
+            </a:r>
+            <a:r>
+              <a:rPr lang="en-US" dirty="0"/>
+              <a:t> consolidated match?</a:t>
+            </a:r>
+          </a:p>
+          <a:p>
+            <a:pPr lvl="1"/>
+            <a:r>
+              <a:rPr lang="en-US" dirty="0"/>
+              <a:t>Inertia fixed! It matches!</a:t>
+            </a:r>
+          </a:p>
+          <a:p>
+            <a:r>
+              <a:rPr lang="en-US" dirty="0"/>
+              <a:t>Why does 2 </a:t>
+            </a:r>
+            <a:r>
+              <a:rPr lang="en-US" dirty="0" err="1"/>
+              <a:t>dof</a:t>
+            </a:r>
+            <a:r>
+              <a:rPr lang="en-US" dirty="0"/>
+              <a:t> not match? Full 2 </a:t>
+            </a:r>
+            <a:r>
+              <a:rPr lang="en-US" dirty="0" err="1"/>
+              <a:t>dof</a:t>
+            </a:r>
+            <a:r>
+              <a:rPr lang="en-US" dirty="0"/>
+              <a:t> doesn’t make sense because were consolidating heave in pitch </a:t>
+            </a:r>
+            <a:r>
+              <a:rPr lang="en-US" dirty="0" err="1"/>
+              <a:t>dof</a:t>
+            </a:r>
+            <a:r>
+              <a:rPr lang="en-US" dirty="0"/>
+              <a:t>, then would be adding it back </a:t>
+            </a:r>
+          </a:p>
+        </p:txBody>
+      </p:sp>
+      <p:pic>
+        <p:nvPicPr>
+          <p:cNvPr id="5" name="Picture 4">
+            <a:extLst>
+              <a:ext uri="{FF2B5EF4-FFF2-40B4-BE49-F238E27FC236}">
+                <a16:creationId xmlns:a16="http://schemas.microsoft.com/office/drawing/2014/main" id="{B23E800D-BD1C-E25C-2528-C2FFE02EDCB9}"/>
+              </a:ext>
+            </a:extLst>
+          </p:cNvPr>
+          <p:cNvPicPr>
+            <a:picLocks noChangeAspect="1"/>
+          </p:cNvPicPr>
+          <p:nvPr/>
+        </p:nvPicPr>
+        <p:blipFill>
+          <a:blip r:embed="rId2"/>
+          <a:stretch>
+            <a:fillRect/>
+          </a:stretch>
+        </p:blipFill>
+        <p:spPr>
+          <a:xfrm>
+            <a:off x="8574922" y="1525015"/>
+            <a:ext cx="3383132" cy="2537349"/>
+          </a:xfrm>
+          <a:prstGeom prst="rect">
+            <a:avLst/>
+          </a:prstGeom>
+        </p:spPr>
+      </p:pic>
+      <p:pic>
+        <p:nvPicPr>
+          <p:cNvPr id="15" name="Picture 14">
+            <a:extLst>
+              <a:ext uri="{FF2B5EF4-FFF2-40B4-BE49-F238E27FC236}">
+                <a16:creationId xmlns:a16="http://schemas.microsoft.com/office/drawing/2014/main" id="{F676C901-4124-BFF9-19E2-5AE9B69CE19C}"/>
+              </a:ext>
+            </a:extLst>
+          </p:cNvPr>
+          <p:cNvPicPr>
+            <a:picLocks noChangeAspect="1"/>
+          </p:cNvPicPr>
+          <p:nvPr/>
+        </p:nvPicPr>
+        <p:blipFill>
+          <a:blip r:embed="rId3"/>
+          <a:stretch>
+            <a:fillRect/>
+          </a:stretch>
+        </p:blipFill>
+        <p:spPr>
+          <a:xfrm>
+            <a:off x="8574922" y="4035941"/>
+            <a:ext cx="3383132" cy="2537349"/>
+          </a:xfrm>
+          <a:prstGeom prst="rect">
+            <a:avLst/>
+          </a:prstGeom>
+        </p:spPr>
+      </p:pic>
+      <p:sp>
+        <p:nvSpPr>
+          <p:cNvPr id="20" name="TextBox 19">
+            <a:extLst>
+              <a:ext uri="{FF2B5EF4-FFF2-40B4-BE49-F238E27FC236}">
+                <a16:creationId xmlns:a16="http://schemas.microsoft.com/office/drawing/2014/main" id="{EE2B6BC3-017E-DFCA-AD03-6E41BA1DF5DD}"/>
+              </a:ext>
+            </a:extLst>
+          </p:cNvPr>
+          <p:cNvSpPr txBox="1"/>
+          <p:nvPr/>
+        </p:nvSpPr>
+        <p:spPr>
+          <a:xfrm>
+            <a:off x="9614433" y="1010334"/>
+            <a:ext cx="1988598" cy="646331"/>
+          </a:xfrm>
+          <a:prstGeom prst="rect">
+            <a:avLst/>
+          </a:prstGeom>
+          <a:noFill/>
+        </p:spPr>
+        <p:txBody>
+          <a:bodyPr wrap="square" rtlCol="0">
+            <a:spAutoFit/>
+          </a:bodyPr>
+          <a:lstStyle/>
+          <a:p>
+            <a:r>
+              <a:rPr lang="en-US" dirty="0"/>
+              <a:t>WEC-Sim CIC case is slightly smaller</a:t>
+            </a:r>
+          </a:p>
+        </p:txBody>
+      </p:sp>
+      <p:pic>
+        <p:nvPicPr>
+          <p:cNvPr id="6" name="Picture 5">
+            <a:extLst>
+              <a:ext uri="{FF2B5EF4-FFF2-40B4-BE49-F238E27FC236}">
+                <a16:creationId xmlns:a16="http://schemas.microsoft.com/office/drawing/2014/main" id="{0506DCCE-2250-DBBA-5988-D89085F9CFD5}"/>
+              </a:ext>
+            </a:extLst>
+          </p:cNvPr>
+          <p:cNvPicPr>
+            <a:picLocks noChangeAspect="1"/>
+          </p:cNvPicPr>
+          <p:nvPr/>
+        </p:nvPicPr>
+        <p:blipFill>
+          <a:blip r:embed="rId4"/>
+          <a:stretch>
+            <a:fillRect/>
+          </a:stretch>
+        </p:blipFill>
+        <p:spPr>
+          <a:xfrm>
+            <a:off x="494199" y="4181519"/>
+            <a:ext cx="3538399" cy="2676481"/>
+          </a:xfrm>
+          <a:prstGeom prst="rect">
+            <a:avLst/>
+          </a:prstGeom>
+        </p:spPr>
+      </p:pic>
+      <p:pic>
+        <p:nvPicPr>
+          <p:cNvPr id="8" name="Picture 7">
+            <a:extLst>
+              <a:ext uri="{FF2B5EF4-FFF2-40B4-BE49-F238E27FC236}">
+                <a16:creationId xmlns:a16="http://schemas.microsoft.com/office/drawing/2014/main" id="{8B447D8A-BD8E-01A7-C303-57F3E4FB0355}"/>
+              </a:ext>
+            </a:extLst>
+          </p:cNvPr>
+          <p:cNvPicPr>
+            <a:picLocks noChangeAspect="1"/>
+          </p:cNvPicPr>
+          <p:nvPr/>
+        </p:nvPicPr>
+        <p:blipFill>
+          <a:blip r:embed="rId5"/>
+          <a:stretch>
+            <a:fillRect/>
+          </a:stretch>
+        </p:blipFill>
+        <p:spPr>
+          <a:xfrm>
+            <a:off x="4193225" y="4181518"/>
+            <a:ext cx="3468199" cy="2676481"/>
+          </a:xfrm>
+          <a:prstGeom prst="rect">
+            <a:avLst/>
+          </a:prstGeom>
+        </p:spPr>
+      </p:pic>
+    </p:spTree>
+    <p:extLst>
+      <p:ext uri="{BB962C8B-B14F-4D97-AF65-F5344CB8AC3E}">
+        <p14:creationId xmlns:p14="http://schemas.microsoft.com/office/powerpoint/2010/main" val="523591217"/>
+      </p:ext>
+    </p:extLst>
+  </p:cSld>
+  <p:clrMapOvr>
+    <a:masterClrMapping/>
+  </p:clrMapOvr>
+</p:sld>
+</file>
+
+<file path=ppt/slides/slide8.xml><?xml version="1.0" encoding="utf-8"?>
+<p:sld xmlns:a="http://schemas.openxmlformats.org/drawingml/2006/main" xmlns:r="http://schemas.openxmlformats.org/officeDocument/2006/relationships" xmlns:p="http://schemas.openxmlformats.org/presentationml/2006/main">
+  <p:cSld>
+    <p:spTree>
+      <p:nvGrpSpPr>
+        <p:cNvPr id="1" name=""/>
+        <p:cNvGrpSpPr/>
+        <p:nvPr/>
+      </p:nvGrpSpPr>
+      <p:grpSpPr>
+        <a:xfrm>
+          <a:off x="0" y="0"/>
+          <a:ext cx="0" cy="0"/>
+          <a:chOff x="0" y="0"/>
+          <a:chExt cx="0" cy="0"/>
+        </a:xfrm>
+      </p:grpSpPr>
+      <p:sp>
+        <p:nvSpPr>
+          <p:cNvPr id="2" name="Title 1">
+            <a:extLst>
+              <a:ext uri="{FF2B5EF4-FFF2-40B4-BE49-F238E27FC236}">
+                <a16:creationId xmlns:a16="http://schemas.microsoft.com/office/drawing/2014/main" id="{5B04CF58-180C-3359-F3FE-887B463CD692}"/>
+              </a:ext>
+            </a:extLst>
+          </p:cNvPr>
+          <p:cNvSpPr>
+            <a:spLocks noGrp="1"/>
+          </p:cNvSpPr>
+          <p:nvPr>
+            <p:ph type="title"/>
+          </p:nvPr>
+        </p:nvSpPr>
+        <p:spPr>
+          <a:xfrm>
+            <a:off x="838200" y="134306"/>
+            <a:ext cx="10515600" cy="1325563"/>
+          </a:xfrm>
+        </p:spPr>
+        <p:txBody>
+          <a:bodyPr/>
+          <a:lstStyle/>
+          <a:p>
+            <a:r>
+              <a:rPr lang="en-US" dirty="0"/>
+              <a:t>2 body</a:t>
+            </a:r>
+          </a:p>
+        </p:txBody>
+      </p:sp>
+      <mc:AlternateContent xmlns:mc="http://schemas.openxmlformats.org/markup-compatibility/2006" xmlns:a14="http://schemas.microsoft.com/office/drawing/2010/main">
+        <mc:Choice Requires="a14">
+          <p:sp>
+            <p:nvSpPr>
+              <p:cNvPr id="3" name="Content Placeholder 2">
+                <a:extLst>
+                  <a:ext uri="{FF2B5EF4-FFF2-40B4-BE49-F238E27FC236}">
+                    <a16:creationId xmlns:a16="http://schemas.microsoft.com/office/drawing/2014/main" id="{55C4DFEB-4D05-866B-39B4-B0727D5AA39D}"/>
+                  </a:ext>
+                </a:extLst>
+              </p:cNvPr>
+              <p:cNvSpPr>
+                <a:spLocks noGrp="1"/>
+              </p:cNvSpPr>
+              <p:nvPr>
+                <p:ph idx="1"/>
+              </p:nvPr>
+            </p:nvSpPr>
+            <p:spPr>
+              <a:xfrm>
+                <a:off x="435006" y="1180730"/>
+                <a:ext cx="11505460" cy="5542964"/>
+              </a:xfrm>
+            </p:spPr>
+            <p:txBody>
+              <a:bodyPr>
+                <a:normAutofit fontScale="92500" lnSpcReduction="20000"/>
+              </a:bodyPr>
+              <a:lstStyle/>
+              <a:p>
+                <a:r>
+                  <a:rPr lang="en-US" dirty="0"/>
+                  <a:t>If we have a 2 body attenuator, the forces on float 1:</a:t>
+                </a:r>
+              </a:p>
+              <a:p>
+                <a:pPr lvl="1"/>
+                <a:r>
+                  <a:rPr lang="en-US" dirty="0"/>
+                  <a:t>The PTO force only depends on pitch (about PTO)</a:t>
+                </a:r>
+              </a:p>
+              <a:p>
+                <a:pPr lvl="1"/>
+                <a:r>
+                  <a:rPr lang="en-US" dirty="0"/>
+                  <a:t>Since the PTO location is constant, the wave forces depend on both pitch and heave, but they can easily be written to depend only on pitch:</a:t>
+                </a:r>
+              </a:p>
+              <a:p>
+                <a:pPr lvl="2"/>
+                <a14:m>
+                  <m:oMath xmlns:m="http://schemas.openxmlformats.org/officeDocument/2006/math">
+                    <m:sSub>
+                      <m:sSubPr>
+                        <m:ctrlPr>
+                          <a:rPr lang="en-US" b="0" i="1" smtClean="0">
+                            <a:latin typeface="Cambria Math" panose="02040503050406030204" pitchFamily="18" charset="0"/>
+                          </a:rPr>
+                        </m:ctrlPr>
+                      </m:sSubPr>
+                      <m:e>
+                        <m:r>
+                          <a:rPr lang="en-US" b="0" i="1" smtClean="0">
+                            <a:latin typeface="Cambria Math" panose="02040503050406030204" pitchFamily="18" charset="0"/>
+                          </a:rPr>
+                          <m:t>𝑧</m:t>
+                        </m:r>
+                      </m:e>
+                      <m:sub>
+                        <m:r>
+                          <a:rPr lang="en-US" b="0" i="1" smtClean="0">
+                            <a:latin typeface="Cambria Math" panose="02040503050406030204" pitchFamily="18" charset="0"/>
+                          </a:rPr>
+                          <m:t>1</m:t>
+                        </m:r>
+                      </m:sub>
+                    </m:sSub>
+                    <m:r>
+                      <a:rPr lang="en-US" b="0" i="1" smtClean="0">
+                        <a:latin typeface="Cambria Math" panose="02040503050406030204" pitchFamily="18" charset="0"/>
+                      </a:rPr>
+                      <m:t>=</m:t>
+                    </m:r>
+                    <m:r>
+                      <m:rPr>
+                        <m:sty m:val="p"/>
+                      </m:rPr>
+                      <a:rPr lang="en-US" b="0" i="0" smtClean="0">
+                        <a:latin typeface="Cambria Math" panose="02040503050406030204" pitchFamily="18" charset="0"/>
+                      </a:rPr>
+                      <m:t>dsin</m:t>
+                    </m:r>
+                    <m:r>
+                      <a:rPr lang="en-US" b="0" i="1" smtClean="0">
+                        <a:latin typeface="Cambria Math" panose="02040503050406030204" pitchFamily="18" charset="0"/>
+                      </a:rPr>
+                      <m:t>⁡(</m:t>
+                    </m:r>
+                    <m:sSub>
+                      <m:sSubPr>
+                        <m:ctrlPr>
+                          <a:rPr lang="en-US" b="0" i="1" smtClean="0">
+                            <a:latin typeface="Cambria Math" panose="02040503050406030204" pitchFamily="18" charset="0"/>
+                          </a:rPr>
+                        </m:ctrlPr>
+                      </m:sSubPr>
+                      <m:e>
+                        <m:r>
+                          <a:rPr lang="en-US" b="0" i="1" smtClean="0">
+                            <a:latin typeface="Cambria Math" panose="02040503050406030204" pitchFamily="18" charset="0"/>
+                          </a:rPr>
+                          <m:t>𝜃</m:t>
+                        </m:r>
+                      </m:e>
+                      <m:sub>
+                        <m:r>
+                          <a:rPr lang="en-US" b="0" i="1" smtClean="0">
+                            <a:latin typeface="Cambria Math" panose="02040503050406030204" pitchFamily="18" charset="0"/>
+                          </a:rPr>
+                          <m:t>1</m:t>
+                        </m:r>
+                      </m:sub>
+                    </m:sSub>
+                    <m:r>
+                      <a:rPr lang="en-US" b="0" i="1" smtClean="0">
+                        <a:latin typeface="Cambria Math" panose="02040503050406030204" pitchFamily="18" charset="0"/>
+                      </a:rPr>
+                      <m:t>)</m:t>
+                    </m:r>
+                  </m:oMath>
+                </a14:m>
+                <a:r>
+                  <a:rPr lang="en-US" dirty="0"/>
+                  <a:t> (positive if looking a first quadrant)</a:t>
+                </a:r>
+              </a:p>
+              <a:p>
+                <a:pPr lvl="2"/>
+                <a14:m>
+                  <m:oMath xmlns:m="http://schemas.openxmlformats.org/officeDocument/2006/math">
+                    <m:sSub>
+                      <m:sSubPr>
+                        <m:ctrlPr>
+                          <a:rPr lang="en-US" b="0" i="1" smtClean="0">
+                            <a:latin typeface="Cambria Math" panose="02040503050406030204" pitchFamily="18" charset="0"/>
+                          </a:rPr>
+                        </m:ctrlPr>
+                      </m:sSubPr>
+                      <m:e>
+                        <m:r>
+                          <a:rPr lang="en-US" b="0" i="1" smtClean="0">
+                            <a:latin typeface="Cambria Math" panose="02040503050406030204" pitchFamily="18" charset="0"/>
+                          </a:rPr>
+                          <m:t>𝜏</m:t>
+                        </m:r>
+                      </m:e>
+                      <m:sub>
+                        <m:r>
+                          <a:rPr lang="en-US" b="0" i="1" smtClean="0">
+                            <a:latin typeface="Cambria Math" panose="02040503050406030204" pitchFamily="18" charset="0"/>
+                          </a:rPr>
+                          <m:t>𝑡𝑜𝑡</m:t>
+                        </m:r>
+                        <m:r>
+                          <a:rPr lang="en-US" b="0" i="1" smtClean="0">
+                            <a:latin typeface="Cambria Math" panose="02040503050406030204" pitchFamily="18" charset="0"/>
+                          </a:rPr>
+                          <m:t>,1</m:t>
+                        </m:r>
+                      </m:sub>
+                    </m:sSub>
+                    <m:r>
+                      <a:rPr lang="en-US" b="0" i="1" smtClean="0">
+                        <a:latin typeface="Cambria Math" panose="02040503050406030204" pitchFamily="18" charset="0"/>
+                      </a:rPr>
+                      <m:t>=</m:t>
+                    </m:r>
+                    <m:sSub>
+                      <m:sSubPr>
+                        <m:ctrlPr>
+                          <a:rPr lang="en-US" b="0" i="1" smtClean="0">
+                            <a:latin typeface="Cambria Math" panose="02040503050406030204" pitchFamily="18" charset="0"/>
+                          </a:rPr>
+                        </m:ctrlPr>
+                      </m:sSubPr>
+                      <m:e>
+                        <m:r>
+                          <a:rPr lang="en-US" b="0" i="1" smtClean="0">
+                            <a:latin typeface="Cambria Math" panose="02040503050406030204" pitchFamily="18" charset="0"/>
+                          </a:rPr>
+                          <m:t>𝜏</m:t>
+                        </m:r>
+                      </m:e>
+                      <m:sub>
+                        <m:r>
+                          <a:rPr lang="en-US" b="0" i="1" smtClean="0">
+                            <a:latin typeface="Cambria Math" panose="02040503050406030204" pitchFamily="18" charset="0"/>
+                          </a:rPr>
+                          <m:t>𝑝𝑖𝑡𝑐h</m:t>
+                        </m:r>
+                        <m:r>
+                          <a:rPr lang="en-US" b="0" i="1" smtClean="0">
+                            <a:latin typeface="Cambria Math" panose="02040503050406030204" pitchFamily="18" charset="0"/>
+                          </a:rPr>
+                          <m:t>,</m:t>
+                        </m:r>
+                        <m:r>
+                          <a:rPr lang="en-US" b="0" i="1" smtClean="0">
+                            <a:latin typeface="Cambria Math" panose="02040503050406030204" pitchFamily="18" charset="0"/>
+                          </a:rPr>
+                          <m:t>𝑐𝑜𝑒𝑓𝑓𝑠</m:t>
+                        </m:r>
+                      </m:sub>
+                    </m:sSub>
+                    <m:sSub>
+                      <m:sSubPr>
+                        <m:ctrlPr>
+                          <a:rPr lang="en-US" b="0" i="1" smtClean="0">
+                            <a:latin typeface="Cambria Math" panose="02040503050406030204" pitchFamily="18" charset="0"/>
+                          </a:rPr>
+                        </m:ctrlPr>
+                      </m:sSubPr>
+                      <m:e>
+                        <m:r>
+                          <a:rPr lang="en-US" b="0" i="1" smtClean="0">
+                            <a:latin typeface="Cambria Math" panose="02040503050406030204" pitchFamily="18" charset="0"/>
+                          </a:rPr>
+                          <m:t>𝜃</m:t>
+                        </m:r>
+                      </m:e>
+                      <m:sub>
+                        <m:r>
+                          <a:rPr lang="en-US" b="0" i="1" smtClean="0">
+                            <a:latin typeface="Cambria Math" panose="02040503050406030204" pitchFamily="18" charset="0"/>
+                          </a:rPr>
+                          <m:t>1</m:t>
+                        </m:r>
+                      </m:sub>
+                    </m:sSub>
+                    <m:r>
+                      <a:rPr lang="en-US" b="0" i="1" smtClean="0">
+                        <a:latin typeface="Cambria Math" panose="02040503050406030204" pitchFamily="18" charset="0"/>
+                      </a:rPr>
+                      <m:t>+</m:t>
+                    </m:r>
+                    <m:sSub>
+                      <m:sSubPr>
+                        <m:ctrlPr>
+                          <a:rPr lang="en-US" b="0" i="1" smtClean="0">
+                            <a:latin typeface="Cambria Math" panose="02040503050406030204" pitchFamily="18" charset="0"/>
+                          </a:rPr>
+                        </m:ctrlPr>
+                      </m:sSubPr>
+                      <m:e>
+                        <m:r>
+                          <a:rPr lang="en-US" b="0" i="1" smtClean="0">
+                            <a:latin typeface="Cambria Math" panose="02040503050406030204" pitchFamily="18" charset="0"/>
+                          </a:rPr>
+                          <m:t>𝐹</m:t>
+                        </m:r>
+                      </m:e>
+                      <m:sub>
+                        <m:r>
+                          <a:rPr lang="en-US" b="0" i="1" smtClean="0">
+                            <a:latin typeface="Cambria Math" panose="02040503050406030204" pitchFamily="18" charset="0"/>
+                          </a:rPr>
+                          <m:t>h𝑒𝑎𝑣𝑒</m:t>
+                        </m:r>
+                        <m:r>
+                          <a:rPr lang="en-US" b="0" i="1" smtClean="0">
+                            <a:latin typeface="Cambria Math" panose="02040503050406030204" pitchFamily="18" charset="0"/>
+                          </a:rPr>
+                          <m:t>,</m:t>
+                        </m:r>
+                        <m:r>
+                          <a:rPr lang="en-US" b="0" i="1" smtClean="0">
+                            <a:latin typeface="Cambria Math" panose="02040503050406030204" pitchFamily="18" charset="0"/>
+                          </a:rPr>
+                          <m:t>𝑐𝑜𝑒𝑓𝑓𝑠</m:t>
+                        </m:r>
+                      </m:sub>
+                    </m:sSub>
+                    <m:r>
+                      <a:rPr lang="en-US" b="0" i="1" smtClean="0">
+                        <a:latin typeface="Cambria Math" panose="02040503050406030204" pitchFamily="18" charset="0"/>
+                      </a:rPr>
+                      <m:t>𝑑𝑧</m:t>
+                    </m:r>
+                    <m:r>
+                      <a:rPr lang="en-US" b="0" i="1" smtClean="0">
+                        <a:latin typeface="Cambria Math" panose="02040503050406030204" pitchFamily="18" charset="0"/>
+                      </a:rPr>
+                      <m:t> ~ </m:t>
+                    </m:r>
+                    <m:sSub>
+                      <m:sSubPr>
+                        <m:ctrlPr>
+                          <a:rPr lang="en-US" i="1">
+                            <a:latin typeface="Cambria Math" panose="02040503050406030204" pitchFamily="18" charset="0"/>
+                          </a:rPr>
+                        </m:ctrlPr>
+                      </m:sSubPr>
+                      <m:e>
+                        <m:r>
+                          <a:rPr lang="en-US" i="1">
+                            <a:latin typeface="Cambria Math" panose="02040503050406030204" pitchFamily="18" charset="0"/>
+                          </a:rPr>
+                          <m:t>𝜏</m:t>
+                        </m:r>
+                      </m:e>
+                      <m:sub>
+                        <m:r>
+                          <a:rPr lang="en-US" i="1">
+                            <a:latin typeface="Cambria Math" panose="02040503050406030204" pitchFamily="18" charset="0"/>
+                          </a:rPr>
+                          <m:t>𝑝𝑖𝑡𝑐h</m:t>
+                        </m:r>
+                        <m:r>
+                          <a:rPr lang="en-US" i="1">
+                            <a:latin typeface="Cambria Math" panose="02040503050406030204" pitchFamily="18" charset="0"/>
+                          </a:rPr>
+                          <m:t>,</m:t>
+                        </m:r>
+                        <m:r>
+                          <a:rPr lang="en-US" i="1">
+                            <a:latin typeface="Cambria Math" panose="02040503050406030204" pitchFamily="18" charset="0"/>
+                          </a:rPr>
+                          <m:t>𝑐𝑜𝑒𝑓𝑓𝑠</m:t>
+                        </m:r>
+                        <m:r>
+                          <a:rPr lang="en-US" b="0" i="1" smtClean="0">
+                            <a:latin typeface="Cambria Math" panose="02040503050406030204" pitchFamily="18" charset="0"/>
+                          </a:rPr>
+                          <m:t>1</m:t>
+                        </m:r>
+                      </m:sub>
+                    </m:sSub>
+                    <m:sSub>
+                      <m:sSubPr>
+                        <m:ctrlPr>
+                          <a:rPr lang="en-US" b="0" i="1" smtClean="0">
+                            <a:latin typeface="Cambria Math" panose="02040503050406030204" pitchFamily="18" charset="0"/>
+                          </a:rPr>
+                        </m:ctrlPr>
+                      </m:sSubPr>
+                      <m:e>
+                        <m:r>
+                          <a:rPr lang="en-US" i="1">
+                            <a:latin typeface="Cambria Math" panose="02040503050406030204" pitchFamily="18" charset="0"/>
+                          </a:rPr>
+                          <m:t>𝜃</m:t>
+                        </m:r>
+                      </m:e>
+                      <m:sub>
+                        <m:r>
+                          <a:rPr lang="en-US" b="0" i="1" smtClean="0">
+                            <a:latin typeface="Cambria Math" panose="02040503050406030204" pitchFamily="18" charset="0"/>
+                          </a:rPr>
+                          <m:t>1</m:t>
+                        </m:r>
+                      </m:sub>
+                    </m:sSub>
+                    <m:r>
+                      <a:rPr lang="en-US" b="0" i="1" smtClean="0">
+                        <a:latin typeface="Cambria Math" panose="02040503050406030204" pitchFamily="18" charset="0"/>
+                      </a:rPr>
+                      <m:t>+</m:t>
+                    </m:r>
+                    <m:sSub>
+                      <m:sSubPr>
+                        <m:ctrlPr>
+                          <a:rPr lang="en-US" i="1">
+                            <a:latin typeface="Cambria Math" panose="02040503050406030204" pitchFamily="18" charset="0"/>
+                          </a:rPr>
+                        </m:ctrlPr>
+                      </m:sSubPr>
+                      <m:e>
+                        <m:r>
+                          <a:rPr lang="en-US" i="1">
+                            <a:latin typeface="Cambria Math" panose="02040503050406030204" pitchFamily="18" charset="0"/>
+                          </a:rPr>
+                          <m:t>𝐹</m:t>
+                        </m:r>
+                      </m:e>
+                      <m:sub>
+                        <m:r>
+                          <a:rPr lang="en-US" i="1">
+                            <a:latin typeface="Cambria Math" panose="02040503050406030204" pitchFamily="18" charset="0"/>
+                          </a:rPr>
+                          <m:t>h𝑒𝑎𝑣𝑒</m:t>
+                        </m:r>
+                        <m:r>
+                          <a:rPr lang="en-US" i="1">
+                            <a:latin typeface="Cambria Math" panose="02040503050406030204" pitchFamily="18" charset="0"/>
+                          </a:rPr>
+                          <m:t>,</m:t>
+                        </m:r>
+                        <m:r>
+                          <a:rPr lang="en-US" i="1">
+                            <a:latin typeface="Cambria Math" panose="02040503050406030204" pitchFamily="18" charset="0"/>
+                          </a:rPr>
+                          <m:t>𝑐𝑜𝑒𝑓𝑓𝑠</m:t>
+                        </m:r>
+                        <m:r>
+                          <a:rPr lang="en-US" b="0" i="1" smtClean="0">
+                            <a:latin typeface="Cambria Math" panose="02040503050406030204" pitchFamily="18" charset="0"/>
+                          </a:rPr>
+                          <m:t>1</m:t>
+                        </m:r>
+                      </m:sub>
+                    </m:sSub>
+                    <m:r>
+                      <a:rPr lang="en-US" i="1">
+                        <a:latin typeface="Cambria Math" panose="02040503050406030204" pitchFamily="18" charset="0"/>
+                      </a:rPr>
+                      <m:t>𝑑</m:t>
+                    </m:r>
+                    <m:sSub>
+                      <m:sSubPr>
+                        <m:ctrlPr>
+                          <a:rPr lang="en-US" b="0" i="1" smtClean="0">
+                            <a:latin typeface="Cambria Math" panose="02040503050406030204" pitchFamily="18" charset="0"/>
+                          </a:rPr>
+                        </m:ctrlPr>
+                      </m:sSubPr>
+                      <m:e>
+                        <m:r>
+                          <a:rPr lang="en-US" b="0" i="1" smtClean="0">
+                            <a:latin typeface="Cambria Math" panose="02040503050406030204" pitchFamily="18" charset="0"/>
+                          </a:rPr>
+                          <m:t>𝜃</m:t>
+                        </m:r>
+                      </m:e>
+                      <m:sub>
+                        <m:r>
+                          <a:rPr lang="en-US" b="0" i="1" smtClean="0">
+                            <a:latin typeface="Cambria Math" panose="02040503050406030204" pitchFamily="18" charset="0"/>
+                          </a:rPr>
+                          <m:t>1</m:t>
+                        </m:r>
+                      </m:sub>
+                    </m:sSub>
+                  </m:oMath>
+                </a14:m>
+                <a:endParaRPr lang="en-US" dirty="0"/>
+              </a:p>
+              <a:p>
+                <a:r>
+                  <a:rPr lang="en-US" dirty="0"/>
+                  <a:t>The forces on float 2:</a:t>
+                </a:r>
+              </a:p>
+              <a:p>
+                <a:pPr lvl="1"/>
+                <a:r>
+                  <a:rPr lang="en-US" dirty="0"/>
+                  <a:t>The PTO force only depends on pitch (about PTO)</a:t>
+                </a:r>
+              </a:p>
+              <a:p>
+                <a:pPr lvl="1"/>
+                <a:r>
+                  <a:rPr lang="en-US" dirty="0"/>
+                  <a:t>Since the PTO location changes, the wave forces depend on pitch and heave of 2</a:t>
+                </a:r>
+                <a:r>
+                  <a:rPr lang="en-US" baseline="30000" dirty="0"/>
+                  <a:t>nd</a:t>
+                </a:r>
+                <a:r>
+                  <a:rPr lang="en-US" dirty="0"/>
+                  <a:t> body. These can both be described in terms of the two pitch values:</a:t>
+                </a:r>
+              </a:p>
+              <a:p>
+                <a:pPr lvl="2"/>
+                <a14:m>
+                  <m:oMath xmlns:m="http://schemas.openxmlformats.org/officeDocument/2006/math">
+                    <m:sSub>
+                      <m:sSubPr>
+                        <m:ctrlPr>
+                          <a:rPr lang="en-US" b="0" i="1" smtClean="0">
+                            <a:latin typeface="Cambria Math" panose="02040503050406030204" pitchFamily="18" charset="0"/>
+                          </a:rPr>
+                        </m:ctrlPr>
+                      </m:sSubPr>
+                      <m:e>
+                        <m:r>
+                          <a:rPr lang="en-US" b="0" i="1" smtClean="0">
+                            <a:latin typeface="Cambria Math" panose="02040503050406030204" pitchFamily="18" charset="0"/>
+                          </a:rPr>
+                          <m:t>𝑧</m:t>
+                        </m:r>
+                      </m:e>
+                      <m:sub>
+                        <m:r>
+                          <a:rPr lang="en-US" b="0" i="1" smtClean="0">
+                            <a:latin typeface="Cambria Math" panose="02040503050406030204" pitchFamily="18" charset="0"/>
+                          </a:rPr>
+                          <m:t>2</m:t>
+                        </m:r>
+                      </m:sub>
+                    </m:sSub>
+                    <m:r>
+                      <a:rPr lang="en-US" b="0" i="1" smtClean="0">
+                        <a:latin typeface="Cambria Math" panose="02040503050406030204" pitchFamily="18" charset="0"/>
+                      </a:rPr>
+                      <m:t>=2</m:t>
+                    </m:r>
+                    <m:r>
+                      <a:rPr lang="en-US" b="0" i="1" smtClean="0">
+                        <a:latin typeface="Cambria Math" panose="02040503050406030204" pitchFamily="18" charset="0"/>
+                      </a:rPr>
+                      <m:t>𝑑</m:t>
+                    </m:r>
+                    <m:func>
+                      <m:funcPr>
+                        <m:ctrlPr>
+                          <a:rPr lang="en-US" b="0" i="1" smtClean="0">
+                            <a:latin typeface="Cambria Math" panose="02040503050406030204" pitchFamily="18" charset="0"/>
+                          </a:rPr>
+                        </m:ctrlPr>
+                      </m:funcPr>
+                      <m:fName>
+                        <m:r>
+                          <m:rPr>
+                            <m:sty m:val="p"/>
+                          </m:rPr>
+                          <a:rPr lang="en-US" b="0" i="0" smtClean="0">
+                            <a:latin typeface="Cambria Math" panose="02040503050406030204" pitchFamily="18" charset="0"/>
+                          </a:rPr>
+                          <m:t>sin</m:t>
+                        </m:r>
+                      </m:fName>
+                      <m:e>
+                        <m:d>
+                          <m:dPr>
+                            <m:ctrlPr>
+                              <a:rPr lang="en-US" b="0" i="1" smtClean="0">
+                                <a:latin typeface="Cambria Math" panose="02040503050406030204" pitchFamily="18" charset="0"/>
+                              </a:rPr>
+                            </m:ctrlPr>
+                          </m:dPr>
+                          <m:e>
+                            <m:sSub>
+                              <m:sSubPr>
+                                <m:ctrlPr>
+                                  <a:rPr lang="en-US" b="0" i="1" smtClean="0">
+                                    <a:latin typeface="Cambria Math" panose="02040503050406030204" pitchFamily="18" charset="0"/>
+                                  </a:rPr>
+                                </m:ctrlPr>
+                              </m:sSubPr>
+                              <m:e>
+                                <m:r>
+                                  <a:rPr lang="en-US" b="0" i="1" smtClean="0">
+                                    <a:latin typeface="Cambria Math" panose="02040503050406030204" pitchFamily="18" charset="0"/>
+                                  </a:rPr>
+                                  <m:t>𝜃</m:t>
+                                </m:r>
+                              </m:e>
+                              <m:sub>
+                                <m:r>
+                                  <a:rPr lang="en-US" b="0" i="1" smtClean="0">
+                                    <a:latin typeface="Cambria Math" panose="02040503050406030204" pitchFamily="18" charset="0"/>
+                                  </a:rPr>
+                                  <m:t>1</m:t>
+                                </m:r>
+                              </m:sub>
+                            </m:sSub>
+                          </m:e>
+                        </m:d>
+                      </m:e>
+                    </m:func>
+                    <m:r>
+                      <a:rPr lang="en-US" b="0" i="1" smtClean="0">
+                        <a:latin typeface="Cambria Math" panose="02040503050406030204" pitchFamily="18" charset="0"/>
+                      </a:rPr>
+                      <m:t>+</m:t>
+                    </m:r>
+                    <m:r>
+                      <a:rPr lang="en-US" b="0" i="1" smtClean="0">
+                        <a:latin typeface="Cambria Math" panose="02040503050406030204" pitchFamily="18" charset="0"/>
+                      </a:rPr>
+                      <m:t>𝑑𝑠𝑖𝑛</m:t>
+                    </m:r>
+                    <m:d>
+                      <m:dPr>
+                        <m:ctrlPr>
+                          <a:rPr lang="en-US" b="0" i="1" smtClean="0">
+                            <a:latin typeface="Cambria Math" panose="02040503050406030204" pitchFamily="18" charset="0"/>
+                          </a:rPr>
+                        </m:ctrlPr>
+                      </m:dPr>
+                      <m:e>
+                        <m:sSub>
+                          <m:sSubPr>
+                            <m:ctrlPr>
+                              <a:rPr lang="en-US" b="0" i="1" smtClean="0">
+                                <a:latin typeface="Cambria Math" panose="02040503050406030204" pitchFamily="18" charset="0"/>
+                              </a:rPr>
+                            </m:ctrlPr>
+                          </m:sSubPr>
+                          <m:e>
+                            <m:r>
+                              <a:rPr lang="en-US" b="0" i="1" smtClean="0">
+                                <a:latin typeface="Cambria Math" panose="02040503050406030204" pitchFamily="18" charset="0"/>
+                              </a:rPr>
+                              <m:t>𝜃</m:t>
+                            </m:r>
+                          </m:e>
+                          <m:sub>
+                            <m:r>
+                              <a:rPr lang="en-US" b="0" i="1" smtClean="0">
+                                <a:latin typeface="Cambria Math" panose="02040503050406030204" pitchFamily="18" charset="0"/>
+                              </a:rPr>
+                              <m:t>1</m:t>
+                            </m:r>
+                          </m:sub>
+                        </m:sSub>
+                      </m:e>
+                    </m:d>
+                    <m:r>
+                      <a:rPr lang="en-US" b="0" i="1" smtClean="0">
+                        <a:latin typeface="Cambria Math" panose="02040503050406030204" pitchFamily="18" charset="0"/>
+                      </a:rPr>
+                      <m:t>+</m:t>
+                    </m:r>
+                    <m:r>
+                      <a:rPr lang="en-US" b="0" i="1" smtClean="0">
+                        <a:latin typeface="Cambria Math" panose="02040503050406030204" pitchFamily="18" charset="0"/>
+                      </a:rPr>
+                      <m:t>𝑑𝑠𝑖𝑛</m:t>
+                    </m:r>
+                    <m:r>
+                      <a:rPr lang="en-US" b="0" i="1" smtClean="0">
+                        <a:latin typeface="Cambria Math" panose="02040503050406030204" pitchFamily="18" charset="0"/>
+                      </a:rPr>
+                      <m:t>(</m:t>
+                    </m:r>
+                    <m:sSub>
+                      <m:sSubPr>
+                        <m:ctrlPr>
+                          <a:rPr lang="en-US" b="0" i="1" smtClean="0">
+                            <a:latin typeface="Cambria Math" panose="02040503050406030204" pitchFamily="18" charset="0"/>
+                          </a:rPr>
+                        </m:ctrlPr>
+                      </m:sSubPr>
+                      <m:e>
+                        <m:r>
+                          <a:rPr lang="en-US" b="0" i="1" smtClean="0">
+                            <a:latin typeface="Cambria Math" panose="02040503050406030204" pitchFamily="18" charset="0"/>
+                          </a:rPr>
+                          <m:t>𝜃</m:t>
+                        </m:r>
+                      </m:e>
+                      <m:sub>
+                        <m:r>
+                          <a:rPr lang="en-US" b="0" i="1" smtClean="0">
+                            <a:latin typeface="Cambria Math" panose="02040503050406030204" pitchFamily="18" charset="0"/>
+                          </a:rPr>
+                          <m:t>2</m:t>
+                        </m:r>
+                      </m:sub>
+                    </m:sSub>
+                    <m:r>
+                      <a:rPr lang="en-US" b="0" i="1" smtClean="0">
+                        <a:latin typeface="Cambria Math" panose="02040503050406030204" pitchFamily="18" charset="0"/>
+                      </a:rPr>
+                      <m:t>)</m:t>
+                    </m:r>
+                  </m:oMath>
+                </a14:m>
+                <a:endParaRPr lang="en-US" b="0" i="1" dirty="0">
+                  <a:latin typeface="Cambria Math" panose="02040503050406030204" pitchFamily="18" charset="0"/>
+                </a:endParaRPr>
+              </a:p>
+              <a:p>
+                <a:pPr lvl="2"/>
+                <a14:m>
+                  <m:oMath xmlns:m="http://schemas.openxmlformats.org/officeDocument/2006/math">
+                    <m:sSub>
+                      <m:sSubPr>
+                        <m:ctrlPr>
+                          <a:rPr lang="en-US" b="0" i="1" smtClean="0">
+                            <a:latin typeface="Cambria Math" panose="02040503050406030204" pitchFamily="18" charset="0"/>
+                          </a:rPr>
+                        </m:ctrlPr>
+                      </m:sSubPr>
+                      <m:e>
+                        <m:r>
+                          <a:rPr lang="en-US" b="0" i="1" smtClean="0">
+                            <a:latin typeface="Cambria Math" panose="02040503050406030204" pitchFamily="18" charset="0"/>
+                          </a:rPr>
+                          <m:t>𝜏</m:t>
+                        </m:r>
+                      </m:e>
+                      <m:sub>
+                        <m:r>
+                          <a:rPr lang="en-US" b="0" i="1" smtClean="0">
+                            <a:latin typeface="Cambria Math" panose="02040503050406030204" pitchFamily="18" charset="0"/>
+                          </a:rPr>
+                          <m:t>𝑡𝑜𝑡</m:t>
+                        </m:r>
+                        <m:r>
+                          <a:rPr lang="en-US" b="0" i="1" smtClean="0">
+                            <a:latin typeface="Cambria Math" panose="02040503050406030204" pitchFamily="18" charset="0"/>
+                          </a:rPr>
+                          <m:t>,2</m:t>
+                        </m:r>
+                      </m:sub>
+                    </m:sSub>
+                    <m:r>
+                      <a:rPr lang="en-US" b="0" i="1" smtClean="0">
+                        <a:latin typeface="Cambria Math" panose="02040503050406030204" pitchFamily="18" charset="0"/>
+                      </a:rPr>
+                      <m:t>=</m:t>
+                    </m:r>
+                    <m:sSub>
+                      <m:sSubPr>
+                        <m:ctrlPr>
+                          <a:rPr lang="en-US" i="1">
+                            <a:latin typeface="Cambria Math" panose="02040503050406030204" pitchFamily="18" charset="0"/>
+                          </a:rPr>
+                        </m:ctrlPr>
+                      </m:sSubPr>
+                      <m:e>
+                        <m:r>
+                          <a:rPr lang="en-US" i="1">
+                            <a:latin typeface="Cambria Math" panose="02040503050406030204" pitchFamily="18" charset="0"/>
+                          </a:rPr>
+                          <m:t>𝜏</m:t>
+                        </m:r>
+                      </m:e>
+                      <m:sub>
+                        <m:r>
+                          <a:rPr lang="en-US" i="1">
+                            <a:latin typeface="Cambria Math" panose="02040503050406030204" pitchFamily="18" charset="0"/>
+                          </a:rPr>
+                          <m:t>𝑝𝑖𝑡𝑐h</m:t>
+                        </m:r>
+                        <m:r>
+                          <a:rPr lang="en-US" i="1">
+                            <a:latin typeface="Cambria Math" panose="02040503050406030204" pitchFamily="18" charset="0"/>
+                          </a:rPr>
+                          <m:t>,</m:t>
+                        </m:r>
+                        <m:r>
+                          <a:rPr lang="en-US" i="1">
+                            <a:latin typeface="Cambria Math" panose="02040503050406030204" pitchFamily="18" charset="0"/>
+                          </a:rPr>
+                          <m:t>𝑐𝑜𝑒𝑓𝑓𝑠</m:t>
+                        </m:r>
+                        <m:r>
+                          <a:rPr lang="en-US" b="0" i="1" smtClean="0">
+                            <a:latin typeface="Cambria Math" panose="02040503050406030204" pitchFamily="18" charset="0"/>
+                          </a:rPr>
+                          <m:t>2</m:t>
+                        </m:r>
+                      </m:sub>
+                    </m:sSub>
+                    <m:sSub>
+                      <m:sSubPr>
+                        <m:ctrlPr>
+                          <a:rPr lang="en-US" b="0" i="1" smtClean="0">
+                            <a:latin typeface="Cambria Math" panose="02040503050406030204" pitchFamily="18" charset="0"/>
+                          </a:rPr>
+                        </m:ctrlPr>
+                      </m:sSubPr>
+                      <m:e>
+                        <m:r>
+                          <a:rPr lang="en-US" i="1">
+                            <a:latin typeface="Cambria Math" panose="02040503050406030204" pitchFamily="18" charset="0"/>
+                          </a:rPr>
+                          <m:t>𝜃</m:t>
+                        </m:r>
+                      </m:e>
+                      <m:sub>
+                        <m:r>
+                          <a:rPr lang="en-US" b="0" i="1" smtClean="0">
+                            <a:latin typeface="Cambria Math" panose="02040503050406030204" pitchFamily="18" charset="0"/>
+                          </a:rPr>
+                          <m:t>2</m:t>
+                        </m:r>
+                      </m:sub>
+                    </m:sSub>
+                    <m:r>
+                      <a:rPr lang="en-US" i="1">
+                        <a:latin typeface="Cambria Math" panose="02040503050406030204" pitchFamily="18" charset="0"/>
+                      </a:rPr>
+                      <m:t>+</m:t>
+                    </m:r>
+                    <m:sSub>
+                      <m:sSubPr>
+                        <m:ctrlPr>
+                          <a:rPr lang="en-US" i="1">
+                            <a:latin typeface="Cambria Math" panose="02040503050406030204" pitchFamily="18" charset="0"/>
+                          </a:rPr>
+                        </m:ctrlPr>
+                      </m:sSubPr>
+                      <m:e>
+                        <m:r>
+                          <a:rPr lang="en-US" i="1">
+                            <a:latin typeface="Cambria Math" panose="02040503050406030204" pitchFamily="18" charset="0"/>
+                          </a:rPr>
+                          <m:t>𝐹</m:t>
+                        </m:r>
+                      </m:e>
+                      <m:sub>
+                        <m:r>
+                          <a:rPr lang="en-US" i="1">
+                            <a:latin typeface="Cambria Math" panose="02040503050406030204" pitchFamily="18" charset="0"/>
+                          </a:rPr>
+                          <m:t>h𝑒𝑎𝑣𝑒</m:t>
+                        </m:r>
+                        <m:r>
+                          <a:rPr lang="en-US" i="1">
+                            <a:latin typeface="Cambria Math" panose="02040503050406030204" pitchFamily="18" charset="0"/>
+                          </a:rPr>
+                          <m:t>,</m:t>
+                        </m:r>
+                        <m:r>
+                          <a:rPr lang="en-US" i="1">
+                            <a:latin typeface="Cambria Math" panose="02040503050406030204" pitchFamily="18" charset="0"/>
+                          </a:rPr>
+                          <m:t>𝑐𝑜𝑒𝑓𝑓𝑠</m:t>
+                        </m:r>
+                        <m:r>
+                          <a:rPr lang="en-US" b="0" i="1" smtClean="0">
+                            <a:latin typeface="Cambria Math" panose="02040503050406030204" pitchFamily="18" charset="0"/>
+                          </a:rPr>
+                          <m:t>2</m:t>
+                        </m:r>
+                      </m:sub>
+                    </m:sSub>
+                    <m:r>
+                      <a:rPr lang="en-US" i="1">
+                        <a:latin typeface="Cambria Math" panose="02040503050406030204" pitchFamily="18" charset="0"/>
+                      </a:rPr>
+                      <m:t>𝑑𝑧</m:t>
+                    </m:r>
+                    <m:r>
+                      <a:rPr lang="en-US" b="0" i="1" smtClean="0">
+                        <a:latin typeface="Cambria Math" panose="02040503050406030204" pitchFamily="18" charset="0"/>
+                      </a:rPr>
+                      <m:t>=</m:t>
+                    </m:r>
+                    <m:sSub>
+                      <m:sSubPr>
+                        <m:ctrlPr>
+                          <a:rPr lang="en-US" i="1">
+                            <a:latin typeface="Cambria Math" panose="02040503050406030204" pitchFamily="18" charset="0"/>
+                          </a:rPr>
+                        </m:ctrlPr>
+                      </m:sSubPr>
+                      <m:e>
+                        <m:r>
+                          <a:rPr lang="en-US" i="1">
+                            <a:latin typeface="Cambria Math" panose="02040503050406030204" pitchFamily="18" charset="0"/>
+                          </a:rPr>
+                          <m:t>𝜏</m:t>
+                        </m:r>
+                      </m:e>
+                      <m:sub>
+                        <m:r>
+                          <a:rPr lang="en-US" i="1">
+                            <a:latin typeface="Cambria Math" panose="02040503050406030204" pitchFamily="18" charset="0"/>
+                          </a:rPr>
+                          <m:t>𝑝𝑖𝑡𝑐h</m:t>
+                        </m:r>
+                        <m:r>
+                          <a:rPr lang="en-US" i="1">
+                            <a:latin typeface="Cambria Math" panose="02040503050406030204" pitchFamily="18" charset="0"/>
+                          </a:rPr>
+                          <m:t>,</m:t>
+                        </m:r>
+                        <m:r>
+                          <a:rPr lang="en-US" i="1">
+                            <a:latin typeface="Cambria Math" panose="02040503050406030204" pitchFamily="18" charset="0"/>
+                          </a:rPr>
+                          <m:t>𝑐𝑜𝑒𝑓𝑓𝑠</m:t>
+                        </m:r>
+                        <m:r>
+                          <a:rPr lang="en-US" b="0" i="1" smtClean="0">
+                            <a:latin typeface="Cambria Math" panose="02040503050406030204" pitchFamily="18" charset="0"/>
+                          </a:rPr>
+                          <m:t>2</m:t>
+                        </m:r>
+                      </m:sub>
+                    </m:sSub>
+                    <m:sSub>
+                      <m:sSubPr>
+                        <m:ctrlPr>
+                          <a:rPr lang="en-US" i="1">
+                            <a:latin typeface="Cambria Math" panose="02040503050406030204" pitchFamily="18" charset="0"/>
+                          </a:rPr>
+                        </m:ctrlPr>
+                      </m:sSubPr>
+                      <m:e>
+                        <m:r>
+                          <a:rPr lang="en-US" i="1">
+                            <a:latin typeface="Cambria Math" panose="02040503050406030204" pitchFamily="18" charset="0"/>
+                          </a:rPr>
+                          <m:t>𝜃</m:t>
+                        </m:r>
+                      </m:e>
+                      <m:sub>
+                        <m:r>
+                          <a:rPr lang="en-US" i="1">
+                            <a:latin typeface="Cambria Math" panose="02040503050406030204" pitchFamily="18" charset="0"/>
+                          </a:rPr>
+                          <m:t>2</m:t>
+                        </m:r>
+                      </m:sub>
+                    </m:sSub>
+                    <m:r>
+                      <a:rPr lang="en-US" b="0" i="1" smtClean="0">
+                        <a:latin typeface="Cambria Math" panose="02040503050406030204" pitchFamily="18" charset="0"/>
+                      </a:rPr>
+                      <m:t>+3</m:t>
+                    </m:r>
+                    <m:sSub>
+                      <m:sSubPr>
+                        <m:ctrlPr>
+                          <a:rPr lang="en-US" i="1">
+                            <a:latin typeface="Cambria Math" panose="02040503050406030204" pitchFamily="18" charset="0"/>
+                          </a:rPr>
+                        </m:ctrlPr>
+                      </m:sSubPr>
+                      <m:e>
+                        <m:r>
+                          <a:rPr lang="en-US" i="1">
+                            <a:latin typeface="Cambria Math" panose="02040503050406030204" pitchFamily="18" charset="0"/>
+                          </a:rPr>
+                          <m:t>𝐹</m:t>
+                        </m:r>
+                      </m:e>
+                      <m:sub>
+                        <m:r>
+                          <a:rPr lang="en-US" i="1">
+                            <a:latin typeface="Cambria Math" panose="02040503050406030204" pitchFamily="18" charset="0"/>
+                          </a:rPr>
+                          <m:t>h𝑒𝑎𝑣𝑒</m:t>
+                        </m:r>
+                        <m:r>
+                          <a:rPr lang="en-US" i="1">
+                            <a:latin typeface="Cambria Math" panose="02040503050406030204" pitchFamily="18" charset="0"/>
+                          </a:rPr>
+                          <m:t>,</m:t>
+                        </m:r>
+                        <m:r>
+                          <a:rPr lang="en-US" i="1">
+                            <a:latin typeface="Cambria Math" panose="02040503050406030204" pitchFamily="18" charset="0"/>
+                          </a:rPr>
+                          <m:t>𝑐𝑜𝑒𝑓𝑓𝑠</m:t>
+                        </m:r>
+                        <m:r>
+                          <a:rPr lang="en-US" b="0" i="1" smtClean="0">
+                            <a:latin typeface="Cambria Math" panose="02040503050406030204" pitchFamily="18" charset="0"/>
+                          </a:rPr>
+                          <m:t>2</m:t>
+                        </m:r>
+                      </m:sub>
+                    </m:sSub>
+                    <m:r>
+                      <a:rPr lang="en-US" i="1">
+                        <a:latin typeface="Cambria Math" panose="02040503050406030204" pitchFamily="18" charset="0"/>
+                      </a:rPr>
+                      <m:t>𝑑</m:t>
+                    </m:r>
+                    <m:sSub>
+                      <m:sSubPr>
+                        <m:ctrlPr>
+                          <a:rPr lang="en-US" b="0" i="1" smtClean="0">
+                            <a:latin typeface="Cambria Math" panose="02040503050406030204" pitchFamily="18" charset="0"/>
+                          </a:rPr>
+                        </m:ctrlPr>
+                      </m:sSubPr>
+                      <m:e>
+                        <m:r>
+                          <a:rPr lang="en-US" b="0" i="1" smtClean="0">
+                            <a:latin typeface="Cambria Math" panose="02040503050406030204" pitchFamily="18" charset="0"/>
+                          </a:rPr>
+                          <m:t>𝜃</m:t>
+                        </m:r>
+                      </m:e>
+                      <m:sub>
+                        <m:r>
+                          <a:rPr lang="en-US" b="0" i="1" smtClean="0">
+                            <a:latin typeface="Cambria Math" panose="02040503050406030204" pitchFamily="18" charset="0"/>
+                          </a:rPr>
+                          <m:t>1</m:t>
+                        </m:r>
+                      </m:sub>
+                    </m:sSub>
+                    <m:r>
+                      <a:rPr lang="en-US" b="0" i="1" smtClean="0">
+                        <a:latin typeface="Cambria Math" panose="02040503050406030204" pitchFamily="18" charset="0"/>
+                      </a:rPr>
+                      <m:t>+</m:t>
+                    </m:r>
+                    <m:sSub>
+                      <m:sSubPr>
+                        <m:ctrlPr>
+                          <a:rPr lang="en-US" i="1">
+                            <a:latin typeface="Cambria Math" panose="02040503050406030204" pitchFamily="18" charset="0"/>
+                          </a:rPr>
+                        </m:ctrlPr>
+                      </m:sSubPr>
+                      <m:e>
+                        <m:r>
+                          <a:rPr lang="en-US" i="1">
+                            <a:latin typeface="Cambria Math" panose="02040503050406030204" pitchFamily="18" charset="0"/>
+                          </a:rPr>
+                          <m:t>𝐹</m:t>
+                        </m:r>
+                      </m:e>
+                      <m:sub>
+                        <m:r>
+                          <a:rPr lang="en-US" i="1">
+                            <a:latin typeface="Cambria Math" panose="02040503050406030204" pitchFamily="18" charset="0"/>
+                          </a:rPr>
+                          <m:t>h𝑒𝑎𝑣𝑒</m:t>
+                        </m:r>
+                        <m:r>
+                          <a:rPr lang="en-US" i="1">
+                            <a:latin typeface="Cambria Math" panose="02040503050406030204" pitchFamily="18" charset="0"/>
+                          </a:rPr>
+                          <m:t>,</m:t>
+                        </m:r>
+                        <m:r>
+                          <a:rPr lang="en-US" i="1">
+                            <a:latin typeface="Cambria Math" panose="02040503050406030204" pitchFamily="18" charset="0"/>
+                          </a:rPr>
+                          <m:t>𝑐𝑜𝑒𝑓𝑓𝑠</m:t>
+                        </m:r>
+                        <m:r>
+                          <a:rPr lang="en-US" b="0" i="1" smtClean="0">
+                            <a:latin typeface="Cambria Math" panose="02040503050406030204" pitchFamily="18" charset="0"/>
+                          </a:rPr>
+                          <m:t>2</m:t>
+                        </m:r>
+                      </m:sub>
+                    </m:sSub>
+                    <m:r>
+                      <a:rPr lang="en-US" i="1">
+                        <a:latin typeface="Cambria Math" panose="02040503050406030204" pitchFamily="18" charset="0"/>
+                      </a:rPr>
+                      <m:t>𝑑</m:t>
+                    </m:r>
+                    <m:sSub>
+                      <m:sSubPr>
+                        <m:ctrlPr>
+                          <a:rPr lang="en-US" i="1">
+                            <a:latin typeface="Cambria Math" panose="02040503050406030204" pitchFamily="18" charset="0"/>
+                          </a:rPr>
+                        </m:ctrlPr>
+                      </m:sSubPr>
+                      <m:e>
+                        <m:r>
+                          <a:rPr lang="en-US" i="1">
+                            <a:latin typeface="Cambria Math" panose="02040503050406030204" pitchFamily="18" charset="0"/>
+                          </a:rPr>
+                          <m:t>𝜃</m:t>
+                        </m:r>
+                      </m:e>
+                      <m:sub>
+                        <m:r>
+                          <a:rPr lang="en-US" b="0" i="1" smtClean="0">
+                            <a:latin typeface="Cambria Math" panose="02040503050406030204" pitchFamily="18" charset="0"/>
+                          </a:rPr>
+                          <m:t>2</m:t>
+                        </m:r>
+                      </m:sub>
+                    </m:sSub>
+                    <m:r>
+                      <a:rPr lang="en-US" b="0" i="1" smtClean="0">
+                        <a:latin typeface="Cambria Math" panose="02040503050406030204" pitchFamily="18" charset="0"/>
+                      </a:rPr>
+                      <m:t>=</m:t>
+                    </m:r>
+                    <m:d>
+                      <m:dPr>
+                        <m:ctrlPr>
+                          <a:rPr lang="en-US" b="0" i="1" smtClean="0">
+                            <a:latin typeface="Cambria Math" panose="02040503050406030204" pitchFamily="18" charset="0"/>
+                          </a:rPr>
+                        </m:ctrlPr>
+                      </m:dPr>
+                      <m:e>
+                        <m:sSub>
+                          <m:sSubPr>
+                            <m:ctrlPr>
+                              <a:rPr lang="en-US" b="0" i="1" smtClean="0">
+                                <a:latin typeface="Cambria Math" panose="02040503050406030204" pitchFamily="18" charset="0"/>
+                              </a:rPr>
+                            </m:ctrlPr>
+                          </m:sSubPr>
+                          <m:e>
+                            <m:r>
+                              <a:rPr lang="en-US" b="0" i="1" smtClean="0">
+                                <a:latin typeface="Cambria Math" panose="02040503050406030204" pitchFamily="18" charset="0"/>
+                              </a:rPr>
+                              <m:t>𝜏</m:t>
+                            </m:r>
+                          </m:e>
+                          <m:sub>
+                            <m:r>
+                              <a:rPr lang="en-US" b="0" i="1" smtClean="0">
+                                <a:latin typeface="Cambria Math" panose="02040503050406030204" pitchFamily="18" charset="0"/>
+                              </a:rPr>
+                              <m:t>𝑝𝑖𝑡𝑐h</m:t>
+                            </m:r>
+                            <m:r>
+                              <a:rPr lang="en-US" b="0" i="1" smtClean="0">
+                                <a:latin typeface="Cambria Math" panose="02040503050406030204" pitchFamily="18" charset="0"/>
+                              </a:rPr>
+                              <m:t>,</m:t>
+                            </m:r>
+                            <m:r>
+                              <a:rPr lang="en-US" b="0" i="1" smtClean="0">
+                                <a:latin typeface="Cambria Math" panose="02040503050406030204" pitchFamily="18" charset="0"/>
+                              </a:rPr>
+                              <m:t>𝑐𝑜𝑒𝑓𝑓𝑠</m:t>
+                            </m:r>
+                            <m:r>
+                              <a:rPr lang="en-US" b="0" i="1" smtClean="0">
+                                <a:latin typeface="Cambria Math" panose="02040503050406030204" pitchFamily="18" charset="0"/>
+                              </a:rPr>
+                              <m:t>2</m:t>
+                            </m:r>
+                          </m:sub>
+                        </m:sSub>
+                        <m:r>
+                          <a:rPr lang="en-US" b="0" i="1" smtClean="0">
+                            <a:latin typeface="Cambria Math" panose="02040503050406030204" pitchFamily="18" charset="0"/>
+                          </a:rPr>
+                          <m:t>+</m:t>
+                        </m:r>
+                        <m:sSub>
+                          <m:sSubPr>
+                            <m:ctrlPr>
+                              <a:rPr lang="en-US" b="0" i="1" smtClean="0">
+                                <a:latin typeface="Cambria Math" panose="02040503050406030204" pitchFamily="18" charset="0"/>
+                              </a:rPr>
+                            </m:ctrlPr>
+                          </m:sSubPr>
+                          <m:e>
+                            <m:r>
+                              <a:rPr lang="en-US" b="0" i="1" smtClean="0">
+                                <a:latin typeface="Cambria Math" panose="02040503050406030204" pitchFamily="18" charset="0"/>
+                              </a:rPr>
+                              <m:t>𝐹</m:t>
+                            </m:r>
+                          </m:e>
+                          <m:sub>
+                            <m:r>
+                              <a:rPr lang="en-US" b="0" i="1" smtClean="0">
+                                <a:latin typeface="Cambria Math" panose="02040503050406030204" pitchFamily="18" charset="0"/>
+                              </a:rPr>
+                              <m:t>h𝑒𝑎𝑣𝑒</m:t>
+                            </m:r>
+                            <m:r>
+                              <a:rPr lang="en-US" b="0" i="1" smtClean="0">
+                                <a:latin typeface="Cambria Math" panose="02040503050406030204" pitchFamily="18" charset="0"/>
+                              </a:rPr>
+                              <m:t>,</m:t>
+                            </m:r>
+                            <m:r>
+                              <a:rPr lang="en-US" b="0" i="1" smtClean="0">
+                                <a:latin typeface="Cambria Math" panose="02040503050406030204" pitchFamily="18" charset="0"/>
+                              </a:rPr>
+                              <m:t>𝑐𝑜𝑒𝑓𝑓𝑠</m:t>
+                            </m:r>
+                            <m:r>
+                              <a:rPr lang="en-US" b="0" i="1" smtClean="0">
+                                <a:latin typeface="Cambria Math" panose="02040503050406030204" pitchFamily="18" charset="0"/>
+                              </a:rPr>
+                              <m:t>2</m:t>
+                            </m:r>
+                          </m:sub>
+                        </m:sSub>
+                        <m:r>
+                          <a:rPr lang="en-US" b="0" i="1" smtClean="0">
+                            <a:latin typeface="Cambria Math" panose="02040503050406030204" pitchFamily="18" charset="0"/>
+                          </a:rPr>
+                          <m:t>𝑑</m:t>
+                        </m:r>
+                      </m:e>
+                    </m:d>
+                    <m:sSub>
+                      <m:sSubPr>
+                        <m:ctrlPr>
+                          <a:rPr lang="en-US" b="0" i="1" smtClean="0">
+                            <a:latin typeface="Cambria Math" panose="02040503050406030204" pitchFamily="18" charset="0"/>
+                          </a:rPr>
+                        </m:ctrlPr>
+                      </m:sSubPr>
+                      <m:e>
+                        <m:r>
+                          <a:rPr lang="en-US" b="0" i="1" smtClean="0">
+                            <a:latin typeface="Cambria Math" panose="02040503050406030204" pitchFamily="18" charset="0"/>
+                          </a:rPr>
+                          <m:t>𝜃</m:t>
+                        </m:r>
+                      </m:e>
+                      <m:sub>
+                        <m:r>
+                          <a:rPr lang="en-US" b="0" i="1" smtClean="0">
+                            <a:latin typeface="Cambria Math" panose="02040503050406030204" pitchFamily="18" charset="0"/>
+                          </a:rPr>
+                          <m:t>2</m:t>
+                        </m:r>
+                      </m:sub>
+                    </m:sSub>
+                    <m:r>
+                      <a:rPr lang="en-US" b="0" i="1" smtClean="0">
+                        <a:latin typeface="Cambria Math" panose="02040503050406030204" pitchFamily="18" charset="0"/>
+                      </a:rPr>
+                      <m:t>+3</m:t>
+                    </m:r>
+                    <m:sSub>
+                      <m:sSubPr>
+                        <m:ctrlPr>
+                          <a:rPr lang="en-US" b="0" i="1" smtClean="0">
+                            <a:latin typeface="Cambria Math" panose="02040503050406030204" pitchFamily="18" charset="0"/>
+                          </a:rPr>
+                        </m:ctrlPr>
+                      </m:sSubPr>
+                      <m:e>
+                        <m:r>
+                          <a:rPr lang="en-US" b="0" i="1" smtClean="0">
+                            <a:latin typeface="Cambria Math" panose="02040503050406030204" pitchFamily="18" charset="0"/>
+                          </a:rPr>
+                          <m:t>𝐹</m:t>
+                        </m:r>
+                      </m:e>
+                      <m:sub>
+                        <m:r>
+                          <a:rPr lang="en-US" b="0" i="1" smtClean="0">
+                            <a:latin typeface="Cambria Math" panose="02040503050406030204" pitchFamily="18" charset="0"/>
+                          </a:rPr>
+                          <m:t>h𝑒𝑎𝑣𝑒</m:t>
+                        </m:r>
+                        <m:r>
+                          <a:rPr lang="en-US" b="0" i="1" smtClean="0">
+                            <a:latin typeface="Cambria Math" panose="02040503050406030204" pitchFamily="18" charset="0"/>
+                          </a:rPr>
+                          <m:t>,</m:t>
+                        </m:r>
+                        <m:r>
+                          <a:rPr lang="en-US" b="0" i="1" smtClean="0">
+                            <a:latin typeface="Cambria Math" panose="02040503050406030204" pitchFamily="18" charset="0"/>
+                          </a:rPr>
+                          <m:t>𝑐𝑜𝑒𝑓𝑓𝑠</m:t>
+                        </m:r>
+                        <m:r>
+                          <a:rPr lang="en-US" b="0" i="1" smtClean="0">
+                            <a:latin typeface="Cambria Math" panose="02040503050406030204" pitchFamily="18" charset="0"/>
+                          </a:rPr>
+                          <m:t>2</m:t>
+                        </m:r>
+                      </m:sub>
+                    </m:sSub>
+                    <m:r>
+                      <a:rPr lang="en-US" b="0" i="1" smtClean="0">
+                        <a:latin typeface="Cambria Math" panose="02040503050406030204" pitchFamily="18" charset="0"/>
+                      </a:rPr>
+                      <m:t>𝑑</m:t>
+                    </m:r>
+                    <m:sSub>
+                      <m:sSubPr>
+                        <m:ctrlPr>
+                          <a:rPr lang="en-US" b="0" i="1" smtClean="0">
+                            <a:latin typeface="Cambria Math" panose="02040503050406030204" pitchFamily="18" charset="0"/>
+                          </a:rPr>
+                        </m:ctrlPr>
+                      </m:sSubPr>
+                      <m:e>
+                        <m:r>
+                          <a:rPr lang="en-US" b="0" i="1" smtClean="0">
+                            <a:latin typeface="Cambria Math" panose="02040503050406030204" pitchFamily="18" charset="0"/>
+                          </a:rPr>
+                          <m:t>𝜃</m:t>
+                        </m:r>
+                      </m:e>
+                      <m:sub>
+                        <m:r>
+                          <a:rPr lang="en-US" b="0" i="1" smtClean="0">
+                            <a:latin typeface="Cambria Math" panose="02040503050406030204" pitchFamily="18" charset="0"/>
+                          </a:rPr>
+                          <m:t>1</m:t>
+                        </m:r>
+                      </m:sub>
+                    </m:sSub>
+                  </m:oMath>
+                </a14:m>
+                <a:endParaRPr lang="en-US" dirty="0"/>
+              </a:p>
+              <a:p>
+                <a:pPr lvl="2"/>
+                <a:r>
+                  <a:rPr lang="en-US" dirty="0"/>
+                  <a:t>Let’s assume that </a:t>
+                </a:r>
+                <a14:m>
+                  <m:oMath xmlns:m="http://schemas.openxmlformats.org/officeDocument/2006/math">
+                    <m:r>
+                      <a:rPr lang="en-US" b="0" i="1" smtClean="0">
+                        <a:latin typeface="Cambria Math" panose="02040503050406030204" pitchFamily="18" charset="0"/>
+                      </a:rPr>
+                      <m:t>3</m:t>
+                    </m:r>
+                    <m:sSub>
+                      <m:sSubPr>
+                        <m:ctrlPr>
+                          <a:rPr lang="en-US" i="1">
+                            <a:latin typeface="Cambria Math" panose="02040503050406030204" pitchFamily="18" charset="0"/>
+                          </a:rPr>
+                        </m:ctrlPr>
+                      </m:sSubPr>
+                      <m:e>
+                        <m:r>
+                          <a:rPr lang="en-US" i="1">
+                            <a:latin typeface="Cambria Math" panose="02040503050406030204" pitchFamily="18" charset="0"/>
+                          </a:rPr>
+                          <m:t>𝐹</m:t>
+                        </m:r>
+                      </m:e>
+                      <m:sub>
+                        <m:r>
+                          <a:rPr lang="en-US" i="1">
+                            <a:latin typeface="Cambria Math" panose="02040503050406030204" pitchFamily="18" charset="0"/>
+                          </a:rPr>
+                          <m:t>h𝑒𝑎𝑣𝑒</m:t>
+                        </m:r>
+                        <m:r>
+                          <a:rPr lang="en-US" i="1">
+                            <a:latin typeface="Cambria Math" panose="02040503050406030204" pitchFamily="18" charset="0"/>
+                          </a:rPr>
+                          <m:t>,</m:t>
+                        </m:r>
+                        <m:r>
+                          <a:rPr lang="en-US" i="1">
+                            <a:latin typeface="Cambria Math" panose="02040503050406030204" pitchFamily="18" charset="0"/>
+                          </a:rPr>
+                          <m:t>𝑐𝑜𝑒𝑓𝑓𝑠</m:t>
+                        </m:r>
+                      </m:sub>
+                    </m:sSub>
+                    <m:r>
+                      <a:rPr lang="en-US" i="1">
+                        <a:latin typeface="Cambria Math" panose="02040503050406030204" pitchFamily="18" charset="0"/>
+                      </a:rPr>
+                      <m:t>𝑑</m:t>
+                    </m:r>
+                  </m:oMath>
+                </a14:m>
+                <a:r>
+                  <a:rPr lang="en-US" dirty="0"/>
+                  <a:t> is one-way coupling term, such that a force of that magnitude*theta1 acts on the pitch of float 2 </a:t>
+                </a:r>
+              </a:p>
+              <a:p>
+                <a:pPr lvl="1"/>
+                <a:r>
+                  <a:rPr lang="en-US" dirty="0"/>
+                  <a:t>I don’t think this works by default because the ratio of heave coefficients acting is different than the ratio of pitch </a:t>
+                </a:r>
+                <a:r>
+                  <a:rPr lang="en-US" dirty="0" err="1"/>
+                  <a:t>coeffs</a:t>
+                </a:r>
+                <a:r>
+                  <a:rPr lang="en-US" dirty="0"/>
+                  <a:t>. Instead, could we define the pitch </a:t>
+                </a:r>
+                <a:r>
+                  <a:rPr lang="en-US" dirty="0" err="1"/>
+                  <a:t>coeff</a:t>
+                </a:r>
+                <a:r>
+                  <a:rPr lang="en-US" dirty="0"/>
+                  <a:t> as dependent on both coefficients?</a:t>
+                </a:r>
+              </a:p>
+            </p:txBody>
+          </p:sp>
+        </mc:Choice>
+        <mc:Fallback xmlns="">
+          <p:sp>
+            <p:nvSpPr>
+              <p:cNvPr id="3" name="Content Placeholder 2">
+                <a:extLst>
+                  <a:ext uri="{FF2B5EF4-FFF2-40B4-BE49-F238E27FC236}">
+                    <a16:creationId xmlns:a16="http://schemas.microsoft.com/office/drawing/2014/main" id="{55C4DFEB-4D05-866B-39B4-B0727D5AA39D}"/>
+                  </a:ext>
+                </a:extLst>
+              </p:cNvPr>
+              <p:cNvSpPr>
+                <a:spLocks noGrp="1" noRot="1" noChangeAspect="1" noMove="1" noResize="1" noEditPoints="1" noAdjustHandles="1" noChangeArrowheads="1" noChangeShapeType="1" noTextEdit="1"/>
+              </p:cNvSpPr>
+              <p:nvPr>
+                <p:ph idx="1"/>
+              </p:nvPr>
+            </p:nvSpPr>
+            <p:spPr>
+              <a:xfrm>
+                <a:off x="435006" y="1180730"/>
+                <a:ext cx="11505460" cy="5542964"/>
+              </a:xfrm>
+              <a:blipFill>
+                <a:blip r:embed="rId2"/>
+                <a:stretch>
+                  <a:fillRect l="-794" t="-2860" r="-794"/>
+                </a:stretch>
+              </a:blipFill>
+            </p:spPr>
+            <p:txBody>
+              <a:bodyPr/>
+              <a:lstStyle/>
+              <a:p>
+                <a:r>
+                  <a:rPr lang="en-US">
+                    <a:noFill/>
+                  </a:rPr>
+                  <a:t> </a:t>
+                </a:r>
+              </a:p>
+            </p:txBody>
+          </p:sp>
+        </mc:Fallback>
+      </mc:AlternateContent>
+    </p:spTree>
+    <p:extLst>
+      <p:ext uri="{BB962C8B-B14F-4D97-AF65-F5344CB8AC3E}">
+        <p14:creationId xmlns:p14="http://schemas.microsoft.com/office/powerpoint/2010/main" val="2885365450"/>
+      </p:ext>
+    </p:extLst>
+  </p:cSld>
+  <p:clrMapOvr>
+    <a:masterClrMapping/>
+  </p:clrMapOvr>
+</p:sld>
+</file>
+
+<file path=ppt/slides/slide9.xml><?xml version="1.0" encoding="utf-8"?>
+<p:sld xmlns:a="http://schemas.openxmlformats.org/drawingml/2006/main" xmlns:r="http://schemas.openxmlformats.org/officeDocument/2006/relationships" xmlns:p="http://schemas.openxmlformats.org/presentationml/2006/main">
+  <p:cSld>
+    <p:spTree>
+      <p:nvGrpSpPr>
+        <p:cNvPr id="1" name=""/>
+        <p:cNvGrpSpPr/>
+        <p:nvPr/>
+      </p:nvGrpSpPr>
+      <p:grpSpPr>
+        <a:xfrm>
+          <a:off x="0" y="0"/>
+          <a:ext cx="0" cy="0"/>
+          <a:chOff x="0" y="0"/>
+          <a:chExt cx="0" cy="0"/>
+        </a:xfrm>
+      </p:grpSpPr>
+      <p:sp>
+        <p:nvSpPr>
+          <p:cNvPr id="2" name="Title 1">
+            <a:extLst>
+              <a:ext uri="{FF2B5EF4-FFF2-40B4-BE49-F238E27FC236}">
+                <a16:creationId xmlns:a16="http://schemas.microsoft.com/office/drawing/2014/main" id="{B2F9CDD0-8C28-B889-E7F1-FFE73F9E9395}"/>
+              </a:ext>
+            </a:extLst>
+          </p:cNvPr>
+          <p:cNvSpPr>
+            <a:spLocks noGrp="1"/>
+          </p:cNvSpPr>
+          <p:nvPr>
+            <p:ph type="title"/>
+          </p:nvPr>
+        </p:nvSpPr>
+        <p:spPr/>
+        <p:txBody>
+          <a:bodyPr/>
+          <a:lstStyle/>
+          <a:p>
+            <a:r>
+              <a:rPr lang="en-US" dirty="0"/>
+              <a:t>Excitation forces</a:t>
+            </a:r>
+          </a:p>
+        </p:txBody>
+      </p:sp>
+      <mc:AlternateContent xmlns:mc="http://schemas.openxmlformats.org/markup-compatibility/2006" xmlns:a14="http://schemas.microsoft.com/office/drawing/2010/main">
+        <mc:Choice Requires="a14">
+          <p:sp>
+            <p:nvSpPr>
+              <p:cNvPr id="3" name="Content Placeholder 2">
+                <a:extLst>
+                  <a:ext uri="{FF2B5EF4-FFF2-40B4-BE49-F238E27FC236}">
+                    <a16:creationId xmlns:a16="http://schemas.microsoft.com/office/drawing/2014/main" id="{BD4BD50E-6771-6AF4-E330-50B09B3B90FF}"/>
+                  </a:ext>
+                </a:extLst>
+              </p:cNvPr>
+              <p:cNvSpPr>
+                <a:spLocks noGrp="1"/>
+              </p:cNvSpPr>
+              <p:nvPr>
+                <p:ph idx="1"/>
+              </p:nvPr>
+            </p:nvSpPr>
+            <p:spPr/>
+            <p:txBody>
+              <a:bodyPr/>
+              <a:lstStyle/>
+              <a:p>
+                <a:r>
+                  <a:rPr lang="en-US" dirty="0"/>
+                  <a:t>Damping, added mass coefficients convert WEC position to force</a:t>
+                </a:r>
+              </a:p>
+              <a:p>
+                <a:r>
+                  <a:rPr lang="en-US" dirty="0"/>
+                  <a:t>Excitation coefficients convert wave elevation to force</a:t>
+                </a:r>
+              </a:p>
+              <a:p>
+                <a14:m>
+                  <m:oMath xmlns:m="http://schemas.openxmlformats.org/officeDocument/2006/math">
+                    <m:sSub>
+                      <m:sSubPr>
+                        <m:ctrlPr>
+                          <a:rPr lang="en-US" b="0" i="1" smtClean="0">
+                            <a:latin typeface="Cambria Math" panose="02040503050406030204" pitchFamily="18" charset="0"/>
+                          </a:rPr>
+                        </m:ctrlPr>
+                      </m:sSubPr>
+                      <m:e>
+                        <m:r>
+                          <a:rPr lang="en-US" b="0" i="1" smtClean="0">
+                            <a:latin typeface="Cambria Math" panose="02040503050406030204" pitchFamily="18" charset="0"/>
+                          </a:rPr>
+                          <m:t>𝑧</m:t>
+                        </m:r>
+                      </m:e>
+                      <m:sub>
+                        <m:r>
+                          <a:rPr lang="en-US" b="0" i="1" smtClean="0">
+                            <a:latin typeface="Cambria Math" panose="02040503050406030204" pitchFamily="18" charset="0"/>
+                          </a:rPr>
+                          <m:t>𝑤𝑎𝑣𝑒</m:t>
+                        </m:r>
+                      </m:sub>
+                    </m:sSub>
+                    <m:r>
+                      <a:rPr lang="en-US" b="0" i="1" smtClean="0">
+                        <a:latin typeface="Cambria Math" panose="02040503050406030204" pitchFamily="18" charset="0"/>
+                      </a:rPr>
+                      <m:t>=</m:t>
+                    </m:r>
+                    <m:sSub>
+                      <m:sSubPr>
+                        <m:ctrlPr>
+                          <a:rPr lang="en-US" b="0" i="1" smtClean="0">
+                            <a:latin typeface="Cambria Math" panose="02040503050406030204" pitchFamily="18" charset="0"/>
+                          </a:rPr>
+                        </m:ctrlPr>
+                      </m:sSubPr>
+                      <m:e>
+                        <m:r>
+                          <a:rPr lang="en-US" b="0" i="1" smtClean="0">
+                            <a:latin typeface="Cambria Math" panose="02040503050406030204" pitchFamily="18" charset="0"/>
+                          </a:rPr>
+                          <m:t>𝑧</m:t>
+                        </m:r>
+                      </m:e>
+                      <m:sub>
+                        <m:r>
+                          <a:rPr lang="en-US" b="0" i="1" smtClean="0">
+                            <a:latin typeface="Cambria Math" panose="02040503050406030204" pitchFamily="18" charset="0"/>
+                          </a:rPr>
+                          <m:t>𝑤𝑎𝑣𝑒</m:t>
+                        </m:r>
+                      </m:sub>
+                    </m:sSub>
+                  </m:oMath>
+                </a14:m>
+                <a:endParaRPr lang="en-US" dirty="0"/>
+              </a:p>
+              <a:p>
+                <a14:m>
+                  <m:oMath xmlns:m="http://schemas.openxmlformats.org/officeDocument/2006/math">
+                    <m:sSub>
+                      <m:sSubPr>
+                        <m:ctrlPr>
+                          <a:rPr lang="en-US" b="0" i="1" smtClean="0">
+                            <a:latin typeface="Cambria Math" panose="02040503050406030204" pitchFamily="18" charset="0"/>
+                          </a:rPr>
+                        </m:ctrlPr>
+                      </m:sSubPr>
+                      <m:e>
+                        <m:r>
+                          <a:rPr lang="en-US" b="0" i="1" smtClean="0">
+                            <a:latin typeface="Cambria Math" panose="02040503050406030204" pitchFamily="18" charset="0"/>
+                          </a:rPr>
+                          <m:t>𝜏</m:t>
+                        </m:r>
+                      </m:e>
+                      <m:sub>
+                        <m:r>
+                          <a:rPr lang="en-US" b="0" i="1" smtClean="0">
+                            <a:latin typeface="Cambria Math" panose="02040503050406030204" pitchFamily="18" charset="0"/>
+                          </a:rPr>
+                          <m:t>𝑡𝑜𝑡</m:t>
+                        </m:r>
+                        <m:r>
+                          <a:rPr lang="en-US" b="0" i="1" smtClean="0">
+                            <a:latin typeface="Cambria Math" panose="02040503050406030204" pitchFamily="18" charset="0"/>
+                          </a:rPr>
+                          <m:t>,2</m:t>
+                        </m:r>
+                      </m:sub>
+                    </m:sSub>
+                    <m:r>
+                      <a:rPr lang="en-US" b="0" i="1" smtClean="0">
+                        <a:latin typeface="Cambria Math" panose="02040503050406030204" pitchFamily="18" charset="0"/>
+                      </a:rPr>
+                      <m:t>=</m:t>
+                    </m:r>
+                    <m:sSub>
+                      <m:sSubPr>
+                        <m:ctrlPr>
+                          <a:rPr lang="en-US" i="1">
+                            <a:latin typeface="Cambria Math" panose="02040503050406030204" pitchFamily="18" charset="0"/>
+                          </a:rPr>
+                        </m:ctrlPr>
+                      </m:sSubPr>
+                      <m:e>
+                        <m:r>
+                          <a:rPr lang="en-US" i="1">
+                            <a:latin typeface="Cambria Math" panose="02040503050406030204" pitchFamily="18" charset="0"/>
+                          </a:rPr>
+                          <m:t>𝜏</m:t>
+                        </m:r>
+                      </m:e>
+                      <m:sub>
+                        <m:r>
+                          <a:rPr lang="en-US" i="1">
+                            <a:latin typeface="Cambria Math" panose="02040503050406030204" pitchFamily="18" charset="0"/>
+                          </a:rPr>
+                          <m:t>𝑝𝑖𝑡𝑐h</m:t>
+                        </m:r>
+                        <m:r>
+                          <a:rPr lang="en-US" i="1">
+                            <a:latin typeface="Cambria Math" panose="02040503050406030204" pitchFamily="18" charset="0"/>
+                          </a:rPr>
+                          <m:t>,</m:t>
+                        </m:r>
+                        <m:r>
+                          <a:rPr lang="en-US" i="1">
+                            <a:latin typeface="Cambria Math" panose="02040503050406030204" pitchFamily="18" charset="0"/>
+                          </a:rPr>
+                          <m:t>𝑐𝑜𝑒𝑓𝑓𝑠</m:t>
+                        </m:r>
+                        <m:r>
+                          <a:rPr lang="en-US" b="0" i="1" smtClean="0">
+                            <a:latin typeface="Cambria Math" panose="02040503050406030204" pitchFamily="18" charset="0"/>
+                          </a:rPr>
+                          <m:t>2</m:t>
+                        </m:r>
+                      </m:sub>
+                    </m:sSub>
+                    <m:sSub>
+                      <m:sSubPr>
+                        <m:ctrlPr>
+                          <a:rPr lang="en-US" b="0" i="1" smtClean="0">
+                            <a:latin typeface="Cambria Math" panose="02040503050406030204" pitchFamily="18" charset="0"/>
+                          </a:rPr>
+                        </m:ctrlPr>
+                      </m:sSubPr>
+                      <m:e>
+                        <m:r>
+                          <a:rPr lang="en-US" b="0" i="1" smtClean="0">
+                            <a:latin typeface="Cambria Math" panose="02040503050406030204" pitchFamily="18" charset="0"/>
+                          </a:rPr>
+                          <m:t>𝑧</m:t>
+                        </m:r>
+                      </m:e>
+                      <m:sub>
+                        <m:r>
+                          <a:rPr lang="en-US" b="0" i="1" smtClean="0">
+                            <a:latin typeface="Cambria Math" panose="02040503050406030204" pitchFamily="18" charset="0"/>
+                          </a:rPr>
+                          <m:t>𝑤𝑎𝑣𝑒</m:t>
+                        </m:r>
+                      </m:sub>
+                    </m:sSub>
+                    <m:r>
+                      <a:rPr lang="en-US" i="1">
+                        <a:latin typeface="Cambria Math" panose="02040503050406030204" pitchFamily="18" charset="0"/>
+                      </a:rPr>
+                      <m:t>+</m:t>
+                    </m:r>
+                    <m:r>
+                      <a:rPr lang="en-US" b="0" i="1" smtClean="0">
+                        <a:latin typeface="Cambria Math" panose="02040503050406030204" pitchFamily="18" charset="0"/>
+                      </a:rPr>
+                      <m:t>𝑑</m:t>
+                    </m:r>
+                    <m:sSub>
+                      <m:sSubPr>
+                        <m:ctrlPr>
+                          <a:rPr lang="en-US" i="1">
+                            <a:latin typeface="Cambria Math" panose="02040503050406030204" pitchFamily="18" charset="0"/>
+                          </a:rPr>
+                        </m:ctrlPr>
+                      </m:sSubPr>
+                      <m:e>
+                        <m:r>
+                          <a:rPr lang="en-US" i="1">
+                            <a:latin typeface="Cambria Math" panose="02040503050406030204" pitchFamily="18" charset="0"/>
+                          </a:rPr>
+                          <m:t>𝐹</m:t>
+                        </m:r>
+                      </m:e>
+                      <m:sub>
+                        <m:r>
+                          <a:rPr lang="en-US" i="1">
+                            <a:latin typeface="Cambria Math" panose="02040503050406030204" pitchFamily="18" charset="0"/>
+                          </a:rPr>
+                          <m:t>h𝑒𝑎𝑣𝑒</m:t>
+                        </m:r>
+                        <m:r>
+                          <a:rPr lang="en-US" i="1">
+                            <a:latin typeface="Cambria Math" panose="02040503050406030204" pitchFamily="18" charset="0"/>
+                          </a:rPr>
+                          <m:t>,</m:t>
+                        </m:r>
+                        <m:r>
+                          <a:rPr lang="en-US" i="1">
+                            <a:latin typeface="Cambria Math" panose="02040503050406030204" pitchFamily="18" charset="0"/>
+                          </a:rPr>
+                          <m:t>𝑐𝑜𝑒𝑓𝑓𝑠</m:t>
+                        </m:r>
+                        <m:r>
+                          <a:rPr lang="en-US" b="0" i="1" smtClean="0">
+                            <a:latin typeface="Cambria Math" panose="02040503050406030204" pitchFamily="18" charset="0"/>
+                          </a:rPr>
+                          <m:t>2</m:t>
+                        </m:r>
+                      </m:sub>
+                    </m:sSub>
+                    <m:sSub>
+                      <m:sSubPr>
+                        <m:ctrlPr>
+                          <a:rPr lang="en-US" b="0" i="1" smtClean="0">
+                            <a:latin typeface="Cambria Math" panose="02040503050406030204" pitchFamily="18" charset="0"/>
+                          </a:rPr>
+                        </m:ctrlPr>
+                      </m:sSubPr>
+                      <m:e>
+                        <m:r>
+                          <a:rPr lang="en-US" b="0" i="1" smtClean="0">
+                            <a:latin typeface="Cambria Math" panose="02040503050406030204" pitchFamily="18" charset="0"/>
+                          </a:rPr>
+                          <m:t>𝑧</m:t>
+                        </m:r>
+                      </m:e>
+                      <m:sub>
+                        <m:r>
+                          <a:rPr lang="en-US" b="0" i="1" smtClean="0">
+                            <a:latin typeface="Cambria Math" panose="02040503050406030204" pitchFamily="18" charset="0"/>
+                          </a:rPr>
+                          <m:t>𝑤𝑎𝑣𝑒</m:t>
+                        </m:r>
+                      </m:sub>
+                    </m:sSub>
+                    <m:r>
+                      <a:rPr lang="en-US" b="0" i="1" smtClean="0">
+                        <a:latin typeface="Cambria Math" panose="02040503050406030204" pitchFamily="18" charset="0"/>
+                      </a:rPr>
+                      <m:t>=</m:t>
+                    </m:r>
+                    <m:d>
+                      <m:dPr>
+                        <m:ctrlPr>
+                          <a:rPr lang="en-US" b="0" i="1" smtClean="0">
+                            <a:latin typeface="Cambria Math" panose="02040503050406030204" pitchFamily="18" charset="0"/>
+                          </a:rPr>
+                        </m:ctrlPr>
+                      </m:dPr>
+                      <m:e>
+                        <m:sSub>
+                          <m:sSubPr>
+                            <m:ctrlPr>
+                              <a:rPr lang="en-US" i="1">
+                                <a:latin typeface="Cambria Math" panose="02040503050406030204" pitchFamily="18" charset="0"/>
+                              </a:rPr>
+                            </m:ctrlPr>
+                          </m:sSubPr>
+                          <m:e>
+                            <m:r>
+                              <a:rPr lang="en-US" i="1">
+                                <a:latin typeface="Cambria Math" panose="02040503050406030204" pitchFamily="18" charset="0"/>
+                              </a:rPr>
+                              <m:t>𝜏</m:t>
+                            </m:r>
+                          </m:e>
+                          <m:sub>
+                            <m:r>
+                              <a:rPr lang="en-US" i="1">
+                                <a:latin typeface="Cambria Math" panose="02040503050406030204" pitchFamily="18" charset="0"/>
+                              </a:rPr>
+                              <m:t>𝑝𝑖𝑡𝑐h</m:t>
+                            </m:r>
+                            <m:r>
+                              <a:rPr lang="en-US" i="1">
+                                <a:latin typeface="Cambria Math" panose="02040503050406030204" pitchFamily="18" charset="0"/>
+                              </a:rPr>
+                              <m:t>,</m:t>
+                            </m:r>
+                            <m:r>
+                              <a:rPr lang="en-US" i="1">
+                                <a:latin typeface="Cambria Math" panose="02040503050406030204" pitchFamily="18" charset="0"/>
+                              </a:rPr>
+                              <m:t>𝑐𝑜𝑒𝑓𝑓𝑠</m:t>
+                            </m:r>
+                            <m:r>
+                              <a:rPr lang="en-US" b="0" i="1" smtClean="0">
+                                <a:latin typeface="Cambria Math" panose="02040503050406030204" pitchFamily="18" charset="0"/>
+                              </a:rPr>
+                              <m:t>2</m:t>
+                            </m:r>
+                          </m:sub>
+                        </m:sSub>
+                        <m:r>
+                          <a:rPr lang="en-US" i="1" smtClean="0">
+                            <a:latin typeface="Cambria Math" panose="02040503050406030204" pitchFamily="18" charset="0"/>
+                          </a:rPr>
+                          <m:t>+</m:t>
+                        </m:r>
+                        <m:sSub>
+                          <m:sSubPr>
+                            <m:ctrlPr>
+                              <a:rPr lang="en-US" i="1">
+                                <a:latin typeface="Cambria Math" panose="02040503050406030204" pitchFamily="18" charset="0"/>
+                              </a:rPr>
+                            </m:ctrlPr>
+                          </m:sSubPr>
+                          <m:e>
+                            <m:r>
+                              <a:rPr lang="en-US" i="1">
+                                <a:latin typeface="Cambria Math" panose="02040503050406030204" pitchFamily="18" charset="0"/>
+                              </a:rPr>
+                              <m:t>𝐹</m:t>
+                            </m:r>
+                          </m:e>
+                          <m:sub>
+                            <m:r>
+                              <a:rPr lang="en-US" i="1">
+                                <a:latin typeface="Cambria Math" panose="02040503050406030204" pitchFamily="18" charset="0"/>
+                              </a:rPr>
+                              <m:t>h𝑒𝑎𝑣𝑒</m:t>
+                            </m:r>
+                            <m:r>
+                              <a:rPr lang="en-US" i="1">
+                                <a:latin typeface="Cambria Math" panose="02040503050406030204" pitchFamily="18" charset="0"/>
+                              </a:rPr>
+                              <m:t>,</m:t>
+                            </m:r>
+                            <m:r>
+                              <a:rPr lang="en-US" i="1">
+                                <a:latin typeface="Cambria Math" panose="02040503050406030204" pitchFamily="18" charset="0"/>
+                              </a:rPr>
+                              <m:t>𝑐𝑜𝑒𝑓𝑓𝑠</m:t>
+                            </m:r>
+                            <m:r>
+                              <a:rPr lang="en-US" b="0" i="1" smtClean="0">
+                                <a:latin typeface="Cambria Math" panose="02040503050406030204" pitchFamily="18" charset="0"/>
+                              </a:rPr>
+                              <m:t>2</m:t>
+                            </m:r>
+                          </m:sub>
+                        </m:sSub>
+                        <m:r>
+                          <a:rPr lang="en-US" i="1">
+                            <a:latin typeface="Cambria Math" panose="02040503050406030204" pitchFamily="18" charset="0"/>
+                          </a:rPr>
+                          <m:t>𝑑</m:t>
+                        </m:r>
+                      </m:e>
+                    </m:d>
+                    <m:sSub>
+                      <m:sSubPr>
+                        <m:ctrlPr>
+                          <a:rPr lang="en-US" b="0" i="1" smtClean="0">
+                            <a:latin typeface="Cambria Math" panose="02040503050406030204" pitchFamily="18" charset="0"/>
+                          </a:rPr>
+                        </m:ctrlPr>
+                      </m:sSubPr>
+                      <m:e>
+                        <m:r>
+                          <a:rPr lang="en-US" b="0" i="1" smtClean="0">
+                            <a:latin typeface="Cambria Math" panose="02040503050406030204" pitchFamily="18" charset="0"/>
+                          </a:rPr>
+                          <m:t>𝑧</m:t>
+                        </m:r>
+                      </m:e>
+                      <m:sub>
+                        <m:r>
+                          <a:rPr lang="en-US" b="0" i="1" smtClean="0">
+                            <a:latin typeface="Cambria Math" panose="02040503050406030204" pitchFamily="18" charset="0"/>
+                          </a:rPr>
+                          <m:t>𝑤𝑎𝑣𝑒</m:t>
+                        </m:r>
+                      </m:sub>
+                    </m:sSub>
+                  </m:oMath>
+                </a14:m>
+                <a:endParaRPr lang="en-US" dirty="0"/>
+              </a:p>
+              <a:p>
+                <a:r>
+                  <a:rPr lang="en-US" dirty="0"/>
+                  <a:t>Shape of excitation looks good but how to get right shape for other </a:t>
+                </a:r>
+                <a:r>
+                  <a:rPr lang="en-US" dirty="0" err="1"/>
+                  <a:t>coeffs</a:t>
+                </a:r>
+                <a:r>
+                  <a:rPr lang="en-US" dirty="0"/>
+                  <a:t>?</a:t>
+                </a:r>
+              </a:p>
+              <a:p>
+                <a:pPr lvl="1"/>
+                <a:r>
+                  <a:rPr lang="en-US" dirty="0"/>
+                  <a:t>I got shape improved but results are coming out as zeros</a:t>
+                </a:r>
+              </a:p>
+              <a:p>
+                <a:endParaRPr lang="en-US" dirty="0"/>
+              </a:p>
+            </p:txBody>
+          </p:sp>
+        </mc:Choice>
+        <mc:Fallback xmlns="">
+          <p:sp>
+            <p:nvSpPr>
+              <p:cNvPr id="3" name="Content Placeholder 2">
+                <a:extLst>
+                  <a:ext uri="{FF2B5EF4-FFF2-40B4-BE49-F238E27FC236}">
+                    <a16:creationId xmlns:a16="http://schemas.microsoft.com/office/drawing/2014/main" id="{BD4BD50E-6771-6AF4-E330-50B09B3B90FF}"/>
+                  </a:ext>
+                </a:extLst>
+              </p:cNvPr>
+              <p:cNvSpPr>
+                <a:spLocks noGrp="1" noRot="1" noChangeAspect="1" noMove="1" noResize="1" noEditPoints="1" noAdjustHandles="1" noChangeArrowheads="1" noChangeShapeType="1" noTextEdit="1"/>
+              </p:cNvSpPr>
+              <p:nvPr>
+                <p:ph idx="1"/>
+              </p:nvPr>
+            </p:nvSpPr>
+            <p:spPr>
+              <a:blipFill>
+                <a:blip r:embed="rId2"/>
+                <a:stretch>
+                  <a:fillRect l="-1043" t="-2241"/>
+                </a:stretch>
+              </a:blipFill>
+            </p:spPr>
+            <p:txBody>
+              <a:bodyPr/>
+              <a:lstStyle/>
+              <a:p>
+                <a:r>
+                  <a:rPr lang="en-US">
+                    <a:noFill/>
+                  </a:rPr>
+                  <a:t> </a:t>
+                </a:r>
+              </a:p>
+            </p:txBody>
+          </p:sp>
+        </mc:Fallback>
+      </mc:AlternateContent>
+    </p:spTree>
+    <p:extLst>
+      <p:ext uri="{BB962C8B-B14F-4D97-AF65-F5344CB8AC3E}">
+        <p14:creationId xmlns:p14="http://schemas.microsoft.com/office/powerpoint/2010/main" val="3227988923"/>
       </p:ext>
     </p:extLst>
   </p:cSld>

--- a/examples/attenuatorInWOT.pptx
+++ b/examples/attenuatorInWOT.pptx
@@ -12,19 +12,26 @@
     <p:sldId id="288" r:id="rId6"/>
     <p:sldId id="302" r:id="rId7"/>
     <p:sldId id="303" r:id="rId8"/>
-    <p:sldId id="301" r:id="rId9"/>
-    <p:sldId id="305" r:id="rId10"/>
-    <p:sldId id="306" r:id="rId11"/>
-    <p:sldId id="298" r:id="rId12"/>
-    <p:sldId id="294" r:id="rId13"/>
-    <p:sldId id="295" r:id="rId14"/>
-    <p:sldId id="300" r:id="rId15"/>
-    <p:sldId id="290" r:id="rId16"/>
-    <p:sldId id="291" r:id="rId17"/>
-    <p:sldId id="304" r:id="rId18"/>
-    <p:sldId id="289" r:id="rId19"/>
-    <p:sldId id="292" r:id="rId20"/>
-    <p:sldId id="293" r:id="rId21"/>
+    <p:sldId id="313" r:id="rId9"/>
+    <p:sldId id="301" r:id="rId10"/>
+    <p:sldId id="311" r:id="rId11"/>
+    <p:sldId id="305" r:id="rId12"/>
+    <p:sldId id="306" r:id="rId13"/>
+    <p:sldId id="315" r:id="rId14"/>
+    <p:sldId id="307" r:id="rId15"/>
+    <p:sldId id="314" r:id="rId16"/>
+    <p:sldId id="308" r:id="rId17"/>
+    <p:sldId id="312" r:id="rId18"/>
+    <p:sldId id="298" r:id="rId19"/>
+    <p:sldId id="294" r:id="rId20"/>
+    <p:sldId id="295" r:id="rId21"/>
+    <p:sldId id="300" r:id="rId22"/>
+    <p:sldId id="290" r:id="rId23"/>
+    <p:sldId id="291" r:id="rId24"/>
+    <p:sldId id="304" r:id="rId25"/>
+    <p:sldId id="289" r:id="rId26"/>
+    <p:sldId id="292" r:id="rId27"/>
+    <p:sldId id="293" r:id="rId28"/>
   </p:sldIdLst>
   <p:sldSz cx="12192000" cy="6858000"/>
   <p:notesSz cx="6858000" cy="9144000"/>
@@ -278,7 +285,7 @@
           <a:p>
             <a:fld id="{D092EC4C-57CC-4761-ABF1-95EBC3C1FA39}" type="datetimeFigureOut">
               <a:rPr lang="en-US" smtClean="0"/>
-              <a:t>1/24/2025</a:t>
+              <a:t>2/24/2025</a:t>
             </a:fld>
             <a:endParaRPr lang="en-US"/>
           </a:p>
@@ -476,7 +483,7 @@
           <a:p>
             <a:fld id="{D092EC4C-57CC-4761-ABF1-95EBC3C1FA39}" type="datetimeFigureOut">
               <a:rPr lang="en-US" smtClean="0"/>
-              <a:t>1/24/2025</a:t>
+              <a:t>2/24/2025</a:t>
             </a:fld>
             <a:endParaRPr lang="en-US"/>
           </a:p>
@@ -684,7 +691,7 @@
           <a:p>
             <a:fld id="{D092EC4C-57CC-4761-ABF1-95EBC3C1FA39}" type="datetimeFigureOut">
               <a:rPr lang="en-US" smtClean="0"/>
-              <a:t>1/24/2025</a:t>
+              <a:t>2/24/2025</a:t>
             </a:fld>
             <a:endParaRPr lang="en-US"/>
           </a:p>
@@ -882,7 +889,7 @@
           <a:p>
             <a:fld id="{D092EC4C-57CC-4761-ABF1-95EBC3C1FA39}" type="datetimeFigureOut">
               <a:rPr lang="en-US" smtClean="0"/>
-              <a:t>1/24/2025</a:t>
+              <a:t>2/24/2025</a:t>
             </a:fld>
             <a:endParaRPr lang="en-US"/>
           </a:p>
@@ -1157,7 +1164,7 @@
           <a:p>
             <a:fld id="{D092EC4C-57CC-4761-ABF1-95EBC3C1FA39}" type="datetimeFigureOut">
               <a:rPr lang="en-US" smtClean="0"/>
-              <a:t>1/24/2025</a:t>
+              <a:t>2/24/2025</a:t>
             </a:fld>
             <a:endParaRPr lang="en-US"/>
           </a:p>
@@ -1422,7 +1429,7 @@
           <a:p>
             <a:fld id="{D092EC4C-57CC-4761-ABF1-95EBC3C1FA39}" type="datetimeFigureOut">
               <a:rPr lang="en-US" smtClean="0"/>
-              <a:t>1/24/2025</a:t>
+              <a:t>2/24/2025</a:t>
             </a:fld>
             <a:endParaRPr lang="en-US"/>
           </a:p>
@@ -1834,7 +1841,7 @@
           <a:p>
             <a:fld id="{D092EC4C-57CC-4761-ABF1-95EBC3C1FA39}" type="datetimeFigureOut">
               <a:rPr lang="en-US" smtClean="0"/>
-              <a:t>1/24/2025</a:t>
+              <a:t>2/24/2025</a:t>
             </a:fld>
             <a:endParaRPr lang="en-US"/>
           </a:p>
@@ -1975,7 +1982,7 @@
           <a:p>
             <a:fld id="{D092EC4C-57CC-4761-ABF1-95EBC3C1FA39}" type="datetimeFigureOut">
               <a:rPr lang="en-US" smtClean="0"/>
-              <a:t>1/24/2025</a:t>
+              <a:t>2/24/2025</a:t>
             </a:fld>
             <a:endParaRPr lang="en-US"/>
           </a:p>
@@ -2088,7 +2095,7 @@
           <a:p>
             <a:fld id="{D092EC4C-57CC-4761-ABF1-95EBC3C1FA39}" type="datetimeFigureOut">
               <a:rPr lang="en-US" smtClean="0"/>
-              <a:t>1/24/2025</a:t>
+              <a:t>2/24/2025</a:t>
             </a:fld>
             <a:endParaRPr lang="en-US"/>
           </a:p>
@@ -2399,7 +2406,7 @@
           <a:p>
             <a:fld id="{D092EC4C-57CC-4761-ABF1-95EBC3C1FA39}" type="datetimeFigureOut">
               <a:rPr lang="en-US" smtClean="0"/>
-              <a:t>1/24/2025</a:t>
+              <a:t>2/24/2025</a:t>
             </a:fld>
             <a:endParaRPr lang="en-US"/>
           </a:p>
@@ -2687,7 +2694,7 @@
           <a:p>
             <a:fld id="{D092EC4C-57CC-4761-ABF1-95EBC3C1FA39}" type="datetimeFigureOut">
               <a:rPr lang="en-US" smtClean="0"/>
-              <a:t>1/24/2025</a:t>
+              <a:t>2/24/2025</a:t>
             </a:fld>
             <a:endParaRPr lang="en-US"/>
           </a:p>
@@ -2928,7 +2935,7 @@
           <a:p>
             <a:fld id="{D092EC4C-57CC-4761-ABF1-95EBC3C1FA39}" type="datetimeFigureOut">
               <a:rPr lang="en-US" smtClean="0"/>
-              <a:t>1/24/2025</a:t>
+              <a:t>2/24/2025</a:t>
             </a:fld>
             <a:endParaRPr lang="en-US"/>
           </a:p>
@@ -6934,6 +6941,1214 @@
           <a:chExt cx="0" cy="0"/>
         </a:xfrm>
       </p:grpSpPr>
+      <mc:AlternateContent xmlns:mc="http://schemas.openxmlformats.org/markup-compatibility/2006" xmlns:a14="http://schemas.microsoft.com/office/drawing/2010/main">
+        <mc:Choice Requires="a14">
+          <p:sp>
+            <p:nvSpPr>
+              <p:cNvPr id="2" name="Title 1">
+                <a:extLst>
+                  <a:ext uri="{FF2B5EF4-FFF2-40B4-BE49-F238E27FC236}">
+                    <a16:creationId xmlns:a16="http://schemas.microsoft.com/office/drawing/2014/main" id="{708270F7-4DBB-8358-34F8-DC2D60EA8F49}"/>
+                  </a:ext>
+                </a:extLst>
+              </p:cNvPr>
+              <p:cNvSpPr>
+                <a:spLocks noGrp="1"/>
+              </p:cNvSpPr>
+              <p:nvPr>
+                <p:ph type="title"/>
+              </p:nvPr>
+            </p:nvSpPr>
+            <p:spPr/>
+            <p:txBody>
+              <a:bodyPr/>
+              <a:lstStyle/>
+              <a:p>
+                <a:r>
+                  <a:rPr lang="en-US" dirty="0"/>
+                  <a:t>Linearize </a:t>
+                </a:r>
+                <a14:m>
+                  <m:oMath xmlns:m="http://schemas.openxmlformats.org/officeDocument/2006/math">
+                    <m:r>
+                      <a:rPr lang="en-US" b="0" i="1" smtClean="0">
+                        <a:latin typeface="Cambria Math" panose="02040503050406030204" pitchFamily="18" charset="0"/>
+                      </a:rPr>
+                      <m:t>𝑠𝑖𝑛</m:t>
+                    </m:r>
+                    <m:d>
+                      <m:dPr>
+                        <m:ctrlPr>
+                          <a:rPr lang="en-US" b="0" i="1" smtClean="0">
+                            <a:latin typeface="Cambria Math" panose="02040503050406030204" pitchFamily="18" charset="0"/>
+                          </a:rPr>
+                        </m:ctrlPr>
+                      </m:dPr>
+                      <m:e>
+                        <m:sSub>
+                          <m:sSubPr>
+                            <m:ctrlPr>
+                              <a:rPr lang="en-US" b="0" i="1" smtClean="0">
+                                <a:latin typeface="Cambria Math" panose="02040503050406030204" pitchFamily="18" charset="0"/>
+                              </a:rPr>
+                            </m:ctrlPr>
+                          </m:sSubPr>
+                          <m:e>
+                            <m:r>
+                              <a:rPr lang="en-US" b="0" i="1" smtClean="0">
+                                <a:latin typeface="Cambria Math" panose="02040503050406030204" pitchFamily="18" charset="0"/>
+                              </a:rPr>
+                              <m:t>𝜃</m:t>
+                            </m:r>
+                          </m:e>
+                          <m:sub>
+                            <m:r>
+                              <a:rPr lang="en-US" b="0" i="1" smtClean="0">
+                                <a:latin typeface="Cambria Math" panose="02040503050406030204" pitchFamily="18" charset="0"/>
+                              </a:rPr>
+                              <m:t>1</m:t>
+                            </m:r>
+                          </m:sub>
+                        </m:sSub>
+                        <m:r>
+                          <a:rPr lang="en-US" b="0" i="1" smtClean="0">
+                            <a:latin typeface="Cambria Math" panose="02040503050406030204" pitchFamily="18" charset="0"/>
+                          </a:rPr>
+                          <m:t>+</m:t>
+                        </m:r>
+                        <m:sSub>
+                          <m:sSubPr>
+                            <m:ctrlPr>
+                              <a:rPr lang="en-US" b="0" i="1" smtClean="0">
+                                <a:latin typeface="Cambria Math" panose="02040503050406030204" pitchFamily="18" charset="0"/>
+                              </a:rPr>
+                            </m:ctrlPr>
+                          </m:sSubPr>
+                          <m:e>
+                            <m:r>
+                              <a:rPr lang="en-US" b="0" i="1" smtClean="0">
+                                <a:latin typeface="Cambria Math" panose="02040503050406030204" pitchFamily="18" charset="0"/>
+                              </a:rPr>
+                              <m:t>𝜃</m:t>
+                            </m:r>
+                          </m:e>
+                          <m:sub>
+                            <m:r>
+                              <a:rPr lang="en-US" b="0" i="1" smtClean="0">
+                                <a:latin typeface="Cambria Math" panose="02040503050406030204" pitchFamily="18" charset="0"/>
+                              </a:rPr>
+                              <m:t>2</m:t>
+                            </m:r>
+                          </m:sub>
+                        </m:sSub>
+                      </m:e>
+                    </m:d>
+                  </m:oMath>
+                </a14:m>
+                <a:endParaRPr lang="en-US" dirty="0"/>
+              </a:p>
+            </p:txBody>
+          </p:sp>
+        </mc:Choice>
+        <mc:Fallback xmlns="">
+          <p:sp>
+            <p:nvSpPr>
+              <p:cNvPr id="2" name="Title 1">
+                <a:extLst>
+                  <a:ext uri="{FF2B5EF4-FFF2-40B4-BE49-F238E27FC236}">
+                    <a16:creationId xmlns:a16="http://schemas.microsoft.com/office/drawing/2014/main" id="{708270F7-4DBB-8358-34F8-DC2D60EA8F49}"/>
+                  </a:ext>
+                </a:extLst>
+              </p:cNvPr>
+              <p:cNvSpPr>
+                <a:spLocks noGrp="1" noRot="1" noChangeAspect="1" noMove="1" noResize="1" noEditPoints="1" noAdjustHandles="1" noChangeArrowheads="1" noChangeShapeType="1" noTextEdit="1"/>
+              </p:cNvSpPr>
+              <p:nvPr>
+                <p:ph type="title"/>
+              </p:nvPr>
+            </p:nvSpPr>
+            <p:spPr>
+              <a:blipFill>
+                <a:blip r:embed="rId2"/>
+                <a:stretch>
+                  <a:fillRect l="-2377"/>
+                </a:stretch>
+              </a:blipFill>
+            </p:spPr>
+            <p:txBody>
+              <a:bodyPr/>
+              <a:lstStyle/>
+              <a:p>
+                <a:r>
+                  <a:rPr lang="en-US">
+                    <a:noFill/>
+                  </a:rPr>
+                  <a:t> </a:t>
+                </a:r>
+              </a:p>
+            </p:txBody>
+          </p:sp>
+        </mc:Fallback>
+      </mc:AlternateContent>
+      <mc:AlternateContent xmlns:mc="http://schemas.openxmlformats.org/markup-compatibility/2006" xmlns:a14="http://schemas.microsoft.com/office/drawing/2010/main">
+        <mc:Choice Requires="a14">
+          <p:sp>
+            <p:nvSpPr>
+              <p:cNvPr id="3" name="Content Placeholder 2">
+                <a:extLst>
+                  <a:ext uri="{FF2B5EF4-FFF2-40B4-BE49-F238E27FC236}">
+                    <a16:creationId xmlns:a16="http://schemas.microsoft.com/office/drawing/2014/main" id="{DEF18C82-700D-EF2B-DFE0-D31E8857489B}"/>
+                  </a:ext>
+                </a:extLst>
+              </p:cNvPr>
+              <p:cNvSpPr>
+                <a:spLocks noGrp="1"/>
+              </p:cNvSpPr>
+              <p:nvPr>
+                <p:ph idx="1"/>
+              </p:nvPr>
+            </p:nvSpPr>
+            <p:spPr/>
+            <p:txBody>
+              <a:bodyPr/>
+              <a:lstStyle/>
+              <a:p>
+                <a:pPr marL="0" indent="0">
+                  <a:buNone/>
+                </a:pPr>
+                <a14:m>
+                  <m:oMathPara xmlns:m="http://schemas.openxmlformats.org/officeDocument/2006/math">
+                    <m:oMathParaPr>
+                      <m:jc m:val="centerGroup"/>
+                    </m:oMathParaPr>
+                    <m:oMath xmlns:m="http://schemas.openxmlformats.org/officeDocument/2006/math">
+                      <m:r>
+                        <a:rPr lang="en-US" i="1" smtClean="0">
+                          <a:latin typeface="Cambria Math" panose="02040503050406030204" pitchFamily="18" charset="0"/>
+                        </a:rPr>
+                        <m:t>𝑠𝑖𝑛</m:t>
+                      </m:r>
+                      <m:d>
+                        <m:dPr>
+                          <m:ctrlPr>
+                            <a:rPr lang="en-US" i="1">
+                              <a:latin typeface="Cambria Math" panose="02040503050406030204" pitchFamily="18" charset="0"/>
+                            </a:rPr>
+                          </m:ctrlPr>
+                        </m:dPr>
+                        <m:e>
+                          <m:sSub>
+                            <m:sSubPr>
+                              <m:ctrlPr>
+                                <a:rPr lang="en-US" i="1">
+                                  <a:latin typeface="Cambria Math" panose="02040503050406030204" pitchFamily="18" charset="0"/>
+                                </a:rPr>
+                              </m:ctrlPr>
+                            </m:sSubPr>
+                            <m:e>
+                              <m:r>
+                                <a:rPr lang="en-US" i="1">
+                                  <a:latin typeface="Cambria Math" panose="02040503050406030204" pitchFamily="18" charset="0"/>
+                                </a:rPr>
+                                <m:t>𝜃</m:t>
+                              </m:r>
+                            </m:e>
+                            <m:sub>
+                              <m:r>
+                                <a:rPr lang="en-US" i="1">
+                                  <a:latin typeface="Cambria Math" panose="02040503050406030204" pitchFamily="18" charset="0"/>
+                                </a:rPr>
+                                <m:t>1</m:t>
+                              </m:r>
+                            </m:sub>
+                          </m:sSub>
+                          <m:r>
+                            <a:rPr lang="en-US" i="1">
+                              <a:latin typeface="Cambria Math" panose="02040503050406030204" pitchFamily="18" charset="0"/>
+                            </a:rPr>
+                            <m:t>+</m:t>
+                          </m:r>
+                          <m:sSub>
+                            <m:sSubPr>
+                              <m:ctrlPr>
+                                <a:rPr lang="en-US" i="1">
+                                  <a:latin typeface="Cambria Math" panose="02040503050406030204" pitchFamily="18" charset="0"/>
+                                </a:rPr>
+                              </m:ctrlPr>
+                            </m:sSubPr>
+                            <m:e>
+                              <m:r>
+                                <a:rPr lang="en-US" i="1">
+                                  <a:latin typeface="Cambria Math" panose="02040503050406030204" pitchFamily="18" charset="0"/>
+                                </a:rPr>
+                                <m:t>𝜃</m:t>
+                              </m:r>
+                            </m:e>
+                            <m:sub>
+                              <m:r>
+                                <a:rPr lang="en-US" i="1">
+                                  <a:latin typeface="Cambria Math" panose="02040503050406030204" pitchFamily="18" charset="0"/>
+                                </a:rPr>
+                                <m:t>2</m:t>
+                              </m:r>
+                            </m:sub>
+                          </m:sSub>
+                        </m:e>
+                      </m:d>
+                      <m:r>
+                        <a:rPr lang="en-US" b="0" i="1" smtClean="0">
+                          <a:latin typeface="Cambria Math" panose="02040503050406030204" pitchFamily="18" charset="0"/>
+                        </a:rPr>
+                        <m:t>=</m:t>
+                      </m:r>
+                      <m:func>
+                        <m:funcPr>
+                          <m:ctrlPr>
+                            <a:rPr lang="en-US" b="0" i="1" smtClean="0">
+                              <a:latin typeface="Cambria Math" panose="02040503050406030204" pitchFamily="18" charset="0"/>
+                            </a:rPr>
+                          </m:ctrlPr>
+                        </m:funcPr>
+                        <m:fName>
+                          <m:r>
+                            <m:rPr>
+                              <m:sty m:val="p"/>
+                            </m:rPr>
+                            <a:rPr lang="en-US" b="0" i="0" smtClean="0">
+                              <a:latin typeface="Cambria Math" panose="02040503050406030204" pitchFamily="18" charset="0"/>
+                            </a:rPr>
+                            <m:t>sin</m:t>
+                          </m:r>
+                        </m:fName>
+                        <m:e>
+                          <m:d>
+                            <m:dPr>
+                              <m:ctrlPr>
+                                <a:rPr lang="en-US" b="0" i="1" smtClean="0">
+                                  <a:latin typeface="Cambria Math" panose="02040503050406030204" pitchFamily="18" charset="0"/>
+                                </a:rPr>
+                              </m:ctrlPr>
+                            </m:dPr>
+                            <m:e>
+                              <m:sSub>
+                                <m:sSubPr>
+                                  <m:ctrlPr>
+                                    <a:rPr lang="en-US" b="0" i="1" smtClean="0">
+                                      <a:latin typeface="Cambria Math" panose="02040503050406030204" pitchFamily="18" charset="0"/>
+                                    </a:rPr>
+                                  </m:ctrlPr>
+                                </m:sSubPr>
+                                <m:e>
+                                  <m:r>
+                                    <a:rPr lang="en-US" b="0" i="1" smtClean="0">
+                                      <a:latin typeface="Cambria Math" panose="02040503050406030204" pitchFamily="18" charset="0"/>
+                                    </a:rPr>
+                                    <m:t>𝜃</m:t>
+                                  </m:r>
+                                </m:e>
+                                <m:sub>
+                                  <m:r>
+                                    <a:rPr lang="en-US" b="0" i="1" smtClean="0">
+                                      <a:latin typeface="Cambria Math" panose="02040503050406030204" pitchFamily="18" charset="0"/>
+                                    </a:rPr>
+                                    <m:t>1</m:t>
+                                  </m:r>
+                                </m:sub>
+                              </m:sSub>
+                            </m:e>
+                          </m:d>
+                        </m:e>
+                      </m:func>
+                      <m:func>
+                        <m:funcPr>
+                          <m:ctrlPr>
+                            <a:rPr lang="en-US" b="0" i="1" smtClean="0">
+                              <a:latin typeface="Cambria Math" panose="02040503050406030204" pitchFamily="18" charset="0"/>
+                            </a:rPr>
+                          </m:ctrlPr>
+                        </m:funcPr>
+                        <m:fName>
+                          <m:r>
+                            <m:rPr>
+                              <m:sty m:val="p"/>
+                            </m:rPr>
+                            <a:rPr lang="en-US" b="0" i="0" smtClean="0">
+                              <a:latin typeface="Cambria Math" panose="02040503050406030204" pitchFamily="18" charset="0"/>
+                            </a:rPr>
+                            <m:t>cos</m:t>
+                          </m:r>
+                        </m:fName>
+                        <m:e>
+                          <m:d>
+                            <m:dPr>
+                              <m:ctrlPr>
+                                <a:rPr lang="en-US" b="0" i="1" smtClean="0">
+                                  <a:latin typeface="Cambria Math" panose="02040503050406030204" pitchFamily="18" charset="0"/>
+                                </a:rPr>
+                              </m:ctrlPr>
+                            </m:dPr>
+                            <m:e>
+                              <m:sSub>
+                                <m:sSubPr>
+                                  <m:ctrlPr>
+                                    <a:rPr lang="en-US" b="0" i="1" smtClean="0">
+                                      <a:latin typeface="Cambria Math" panose="02040503050406030204" pitchFamily="18" charset="0"/>
+                                    </a:rPr>
+                                  </m:ctrlPr>
+                                </m:sSubPr>
+                                <m:e>
+                                  <m:r>
+                                    <a:rPr lang="en-US" b="0" i="1" smtClean="0">
+                                      <a:latin typeface="Cambria Math" panose="02040503050406030204" pitchFamily="18" charset="0"/>
+                                    </a:rPr>
+                                    <m:t>𝜃</m:t>
+                                  </m:r>
+                                </m:e>
+                                <m:sub>
+                                  <m:r>
+                                    <a:rPr lang="en-US" b="0" i="1" smtClean="0">
+                                      <a:latin typeface="Cambria Math" panose="02040503050406030204" pitchFamily="18" charset="0"/>
+                                    </a:rPr>
+                                    <m:t>2</m:t>
+                                  </m:r>
+                                </m:sub>
+                              </m:sSub>
+                            </m:e>
+                          </m:d>
+                        </m:e>
+                      </m:func>
+                      <m:r>
+                        <a:rPr lang="en-US" b="0" i="1" smtClean="0">
+                          <a:latin typeface="Cambria Math" panose="02040503050406030204" pitchFamily="18" charset="0"/>
+                        </a:rPr>
+                        <m:t>+</m:t>
+                      </m:r>
+                      <m:func>
+                        <m:funcPr>
+                          <m:ctrlPr>
+                            <a:rPr lang="en-US" b="0" i="1" smtClean="0">
+                              <a:latin typeface="Cambria Math" panose="02040503050406030204" pitchFamily="18" charset="0"/>
+                            </a:rPr>
+                          </m:ctrlPr>
+                        </m:funcPr>
+                        <m:fName>
+                          <m:r>
+                            <m:rPr>
+                              <m:sty m:val="p"/>
+                            </m:rPr>
+                            <a:rPr lang="en-US" b="0" i="0" smtClean="0">
+                              <a:latin typeface="Cambria Math" panose="02040503050406030204" pitchFamily="18" charset="0"/>
+                            </a:rPr>
+                            <m:t>cos</m:t>
+                          </m:r>
+                        </m:fName>
+                        <m:e>
+                          <m:d>
+                            <m:dPr>
+                              <m:ctrlPr>
+                                <a:rPr lang="en-US" b="0" i="1" smtClean="0">
+                                  <a:latin typeface="Cambria Math" panose="02040503050406030204" pitchFamily="18" charset="0"/>
+                                </a:rPr>
+                              </m:ctrlPr>
+                            </m:dPr>
+                            <m:e>
+                              <m:sSub>
+                                <m:sSubPr>
+                                  <m:ctrlPr>
+                                    <a:rPr lang="en-US" b="0" i="1" smtClean="0">
+                                      <a:latin typeface="Cambria Math" panose="02040503050406030204" pitchFamily="18" charset="0"/>
+                                    </a:rPr>
+                                  </m:ctrlPr>
+                                </m:sSubPr>
+                                <m:e>
+                                  <m:r>
+                                    <a:rPr lang="en-US" b="0" i="1" smtClean="0">
+                                      <a:latin typeface="Cambria Math" panose="02040503050406030204" pitchFamily="18" charset="0"/>
+                                    </a:rPr>
+                                    <m:t>𝜃</m:t>
+                                  </m:r>
+                                </m:e>
+                                <m:sub>
+                                  <m:r>
+                                    <a:rPr lang="en-US" b="0" i="1" smtClean="0">
+                                      <a:latin typeface="Cambria Math" panose="02040503050406030204" pitchFamily="18" charset="0"/>
+                                    </a:rPr>
+                                    <m:t>1</m:t>
+                                  </m:r>
+                                </m:sub>
+                              </m:sSub>
+                            </m:e>
+                          </m:d>
+                        </m:e>
+                      </m:func>
+                      <m:func>
+                        <m:funcPr>
+                          <m:ctrlPr>
+                            <a:rPr lang="en-US" b="0" i="1" smtClean="0">
+                              <a:latin typeface="Cambria Math" panose="02040503050406030204" pitchFamily="18" charset="0"/>
+                            </a:rPr>
+                          </m:ctrlPr>
+                        </m:funcPr>
+                        <m:fName>
+                          <m:r>
+                            <m:rPr>
+                              <m:sty m:val="p"/>
+                            </m:rPr>
+                            <a:rPr lang="en-US" b="0" i="0" smtClean="0">
+                              <a:latin typeface="Cambria Math" panose="02040503050406030204" pitchFamily="18" charset="0"/>
+                            </a:rPr>
+                            <m:t>sin</m:t>
+                          </m:r>
+                        </m:fName>
+                        <m:e>
+                          <m:d>
+                            <m:dPr>
+                              <m:ctrlPr>
+                                <a:rPr lang="en-US" b="0" i="1" smtClean="0">
+                                  <a:latin typeface="Cambria Math" panose="02040503050406030204" pitchFamily="18" charset="0"/>
+                                </a:rPr>
+                              </m:ctrlPr>
+                            </m:dPr>
+                            <m:e>
+                              <m:sSub>
+                                <m:sSubPr>
+                                  <m:ctrlPr>
+                                    <a:rPr lang="en-US" b="0" i="1" smtClean="0">
+                                      <a:latin typeface="Cambria Math" panose="02040503050406030204" pitchFamily="18" charset="0"/>
+                                    </a:rPr>
+                                  </m:ctrlPr>
+                                </m:sSubPr>
+                                <m:e>
+                                  <m:r>
+                                    <a:rPr lang="en-US" b="0" i="1" smtClean="0">
+                                      <a:latin typeface="Cambria Math" panose="02040503050406030204" pitchFamily="18" charset="0"/>
+                                    </a:rPr>
+                                    <m:t>𝜃</m:t>
+                                  </m:r>
+                                </m:e>
+                                <m:sub>
+                                  <m:r>
+                                    <a:rPr lang="en-US" b="0" i="1" smtClean="0">
+                                      <a:latin typeface="Cambria Math" panose="02040503050406030204" pitchFamily="18" charset="0"/>
+                                    </a:rPr>
+                                    <m:t>2</m:t>
+                                  </m:r>
+                                </m:sub>
+                              </m:sSub>
+                            </m:e>
+                          </m:d>
+                        </m:e>
+                      </m:func>
+                    </m:oMath>
+                  </m:oMathPara>
+                </a14:m>
+                <a:endParaRPr lang="en-US" b="0" dirty="0"/>
+              </a:p>
+              <a:p>
+                <a:pPr marL="0" indent="0">
+                  <a:buNone/>
+                </a:pPr>
+                <a:r>
+                  <a:rPr lang="en-US" dirty="0"/>
+                  <a:t>Linearized:</a:t>
+                </a:r>
+              </a:p>
+              <a:p>
+                <a:pPr marL="0" indent="0">
+                  <a:buNone/>
+                </a:pPr>
+                <a14:m>
+                  <m:oMath xmlns:m="http://schemas.openxmlformats.org/officeDocument/2006/math">
+                    <m:sSub>
+                      <m:sSubPr>
+                        <m:ctrlPr>
+                          <a:rPr lang="en-US" b="0" i="1" smtClean="0">
+                            <a:latin typeface="Cambria Math" panose="02040503050406030204" pitchFamily="18" charset="0"/>
+                          </a:rPr>
+                        </m:ctrlPr>
+                      </m:sSubPr>
+                      <m:e>
+                        <m:r>
+                          <a:rPr lang="en-US" b="0" i="1" smtClean="0">
+                            <a:latin typeface="Cambria Math" panose="02040503050406030204" pitchFamily="18" charset="0"/>
+                          </a:rPr>
+                          <m:t>𝜃</m:t>
+                        </m:r>
+                      </m:e>
+                      <m:sub>
+                        <m:r>
+                          <a:rPr lang="en-US" b="0" i="1" smtClean="0">
+                            <a:latin typeface="Cambria Math" panose="02040503050406030204" pitchFamily="18" charset="0"/>
+                          </a:rPr>
+                          <m:t>1</m:t>
+                        </m:r>
+                      </m:sub>
+                    </m:sSub>
+                    <m:r>
+                      <a:rPr lang="en-US" b="0" i="1" smtClean="0">
+                        <a:latin typeface="Cambria Math" panose="02040503050406030204" pitchFamily="18" charset="0"/>
+                      </a:rPr>
+                      <m:t>+</m:t>
+                    </m:r>
+                    <m:sSub>
+                      <m:sSubPr>
+                        <m:ctrlPr>
+                          <a:rPr lang="en-US" b="0" i="1" smtClean="0">
+                            <a:latin typeface="Cambria Math" panose="02040503050406030204" pitchFamily="18" charset="0"/>
+                          </a:rPr>
+                        </m:ctrlPr>
+                      </m:sSubPr>
+                      <m:e>
+                        <m:r>
+                          <a:rPr lang="en-US" b="0" i="1" smtClean="0">
+                            <a:latin typeface="Cambria Math" panose="02040503050406030204" pitchFamily="18" charset="0"/>
+                          </a:rPr>
+                          <m:t>𝜃</m:t>
+                        </m:r>
+                      </m:e>
+                      <m:sub>
+                        <m:r>
+                          <a:rPr lang="en-US" b="0" i="1" smtClean="0">
+                            <a:latin typeface="Cambria Math" panose="02040503050406030204" pitchFamily="18" charset="0"/>
+                          </a:rPr>
+                          <m:t>2</m:t>
+                        </m:r>
+                      </m:sub>
+                    </m:sSub>
+                  </m:oMath>
+                </a14:m>
+                <a:r>
+                  <a:rPr lang="en-US" dirty="0"/>
+                  <a:t> - based on Taylor expansion!</a:t>
+                </a:r>
+              </a:p>
+            </p:txBody>
+          </p:sp>
+        </mc:Choice>
+        <mc:Fallback xmlns="">
+          <p:sp>
+            <p:nvSpPr>
+              <p:cNvPr id="3" name="Content Placeholder 2">
+                <a:extLst>
+                  <a:ext uri="{FF2B5EF4-FFF2-40B4-BE49-F238E27FC236}">
+                    <a16:creationId xmlns:a16="http://schemas.microsoft.com/office/drawing/2014/main" id="{DEF18C82-700D-EF2B-DFE0-D31E8857489B}"/>
+                  </a:ext>
+                </a:extLst>
+              </p:cNvPr>
+              <p:cNvSpPr>
+                <a:spLocks noGrp="1" noRot="1" noChangeAspect="1" noMove="1" noResize="1" noEditPoints="1" noAdjustHandles="1" noChangeArrowheads="1" noChangeShapeType="1" noTextEdit="1"/>
+              </p:cNvSpPr>
+              <p:nvPr>
+                <p:ph idx="1"/>
+              </p:nvPr>
+            </p:nvSpPr>
+            <p:spPr>
+              <a:blipFill>
+                <a:blip r:embed="rId3"/>
+                <a:stretch>
+                  <a:fillRect l="-1217"/>
+                </a:stretch>
+              </a:blipFill>
+            </p:spPr>
+            <p:txBody>
+              <a:bodyPr/>
+              <a:lstStyle/>
+              <a:p>
+                <a:r>
+                  <a:rPr lang="en-US">
+                    <a:noFill/>
+                  </a:rPr>
+                  <a:t> </a:t>
+                </a:r>
+              </a:p>
+            </p:txBody>
+          </p:sp>
+        </mc:Fallback>
+      </mc:AlternateContent>
+    </p:spTree>
+    <p:extLst>
+      <p:ext uri="{BB962C8B-B14F-4D97-AF65-F5344CB8AC3E}">
+        <p14:creationId xmlns:p14="http://schemas.microsoft.com/office/powerpoint/2010/main" val="418254134"/>
+      </p:ext>
+    </p:extLst>
+  </p:cSld>
+  <p:clrMapOvr>
+    <a:masterClrMapping/>
+  </p:clrMapOvr>
+</p:sld>
+</file>
+
+<file path=ppt/slides/slide11.xml><?xml version="1.0" encoding="utf-8"?>
+<p:sld xmlns:a="http://schemas.openxmlformats.org/drawingml/2006/main" xmlns:r="http://schemas.openxmlformats.org/officeDocument/2006/relationships" xmlns:p="http://schemas.openxmlformats.org/presentationml/2006/main">
+  <p:cSld>
+    <p:spTree>
+      <p:nvGrpSpPr>
+        <p:cNvPr id="1" name=""/>
+        <p:cNvGrpSpPr/>
+        <p:nvPr/>
+      </p:nvGrpSpPr>
+      <p:grpSpPr>
+        <a:xfrm>
+          <a:off x="0" y="0"/>
+          <a:ext cx="0" cy="0"/>
+          <a:chOff x="0" y="0"/>
+          <a:chExt cx="0" cy="0"/>
+        </a:xfrm>
+      </p:grpSpPr>
+      <p:sp>
+        <p:nvSpPr>
+          <p:cNvPr id="2" name="Title 1">
+            <a:extLst>
+              <a:ext uri="{FF2B5EF4-FFF2-40B4-BE49-F238E27FC236}">
+                <a16:creationId xmlns:a16="http://schemas.microsoft.com/office/drawing/2014/main" id="{B2F9CDD0-8C28-B889-E7F1-FFE73F9E9395}"/>
+              </a:ext>
+            </a:extLst>
+          </p:cNvPr>
+          <p:cNvSpPr>
+            <a:spLocks noGrp="1"/>
+          </p:cNvSpPr>
+          <p:nvPr>
+            <p:ph type="title"/>
+          </p:nvPr>
+        </p:nvSpPr>
+        <p:spPr/>
+        <p:txBody>
+          <a:bodyPr/>
+          <a:lstStyle/>
+          <a:p>
+            <a:r>
+              <a:rPr lang="en-US" dirty="0"/>
+              <a:t>Excitation forces and hydrostatics</a:t>
+            </a:r>
+          </a:p>
+        </p:txBody>
+      </p:sp>
+      <mc:AlternateContent xmlns:mc="http://schemas.openxmlformats.org/markup-compatibility/2006" xmlns:a14="http://schemas.microsoft.com/office/drawing/2010/main">
+        <mc:Choice Requires="a14">
+          <p:sp>
+            <p:nvSpPr>
+              <p:cNvPr id="3" name="Content Placeholder 2">
+                <a:extLst>
+                  <a:ext uri="{FF2B5EF4-FFF2-40B4-BE49-F238E27FC236}">
+                    <a16:creationId xmlns:a16="http://schemas.microsoft.com/office/drawing/2014/main" id="{BD4BD50E-6771-6AF4-E330-50B09B3B90FF}"/>
+                  </a:ext>
+                </a:extLst>
+              </p:cNvPr>
+              <p:cNvSpPr>
+                <a:spLocks noGrp="1"/>
+              </p:cNvSpPr>
+              <p:nvPr>
+                <p:ph idx="1"/>
+              </p:nvPr>
+            </p:nvSpPr>
+            <p:spPr/>
+            <p:txBody>
+              <a:bodyPr/>
+              <a:lstStyle/>
+              <a:p>
+                <a:r>
+                  <a:rPr lang="en-US" dirty="0"/>
+                  <a:t>Damping, added mass coefficients convert WEC position to force</a:t>
+                </a:r>
+              </a:p>
+              <a:p>
+                <a:r>
+                  <a:rPr lang="en-US" dirty="0"/>
+                  <a:t>Excitation and hydrostatic coefficients convert wave elevation to force</a:t>
+                </a:r>
+              </a:p>
+              <a:p>
+                <a14:m>
+                  <m:oMath xmlns:m="http://schemas.openxmlformats.org/officeDocument/2006/math">
+                    <m:sSub>
+                      <m:sSubPr>
+                        <m:ctrlPr>
+                          <a:rPr lang="en-US" b="0" i="1" smtClean="0">
+                            <a:latin typeface="Cambria Math" panose="02040503050406030204" pitchFamily="18" charset="0"/>
+                          </a:rPr>
+                        </m:ctrlPr>
+                      </m:sSubPr>
+                      <m:e>
+                        <m:r>
+                          <a:rPr lang="en-US" b="0" i="1" smtClean="0">
+                            <a:latin typeface="Cambria Math" panose="02040503050406030204" pitchFamily="18" charset="0"/>
+                          </a:rPr>
+                          <m:t>𝑧</m:t>
+                        </m:r>
+                      </m:e>
+                      <m:sub>
+                        <m:r>
+                          <a:rPr lang="en-US" b="0" i="1" smtClean="0">
+                            <a:latin typeface="Cambria Math" panose="02040503050406030204" pitchFamily="18" charset="0"/>
+                          </a:rPr>
+                          <m:t>𝑤𝑎𝑣𝑒</m:t>
+                        </m:r>
+                      </m:sub>
+                    </m:sSub>
+                    <m:r>
+                      <a:rPr lang="en-US" b="0" i="1" smtClean="0">
+                        <a:latin typeface="Cambria Math" panose="02040503050406030204" pitchFamily="18" charset="0"/>
+                      </a:rPr>
+                      <m:t>=</m:t>
+                    </m:r>
+                    <m:sSub>
+                      <m:sSubPr>
+                        <m:ctrlPr>
+                          <a:rPr lang="en-US" b="0" i="1" smtClean="0">
+                            <a:latin typeface="Cambria Math" panose="02040503050406030204" pitchFamily="18" charset="0"/>
+                          </a:rPr>
+                        </m:ctrlPr>
+                      </m:sSubPr>
+                      <m:e>
+                        <m:r>
+                          <a:rPr lang="en-US" b="0" i="1" smtClean="0">
+                            <a:latin typeface="Cambria Math" panose="02040503050406030204" pitchFamily="18" charset="0"/>
+                          </a:rPr>
+                          <m:t>𝑧</m:t>
+                        </m:r>
+                      </m:e>
+                      <m:sub>
+                        <m:r>
+                          <a:rPr lang="en-US" b="0" i="1" smtClean="0">
+                            <a:latin typeface="Cambria Math" panose="02040503050406030204" pitchFamily="18" charset="0"/>
+                          </a:rPr>
+                          <m:t>𝑤𝑎𝑣𝑒</m:t>
+                        </m:r>
+                      </m:sub>
+                    </m:sSub>
+                  </m:oMath>
+                </a14:m>
+                <a:endParaRPr lang="en-US" dirty="0"/>
+              </a:p>
+              <a:p>
+                <a14:m>
+                  <m:oMath xmlns:m="http://schemas.openxmlformats.org/officeDocument/2006/math">
+                    <m:sSub>
+                      <m:sSubPr>
+                        <m:ctrlPr>
+                          <a:rPr lang="en-US" b="0" i="1" smtClean="0">
+                            <a:latin typeface="Cambria Math" panose="02040503050406030204" pitchFamily="18" charset="0"/>
+                          </a:rPr>
+                        </m:ctrlPr>
+                      </m:sSubPr>
+                      <m:e>
+                        <m:r>
+                          <a:rPr lang="en-US" b="0" i="1" smtClean="0">
+                            <a:latin typeface="Cambria Math" panose="02040503050406030204" pitchFamily="18" charset="0"/>
+                          </a:rPr>
+                          <m:t>𝜏</m:t>
+                        </m:r>
+                      </m:e>
+                      <m:sub>
+                        <m:r>
+                          <a:rPr lang="en-US" b="0" i="1" smtClean="0">
+                            <a:latin typeface="Cambria Math" panose="02040503050406030204" pitchFamily="18" charset="0"/>
+                          </a:rPr>
+                          <m:t>𝑡𝑜𝑡</m:t>
+                        </m:r>
+                        <m:r>
+                          <a:rPr lang="en-US" b="0" i="1" smtClean="0">
+                            <a:latin typeface="Cambria Math" panose="02040503050406030204" pitchFamily="18" charset="0"/>
+                          </a:rPr>
+                          <m:t>,2</m:t>
+                        </m:r>
+                      </m:sub>
+                    </m:sSub>
+                    <m:r>
+                      <a:rPr lang="en-US" b="0" i="1" smtClean="0">
+                        <a:latin typeface="Cambria Math" panose="02040503050406030204" pitchFamily="18" charset="0"/>
+                      </a:rPr>
+                      <m:t>=</m:t>
+                    </m:r>
+                    <m:sSub>
+                      <m:sSubPr>
+                        <m:ctrlPr>
+                          <a:rPr lang="en-US" i="1">
+                            <a:latin typeface="Cambria Math" panose="02040503050406030204" pitchFamily="18" charset="0"/>
+                          </a:rPr>
+                        </m:ctrlPr>
+                      </m:sSubPr>
+                      <m:e>
+                        <m:r>
+                          <a:rPr lang="en-US" i="1">
+                            <a:latin typeface="Cambria Math" panose="02040503050406030204" pitchFamily="18" charset="0"/>
+                          </a:rPr>
+                          <m:t>𝜏</m:t>
+                        </m:r>
+                      </m:e>
+                      <m:sub>
+                        <m:r>
+                          <a:rPr lang="en-US" i="1">
+                            <a:latin typeface="Cambria Math" panose="02040503050406030204" pitchFamily="18" charset="0"/>
+                          </a:rPr>
+                          <m:t>𝑝𝑖𝑡𝑐h</m:t>
+                        </m:r>
+                        <m:r>
+                          <a:rPr lang="en-US" i="1">
+                            <a:latin typeface="Cambria Math" panose="02040503050406030204" pitchFamily="18" charset="0"/>
+                          </a:rPr>
+                          <m:t>,</m:t>
+                        </m:r>
+                        <m:r>
+                          <a:rPr lang="en-US" i="1">
+                            <a:latin typeface="Cambria Math" panose="02040503050406030204" pitchFamily="18" charset="0"/>
+                          </a:rPr>
+                          <m:t>𝑐𝑜𝑒𝑓𝑓𝑠</m:t>
+                        </m:r>
+                        <m:r>
+                          <a:rPr lang="en-US" b="0" i="1" smtClean="0">
+                            <a:latin typeface="Cambria Math" panose="02040503050406030204" pitchFamily="18" charset="0"/>
+                          </a:rPr>
+                          <m:t>2</m:t>
+                        </m:r>
+                      </m:sub>
+                    </m:sSub>
+                    <m:sSub>
+                      <m:sSubPr>
+                        <m:ctrlPr>
+                          <a:rPr lang="en-US" b="0" i="1" smtClean="0">
+                            <a:latin typeface="Cambria Math" panose="02040503050406030204" pitchFamily="18" charset="0"/>
+                          </a:rPr>
+                        </m:ctrlPr>
+                      </m:sSubPr>
+                      <m:e>
+                        <m:r>
+                          <a:rPr lang="en-US" b="0" i="1" smtClean="0">
+                            <a:latin typeface="Cambria Math" panose="02040503050406030204" pitchFamily="18" charset="0"/>
+                          </a:rPr>
+                          <m:t>𝑧</m:t>
+                        </m:r>
+                      </m:e>
+                      <m:sub>
+                        <m:r>
+                          <a:rPr lang="en-US" b="0" i="1" smtClean="0">
+                            <a:latin typeface="Cambria Math" panose="02040503050406030204" pitchFamily="18" charset="0"/>
+                          </a:rPr>
+                          <m:t>𝑤𝑎𝑣𝑒</m:t>
+                        </m:r>
+                      </m:sub>
+                    </m:sSub>
+                    <m:r>
+                      <a:rPr lang="en-US" i="1">
+                        <a:latin typeface="Cambria Math" panose="02040503050406030204" pitchFamily="18" charset="0"/>
+                      </a:rPr>
+                      <m:t>+</m:t>
+                    </m:r>
+                    <m:r>
+                      <a:rPr lang="en-US" b="0" i="1" smtClean="0">
+                        <a:latin typeface="Cambria Math" panose="02040503050406030204" pitchFamily="18" charset="0"/>
+                      </a:rPr>
+                      <m:t>𝑑</m:t>
+                    </m:r>
+                    <m:sSub>
+                      <m:sSubPr>
+                        <m:ctrlPr>
+                          <a:rPr lang="en-US" i="1">
+                            <a:latin typeface="Cambria Math" panose="02040503050406030204" pitchFamily="18" charset="0"/>
+                          </a:rPr>
+                        </m:ctrlPr>
+                      </m:sSubPr>
+                      <m:e>
+                        <m:r>
+                          <a:rPr lang="en-US" i="1">
+                            <a:latin typeface="Cambria Math" panose="02040503050406030204" pitchFamily="18" charset="0"/>
+                          </a:rPr>
+                          <m:t>𝐹</m:t>
+                        </m:r>
+                      </m:e>
+                      <m:sub>
+                        <m:r>
+                          <a:rPr lang="en-US" i="1">
+                            <a:latin typeface="Cambria Math" panose="02040503050406030204" pitchFamily="18" charset="0"/>
+                          </a:rPr>
+                          <m:t>h𝑒𝑎𝑣𝑒</m:t>
+                        </m:r>
+                        <m:r>
+                          <a:rPr lang="en-US" i="1">
+                            <a:latin typeface="Cambria Math" panose="02040503050406030204" pitchFamily="18" charset="0"/>
+                          </a:rPr>
+                          <m:t>,</m:t>
+                        </m:r>
+                        <m:r>
+                          <a:rPr lang="en-US" i="1">
+                            <a:latin typeface="Cambria Math" panose="02040503050406030204" pitchFamily="18" charset="0"/>
+                          </a:rPr>
+                          <m:t>𝑐𝑜𝑒𝑓𝑓𝑠</m:t>
+                        </m:r>
+                        <m:r>
+                          <a:rPr lang="en-US" b="0" i="1" smtClean="0">
+                            <a:latin typeface="Cambria Math" panose="02040503050406030204" pitchFamily="18" charset="0"/>
+                          </a:rPr>
+                          <m:t>2</m:t>
+                        </m:r>
+                      </m:sub>
+                    </m:sSub>
+                    <m:sSub>
+                      <m:sSubPr>
+                        <m:ctrlPr>
+                          <a:rPr lang="en-US" b="0" i="1" smtClean="0">
+                            <a:latin typeface="Cambria Math" panose="02040503050406030204" pitchFamily="18" charset="0"/>
+                          </a:rPr>
+                        </m:ctrlPr>
+                      </m:sSubPr>
+                      <m:e>
+                        <m:r>
+                          <a:rPr lang="en-US" b="0" i="1" smtClean="0">
+                            <a:latin typeface="Cambria Math" panose="02040503050406030204" pitchFamily="18" charset="0"/>
+                          </a:rPr>
+                          <m:t>𝑧</m:t>
+                        </m:r>
+                      </m:e>
+                      <m:sub>
+                        <m:r>
+                          <a:rPr lang="en-US" b="0" i="1" smtClean="0">
+                            <a:latin typeface="Cambria Math" panose="02040503050406030204" pitchFamily="18" charset="0"/>
+                          </a:rPr>
+                          <m:t>𝑤𝑎𝑣𝑒</m:t>
+                        </m:r>
+                      </m:sub>
+                    </m:sSub>
+                    <m:r>
+                      <a:rPr lang="en-US" b="0" i="1" smtClean="0">
+                        <a:latin typeface="Cambria Math" panose="02040503050406030204" pitchFamily="18" charset="0"/>
+                      </a:rPr>
+                      <m:t>=</m:t>
+                    </m:r>
+                    <m:d>
+                      <m:dPr>
+                        <m:ctrlPr>
+                          <a:rPr lang="en-US" b="0" i="1" smtClean="0">
+                            <a:latin typeface="Cambria Math" panose="02040503050406030204" pitchFamily="18" charset="0"/>
+                          </a:rPr>
+                        </m:ctrlPr>
+                      </m:dPr>
+                      <m:e>
+                        <m:sSub>
+                          <m:sSubPr>
+                            <m:ctrlPr>
+                              <a:rPr lang="en-US" i="1">
+                                <a:latin typeface="Cambria Math" panose="02040503050406030204" pitchFamily="18" charset="0"/>
+                              </a:rPr>
+                            </m:ctrlPr>
+                          </m:sSubPr>
+                          <m:e>
+                            <m:r>
+                              <a:rPr lang="en-US" i="1">
+                                <a:latin typeface="Cambria Math" panose="02040503050406030204" pitchFamily="18" charset="0"/>
+                              </a:rPr>
+                              <m:t>𝜏</m:t>
+                            </m:r>
+                          </m:e>
+                          <m:sub>
+                            <m:r>
+                              <a:rPr lang="en-US" i="1">
+                                <a:latin typeface="Cambria Math" panose="02040503050406030204" pitchFamily="18" charset="0"/>
+                              </a:rPr>
+                              <m:t>𝑝𝑖𝑡𝑐h</m:t>
+                            </m:r>
+                            <m:r>
+                              <a:rPr lang="en-US" i="1">
+                                <a:latin typeface="Cambria Math" panose="02040503050406030204" pitchFamily="18" charset="0"/>
+                              </a:rPr>
+                              <m:t>,</m:t>
+                            </m:r>
+                            <m:r>
+                              <a:rPr lang="en-US" i="1">
+                                <a:latin typeface="Cambria Math" panose="02040503050406030204" pitchFamily="18" charset="0"/>
+                              </a:rPr>
+                              <m:t>𝑐𝑜𝑒𝑓𝑓𝑠</m:t>
+                            </m:r>
+                            <m:r>
+                              <a:rPr lang="en-US" b="0" i="1" smtClean="0">
+                                <a:latin typeface="Cambria Math" panose="02040503050406030204" pitchFamily="18" charset="0"/>
+                              </a:rPr>
+                              <m:t>2</m:t>
+                            </m:r>
+                          </m:sub>
+                        </m:sSub>
+                        <m:r>
+                          <a:rPr lang="en-US" i="1" smtClean="0">
+                            <a:latin typeface="Cambria Math" panose="02040503050406030204" pitchFamily="18" charset="0"/>
+                          </a:rPr>
+                          <m:t>+</m:t>
+                        </m:r>
+                        <m:sSub>
+                          <m:sSubPr>
+                            <m:ctrlPr>
+                              <a:rPr lang="en-US" i="1">
+                                <a:latin typeface="Cambria Math" panose="02040503050406030204" pitchFamily="18" charset="0"/>
+                              </a:rPr>
+                            </m:ctrlPr>
+                          </m:sSubPr>
+                          <m:e>
+                            <m:r>
+                              <a:rPr lang="en-US" i="1">
+                                <a:latin typeface="Cambria Math" panose="02040503050406030204" pitchFamily="18" charset="0"/>
+                              </a:rPr>
+                              <m:t>𝐹</m:t>
+                            </m:r>
+                          </m:e>
+                          <m:sub>
+                            <m:r>
+                              <a:rPr lang="en-US" i="1">
+                                <a:latin typeface="Cambria Math" panose="02040503050406030204" pitchFamily="18" charset="0"/>
+                              </a:rPr>
+                              <m:t>h𝑒𝑎𝑣𝑒</m:t>
+                            </m:r>
+                            <m:r>
+                              <a:rPr lang="en-US" i="1">
+                                <a:latin typeface="Cambria Math" panose="02040503050406030204" pitchFamily="18" charset="0"/>
+                              </a:rPr>
+                              <m:t>,</m:t>
+                            </m:r>
+                            <m:r>
+                              <a:rPr lang="en-US" i="1">
+                                <a:latin typeface="Cambria Math" panose="02040503050406030204" pitchFamily="18" charset="0"/>
+                              </a:rPr>
+                              <m:t>𝑐𝑜𝑒𝑓𝑓𝑠</m:t>
+                            </m:r>
+                            <m:r>
+                              <a:rPr lang="en-US" b="0" i="1" smtClean="0">
+                                <a:latin typeface="Cambria Math" panose="02040503050406030204" pitchFamily="18" charset="0"/>
+                              </a:rPr>
+                              <m:t>2</m:t>
+                            </m:r>
+                          </m:sub>
+                        </m:sSub>
+                        <m:r>
+                          <a:rPr lang="en-US" i="1">
+                            <a:latin typeface="Cambria Math" panose="02040503050406030204" pitchFamily="18" charset="0"/>
+                          </a:rPr>
+                          <m:t>𝑑</m:t>
+                        </m:r>
+                      </m:e>
+                    </m:d>
+                    <m:sSub>
+                      <m:sSubPr>
+                        <m:ctrlPr>
+                          <a:rPr lang="en-US" b="0" i="1" smtClean="0">
+                            <a:latin typeface="Cambria Math" panose="02040503050406030204" pitchFamily="18" charset="0"/>
+                          </a:rPr>
+                        </m:ctrlPr>
+                      </m:sSubPr>
+                      <m:e>
+                        <m:r>
+                          <a:rPr lang="en-US" b="0" i="1" smtClean="0">
+                            <a:latin typeface="Cambria Math" panose="02040503050406030204" pitchFamily="18" charset="0"/>
+                          </a:rPr>
+                          <m:t>𝑧</m:t>
+                        </m:r>
+                      </m:e>
+                      <m:sub>
+                        <m:r>
+                          <a:rPr lang="en-US" b="0" i="1" smtClean="0">
+                            <a:latin typeface="Cambria Math" panose="02040503050406030204" pitchFamily="18" charset="0"/>
+                          </a:rPr>
+                          <m:t>𝑤𝑎𝑣𝑒</m:t>
+                        </m:r>
+                      </m:sub>
+                    </m:sSub>
+                  </m:oMath>
+                </a14:m>
+                <a:endParaRPr lang="en-US" dirty="0"/>
+              </a:p>
+              <a:p>
+                <a:r>
+                  <a:rPr lang="en-US" dirty="0"/>
+                  <a:t>Shape of excitation looks good but how to get right shape for other </a:t>
+                </a:r>
+                <a:r>
+                  <a:rPr lang="en-US" dirty="0" err="1"/>
+                  <a:t>coeffs</a:t>
+                </a:r>
+                <a:r>
+                  <a:rPr lang="en-US" dirty="0"/>
+                  <a:t>?</a:t>
+                </a:r>
+              </a:p>
+              <a:p>
+                <a:pPr lvl="1"/>
+                <a:r>
+                  <a:rPr lang="en-US" dirty="0"/>
+                  <a:t>I got shape improved but results are coming out as zeros</a:t>
+                </a:r>
+              </a:p>
+              <a:p>
+                <a:endParaRPr lang="en-US" dirty="0"/>
+              </a:p>
+            </p:txBody>
+          </p:sp>
+        </mc:Choice>
+        <mc:Fallback xmlns="">
+          <p:sp>
+            <p:nvSpPr>
+              <p:cNvPr id="3" name="Content Placeholder 2">
+                <a:extLst>
+                  <a:ext uri="{FF2B5EF4-FFF2-40B4-BE49-F238E27FC236}">
+                    <a16:creationId xmlns:a16="http://schemas.microsoft.com/office/drawing/2014/main" id="{BD4BD50E-6771-6AF4-E330-50B09B3B90FF}"/>
+                  </a:ext>
+                </a:extLst>
+              </p:cNvPr>
+              <p:cNvSpPr>
+                <a:spLocks noGrp="1" noRot="1" noChangeAspect="1" noMove="1" noResize="1" noEditPoints="1" noAdjustHandles="1" noChangeArrowheads="1" noChangeShapeType="1" noTextEdit="1"/>
+              </p:cNvSpPr>
+              <p:nvPr>
+                <p:ph idx="1"/>
+              </p:nvPr>
+            </p:nvSpPr>
+            <p:spPr>
+              <a:blipFill>
+                <a:blip r:embed="rId2"/>
+                <a:stretch>
+                  <a:fillRect l="-1043" t="-2241" r="-754"/>
+                </a:stretch>
+              </a:blipFill>
+            </p:spPr>
+            <p:txBody>
+              <a:bodyPr/>
+              <a:lstStyle/>
+              <a:p>
+                <a:r>
+                  <a:rPr lang="en-US">
+                    <a:noFill/>
+                  </a:rPr>
+                  <a:t> </a:t>
+                </a:r>
+              </a:p>
+            </p:txBody>
+          </p:sp>
+        </mc:Fallback>
+      </mc:AlternateContent>
+    </p:spTree>
+    <p:extLst>
+      <p:ext uri="{BB962C8B-B14F-4D97-AF65-F5344CB8AC3E}">
+        <p14:creationId xmlns:p14="http://schemas.microsoft.com/office/powerpoint/2010/main" val="3227988923"/>
+      </p:ext>
+    </p:extLst>
+  </p:cSld>
+  <p:clrMapOvr>
+    <a:masterClrMapping/>
+  </p:clrMapOvr>
+</p:sld>
+</file>
+
+<file path=ppt/slides/slide12.xml><?xml version="1.0" encoding="utf-8"?>
+<p:sld xmlns:a="http://schemas.openxmlformats.org/drawingml/2006/main" xmlns:r="http://schemas.openxmlformats.org/officeDocument/2006/relationships" xmlns:p="http://schemas.openxmlformats.org/presentationml/2006/main">
+  <p:cSld>
+    <p:spTree>
+      <p:nvGrpSpPr>
+        <p:cNvPr id="1" name=""/>
+        <p:cNvGrpSpPr/>
+        <p:nvPr/>
+      </p:nvGrpSpPr>
+      <p:grpSpPr>
+        <a:xfrm>
+          <a:off x="0" y="0"/>
+          <a:ext cx="0" cy="0"/>
+          <a:chOff x="0" y="0"/>
+          <a:chExt cx="0" cy="0"/>
+        </a:xfrm>
+      </p:grpSpPr>
       <p:sp>
         <p:nvSpPr>
           <p:cNvPr id="2" name="Title 1">
@@ -6997,28 +8212,23 @@
           <a:p>
             <a:r>
               <a:rPr lang="en-US" dirty="0"/>
-              <a:t>WecOptTool results seem pretty large (and small for body 2)</a:t>
+              <a:t>WecOptTool results are off but why?</a:t>
             </a:r>
           </a:p>
           <a:p>
             <a:r>
               <a:rPr lang="en-US" dirty="0"/>
-              <a:t>WEC-Sim set up but need to make sure its </a:t>
-            </a:r>
-            <a:r>
-              <a:rPr lang="en-US"/>
-              <a:t>relative rotation!</a:t>
-            </a:r>
-            <a:endParaRPr lang="en-US" dirty="0"/>
+              <a:t>For some reason, pitch sign is opposite in WS, but ignore for now</a:t>
+            </a:r>
           </a:p>
         </p:txBody>
       </p:sp>
       <p:pic>
         <p:nvPicPr>
-          <p:cNvPr id="5" name="Picture 4">
-            <a:extLst>
-              <a:ext uri="{FF2B5EF4-FFF2-40B4-BE49-F238E27FC236}">
-                <a16:creationId xmlns:a16="http://schemas.microsoft.com/office/drawing/2014/main" id="{4AFED3F5-301B-10F5-1436-48516FF3F74E}"/>
+          <p:cNvPr id="6" name="Picture 5">
+            <a:extLst>
+              <a:ext uri="{FF2B5EF4-FFF2-40B4-BE49-F238E27FC236}">
+                <a16:creationId xmlns:a16="http://schemas.microsoft.com/office/drawing/2014/main" id="{ED544518-15CE-4C3A-DA15-FEA2294C650E}"/>
               </a:ext>
             </a:extLst>
           </p:cNvPr>
@@ -7035,8 +8245,8 @@
         </p:blipFill>
         <p:spPr>
           <a:xfrm>
-            <a:off x="323315" y="2221598"/>
-            <a:ext cx="2895600" cy="2184312"/>
+            <a:off x="117597" y="1953087"/>
+            <a:ext cx="2960874" cy="2269130"/>
           </a:xfrm>
           <a:prstGeom prst="rect">
             <a:avLst/>
@@ -7045,10 +8255,10 @@
       </p:pic>
       <p:pic>
         <p:nvPicPr>
-          <p:cNvPr id="7" name="Picture 6">
-            <a:extLst>
-              <a:ext uri="{FF2B5EF4-FFF2-40B4-BE49-F238E27FC236}">
-                <a16:creationId xmlns:a16="http://schemas.microsoft.com/office/drawing/2014/main" id="{1B26DAD6-6557-96ED-9645-2D37A7F1B8EE}"/>
+          <p:cNvPr id="10" name="Picture 9">
+            <a:extLst>
+              <a:ext uri="{FF2B5EF4-FFF2-40B4-BE49-F238E27FC236}">
+                <a16:creationId xmlns:a16="http://schemas.microsoft.com/office/drawing/2014/main" id="{E762E928-143C-556E-9070-E6170135A66E}"/>
               </a:ext>
             </a:extLst>
           </p:cNvPr>
@@ -7065,8 +8275,8 @@
         </p:blipFill>
         <p:spPr>
           <a:xfrm>
-            <a:off x="3235839" y="2186804"/>
-            <a:ext cx="2895601" cy="2219106"/>
+            <a:off x="3110311" y="1953087"/>
+            <a:ext cx="2960874" cy="2269130"/>
           </a:xfrm>
           <a:prstGeom prst="rect">
             <a:avLst/>
@@ -7075,10 +8285,10 @@
       </p:pic>
       <p:pic>
         <p:nvPicPr>
-          <p:cNvPr id="9" name="Picture 8">
-            <a:extLst>
-              <a:ext uri="{FF2B5EF4-FFF2-40B4-BE49-F238E27FC236}">
-                <a16:creationId xmlns:a16="http://schemas.microsoft.com/office/drawing/2014/main" id="{DF0CD25B-A4A5-6F1A-8B81-57C76DC50174}"/>
+          <p:cNvPr id="14" name="Picture 13">
+            <a:extLst>
+              <a:ext uri="{FF2B5EF4-FFF2-40B4-BE49-F238E27FC236}">
+                <a16:creationId xmlns:a16="http://schemas.microsoft.com/office/drawing/2014/main" id="{0A18B2CA-DD7C-9FED-247C-F0ECAE57E3D8}"/>
               </a:ext>
             </a:extLst>
           </p:cNvPr>
@@ -7095,8 +8305,8 @@
         </p:blipFill>
         <p:spPr>
           <a:xfrm>
-            <a:off x="287875" y="4485460"/>
-            <a:ext cx="2895600" cy="2157413"/>
+            <a:off x="-1296979" y="408848"/>
+            <a:ext cx="2135179" cy="1560759"/>
           </a:xfrm>
           <a:prstGeom prst="rect">
             <a:avLst/>
@@ -7105,10 +8315,10 @@
       </p:pic>
       <p:pic>
         <p:nvPicPr>
-          <p:cNvPr id="11" name="Picture 10">
-            <a:extLst>
-              <a:ext uri="{FF2B5EF4-FFF2-40B4-BE49-F238E27FC236}">
-                <a16:creationId xmlns:a16="http://schemas.microsoft.com/office/drawing/2014/main" id="{03CC569F-C3C8-EBD3-B114-89120B4641AA}"/>
+          <p:cNvPr id="18" name="Picture 17">
+            <a:extLst>
+              <a:ext uri="{FF2B5EF4-FFF2-40B4-BE49-F238E27FC236}">
+                <a16:creationId xmlns:a16="http://schemas.microsoft.com/office/drawing/2014/main" id="{FE00E5FE-AFA3-CF9E-8049-DE1B9942763C}"/>
               </a:ext>
             </a:extLst>
           </p:cNvPr>
@@ -7125,8 +8335,8 @@
         </p:blipFill>
         <p:spPr>
           <a:xfrm>
-            <a:off x="3287711" y="4453045"/>
-            <a:ext cx="2895601" cy="2189828"/>
+            <a:off x="203238" y="4354034"/>
+            <a:ext cx="2875233" cy="2269130"/>
           </a:xfrm>
           <a:prstGeom prst="rect">
             <a:avLst/>
@@ -7135,10 +8345,10 @@
       </p:pic>
       <p:pic>
         <p:nvPicPr>
-          <p:cNvPr id="13" name="Picture 12">
-            <a:extLst>
-              <a:ext uri="{FF2B5EF4-FFF2-40B4-BE49-F238E27FC236}">
-                <a16:creationId xmlns:a16="http://schemas.microsoft.com/office/drawing/2014/main" id="{A52A5A7F-E490-5E94-6B93-A54446A7AB8E}"/>
+          <p:cNvPr id="22" name="Picture 21">
+            <a:extLst>
+              <a:ext uri="{FF2B5EF4-FFF2-40B4-BE49-F238E27FC236}">
+                <a16:creationId xmlns:a16="http://schemas.microsoft.com/office/drawing/2014/main" id="{AC9B0D67-DB5F-75A9-AF83-0DB3D2AD0AC7}"/>
               </a:ext>
             </a:extLst>
           </p:cNvPr>
@@ -7155,8 +8365,8 @@
         </p:blipFill>
         <p:spPr>
           <a:xfrm>
-            <a:off x="351037" y="4453045"/>
-            <a:ext cx="2769276" cy="2151770"/>
+            <a:off x="3130590" y="4354034"/>
+            <a:ext cx="2920315" cy="2269130"/>
           </a:xfrm>
           <a:prstGeom prst="rect">
             <a:avLst/>
@@ -7165,10 +8375,10 @@
       </p:pic>
       <p:pic>
         <p:nvPicPr>
-          <p:cNvPr id="15" name="Picture 14">
-            <a:extLst>
-              <a:ext uri="{FF2B5EF4-FFF2-40B4-BE49-F238E27FC236}">
-                <a16:creationId xmlns:a16="http://schemas.microsoft.com/office/drawing/2014/main" id="{E09D11AD-691C-16B4-4EBC-CA7CD0F3C2B6}"/>
+          <p:cNvPr id="24" name="Picture 23">
+            <a:extLst>
+              <a:ext uri="{FF2B5EF4-FFF2-40B4-BE49-F238E27FC236}">
+                <a16:creationId xmlns:a16="http://schemas.microsoft.com/office/drawing/2014/main" id="{563E77B9-AEB5-E485-62E6-792EBE2A0486}"/>
               </a:ext>
             </a:extLst>
           </p:cNvPr>
@@ -7185,8 +8395,98 @@
         </p:blipFill>
         <p:spPr>
           <a:xfrm>
-            <a:off x="3393413" y="4443968"/>
-            <a:ext cx="2738027" cy="2160847"/>
+            <a:off x="6152656" y="2043232"/>
+            <a:ext cx="2960875" cy="2220656"/>
+          </a:xfrm>
+          <a:prstGeom prst="rect">
+            <a:avLst/>
+          </a:prstGeom>
+        </p:spPr>
+      </p:pic>
+      <p:pic>
+        <p:nvPicPr>
+          <p:cNvPr id="26" name="Picture 25">
+            <a:extLst>
+              <a:ext uri="{FF2B5EF4-FFF2-40B4-BE49-F238E27FC236}">
+                <a16:creationId xmlns:a16="http://schemas.microsoft.com/office/drawing/2014/main" id="{293FAFD8-0439-2401-58F1-D04EE1A03095}"/>
+              </a:ext>
+            </a:extLst>
+          </p:cNvPr>
+          <p:cNvPicPr>
+            <a:picLocks noChangeAspect="1"/>
+          </p:cNvPicPr>
+          <p:nvPr/>
+        </p:nvPicPr>
+        <p:blipFill>
+          <a:blip r:embed="rId8"/>
+          <a:stretch>
+            <a:fillRect/>
+          </a:stretch>
+        </p:blipFill>
+        <p:spPr>
+          <a:xfrm>
+            <a:off x="8837574" y="2043232"/>
+            <a:ext cx="2960872" cy="2220654"/>
+          </a:xfrm>
+          <a:prstGeom prst="rect">
+            <a:avLst/>
+          </a:prstGeom>
+        </p:spPr>
+      </p:pic>
+      <p:pic>
+        <p:nvPicPr>
+          <p:cNvPr id="28" name="Picture 27">
+            <a:extLst>
+              <a:ext uri="{FF2B5EF4-FFF2-40B4-BE49-F238E27FC236}">
+                <a16:creationId xmlns:a16="http://schemas.microsoft.com/office/drawing/2014/main" id="{AE7EA67E-6EB3-0F56-B8EF-65828D1CD767}"/>
+              </a:ext>
+            </a:extLst>
+          </p:cNvPr>
+          <p:cNvPicPr>
+            <a:picLocks noChangeAspect="1"/>
+          </p:cNvPicPr>
+          <p:nvPr/>
+        </p:nvPicPr>
+        <p:blipFill>
+          <a:blip r:embed="rId9"/>
+          <a:stretch>
+            <a:fillRect/>
+          </a:stretch>
+        </p:blipFill>
+        <p:spPr>
+          <a:xfrm>
+            <a:off x="6184494" y="4222217"/>
+            <a:ext cx="2960876" cy="2220657"/>
+          </a:xfrm>
+          <a:prstGeom prst="rect">
+            <a:avLst/>
+          </a:prstGeom>
+        </p:spPr>
+      </p:pic>
+      <p:pic>
+        <p:nvPicPr>
+          <p:cNvPr id="30" name="Picture 29">
+            <a:extLst>
+              <a:ext uri="{FF2B5EF4-FFF2-40B4-BE49-F238E27FC236}">
+                <a16:creationId xmlns:a16="http://schemas.microsoft.com/office/drawing/2014/main" id="{AFF4D193-8FE4-33C4-D944-9DECE92CC271}"/>
+              </a:ext>
+            </a:extLst>
+          </p:cNvPr>
+          <p:cNvPicPr>
+            <a:picLocks noChangeAspect="1"/>
+          </p:cNvPicPr>
+          <p:nvPr/>
+        </p:nvPicPr>
+        <p:blipFill>
+          <a:blip r:embed="rId10"/>
+          <a:stretch>
+            <a:fillRect/>
+          </a:stretch>
+        </p:blipFill>
+        <p:spPr>
+          <a:xfrm>
+            <a:off x="8959631" y="4222214"/>
+            <a:ext cx="2960876" cy="2220657"/>
           </a:xfrm>
           <a:prstGeom prst="rect">
             <a:avLst/>
@@ -7206,7 +8506,1407 @@
 </p:sld>
 </file>
 
-<file path=ppt/slides/slide11.xml><?xml version="1.0" encoding="utf-8"?>
+<file path=ppt/slides/slide13.xml><?xml version="1.0" encoding="utf-8"?>
+<p:sld xmlns:a="http://schemas.openxmlformats.org/drawingml/2006/main" xmlns:r="http://schemas.openxmlformats.org/officeDocument/2006/relationships" xmlns:p="http://schemas.openxmlformats.org/presentationml/2006/main">
+  <p:cSld>
+    <p:spTree>
+      <p:nvGrpSpPr>
+        <p:cNvPr id="1" name=""/>
+        <p:cNvGrpSpPr/>
+        <p:nvPr/>
+      </p:nvGrpSpPr>
+      <p:grpSpPr>
+        <a:xfrm>
+          <a:off x="0" y="0"/>
+          <a:ext cx="0" cy="0"/>
+          <a:chOff x="0" y="0"/>
+          <a:chExt cx="0" cy="0"/>
+        </a:xfrm>
+      </p:grpSpPr>
+      <p:sp>
+        <p:nvSpPr>
+          <p:cNvPr id="2" name="Title 1">
+            <a:extLst>
+              <a:ext uri="{FF2B5EF4-FFF2-40B4-BE49-F238E27FC236}">
+                <a16:creationId xmlns:a16="http://schemas.microsoft.com/office/drawing/2014/main" id="{A6E3E231-FE0F-5E5C-6382-FEBD799FBC75}"/>
+              </a:ext>
+            </a:extLst>
+          </p:cNvPr>
+          <p:cNvSpPr>
+            <a:spLocks noGrp="1"/>
+          </p:cNvSpPr>
+          <p:nvPr>
+            <p:ph type="title"/>
+          </p:nvPr>
+        </p:nvSpPr>
+        <p:spPr>
+          <a:xfrm>
+            <a:off x="323295" y="0"/>
+            <a:ext cx="10515600" cy="1325563"/>
+          </a:xfrm>
+        </p:spPr>
+        <p:txBody>
+          <a:bodyPr/>
+          <a:lstStyle/>
+          <a:p>
+            <a:r>
+              <a:rPr lang="en-US" dirty="0"/>
+              <a:t>What could the reason be for WecOptTool having smaller pitch for body 1?</a:t>
+            </a:r>
+          </a:p>
+        </p:txBody>
+      </p:sp>
+      <p:sp>
+        <p:nvSpPr>
+          <p:cNvPr id="3" name="Content Placeholder 2">
+            <a:extLst>
+              <a:ext uri="{FF2B5EF4-FFF2-40B4-BE49-F238E27FC236}">
+                <a16:creationId xmlns:a16="http://schemas.microsoft.com/office/drawing/2014/main" id="{3CA0C79F-67E1-4372-F68E-103D5A99B1ED}"/>
+              </a:ext>
+            </a:extLst>
+          </p:cNvPr>
+          <p:cNvSpPr>
+            <a:spLocks noGrp="1"/>
+          </p:cNvSpPr>
+          <p:nvPr>
+            <p:ph idx="1"/>
+          </p:nvPr>
+        </p:nvSpPr>
+        <p:spPr>
+          <a:xfrm>
+            <a:off x="119108" y="1325563"/>
+            <a:ext cx="12072891" cy="4351338"/>
+          </a:xfrm>
+        </p:spPr>
+        <p:txBody>
+          <a:bodyPr/>
+          <a:lstStyle/>
+          <a:p>
+            <a:r>
+              <a:rPr lang="en-US" dirty="0"/>
+              <a:t>Too much force is being transferred onto body 1 from PTO 2?</a:t>
+            </a:r>
+          </a:p>
+          <a:p>
+            <a:r>
+              <a:rPr lang="en-US" dirty="0"/>
+              <a:t>Torque from/on body 1 is not being transferred to PTO 2? </a:t>
+            </a:r>
+          </a:p>
+          <a:p>
+            <a:endParaRPr lang="en-US" dirty="0"/>
+          </a:p>
+        </p:txBody>
+      </p:sp>
+      <p:pic>
+        <p:nvPicPr>
+          <p:cNvPr id="5" name="Picture 4">
+            <a:extLst>
+              <a:ext uri="{FF2B5EF4-FFF2-40B4-BE49-F238E27FC236}">
+                <a16:creationId xmlns:a16="http://schemas.microsoft.com/office/drawing/2014/main" id="{5C7E9698-4E4A-D7C6-0CFA-F8E3635C21B6}"/>
+              </a:ext>
+            </a:extLst>
+          </p:cNvPr>
+          <p:cNvPicPr>
+            <a:picLocks noChangeAspect="1"/>
+          </p:cNvPicPr>
+          <p:nvPr/>
+        </p:nvPicPr>
+        <p:blipFill>
+          <a:blip r:embed="rId2"/>
+          <a:stretch>
+            <a:fillRect/>
+          </a:stretch>
+        </p:blipFill>
+        <p:spPr>
+          <a:xfrm>
+            <a:off x="452760" y="2235764"/>
+            <a:ext cx="2919319" cy="2268356"/>
+          </a:xfrm>
+          <a:prstGeom prst="rect">
+            <a:avLst/>
+          </a:prstGeom>
+        </p:spPr>
+      </p:pic>
+      <p:pic>
+        <p:nvPicPr>
+          <p:cNvPr id="7" name="Picture 6">
+            <a:extLst>
+              <a:ext uri="{FF2B5EF4-FFF2-40B4-BE49-F238E27FC236}">
+                <a16:creationId xmlns:a16="http://schemas.microsoft.com/office/drawing/2014/main" id="{2E83D2CF-E29D-7742-B2C9-1BF9434E9B71}"/>
+              </a:ext>
+            </a:extLst>
+          </p:cNvPr>
+          <p:cNvPicPr>
+            <a:picLocks noChangeAspect="1"/>
+          </p:cNvPicPr>
+          <p:nvPr/>
+        </p:nvPicPr>
+        <p:blipFill>
+          <a:blip r:embed="rId3"/>
+          <a:stretch>
+            <a:fillRect/>
+          </a:stretch>
+        </p:blipFill>
+        <p:spPr>
+          <a:xfrm>
+            <a:off x="407694" y="4504120"/>
+            <a:ext cx="2964385" cy="2268356"/>
+          </a:xfrm>
+          <a:prstGeom prst="rect">
+            <a:avLst/>
+          </a:prstGeom>
+        </p:spPr>
+      </p:pic>
+      <p:pic>
+        <p:nvPicPr>
+          <p:cNvPr id="9" name="Picture 8">
+            <a:extLst>
+              <a:ext uri="{FF2B5EF4-FFF2-40B4-BE49-F238E27FC236}">
+                <a16:creationId xmlns:a16="http://schemas.microsoft.com/office/drawing/2014/main" id="{9E01CCC7-64EA-7FA8-52EB-5DDDBE72039B}"/>
+              </a:ext>
+            </a:extLst>
+          </p:cNvPr>
+          <p:cNvPicPr>
+            <a:picLocks noChangeAspect="1"/>
+          </p:cNvPicPr>
+          <p:nvPr/>
+        </p:nvPicPr>
+        <p:blipFill>
+          <a:blip r:embed="rId4"/>
+          <a:stretch>
+            <a:fillRect/>
+          </a:stretch>
+        </p:blipFill>
+        <p:spPr>
+          <a:xfrm>
+            <a:off x="3372079" y="2235764"/>
+            <a:ext cx="3024475" cy="2268356"/>
+          </a:xfrm>
+          <a:prstGeom prst="rect">
+            <a:avLst/>
+          </a:prstGeom>
+        </p:spPr>
+      </p:pic>
+      <p:pic>
+        <p:nvPicPr>
+          <p:cNvPr id="11" name="Picture 10">
+            <a:extLst>
+              <a:ext uri="{FF2B5EF4-FFF2-40B4-BE49-F238E27FC236}">
+                <a16:creationId xmlns:a16="http://schemas.microsoft.com/office/drawing/2014/main" id="{00ED362A-1777-194E-6272-C43B7AE3E180}"/>
+              </a:ext>
+            </a:extLst>
+          </p:cNvPr>
+          <p:cNvPicPr>
+            <a:picLocks noChangeAspect="1"/>
+          </p:cNvPicPr>
+          <p:nvPr/>
+        </p:nvPicPr>
+        <p:blipFill>
+          <a:blip r:embed="rId5"/>
+          <a:stretch>
+            <a:fillRect/>
+          </a:stretch>
+        </p:blipFill>
+        <p:spPr>
+          <a:xfrm>
+            <a:off x="3372079" y="4504120"/>
+            <a:ext cx="3024476" cy="2268357"/>
+          </a:xfrm>
+          <a:prstGeom prst="rect">
+            <a:avLst/>
+          </a:prstGeom>
+        </p:spPr>
+      </p:pic>
+    </p:spTree>
+    <p:extLst>
+      <p:ext uri="{BB962C8B-B14F-4D97-AF65-F5344CB8AC3E}">
+        <p14:creationId xmlns:p14="http://schemas.microsoft.com/office/powerpoint/2010/main" val="3861737511"/>
+      </p:ext>
+    </p:extLst>
+  </p:cSld>
+  <p:clrMapOvr>
+    <a:masterClrMapping/>
+  </p:clrMapOvr>
+</p:sld>
+</file>
+
+<file path=ppt/slides/slide14.xml><?xml version="1.0" encoding="utf-8"?>
+<p:sld xmlns:a="http://schemas.openxmlformats.org/drawingml/2006/main" xmlns:r="http://schemas.openxmlformats.org/officeDocument/2006/relationships" xmlns:p="http://schemas.openxmlformats.org/presentationml/2006/main">
+  <p:cSld>
+    <p:spTree>
+      <p:nvGrpSpPr>
+        <p:cNvPr id="1" name=""/>
+        <p:cNvGrpSpPr/>
+        <p:nvPr/>
+      </p:nvGrpSpPr>
+      <p:grpSpPr>
+        <a:xfrm>
+          <a:off x="0" y="0"/>
+          <a:ext cx="0" cy="0"/>
+          <a:chOff x="0" y="0"/>
+          <a:chExt cx="0" cy="0"/>
+        </a:xfrm>
+      </p:grpSpPr>
+      <p:sp>
+        <p:nvSpPr>
+          <p:cNvPr id="2" name="Title 1">
+            <a:extLst>
+              <a:ext uri="{FF2B5EF4-FFF2-40B4-BE49-F238E27FC236}">
+                <a16:creationId xmlns:a16="http://schemas.microsoft.com/office/drawing/2014/main" id="{7C3A96CA-F871-3289-FF10-3A0D61A2A109}"/>
+              </a:ext>
+            </a:extLst>
+          </p:cNvPr>
+          <p:cNvSpPr>
+            <a:spLocks noGrp="1"/>
+          </p:cNvSpPr>
+          <p:nvPr>
+            <p:ph type="title"/>
+          </p:nvPr>
+        </p:nvSpPr>
+        <p:spPr>
+          <a:xfrm>
+            <a:off x="838200" y="-31536"/>
+            <a:ext cx="10515600" cy="1325563"/>
+          </a:xfrm>
+        </p:spPr>
+        <p:txBody>
+          <a:bodyPr/>
+          <a:lstStyle/>
+          <a:p>
+            <a:r>
+              <a:rPr lang="en-US" dirty="0"/>
+              <a:t>Compare 2 body forces</a:t>
+            </a:r>
+          </a:p>
+        </p:txBody>
+      </p:sp>
+      <p:sp>
+        <p:nvSpPr>
+          <p:cNvPr id="3" name="Content Placeholder 2">
+            <a:extLst>
+              <a:ext uri="{FF2B5EF4-FFF2-40B4-BE49-F238E27FC236}">
+                <a16:creationId xmlns:a16="http://schemas.microsoft.com/office/drawing/2014/main" id="{EAC0F3BF-F897-5E20-914C-0441A5C95B31}"/>
+              </a:ext>
+            </a:extLst>
+          </p:cNvPr>
+          <p:cNvSpPr>
+            <a:spLocks noGrp="1"/>
+          </p:cNvSpPr>
+          <p:nvPr>
+            <p:ph idx="1"/>
+          </p:nvPr>
+        </p:nvSpPr>
+        <p:spPr>
+          <a:xfrm>
+            <a:off x="62145" y="994299"/>
+            <a:ext cx="2596620" cy="5921696"/>
+          </a:xfrm>
+        </p:spPr>
+        <p:txBody>
+          <a:bodyPr>
+            <a:normAutofit fontScale="85000" lnSpcReduction="20000"/>
+          </a:bodyPr>
+          <a:lstStyle/>
+          <a:p>
+            <a:pPr marL="0" indent="0">
+              <a:buNone/>
+            </a:pPr>
+            <a:r>
+              <a:rPr lang="en-US" dirty="0"/>
+              <a:t>Do forces make sense?</a:t>
+            </a:r>
+          </a:p>
+          <a:p>
+            <a:pPr marL="0" indent="0">
+              <a:buNone/>
+            </a:pPr>
+            <a:r>
+              <a:rPr lang="en-US" dirty="0"/>
+              <a:t>Negative pitch FK occurs with positive heave displacement</a:t>
+            </a:r>
+          </a:p>
+          <a:p>
+            <a:pPr marL="0" indent="0">
+              <a:buNone/>
+            </a:pPr>
+            <a:r>
+              <a:rPr lang="en-US" dirty="0"/>
+              <a:t>PTO force looks good</a:t>
+            </a:r>
+          </a:p>
+          <a:p>
+            <a:pPr marL="0" indent="0">
+              <a:buNone/>
+            </a:pPr>
+            <a:r>
+              <a:rPr lang="en-US" dirty="0"/>
+              <a:t>Radiation seems okay</a:t>
+            </a:r>
+          </a:p>
+          <a:p>
+            <a:pPr marL="0" indent="0">
+              <a:buNone/>
+            </a:pPr>
+            <a:r>
+              <a:rPr lang="en-US" dirty="0"/>
+              <a:t>Hydrostatics are off – seem to be based on wave elevation instead of body disp. </a:t>
+            </a:r>
+          </a:p>
+          <a:p>
+            <a:pPr marL="0" indent="0">
+              <a:buNone/>
+            </a:pPr>
+            <a:r>
+              <a:rPr lang="en-US" dirty="0"/>
+              <a:t>RERAN with switched coupling element check!!!!</a:t>
+            </a:r>
+          </a:p>
+        </p:txBody>
+      </p:sp>
+      <p:pic>
+        <p:nvPicPr>
+          <p:cNvPr id="5" name="Picture 4">
+            <a:extLst>
+              <a:ext uri="{FF2B5EF4-FFF2-40B4-BE49-F238E27FC236}">
+                <a16:creationId xmlns:a16="http://schemas.microsoft.com/office/drawing/2014/main" id="{6B9620A3-2BEF-2061-1733-D77888885E7B}"/>
+              </a:ext>
+            </a:extLst>
+          </p:cNvPr>
+          <p:cNvPicPr>
+            <a:picLocks noChangeAspect="1"/>
+          </p:cNvPicPr>
+          <p:nvPr/>
+        </p:nvPicPr>
+        <p:blipFill>
+          <a:blip r:embed="rId2"/>
+          <a:stretch>
+            <a:fillRect/>
+          </a:stretch>
+        </p:blipFill>
+        <p:spPr>
+          <a:xfrm>
+            <a:off x="2646831" y="831196"/>
+            <a:ext cx="2246750" cy="1571207"/>
+          </a:xfrm>
+          <a:prstGeom prst="rect">
+            <a:avLst/>
+          </a:prstGeom>
+        </p:spPr>
+      </p:pic>
+      <p:pic>
+        <p:nvPicPr>
+          <p:cNvPr id="8" name="Picture 7">
+            <a:extLst>
+              <a:ext uri="{FF2B5EF4-FFF2-40B4-BE49-F238E27FC236}">
+                <a16:creationId xmlns:a16="http://schemas.microsoft.com/office/drawing/2014/main" id="{15BD02CD-25BE-E899-E7CA-FE73DDA50F3F}"/>
+              </a:ext>
+            </a:extLst>
+          </p:cNvPr>
+          <p:cNvPicPr>
+            <a:picLocks noChangeAspect="1"/>
+          </p:cNvPicPr>
+          <p:nvPr/>
+        </p:nvPicPr>
+        <p:blipFill>
+          <a:blip r:embed="rId3"/>
+          <a:stretch>
+            <a:fillRect/>
+          </a:stretch>
+        </p:blipFill>
+        <p:spPr>
+          <a:xfrm>
+            <a:off x="2634898" y="815790"/>
+            <a:ext cx="2246749" cy="1543939"/>
+          </a:xfrm>
+          <a:prstGeom prst="rect">
+            <a:avLst/>
+          </a:prstGeom>
+        </p:spPr>
+      </p:pic>
+      <p:pic>
+        <p:nvPicPr>
+          <p:cNvPr id="11" name="Picture 10">
+            <a:extLst>
+              <a:ext uri="{FF2B5EF4-FFF2-40B4-BE49-F238E27FC236}">
+                <a16:creationId xmlns:a16="http://schemas.microsoft.com/office/drawing/2014/main" id="{8F6FE473-58CE-3E40-0391-09D0E37B86D3}"/>
+              </a:ext>
+            </a:extLst>
+          </p:cNvPr>
+          <p:cNvPicPr>
+            <a:picLocks noChangeAspect="1"/>
+          </p:cNvPicPr>
+          <p:nvPr/>
+        </p:nvPicPr>
+        <p:blipFill>
+          <a:blip r:embed="rId4"/>
+          <a:stretch>
+            <a:fillRect/>
+          </a:stretch>
+        </p:blipFill>
+        <p:spPr>
+          <a:xfrm>
+            <a:off x="2622964" y="2311223"/>
+            <a:ext cx="2213104" cy="1543939"/>
+          </a:xfrm>
+          <a:prstGeom prst="rect">
+            <a:avLst/>
+          </a:prstGeom>
+        </p:spPr>
+      </p:pic>
+      <p:pic>
+        <p:nvPicPr>
+          <p:cNvPr id="13" name="Picture 12">
+            <a:extLst>
+              <a:ext uri="{FF2B5EF4-FFF2-40B4-BE49-F238E27FC236}">
+                <a16:creationId xmlns:a16="http://schemas.microsoft.com/office/drawing/2014/main" id="{00A93730-BE09-7F13-E0BD-223B6DA948BB}"/>
+              </a:ext>
+            </a:extLst>
+          </p:cNvPr>
+          <p:cNvPicPr>
+            <a:picLocks noChangeAspect="1"/>
+          </p:cNvPicPr>
+          <p:nvPr/>
+        </p:nvPicPr>
+        <p:blipFill>
+          <a:blip r:embed="rId5"/>
+          <a:stretch>
+            <a:fillRect/>
+          </a:stretch>
+        </p:blipFill>
+        <p:spPr>
+          <a:xfrm>
+            <a:off x="2646831" y="3841639"/>
+            <a:ext cx="2179458" cy="1543939"/>
+          </a:xfrm>
+          <a:prstGeom prst="rect">
+            <a:avLst/>
+          </a:prstGeom>
+        </p:spPr>
+      </p:pic>
+      <p:pic>
+        <p:nvPicPr>
+          <p:cNvPr id="16" name="Picture 15">
+            <a:extLst>
+              <a:ext uri="{FF2B5EF4-FFF2-40B4-BE49-F238E27FC236}">
+                <a16:creationId xmlns:a16="http://schemas.microsoft.com/office/drawing/2014/main" id="{82F6F7BC-55FE-FDCD-3818-1971F94D0051}"/>
+              </a:ext>
+            </a:extLst>
+          </p:cNvPr>
+          <p:cNvPicPr>
+            <a:picLocks noChangeAspect="1"/>
+          </p:cNvPicPr>
+          <p:nvPr/>
+        </p:nvPicPr>
+        <p:blipFill>
+          <a:blip r:embed="rId6"/>
+          <a:stretch>
+            <a:fillRect/>
+          </a:stretch>
+        </p:blipFill>
+        <p:spPr>
+          <a:xfrm>
+            <a:off x="2634897" y="5385578"/>
+            <a:ext cx="2246750" cy="1543940"/>
+          </a:xfrm>
+          <a:prstGeom prst="rect">
+            <a:avLst/>
+          </a:prstGeom>
+        </p:spPr>
+      </p:pic>
+      <p:pic>
+        <p:nvPicPr>
+          <p:cNvPr id="19" name="Picture 18">
+            <a:extLst>
+              <a:ext uri="{FF2B5EF4-FFF2-40B4-BE49-F238E27FC236}">
+                <a16:creationId xmlns:a16="http://schemas.microsoft.com/office/drawing/2014/main" id="{4819FF9B-957E-D311-3988-19A88482B651}"/>
+              </a:ext>
+            </a:extLst>
+          </p:cNvPr>
+          <p:cNvPicPr>
+            <a:picLocks noChangeAspect="1"/>
+          </p:cNvPicPr>
+          <p:nvPr/>
+        </p:nvPicPr>
+        <p:blipFill>
+          <a:blip r:embed="rId7"/>
+          <a:stretch>
+            <a:fillRect/>
+          </a:stretch>
+        </p:blipFill>
+        <p:spPr>
+          <a:xfrm>
+            <a:off x="4909672" y="844829"/>
+            <a:ext cx="2213105" cy="1543940"/>
+          </a:xfrm>
+          <a:prstGeom prst="rect">
+            <a:avLst/>
+          </a:prstGeom>
+        </p:spPr>
+      </p:pic>
+      <p:pic>
+        <p:nvPicPr>
+          <p:cNvPr id="22" name="Picture 21">
+            <a:extLst>
+              <a:ext uri="{FF2B5EF4-FFF2-40B4-BE49-F238E27FC236}">
+                <a16:creationId xmlns:a16="http://schemas.microsoft.com/office/drawing/2014/main" id="{2B1EAC5D-F158-2C98-1C7E-D0CF7EC029A1}"/>
+              </a:ext>
+            </a:extLst>
+          </p:cNvPr>
+          <p:cNvPicPr>
+            <a:picLocks noChangeAspect="1"/>
+          </p:cNvPicPr>
+          <p:nvPr/>
+        </p:nvPicPr>
+        <p:blipFill>
+          <a:blip r:embed="rId8"/>
+          <a:stretch>
+            <a:fillRect/>
+          </a:stretch>
+        </p:blipFill>
+        <p:spPr>
+          <a:xfrm>
+            <a:off x="4925763" y="819105"/>
+            <a:ext cx="2213105" cy="1520819"/>
+          </a:xfrm>
+          <a:prstGeom prst="rect">
+            <a:avLst/>
+          </a:prstGeom>
+        </p:spPr>
+      </p:pic>
+      <p:pic>
+        <p:nvPicPr>
+          <p:cNvPr id="25" name="Picture 24">
+            <a:extLst>
+              <a:ext uri="{FF2B5EF4-FFF2-40B4-BE49-F238E27FC236}">
+                <a16:creationId xmlns:a16="http://schemas.microsoft.com/office/drawing/2014/main" id="{4CE648BF-0BF4-B258-42D6-0633A37259E8}"/>
+              </a:ext>
+            </a:extLst>
+          </p:cNvPr>
+          <p:cNvPicPr>
+            <a:picLocks noChangeAspect="1"/>
+          </p:cNvPicPr>
+          <p:nvPr/>
+        </p:nvPicPr>
+        <p:blipFill>
+          <a:blip r:embed="rId9"/>
+          <a:stretch>
+            <a:fillRect/>
+          </a:stretch>
+        </p:blipFill>
+        <p:spPr>
+          <a:xfrm>
+            <a:off x="4920978" y="2316274"/>
+            <a:ext cx="2213105" cy="1543940"/>
+          </a:xfrm>
+          <a:prstGeom prst="rect">
+            <a:avLst/>
+          </a:prstGeom>
+        </p:spPr>
+      </p:pic>
+      <p:pic>
+        <p:nvPicPr>
+          <p:cNvPr id="27" name="Picture 26">
+            <a:extLst>
+              <a:ext uri="{FF2B5EF4-FFF2-40B4-BE49-F238E27FC236}">
+                <a16:creationId xmlns:a16="http://schemas.microsoft.com/office/drawing/2014/main" id="{C64F6CB4-8C80-83D4-2AA5-BF87425153A0}"/>
+              </a:ext>
+            </a:extLst>
+          </p:cNvPr>
+          <p:cNvPicPr>
+            <a:picLocks noChangeAspect="1"/>
+          </p:cNvPicPr>
+          <p:nvPr/>
+        </p:nvPicPr>
+        <p:blipFill>
+          <a:blip r:embed="rId10"/>
+          <a:stretch>
+            <a:fillRect/>
+          </a:stretch>
+        </p:blipFill>
+        <p:spPr>
+          <a:xfrm>
+            <a:off x="4893581" y="3851395"/>
+            <a:ext cx="2216154" cy="1546067"/>
+          </a:xfrm>
+          <a:prstGeom prst="rect">
+            <a:avLst/>
+          </a:prstGeom>
+        </p:spPr>
+      </p:pic>
+      <p:pic>
+        <p:nvPicPr>
+          <p:cNvPr id="30" name="Picture 29">
+            <a:extLst>
+              <a:ext uri="{FF2B5EF4-FFF2-40B4-BE49-F238E27FC236}">
+                <a16:creationId xmlns:a16="http://schemas.microsoft.com/office/drawing/2014/main" id="{70B58FFE-9CFE-5960-061C-C619E54177C9}"/>
+              </a:ext>
+            </a:extLst>
+          </p:cNvPr>
+          <p:cNvPicPr>
+            <a:picLocks noChangeAspect="1"/>
+          </p:cNvPicPr>
+          <p:nvPr/>
+        </p:nvPicPr>
+        <p:blipFill>
+          <a:blip r:embed="rId11"/>
+          <a:stretch>
+            <a:fillRect/>
+          </a:stretch>
+        </p:blipFill>
+        <p:spPr>
+          <a:xfrm>
+            <a:off x="4881646" y="5385308"/>
+            <a:ext cx="2213105" cy="1520819"/>
+          </a:xfrm>
+          <a:prstGeom prst="rect">
+            <a:avLst/>
+          </a:prstGeom>
+        </p:spPr>
+      </p:pic>
+      <p:pic>
+        <p:nvPicPr>
+          <p:cNvPr id="34" name="Picture 33">
+            <a:extLst>
+              <a:ext uri="{FF2B5EF4-FFF2-40B4-BE49-F238E27FC236}">
+                <a16:creationId xmlns:a16="http://schemas.microsoft.com/office/drawing/2014/main" id="{E93A43B5-8121-BA39-780D-C08C124976B6}"/>
+              </a:ext>
+            </a:extLst>
+          </p:cNvPr>
+          <p:cNvPicPr>
+            <a:picLocks noChangeAspect="1"/>
+          </p:cNvPicPr>
+          <p:nvPr/>
+        </p:nvPicPr>
+        <p:blipFill>
+          <a:blip r:embed="rId12"/>
+          <a:stretch>
+            <a:fillRect/>
+          </a:stretch>
+        </p:blipFill>
+        <p:spPr>
+          <a:xfrm>
+            <a:off x="8950026" y="1803951"/>
+            <a:ext cx="3241974" cy="2484557"/>
+          </a:xfrm>
+          <a:prstGeom prst="rect">
+            <a:avLst/>
+          </a:prstGeom>
+        </p:spPr>
+      </p:pic>
+      <p:pic>
+        <p:nvPicPr>
+          <p:cNvPr id="40" name="Picture 39">
+            <a:extLst>
+              <a:ext uri="{FF2B5EF4-FFF2-40B4-BE49-F238E27FC236}">
+                <a16:creationId xmlns:a16="http://schemas.microsoft.com/office/drawing/2014/main" id="{B87B5463-E245-0814-CB19-9A596934F902}"/>
+              </a:ext>
+            </a:extLst>
+          </p:cNvPr>
+          <p:cNvPicPr>
+            <a:picLocks noChangeAspect="1"/>
+          </p:cNvPicPr>
+          <p:nvPr/>
+        </p:nvPicPr>
+        <p:blipFill>
+          <a:blip r:embed="rId13"/>
+          <a:stretch>
+            <a:fillRect/>
+          </a:stretch>
+        </p:blipFill>
+        <p:spPr>
+          <a:xfrm>
+            <a:off x="9018981" y="4288508"/>
+            <a:ext cx="3241974" cy="2484557"/>
+          </a:xfrm>
+          <a:prstGeom prst="rect">
+            <a:avLst/>
+          </a:prstGeom>
+        </p:spPr>
+      </p:pic>
+      <p:pic>
+        <p:nvPicPr>
+          <p:cNvPr id="42" name="Picture 41">
+            <a:extLst>
+              <a:ext uri="{FF2B5EF4-FFF2-40B4-BE49-F238E27FC236}">
+                <a16:creationId xmlns:a16="http://schemas.microsoft.com/office/drawing/2014/main" id="{F2A41CA6-3C51-4BC2-90FA-2261511EBBCC}"/>
+              </a:ext>
+            </a:extLst>
+          </p:cNvPr>
+          <p:cNvPicPr>
+            <a:picLocks noChangeAspect="1"/>
+          </p:cNvPicPr>
+          <p:nvPr/>
+        </p:nvPicPr>
+        <p:blipFill>
+          <a:blip r:embed="rId14"/>
+          <a:stretch>
+            <a:fillRect/>
+          </a:stretch>
+        </p:blipFill>
+        <p:spPr>
+          <a:xfrm>
+            <a:off x="10504849" y="34854"/>
+            <a:ext cx="2216154" cy="1619950"/>
+          </a:xfrm>
+          <a:prstGeom prst="rect">
+            <a:avLst/>
+          </a:prstGeom>
+        </p:spPr>
+      </p:pic>
+      <p:pic>
+        <p:nvPicPr>
+          <p:cNvPr id="44" name="Picture 43">
+            <a:extLst>
+              <a:ext uri="{FF2B5EF4-FFF2-40B4-BE49-F238E27FC236}">
+                <a16:creationId xmlns:a16="http://schemas.microsoft.com/office/drawing/2014/main" id="{126D47D1-86AF-F1AB-C15F-F3E0A06A2F2A}"/>
+              </a:ext>
+            </a:extLst>
+          </p:cNvPr>
+          <p:cNvPicPr>
+            <a:picLocks noChangeAspect="1"/>
+          </p:cNvPicPr>
+          <p:nvPr/>
+        </p:nvPicPr>
+        <p:blipFill>
+          <a:blip r:embed="rId15"/>
+          <a:stretch>
+            <a:fillRect/>
+          </a:stretch>
+        </p:blipFill>
+        <p:spPr>
+          <a:xfrm>
+            <a:off x="7682392" y="115389"/>
+            <a:ext cx="2246750" cy="1757820"/>
+          </a:xfrm>
+          <a:prstGeom prst="rect">
+            <a:avLst/>
+          </a:prstGeom>
+        </p:spPr>
+      </p:pic>
+    </p:spTree>
+    <p:extLst>
+      <p:ext uri="{BB962C8B-B14F-4D97-AF65-F5344CB8AC3E}">
+        <p14:creationId xmlns:p14="http://schemas.microsoft.com/office/powerpoint/2010/main" val="3427088230"/>
+      </p:ext>
+    </p:extLst>
+  </p:cSld>
+  <p:clrMapOvr>
+    <a:masterClrMapping/>
+  </p:clrMapOvr>
+</p:sld>
+</file>
+
+<file path=ppt/slides/slide15.xml><?xml version="1.0" encoding="utf-8"?>
+<p:sld xmlns:a="http://schemas.openxmlformats.org/drawingml/2006/main" xmlns:r="http://schemas.openxmlformats.org/officeDocument/2006/relationships" xmlns:p="http://schemas.openxmlformats.org/presentationml/2006/main">
+  <p:cSld>
+    <p:spTree>
+      <p:nvGrpSpPr>
+        <p:cNvPr id="1" name=""/>
+        <p:cNvGrpSpPr/>
+        <p:nvPr/>
+      </p:nvGrpSpPr>
+      <p:grpSpPr>
+        <a:xfrm>
+          <a:off x="0" y="0"/>
+          <a:ext cx="0" cy="0"/>
+          <a:chOff x="0" y="0"/>
+          <a:chExt cx="0" cy="0"/>
+        </a:xfrm>
+      </p:grpSpPr>
+      <p:sp>
+        <p:nvSpPr>
+          <p:cNvPr id="2" name="Title 1">
+            <a:extLst>
+              <a:ext uri="{FF2B5EF4-FFF2-40B4-BE49-F238E27FC236}">
+                <a16:creationId xmlns:a16="http://schemas.microsoft.com/office/drawing/2014/main" id="{04C1E83A-9E15-3F42-CCA4-2D1ED6347D94}"/>
+              </a:ext>
+            </a:extLst>
+          </p:cNvPr>
+          <p:cNvSpPr>
+            <a:spLocks noGrp="1"/>
+          </p:cNvSpPr>
+          <p:nvPr>
+            <p:ph type="title"/>
+          </p:nvPr>
+        </p:nvSpPr>
+        <p:spPr/>
+        <p:txBody>
+          <a:bodyPr/>
+          <a:lstStyle/>
+          <a:p>
+            <a:r>
+              <a:rPr lang="en-US" dirty="0"/>
+              <a:t>Does adding surge change the existing </a:t>
+            </a:r>
+            <a:r>
+              <a:rPr lang="en-US" dirty="0" err="1"/>
+              <a:t>dofs</a:t>
+            </a:r>
+            <a:r>
+              <a:rPr lang="en-US" dirty="0"/>
+              <a:t>?</a:t>
+            </a:r>
+          </a:p>
+        </p:txBody>
+      </p:sp>
+      <p:sp>
+        <p:nvSpPr>
+          <p:cNvPr id="3" name="Content Placeholder 2">
+            <a:extLst>
+              <a:ext uri="{FF2B5EF4-FFF2-40B4-BE49-F238E27FC236}">
+                <a16:creationId xmlns:a16="http://schemas.microsoft.com/office/drawing/2014/main" id="{0F1DE4FC-1C9C-C085-731B-3618E51A5018}"/>
+              </a:ext>
+            </a:extLst>
+          </p:cNvPr>
+          <p:cNvSpPr>
+            <a:spLocks noGrp="1"/>
+          </p:cNvSpPr>
+          <p:nvPr>
+            <p:ph idx="1"/>
+          </p:nvPr>
+        </p:nvSpPr>
+        <p:spPr>
+          <a:xfrm>
+            <a:off x="385439" y="1337353"/>
+            <a:ext cx="4390747" cy="1406903"/>
+          </a:xfrm>
+        </p:spPr>
+        <p:txBody>
+          <a:bodyPr/>
+          <a:lstStyle/>
+          <a:p>
+            <a:r>
+              <a:rPr lang="en-US" dirty="0"/>
+              <a:t>Nope!</a:t>
+            </a:r>
+          </a:p>
+        </p:txBody>
+      </p:sp>
+      <p:pic>
+        <p:nvPicPr>
+          <p:cNvPr id="5" name="Picture 4">
+            <a:extLst>
+              <a:ext uri="{FF2B5EF4-FFF2-40B4-BE49-F238E27FC236}">
+                <a16:creationId xmlns:a16="http://schemas.microsoft.com/office/drawing/2014/main" id="{7EA62227-D0C2-F411-91EF-B84B9F653118}"/>
+              </a:ext>
+            </a:extLst>
+          </p:cNvPr>
+          <p:cNvPicPr>
+            <a:picLocks noChangeAspect="1"/>
+          </p:cNvPicPr>
+          <p:nvPr/>
+        </p:nvPicPr>
+        <p:blipFill>
+          <a:blip r:embed="rId2"/>
+          <a:stretch>
+            <a:fillRect/>
+          </a:stretch>
+        </p:blipFill>
+        <p:spPr>
+          <a:xfrm>
+            <a:off x="838200" y="1782150"/>
+            <a:ext cx="4985106" cy="4951564"/>
+          </a:xfrm>
+          <a:prstGeom prst="rect">
+            <a:avLst/>
+          </a:prstGeom>
+        </p:spPr>
+      </p:pic>
+      <p:pic>
+        <p:nvPicPr>
+          <p:cNvPr id="7" name="Picture 6">
+            <a:extLst>
+              <a:ext uri="{FF2B5EF4-FFF2-40B4-BE49-F238E27FC236}">
+                <a16:creationId xmlns:a16="http://schemas.microsoft.com/office/drawing/2014/main" id="{2A7E1D50-B03E-E9E2-3EEB-F9651D07CAA7}"/>
+              </a:ext>
+            </a:extLst>
+          </p:cNvPr>
+          <p:cNvPicPr>
+            <a:picLocks noChangeAspect="1"/>
+          </p:cNvPicPr>
+          <p:nvPr/>
+        </p:nvPicPr>
+        <p:blipFill>
+          <a:blip r:embed="rId3"/>
+          <a:stretch>
+            <a:fillRect/>
+          </a:stretch>
+        </p:blipFill>
+        <p:spPr>
+          <a:xfrm>
+            <a:off x="6655104" y="1418693"/>
+            <a:ext cx="5225732" cy="5167312"/>
+          </a:xfrm>
+          <a:prstGeom prst="rect">
+            <a:avLst/>
+          </a:prstGeom>
+        </p:spPr>
+      </p:pic>
+    </p:spTree>
+    <p:extLst>
+      <p:ext uri="{BB962C8B-B14F-4D97-AF65-F5344CB8AC3E}">
+        <p14:creationId xmlns:p14="http://schemas.microsoft.com/office/powerpoint/2010/main" val="3646900419"/>
+      </p:ext>
+    </p:extLst>
+  </p:cSld>
+  <p:clrMapOvr>
+    <a:masterClrMapping/>
+  </p:clrMapOvr>
+</p:sld>
+</file>
+
+<file path=ppt/slides/slide16.xml><?xml version="1.0" encoding="utf-8"?>
+<p:sld xmlns:a="http://schemas.openxmlformats.org/drawingml/2006/main" xmlns:r="http://schemas.openxmlformats.org/officeDocument/2006/relationships" xmlns:p="http://schemas.openxmlformats.org/presentationml/2006/main" show="0">
+  <p:cSld>
+    <p:spTree>
+      <p:nvGrpSpPr>
+        <p:cNvPr id="1" name=""/>
+        <p:cNvGrpSpPr/>
+        <p:nvPr/>
+      </p:nvGrpSpPr>
+      <p:grpSpPr>
+        <a:xfrm>
+          <a:off x="0" y="0"/>
+          <a:ext cx="0" cy="0"/>
+          <a:chOff x="0" y="0"/>
+          <a:chExt cx="0" cy="0"/>
+        </a:xfrm>
+      </p:grpSpPr>
+      <p:sp>
+        <p:nvSpPr>
+          <p:cNvPr id="2" name="Title 1">
+            <a:extLst>
+              <a:ext uri="{FF2B5EF4-FFF2-40B4-BE49-F238E27FC236}">
+                <a16:creationId xmlns:a16="http://schemas.microsoft.com/office/drawing/2014/main" id="{E732F731-79FD-1439-1158-16C52718D260}"/>
+              </a:ext>
+            </a:extLst>
+          </p:cNvPr>
+          <p:cNvSpPr>
+            <a:spLocks noGrp="1"/>
+          </p:cNvSpPr>
+          <p:nvPr>
+            <p:ph type="title"/>
+          </p:nvPr>
+        </p:nvSpPr>
+        <p:spPr/>
+        <p:txBody>
+          <a:bodyPr/>
+          <a:lstStyle/>
+          <a:p>
+            <a:r>
+              <a:rPr lang="en-US" dirty="0"/>
+              <a:t>Look into how the influenced/radiating </a:t>
+            </a:r>
+            <a:r>
+              <a:rPr lang="en-US" dirty="0" err="1"/>
+              <a:t>dof</a:t>
+            </a:r>
+            <a:r>
+              <a:rPr lang="en-US" dirty="0"/>
+              <a:t> are applied for each force</a:t>
+            </a:r>
+          </a:p>
+        </p:txBody>
+      </p:sp>
+      <p:sp>
+        <p:nvSpPr>
+          <p:cNvPr id="3" name="Content Placeholder 2">
+            <a:extLst>
+              <a:ext uri="{FF2B5EF4-FFF2-40B4-BE49-F238E27FC236}">
+                <a16:creationId xmlns:a16="http://schemas.microsoft.com/office/drawing/2014/main" id="{9E88E738-DBE3-A48C-37D4-44964C5A88A6}"/>
+              </a:ext>
+            </a:extLst>
+          </p:cNvPr>
+          <p:cNvSpPr>
+            <a:spLocks noGrp="1"/>
+          </p:cNvSpPr>
+          <p:nvPr>
+            <p:ph idx="1"/>
+          </p:nvPr>
+        </p:nvSpPr>
+        <p:spPr/>
+        <p:txBody>
+          <a:bodyPr/>
+          <a:lstStyle/>
+          <a:p>
+            <a:r>
+              <a:rPr lang="en-US" dirty="0"/>
+              <a:t>When I select influenced </a:t>
+            </a:r>
+            <a:r>
+              <a:rPr lang="en-US" dirty="0" err="1"/>
+              <a:t>dof</a:t>
+            </a:r>
+            <a:r>
+              <a:rPr lang="en-US" dirty="0"/>
+              <a:t> on rect0 pitch term, I get the coupling term, but it doesn’t seem to be applied this way?</a:t>
+            </a:r>
+          </a:p>
+          <a:p>
+            <a:r>
+              <a:rPr lang="en-US" dirty="0"/>
+              <a:t>Maybe look at how the </a:t>
+            </a:r>
+            <a:r>
+              <a:rPr lang="en-US" dirty="0" err="1"/>
+              <a:t>x_wec</a:t>
+            </a:r>
+            <a:r>
+              <a:rPr lang="en-US" dirty="0"/>
+              <a:t> is converted to the position of </a:t>
+            </a:r>
+            <a:r>
+              <a:rPr lang="en-US"/>
+              <a:t>each body</a:t>
+            </a:r>
+          </a:p>
+        </p:txBody>
+      </p:sp>
+    </p:spTree>
+    <p:extLst>
+      <p:ext uri="{BB962C8B-B14F-4D97-AF65-F5344CB8AC3E}">
+        <p14:creationId xmlns:p14="http://schemas.microsoft.com/office/powerpoint/2010/main" val="1836791871"/>
+      </p:ext>
+    </p:extLst>
+  </p:cSld>
+  <p:clrMapOvr>
+    <a:masterClrMapping/>
+  </p:clrMapOvr>
+</p:sld>
+</file>
+
+<file path=ppt/slides/slide17.xml><?xml version="1.0" encoding="utf-8"?>
+<p:sld xmlns:a="http://schemas.openxmlformats.org/drawingml/2006/main" xmlns:r="http://schemas.openxmlformats.org/officeDocument/2006/relationships" xmlns:p="http://schemas.openxmlformats.org/presentationml/2006/main" show="0">
+  <p:cSld>
+    <p:spTree>
+      <p:nvGrpSpPr>
+        <p:cNvPr id="1" name=""/>
+        <p:cNvGrpSpPr/>
+        <p:nvPr/>
+      </p:nvGrpSpPr>
+      <p:grpSpPr>
+        <a:xfrm>
+          <a:off x="0" y="0"/>
+          <a:ext cx="0" cy="0"/>
+          <a:chOff x="0" y="0"/>
+          <a:chExt cx="0" cy="0"/>
+        </a:xfrm>
+      </p:grpSpPr>
+      <p:sp>
+        <p:nvSpPr>
+          <p:cNvPr id="2" name="Title 1">
+            <a:extLst>
+              <a:ext uri="{FF2B5EF4-FFF2-40B4-BE49-F238E27FC236}">
+                <a16:creationId xmlns:a16="http://schemas.microsoft.com/office/drawing/2014/main" id="{1EA14D20-5DC4-E782-77A4-DF9D5DE624C8}"/>
+              </a:ext>
+            </a:extLst>
+          </p:cNvPr>
+          <p:cNvSpPr>
+            <a:spLocks noGrp="1"/>
+          </p:cNvSpPr>
+          <p:nvPr>
+            <p:ph type="title"/>
+          </p:nvPr>
+        </p:nvSpPr>
+        <p:spPr/>
+        <p:txBody>
+          <a:bodyPr/>
+          <a:lstStyle/>
+          <a:p>
+            <a:r>
+              <a:rPr lang="en-US" dirty="0"/>
+              <a:t>Why does WEC-Sim apply the same excitation forces to both bodies?</a:t>
+            </a:r>
+          </a:p>
+        </p:txBody>
+      </p:sp>
+      <p:pic>
+        <p:nvPicPr>
+          <p:cNvPr id="7" name="Content Placeholder 6">
+            <a:extLst>
+              <a:ext uri="{FF2B5EF4-FFF2-40B4-BE49-F238E27FC236}">
+                <a16:creationId xmlns:a16="http://schemas.microsoft.com/office/drawing/2014/main" id="{826AB5D7-874B-972F-82EE-1F3F96566130}"/>
+              </a:ext>
+            </a:extLst>
+          </p:cNvPr>
+          <p:cNvPicPr>
+            <a:picLocks noGrp="1" noChangeAspect="1"/>
+          </p:cNvPicPr>
+          <p:nvPr>
+            <p:ph idx="1"/>
+          </p:nvPr>
+        </p:nvPicPr>
+        <p:blipFill>
+          <a:blip r:embed="rId2"/>
+          <a:stretch>
+            <a:fillRect/>
+          </a:stretch>
+        </p:blipFill>
+        <p:spPr>
+          <a:xfrm>
+            <a:off x="608711" y="2857500"/>
+            <a:ext cx="5487289" cy="4000500"/>
+          </a:xfrm>
+        </p:spPr>
+      </p:pic>
+      <p:pic>
+        <p:nvPicPr>
+          <p:cNvPr id="5" name="Picture 4">
+            <a:extLst>
+              <a:ext uri="{FF2B5EF4-FFF2-40B4-BE49-F238E27FC236}">
+                <a16:creationId xmlns:a16="http://schemas.microsoft.com/office/drawing/2014/main" id="{E2C42210-DFD7-8F22-0267-1A5D15D84062}"/>
+              </a:ext>
+            </a:extLst>
+          </p:cNvPr>
+          <p:cNvPicPr>
+            <a:picLocks noChangeAspect="1"/>
+          </p:cNvPicPr>
+          <p:nvPr/>
+        </p:nvPicPr>
+        <p:blipFill>
+          <a:blip r:embed="rId3"/>
+          <a:stretch>
+            <a:fillRect/>
+          </a:stretch>
+        </p:blipFill>
+        <p:spPr>
+          <a:xfrm>
+            <a:off x="6249289" y="3429000"/>
+            <a:ext cx="5334000" cy="4000500"/>
+          </a:xfrm>
+          <a:prstGeom prst="rect">
+            <a:avLst/>
+          </a:prstGeom>
+        </p:spPr>
+      </p:pic>
+      <p:sp>
+        <p:nvSpPr>
+          <p:cNvPr id="8" name="Content Placeholder 2">
+            <a:extLst>
+              <a:ext uri="{FF2B5EF4-FFF2-40B4-BE49-F238E27FC236}">
+                <a16:creationId xmlns:a16="http://schemas.microsoft.com/office/drawing/2014/main" id="{5BC3EF71-790F-E355-CC50-FD554D75C6DF}"/>
+              </a:ext>
+            </a:extLst>
+          </p:cNvPr>
+          <p:cNvSpPr txBox="1">
+            <a:spLocks/>
+          </p:cNvSpPr>
+          <p:nvPr/>
+        </p:nvSpPr>
+        <p:spPr>
+          <a:xfrm>
+            <a:off x="301752" y="1662304"/>
+            <a:ext cx="10000784" cy="1929385"/>
+          </a:xfrm>
+          <a:prstGeom prst="rect">
+            <a:avLst/>
+          </a:prstGeom>
+        </p:spPr>
+        <p:txBody>
+          <a:bodyPr vert="horz" lIns="91440" tIns="45720" rIns="91440" bIns="45720" rtlCol="0">
+            <a:normAutofit/>
+          </a:bodyPr>
+          <a:lstStyle>
+            <a:lvl1pPr marL="228600" indent="-228600" algn="l" defTabSz="914400" rtl="0" eaLnBrk="1" latinLnBrk="0" hangingPunct="1">
+              <a:lnSpc>
+                <a:spcPct val="90000"/>
+              </a:lnSpc>
+              <a:spcBef>
+                <a:spcPts val="1000"/>
+              </a:spcBef>
+              <a:buFont typeface="Arial" panose="020B0604020202020204" pitchFamily="34" charset="0"/>
+              <a:buChar char="•"/>
+              <a:defRPr sz="2800" kern="1200">
+                <a:solidFill>
+                  <a:schemeClr val="tx1"/>
+                </a:solidFill>
+                <a:latin typeface="+mn-lt"/>
+                <a:ea typeface="+mn-ea"/>
+                <a:cs typeface="+mn-cs"/>
+              </a:defRPr>
+            </a:lvl1pPr>
+            <a:lvl2pPr marL="685800" indent="-228600" algn="l" defTabSz="914400" rtl="0" eaLnBrk="1" latinLnBrk="0" hangingPunct="1">
+              <a:lnSpc>
+                <a:spcPct val="90000"/>
+              </a:lnSpc>
+              <a:spcBef>
+                <a:spcPts val="500"/>
+              </a:spcBef>
+              <a:buFont typeface="Arial" panose="020B0604020202020204" pitchFamily="34" charset="0"/>
+              <a:buChar char="•"/>
+              <a:defRPr sz="2400" kern="1200">
+                <a:solidFill>
+                  <a:schemeClr val="tx1"/>
+                </a:solidFill>
+                <a:latin typeface="+mn-lt"/>
+                <a:ea typeface="+mn-ea"/>
+                <a:cs typeface="+mn-cs"/>
+              </a:defRPr>
+            </a:lvl2pPr>
+            <a:lvl3pPr marL="1143000" indent="-228600" algn="l" defTabSz="914400" rtl="0" eaLnBrk="1" latinLnBrk="0" hangingPunct="1">
+              <a:lnSpc>
+                <a:spcPct val="90000"/>
+              </a:lnSpc>
+              <a:spcBef>
+                <a:spcPts val="500"/>
+              </a:spcBef>
+              <a:buFont typeface="Arial" panose="020B0604020202020204" pitchFamily="34" charset="0"/>
+              <a:buChar char="•"/>
+              <a:defRPr sz="2000" kern="1200">
+                <a:solidFill>
+                  <a:schemeClr val="tx1"/>
+                </a:solidFill>
+                <a:latin typeface="+mn-lt"/>
+                <a:ea typeface="+mn-ea"/>
+                <a:cs typeface="+mn-cs"/>
+              </a:defRPr>
+            </a:lvl3pPr>
+            <a:lvl4pPr marL="1600200" indent="-228600" algn="l" defTabSz="914400" rtl="0" eaLnBrk="1" latinLnBrk="0" hangingPunct="1">
+              <a:lnSpc>
+                <a:spcPct val="90000"/>
+              </a:lnSpc>
+              <a:spcBef>
+                <a:spcPts val="500"/>
+              </a:spcBef>
+              <a:buFont typeface="Arial" panose="020B0604020202020204" pitchFamily="34" charset="0"/>
+              <a:buChar char="•"/>
+              <a:defRPr sz="1800" kern="1200">
+                <a:solidFill>
+                  <a:schemeClr val="tx1"/>
+                </a:solidFill>
+                <a:latin typeface="+mn-lt"/>
+                <a:ea typeface="+mn-ea"/>
+                <a:cs typeface="+mn-cs"/>
+              </a:defRPr>
+            </a:lvl4pPr>
+            <a:lvl5pPr marL="2057400" indent="-228600" algn="l" defTabSz="914400" rtl="0" eaLnBrk="1" latinLnBrk="0" hangingPunct="1">
+              <a:lnSpc>
+                <a:spcPct val="90000"/>
+              </a:lnSpc>
+              <a:spcBef>
+                <a:spcPts val="500"/>
+              </a:spcBef>
+              <a:buFont typeface="Arial" panose="020B0604020202020204" pitchFamily="34" charset="0"/>
+              <a:buChar char="•"/>
+              <a:defRPr sz="1800" kern="1200">
+                <a:solidFill>
+                  <a:schemeClr val="tx1"/>
+                </a:solidFill>
+                <a:latin typeface="+mn-lt"/>
+                <a:ea typeface="+mn-ea"/>
+                <a:cs typeface="+mn-cs"/>
+              </a:defRPr>
+            </a:lvl5pPr>
+            <a:lvl6pPr marL="2514600" indent="-228600" algn="l" defTabSz="914400" rtl="0" eaLnBrk="1" latinLnBrk="0" hangingPunct="1">
+              <a:lnSpc>
+                <a:spcPct val="90000"/>
+              </a:lnSpc>
+              <a:spcBef>
+                <a:spcPts val="500"/>
+              </a:spcBef>
+              <a:buFont typeface="Arial" panose="020B0604020202020204" pitchFamily="34" charset="0"/>
+              <a:buChar char="•"/>
+              <a:defRPr sz="1800" kern="1200">
+                <a:solidFill>
+                  <a:schemeClr val="tx1"/>
+                </a:solidFill>
+                <a:latin typeface="+mn-lt"/>
+                <a:ea typeface="+mn-ea"/>
+                <a:cs typeface="+mn-cs"/>
+              </a:defRPr>
+            </a:lvl6pPr>
+            <a:lvl7pPr marL="2971800" indent="-228600" algn="l" defTabSz="914400" rtl="0" eaLnBrk="1" latinLnBrk="0" hangingPunct="1">
+              <a:lnSpc>
+                <a:spcPct val="90000"/>
+              </a:lnSpc>
+              <a:spcBef>
+                <a:spcPts val="500"/>
+              </a:spcBef>
+              <a:buFont typeface="Arial" panose="020B0604020202020204" pitchFamily="34" charset="0"/>
+              <a:buChar char="•"/>
+              <a:defRPr sz="1800" kern="1200">
+                <a:solidFill>
+                  <a:schemeClr val="tx1"/>
+                </a:solidFill>
+                <a:latin typeface="+mn-lt"/>
+                <a:ea typeface="+mn-ea"/>
+                <a:cs typeface="+mn-cs"/>
+              </a:defRPr>
+            </a:lvl7pPr>
+            <a:lvl8pPr marL="3429000" indent="-228600" algn="l" defTabSz="914400" rtl="0" eaLnBrk="1" latinLnBrk="0" hangingPunct="1">
+              <a:lnSpc>
+                <a:spcPct val="90000"/>
+              </a:lnSpc>
+              <a:spcBef>
+                <a:spcPts val="500"/>
+              </a:spcBef>
+              <a:buFont typeface="Arial" panose="020B0604020202020204" pitchFamily="34" charset="0"/>
+              <a:buChar char="•"/>
+              <a:defRPr sz="1800" kern="1200">
+                <a:solidFill>
+                  <a:schemeClr val="tx1"/>
+                </a:solidFill>
+                <a:latin typeface="+mn-lt"/>
+                <a:ea typeface="+mn-ea"/>
+                <a:cs typeface="+mn-cs"/>
+              </a:defRPr>
+            </a:lvl8pPr>
+            <a:lvl9pPr marL="3886200" indent="-228600" algn="l" defTabSz="914400" rtl="0" eaLnBrk="1" latinLnBrk="0" hangingPunct="1">
+              <a:lnSpc>
+                <a:spcPct val="90000"/>
+              </a:lnSpc>
+              <a:spcBef>
+                <a:spcPts val="500"/>
+              </a:spcBef>
+              <a:buFont typeface="Arial" panose="020B0604020202020204" pitchFamily="34" charset="0"/>
+              <a:buChar char="•"/>
+              <a:defRPr sz="1800" kern="1200">
+                <a:solidFill>
+                  <a:schemeClr val="tx1"/>
+                </a:solidFill>
+                <a:latin typeface="+mn-lt"/>
+                <a:ea typeface="+mn-ea"/>
+                <a:cs typeface="+mn-cs"/>
+              </a:defRPr>
+            </a:lvl9pPr>
+          </a:lstStyle>
+          <a:p>
+            <a:pPr marL="0" indent="0">
+              <a:buFont typeface="Arial" panose="020B0604020202020204" pitchFamily="34" charset="0"/>
+              <a:buNone/>
+            </a:pPr>
+            <a:r>
+              <a:rPr lang="en-US" dirty="0"/>
+              <a:t>Somehow both have the same excitation force phase…</a:t>
+            </a:r>
+          </a:p>
+          <a:p>
+            <a:pPr marL="0" indent="0">
+              <a:buFont typeface="Arial" panose="020B0604020202020204" pitchFamily="34" charset="0"/>
+              <a:buNone/>
+            </a:pPr>
+            <a:r>
+              <a:rPr lang="en-US" dirty="0"/>
+              <a:t>It seemed to be because they had the same name!</a:t>
+            </a:r>
+          </a:p>
+        </p:txBody>
+      </p:sp>
+    </p:spTree>
+    <p:extLst>
+      <p:ext uri="{BB962C8B-B14F-4D97-AF65-F5344CB8AC3E}">
+        <p14:creationId xmlns:p14="http://schemas.microsoft.com/office/powerpoint/2010/main" val="3985888841"/>
+      </p:ext>
+    </p:extLst>
+  </p:cSld>
+  <p:clrMapOvr>
+    <a:masterClrMapping/>
+  </p:clrMapOvr>
+</p:sld>
+</file>
+
+<file path=ppt/slides/slide18.xml><?xml version="1.0" encoding="utf-8"?>
 <p:sld xmlns:a="http://schemas.openxmlformats.org/drawingml/2006/main" xmlns:r="http://schemas.openxmlformats.org/officeDocument/2006/relationships" xmlns:p="http://schemas.openxmlformats.org/presentationml/2006/main" show="0">
   <p:cSld>
     <p:spTree>
@@ -7364,7 +10064,7 @@
 </p:sld>
 </file>
 
-<file path=ppt/slides/slide12.xml><?xml version="1.0" encoding="utf-8"?>
+<file path=ppt/slides/slide19.xml><?xml version="1.0" encoding="utf-8"?>
 <p:sld xmlns:a="http://schemas.openxmlformats.org/drawingml/2006/main" xmlns:r="http://schemas.openxmlformats.org/officeDocument/2006/relationships" xmlns:p="http://schemas.openxmlformats.org/presentationml/2006/main" show="0">
   <p:cSld>
     <p:spTree>
@@ -7479,7 +10179,130 @@
 </p:sld>
 </file>
 
-<file path=ppt/slides/slide13.xml><?xml version="1.0" encoding="utf-8"?>
+<file path=ppt/slides/slide2.xml><?xml version="1.0" encoding="utf-8"?>
+<p:sld xmlns:a="http://schemas.openxmlformats.org/drawingml/2006/main" xmlns:r="http://schemas.openxmlformats.org/officeDocument/2006/relationships" xmlns:p="http://schemas.openxmlformats.org/presentationml/2006/main">
+  <p:cSld>
+    <p:spTree>
+      <p:nvGrpSpPr>
+        <p:cNvPr id="1" name=""/>
+        <p:cNvGrpSpPr/>
+        <p:nvPr/>
+      </p:nvGrpSpPr>
+      <p:grpSpPr>
+        <a:xfrm>
+          <a:off x="0" y="0"/>
+          <a:ext cx="0" cy="0"/>
+          <a:chOff x="0" y="0"/>
+          <a:chExt cx="0" cy="0"/>
+        </a:xfrm>
+      </p:grpSpPr>
+      <p:sp>
+        <p:nvSpPr>
+          <p:cNvPr id="2" name="Title 1">
+            <a:extLst>
+              <a:ext uri="{FF2B5EF4-FFF2-40B4-BE49-F238E27FC236}">
+                <a16:creationId xmlns:a16="http://schemas.microsoft.com/office/drawing/2014/main" id="{2F0298EF-919A-1D84-80D2-7277D85E7698}"/>
+              </a:ext>
+            </a:extLst>
+          </p:cNvPr>
+          <p:cNvSpPr>
+            <a:spLocks noGrp="1"/>
+          </p:cNvSpPr>
+          <p:nvPr>
+            <p:ph type="title"/>
+          </p:nvPr>
+        </p:nvSpPr>
+        <p:spPr/>
+        <p:txBody>
+          <a:bodyPr/>
+          <a:lstStyle/>
+          <a:p>
+            <a:r>
+              <a:rPr lang="en-US" dirty="0"/>
+              <a:t>Including heave?</a:t>
+            </a:r>
+          </a:p>
+        </p:txBody>
+      </p:sp>
+      <p:sp>
+        <p:nvSpPr>
+          <p:cNvPr id="3" name="Content Placeholder 2">
+            <a:extLst>
+              <a:ext uri="{FF2B5EF4-FFF2-40B4-BE49-F238E27FC236}">
+                <a16:creationId xmlns:a16="http://schemas.microsoft.com/office/drawing/2014/main" id="{F5EE5CD2-03A2-FBB2-C7A8-44A85C9E0067}"/>
+              </a:ext>
+            </a:extLst>
+          </p:cNvPr>
+          <p:cNvSpPr>
+            <a:spLocks noGrp="1"/>
+          </p:cNvSpPr>
+          <p:nvPr>
+            <p:ph idx="1"/>
+          </p:nvPr>
+        </p:nvSpPr>
+        <p:spPr>
+          <a:xfrm>
+            <a:off x="838200" y="1825624"/>
+            <a:ext cx="10515600" cy="4788239"/>
+          </a:xfrm>
+        </p:spPr>
+        <p:txBody>
+          <a:bodyPr>
+            <a:normAutofit/>
+          </a:bodyPr>
+          <a:lstStyle/>
+          <a:p>
+            <a:pPr marL="0" indent="0">
+              <a:buNone/>
+            </a:pPr>
+            <a:r>
+              <a:rPr lang="en-US" dirty="0"/>
+              <a:t>The whole point of including heave would be to have accurate hydrodynamics, but I think the hydrodynamics would still be inaccurate because the pitch hydrodynamics are solved about a stationary point, but the PTO point is translating in reality</a:t>
+            </a:r>
+          </a:p>
+          <a:p>
+            <a:r>
+              <a:rPr lang="en-US" dirty="0"/>
+              <a:t>Even if we include heave, the pitch hydrostatics are still based on a stationary PTO so are inaccurate.</a:t>
+            </a:r>
+          </a:p>
+          <a:p>
+            <a:pPr marL="0" indent="0">
+              <a:buNone/>
+            </a:pPr>
+            <a:r>
+              <a:rPr lang="en-US" dirty="0"/>
+              <a:t>How would WEC-Sim handle this problem?</a:t>
+            </a:r>
+          </a:p>
+          <a:p>
+            <a:r>
+              <a:rPr lang="en-US" dirty="0"/>
+              <a:t>Computes BEM about the center of gravity, then uses parallel axis theorem to translate forces to the point of rotation</a:t>
+            </a:r>
+          </a:p>
+          <a:p>
+            <a:r>
+              <a:rPr lang="en-US" dirty="0"/>
+              <a:t>Think about how to do this in WecOptTool</a:t>
+            </a:r>
+          </a:p>
+        </p:txBody>
+      </p:sp>
+    </p:spTree>
+    <p:extLst>
+      <p:ext uri="{BB962C8B-B14F-4D97-AF65-F5344CB8AC3E}">
+        <p14:creationId xmlns:p14="http://schemas.microsoft.com/office/powerpoint/2010/main" val="1051560904"/>
+      </p:ext>
+    </p:extLst>
+  </p:cSld>
+  <p:clrMapOvr>
+    <a:masterClrMapping/>
+  </p:clrMapOvr>
+</p:sld>
+</file>
+
+<file path=ppt/slides/slide20.xml><?xml version="1.0" encoding="utf-8"?>
 <p:sld xmlns:a="http://schemas.openxmlformats.org/drawingml/2006/main" xmlns:r="http://schemas.openxmlformats.org/officeDocument/2006/relationships" xmlns:p="http://schemas.openxmlformats.org/presentationml/2006/main" show="0">
   <p:cSld>
     <p:spTree>
@@ -7808,7 +10631,7 @@
 </p:sld>
 </file>
 
-<file path=ppt/slides/slide14.xml><?xml version="1.0" encoding="utf-8"?>
+<file path=ppt/slides/slide21.xml><?xml version="1.0" encoding="utf-8"?>
 <p:sld xmlns:a="http://schemas.openxmlformats.org/drawingml/2006/main" xmlns:r="http://schemas.openxmlformats.org/officeDocument/2006/relationships" xmlns:p="http://schemas.openxmlformats.org/presentationml/2006/main" show="0">
   <p:cSld>
     <p:spTree>
@@ -7974,7 +10797,7 @@
 </p:sld>
 </file>
 
-<file path=ppt/slides/slide15.xml><?xml version="1.0" encoding="utf-8"?>
+<file path=ppt/slides/slide22.xml><?xml version="1.0" encoding="utf-8"?>
 <p:sld xmlns:a="http://schemas.openxmlformats.org/drawingml/2006/main" xmlns:r="http://schemas.openxmlformats.org/officeDocument/2006/relationships" xmlns:p="http://schemas.openxmlformats.org/presentationml/2006/main" show="0">
   <p:cSld>
     <p:spTree>
@@ -8191,7 +11014,7 @@
 </p:sld>
 </file>
 
-<file path=ppt/slides/slide16.xml><?xml version="1.0" encoding="utf-8"?>
+<file path=ppt/slides/slide23.xml><?xml version="1.0" encoding="utf-8"?>
 <p:sld xmlns:a="http://schemas.openxmlformats.org/drawingml/2006/main" xmlns:r="http://schemas.openxmlformats.org/officeDocument/2006/relationships" xmlns:p="http://schemas.openxmlformats.org/presentationml/2006/main" show="0">
   <p:cSld>
     <p:spTree>
@@ -8348,7 +11171,7 @@
 </p:sld>
 </file>
 
-<file path=ppt/slides/slide17.xml><?xml version="1.0" encoding="utf-8"?>
+<file path=ppt/slides/slide24.xml><?xml version="1.0" encoding="utf-8"?>
 <p:sld xmlns:a="http://schemas.openxmlformats.org/drawingml/2006/main" xmlns:r="http://schemas.openxmlformats.org/officeDocument/2006/relationships" xmlns:p="http://schemas.openxmlformats.org/presentationml/2006/main" show="0">
   <p:cSld>
     <p:spTree>
@@ -8844,7 +11667,7 @@
 </p:sld>
 </file>
 
-<file path=ppt/slides/slide18.xml><?xml version="1.0" encoding="utf-8"?>
+<file path=ppt/slides/slide25.xml><?xml version="1.0" encoding="utf-8"?>
 <p:sld xmlns:a="http://schemas.openxmlformats.org/drawingml/2006/main" xmlns:r="http://schemas.openxmlformats.org/officeDocument/2006/relationships" xmlns:p="http://schemas.openxmlformats.org/presentationml/2006/main" show="0">
   <p:cSld>
     <p:spTree>
@@ -9120,7 +11943,7 @@
 </p:sld>
 </file>
 
-<file path=ppt/slides/slide19.xml><?xml version="1.0" encoding="utf-8"?>
+<file path=ppt/slides/slide26.xml><?xml version="1.0" encoding="utf-8"?>
 <p:sld xmlns:a="http://schemas.openxmlformats.org/drawingml/2006/main" xmlns:r="http://schemas.openxmlformats.org/officeDocument/2006/relationships" xmlns:p="http://schemas.openxmlformats.org/presentationml/2006/main" show="0">
   <p:cSld>
     <p:spTree>
@@ -9462,130 +12285,7 @@
 </p:sld>
 </file>
 
-<file path=ppt/slides/slide2.xml><?xml version="1.0" encoding="utf-8"?>
-<p:sld xmlns:a="http://schemas.openxmlformats.org/drawingml/2006/main" xmlns:r="http://schemas.openxmlformats.org/officeDocument/2006/relationships" xmlns:p="http://schemas.openxmlformats.org/presentationml/2006/main">
-  <p:cSld>
-    <p:spTree>
-      <p:nvGrpSpPr>
-        <p:cNvPr id="1" name=""/>
-        <p:cNvGrpSpPr/>
-        <p:nvPr/>
-      </p:nvGrpSpPr>
-      <p:grpSpPr>
-        <a:xfrm>
-          <a:off x="0" y="0"/>
-          <a:ext cx="0" cy="0"/>
-          <a:chOff x="0" y="0"/>
-          <a:chExt cx="0" cy="0"/>
-        </a:xfrm>
-      </p:grpSpPr>
-      <p:sp>
-        <p:nvSpPr>
-          <p:cNvPr id="2" name="Title 1">
-            <a:extLst>
-              <a:ext uri="{FF2B5EF4-FFF2-40B4-BE49-F238E27FC236}">
-                <a16:creationId xmlns:a16="http://schemas.microsoft.com/office/drawing/2014/main" id="{2F0298EF-919A-1D84-80D2-7277D85E7698}"/>
-              </a:ext>
-            </a:extLst>
-          </p:cNvPr>
-          <p:cNvSpPr>
-            <a:spLocks noGrp="1"/>
-          </p:cNvSpPr>
-          <p:nvPr>
-            <p:ph type="title"/>
-          </p:nvPr>
-        </p:nvSpPr>
-        <p:spPr/>
-        <p:txBody>
-          <a:bodyPr/>
-          <a:lstStyle/>
-          <a:p>
-            <a:r>
-              <a:rPr lang="en-US" dirty="0"/>
-              <a:t>Including heave?</a:t>
-            </a:r>
-          </a:p>
-        </p:txBody>
-      </p:sp>
-      <p:sp>
-        <p:nvSpPr>
-          <p:cNvPr id="3" name="Content Placeholder 2">
-            <a:extLst>
-              <a:ext uri="{FF2B5EF4-FFF2-40B4-BE49-F238E27FC236}">
-                <a16:creationId xmlns:a16="http://schemas.microsoft.com/office/drawing/2014/main" id="{F5EE5CD2-03A2-FBB2-C7A8-44A85C9E0067}"/>
-              </a:ext>
-            </a:extLst>
-          </p:cNvPr>
-          <p:cNvSpPr>
-            <a:spLocks noGrp="1"/>
-          </p:cNvSpPr>
-          <p:nvPr>
-            <p:ph idx="1"/>
-          </p:nvPr>
-        </p:nvSpPr>
-        <p:spPr>
-          <a:xfrm>
-            <a:off x="838200" y="1825624"/>
-            <a:ext cx="10515600" cy="4788239"/>
-          </a:xfrm>
-        </p:spPr>
-        <p:txBody>
-          <a:bodyPr>
-            <a:normAutofit/>
-          </a:bodyPr>
-          <a:lstStyle/>
-          <a:p>
-            <a:pPr marL="0" indent="0">
-              <a:buNone/>
-            </a:pPr>
-            <a:r>
-              <a:rPr lang="en-US" dirty="0"/>
-              <a:t>The whole point of including heave would be to have accurate hydrodynamics, but I think the hydrodynamics would still be inaccurate because the pitch hydrodynamics are solved about a stationary point, but the PTO point is translating in reality</a:t>
-            </a:r>
-          </a:p>
-          <a:p>
-            <a:r>
-              <a:rPr lang="en-US" dirty="0"/>
-              <a:t>Even if we include heave, the pitch hydrostatics are still based on a stationary PTO so are inaccurate.</a:t>
-            </a:r>
-          </a:p>
-          <a:p>
-            <a:pPr marL="0" indent="0">
-              <a:buNone/>
-            </a:pPr>
-            <a:r>
-              <a:rPr lang="en-US" dirty="0"/>
-              <a:t>How would WEC-Sim handle this problem?</a:t>
-            </a:r>
-          </a:p>
-          <a:p>
-            <a:r>
-              <a:rPr lang="en-US" dirty="0"/>
-              <a:t>Computes BEM about the center of gravity, then uses parallel axis theorem to translate forces to the point of rotation</a:t>
-            </a:r>
-          </a:p>
-          <a:p>
-            <a:r>
-              <a:rPr lang="en-US" dirty="0"/>
-              <a:t>Think about how to do this in WecOptTool</a:t>
-            </a:r>
-          </a:p>
-        </p:txBody>
-      </p:sp>
-    </p:spTree>
-    <p:extLst>
-      <p:ext uri="{BB962C8B-B14F-4D97-AF65-F5344CB8AC3E}">
-        <p14:creationId xmlns:p14="http://schemas.microsoft.com/office/powerpoint/2010/main" val="1051560904"/>
-      </p:ext>
-    </p:extLst>
-  </p:cSld>
-  <p:clrMapOvr>
-    <a:masterClrMapping/>
-  </p:clrMapOvr>
-</p:sld>
-</file>
-
-<file path=ppt/slides/slide20.xml><?xml version="1.0" encoding="utf-8"?>
+<file path=ppt/slides/slide27.xml><?xml version="1.0" encoding="utf-8"?>
 <p:sld xmlns:a="http://schemas.openxmlformats.org/drawingml/2006/main" xmlns:r="http://schemas.openxmlformats.org/officeDocument/2006/relationships" xmlns:p="http://schemas.openxmlformats.org/presentationml/2006/main" show="0">
   <p:cSld>
     <p:spTree>
@@ -10098,7 +12798,7 @@
           <a:p>
             <a:r>
               <a:rPr lang="en-US" dirty="0"/>
-              <a:t>In WEC-Sim it just uses wave elevation for linear hydrostatics</a:t>
+              <a:t>In WEC-Sim it just uses displacement for linear hydrostatics</a:t>
             </a:r>
           </a:p>
           <a:p>
@@ -10197,8 +12897,8 @@
           </a:p>
         </p:txBody>
       </p:sp>
-      <mc:AlternateContent xmlns:mc="http://schemas.openxmlformats.org/markup-compatibility/2006" xmlns:a14="http://schemas.microsoft.com/office/drawing/2010/main">
-        <mc:Choice Requires="a14">
+      <mc:AlternateContent xmlns:mc="http://schemas.openxmlformats.org/markup-compatibility/2006">
+        <mc:Choice xmlns:a14="http://schemas.microsoft.com/office/drawing/2010/main" Requires="a14">
           <p:sp>
             <p:nvSpPr>
               <p:cNvPr id="3" name="Content Placeholder 2">
@@ -10217,7 +12917,9 @@
             </p:nvSpPr>
             <p:spPr/>
             <p:txBody>
-              <a:bodyPr/>
+              <a:bodyPr>
+                <a:normAutofit/>
+              </a:bodyPr>
               <a:lstStyle/>
               <a:p>
                 <a:r>
@@ -10435,7 +13137,7 @@
             </p:txBody>
           </p:sp>
         </mc:Choice>
-        <mc:Fallback xmlns="">
+        <mc:Fallback>
           <p:sp>
             <p:nvSpPr>
               <p:cNvPr id="3" name="Content Placeholder 2">
@@ -11194,66 +13896,6 @@
           </a:p>
         </p:txBody>
       </p:sp>
-      <p:pic>
-        <p:nvPicPr>
-          <p:cNvPr id="5" name="Picture 4">
-            <a:extLst>
-              <a:ext uri="{FF2B5EF4-FFF2-40B4-BE49-F238E27FC236}">
-                <a16:creationId xmlns:a16="http://schemas.microsoft.com/office/drawing/2014/main" id="{B23E800D-BD1C-E25C-2528-C2FFE02EDCB9}"/>
-              </a:ext>
-            </a:extLst>
-          </p:cNvPr>
-          <p:cNvPicPr>
-            <a:picLocks noChangeAspect="1"/>
-          </p:cNvPicPr>
-          <p:nvPr/>
-        </p:nvPicPr>
-        <p:blipFill>
-          <a:blip r:embed="rId2"/>
-          <a:stretch>
-            <a:fillRect/>
-          </a:stretch>
-        </p:blipFill>
-        <p:spPr>
-          <a:xfrm>
-            <a:off x="8574922" y="1525015"/>
-            <a:ext cx="3383132" cy="2537349"/>
-          </a:xfrm>
-          <a:prstGeom prst="rect">
-            <a:avLst/>
-          </a:prstGeom>
-        </p:spPr>
-      </p:pic>
-      <p:pic>
-        <p:nvPicPr>
-          <p:cNvPr id="15" name="Picture 14">
-            <a:extLst>
-              <a:ext uri="{FF2B5EF4-FFF2-40B4-BE49-F238E27FC236}">
-                <a16:creationId xmlns:a16="http://schemas.microsoft.com/office/drawing/2014/main" id="{F676C901-4124-BFF9-19E2-5AE9B69CE19C}"/>
-              </a:ext>
-            </a:extLst>
-          </p:cNvPr>
-          <p:cNvPicPr>
-            <a:picLocks noChangeAspect="1"/>
-          </p:cNvPicPr>
-          <p:nvPr/>
-        </p:nvPicPr>
-        <p:blipFill>
-          <a:blip r:embed="rId3"/>
-          <a:stretch>
-            <a:fillRect/>
-          </a:stretch>
-        </p:blipFill>
-        <p:spPr>
-          <a:xfrm>
-            <a:off x="8574922" y="4035941"/>
-            <a:ext cx="3383132" cy="2537349"/>
-          </a:xfrm>
-          <a:prstGeom prst="rect">
-            <a:avLst/>
-          </a:prstGeom>
-        </p:spPr>
-      </p:pic>
       <p:sp>
         <p:nvSpPr>
           <p:cNvPr id="20" name="TextBox 19">
@@ -11291,10 +13933,70 @@
       </p:sp>
       <p:pic>
         <p:nvPicPr>
-          <p:cNvPr id="6" name="Picture 5">
-            <a:extLst>
-              <a:ext uri="{FF2B5EF4-FFF2-40B4-BE49-F238E27FC236}">
-                <a16:creationId xmlns:a16="http://schemas.microsoft.com/office/drawing/2014/main" id="{0506DCCE-2250-DBBA-5988-D89085F9CFD5}"/>
+          <p:cNvPr id="7" name="Picture 6">
+            <a:extLst>
+              <a:ext uri="{FF2B5EF4-FFF2-40B4-BE49-F238E27FC236}">
+                <a16:creationId xmlns:a16="http://schemas.microsoft.com/office/drawing/2014/main" id="{2C126EC0-C175-EB33-31C0-144E2DCDA640}"/>
+              </a:ext>
+            </a:extLst>
+          </p:cNvPr>
+          <p:cNvPicPr>
+            <a:picLocks noChangeAspect="1"/>
+          </p:cNvPicPr>
+          <p:nvPr/>
+        </p:nvPicPr>
+        <p:blipFill>
+          <a:blip r:embed="rId2"/>
+          <a:stretch>
+            <a:fillRect/>
+          </a:stretch>
+        </p:blipFill>
+        <p:spPr>
+          <a:xfrm>
+            <a:off x="409491" y="4181518"/>
+            <a:ext cx="3468199" cy="2623381"/>
+          </a:xfrm>
+          <a:prstGeom prst="rect">
+            <a:avLst/>
+          </a:prstGeom>
+        </p:spPr>
+      </p:pic>
+      <p:pic>
+        <p:nvPicPr>
+          <p:cNvPr id="14" name="Picture 13">
+            <a:extLst>
+              <a:ext uri="{FF2B5EF4-FFF2-40B4-BE49-F238E27FC236}">
+                <a16:creationId xmlns:a16="http://schemas.microsoft.com/office/drawing/2014/main" id="{36C7732F-DD59-157A-AB8A-61830E38620D}"/>
+              </a:ext>
+            </a:extLst>
+          </p:cNvPr>
+          <p:cNvPicPr>
+            <a:picLocks noChangeAspect="1"/>
+          </p:cNvPicPr>
+          <p:nvPr/>
+        </p:nvPicPr>
+        <p:blipFill>
+          <a:blip r:embed="rId3"/>
+          <a:stretch>
+            <a:fillRect/>
+          </a:stretch>
+        </p:blipFill>
+        <p:spPr>
+          <a:xfrm>
+            <a:off x="8874632" y="1629633"/>
+            <a:ext cx="3468199" cy="2601149"/>
+          </a:xfrm>
+          <a:prstGeom prst="rect">
+            <a:avLst/>
+          </a:prstGeom>
+        </p:spPr>
+      </p:pic>
+      <p:pic>
+        <p:nvPicPr>
+          <p:cNvPr id="19" name="Picture 18">
+            <a:extLst>
+              <a:ext uri="{FF2B5EF4-FFF2-40B4-BE49-F238E27FC236}">
+                <a16:creationId xmlns:a16="http://schemas.microsoft.com/office/drawing/2014/main" id="{3FD1A93E-7584-6946-344A-A52ABA355A17}"/>
               </a:ext>
             </a:extLst>
           </p:cNvPr>
@@ -11311,8 +14013,8 @@
         </p:blipFill>
         <p:spPr>
           <a:xfrm>
-            <a:off x="494199" y="4181519"/>
-            <a:ext cx="3538399" cy="2676481"/>
+            <a:off x="3877690" y="4181517"/>
+            <a:ext cx="3324107" cy="2623381"/>
           </a:xfrm>
           <a:prstGeom prst="rect">
             <a:avLst/>
@@ -11321,10 +14023,10 @@
       </p:pic>
       <p:pic>
         <p:nvPicPr>
-          <p:cNvPr id="8" name="Picture 7">
-            <a:extLst>
-              <a:ext uri="{FF2B5EF4-FFF2-40B4-BE49-F238E27FC236}">
-                <a16:creationId xmlns:a16="http://schemas.microsoft.com/office/drawing/2014/main" id="{8B447D8A-BD8E-01A7-C303-57F3E4FB0355}"/>
+          <p:cNvPr id="24" name="Picture 23">
+            <a:extLst>
+              <a:ext uri="{FF2B5EF4-FFF2-40B4-BE49-F238E27FC236}">
+                <a16:creationId xmlns:a16="http://schemas.microsoft.com/office/drawing/2014/main" id="{7C22903D-7DE4-1C6A-B869-F631096D998C}"/>
               </a:ext>
             </a:extLst>
           </p:cNvPr>
@@ -11341,8 +14043,8 @@
         </p:blipFill>
         <p:spPr>
           <a:xfrm>
-            <a:off x="4193225" y="4181518"/>
-            <a:ext cx="3468199" cy="2676481"/>
+            <a:off x="8730542" y="4203750"/>
+            <a:ext cx="3468197" cy="2601148"/>
           </a:xfrm>
           <a:prstGeom prst="rect">
             <a:avLst/>
@@ -11384,6 +14086,207 @@
           <p:cNvPr id="2" name="Title 1">
             <a:extLst>
               <a:ext uri="{FF2B5EF4-FFF2-40B4-BE49-F238E27FC236}">
+                <a16:creationId xmlns:a16="http://schemas.microsoft.com/office/drawing/2014/main" id="{9718FD61-E58D-5916-A488-85077A59484B}"/>
+              </a:ext>
+            </a:extLst>
+          </p:cNvPr>
+          <p:cNvSpPr>
+            <a:spLocks noGrp="1"/>
+          </p:cNvSpPr>
+          <p:nvPr>
+            <p:ph type="title"/>
+          </p:nvPr>
+        </p:nvSpPr>
+        <p:spPr/>
+        <p:txBody>
+          <a:bodyPr/>
+          <a:lstStyle/>
+          <a:p>
+            <a:r>
+              <a:rPr lang="en-US" dirty="0"/>
+              <a:t>Why does WEC-Sim result have variation in the power peaks?</a:t>
+            </a:r>
+          </a:p>
+        </p:txBody>
+      </p:sp>
+      <p:sp>
+        <p:nvSpPr>
+          <p:cNvPr id="3" name="Content Placeholder 2">
+            <a:extLst>
+              <a:ext uri="{FF2B5EF4-FFF2-40B4-BE49-F238E27FC236}">
+                <a16:creationId xmlns:a16="http://schemas.microsoft.com/office/drawing/2014/main" id="{A42899AA-1173-3084-4881-082EB0A2BBE6}"/>
+              </a:ext>
+            </a:extLst>
+          </p:cNvPr>
+          <p:cNvSpPr>
+            <a:spLocks noGrp="1"/>
+          </p:cNvSpPr>
+          <p:nvPr>
+            <p:ph idx="1"/>
+          </p:nvPr>
+        </p:nvSpPr>
+        <p:spPr/>
+        <p:txBody>
+          <a:bodyPr>
+            <a:normAutofit lnSpcReduction="10000"/>
+          </a:bodyPr>
+          <a:lstStyle/>
+          <a:p>
+            <a:r>
+              <a:rPr lang="en-US" dirty="0"/>
+              <a:t>Coupling terms?</a:t>
+            </a:r>
+          </a:p>
+          <a:p>
+            <a:pPr lvl="1"/>
+            <a:r>
+              <a:rPr lang="en-US" dirty="0"/>
+              <a:t>That doesn’t seem to be the issue (for 1 or 2) but I still don’t know what is…</a:t>
+            </a:r>
+          </a:p>
+          <a:p>
+            <a:pPr lvl="1"/>
+            <a:r>
+              <a:rPr lang="en-US" dirty="0"/>
+              <a:t>Try removing all but pitch and heave terms – This worked!!</a:t>
+            </a:r>
+          </a:p>
+          <a:p>
+            <a:r>
+              <a:rPr lang="en-US" dirty="0"/>
+              <a:t>Why is the result slightly different? Compare all BEM terms</a:t>
+            </a:r>
+          </a:p>
+          <a:p>
+            <a:pPr lvl="1"/>
+            <a:r>
+              <a:rPr lang="en-US" dirty="0"/>
+              <a:t>Hydrostatic stiffness is same</a:t>
+            </a:r>
+          </a:p>
+          <a:p>
+            <a:pPr lvl="1"/>
+            <a:r>
+              <a:rPr lang="en-US" dirty="0"/>
+              <a:t>Added mass/rad/</a:t>
+            </a:r>
+            <a:r>
+              <a:rPr lang="en-US" dirty="0" err="1"/>
+              <a:t>exc</a:t>
+            </a:r>
+            <a:r>
+              <a:rPr lang="en-US" dirty="0"/>
+              <a:t> is same!</a:t>
+            </a:r>
+          </a:p>
+          <a:p>
+            <a:pPr lvl="1"/>
+            <a:r>
+              <a:rPr lang="en-US" dirty="0"/>
+              <a:t>Got 1 body to match!!</a:t>
+            </a:r>
+          </a:p>
+          <a:p>
+            <a:pPr lvl="1"/>
+            <a:r>
+              <a:rPr lang="en-US" dirty="0"/>
+              <a:t>All coefficients also match for 2 bod</a:t>
+            </a:r>
+          </a:p>
+          <a:p>
+            <a:r>
+              <a:rPr lang="en-US" dirty="0"/>
+              <a:t>Why does WEC-Sim PTO torque not match constraint torque?</a:t>
+            </a:r>
+          </a:p>
+          <a:p>
+            <a:pPr lvl="1"/>
+            <a:r>
+              <a:rPr lang="en-US" dirty="0"/>
+              <a:t>Constraint torque equals pitch – heave*d</a:t>
+            </a:r>
+          </a:p>
+          <a:p>
+            <a:r>
+              <a:rPr lang="en-US" dirty="0"/>
+              <a:t>Why is there very small difference with and without </a:t>
+            </a:r>
+            <a:r>
+              <a:rPr lang="en-US" dirty="0" err="1"/>
+              <a:t>inv_kin</a:t>
+            </a:r>
+            <a:r>
+              <a:rPr lang="en-US" dirty="0"/>
+              <a:t> matrix?</a:t>
+            </a:r>
+          </a:p>
+        </p:txBody>
+      </p:sp>
+      <p:pic>
+        <p:nvPicPr>
+          <p:cNvPr id="5" name="Picture 4">
+            <a:extLst>
+              <a:ext uri="{FF2B5EF4-FFF2-40B4-BE49-F238E27FC236}">
+                <a16:creationId xmlns:a16="http://schemas.microsoft.com/office/drawing/2014/main" id="{EF323F95-5802-F7B1-D87F-D80721F20078}"/>
+              </a:ext>
+            </a:extLst>
+          </p:cNvPr>
+          <p:cNvPicPr>
+            <a:picLocks noChangeAspect="1"/>
+          </p:cNvPicPr>
+          <p:nvPr/>
+        </p:nvPicPr>
+        <p:blipFill>
+          <a:blip r:embed="rId2"/>
+          <a:stretch>
+            <a:fillRect/>
+          </a:stretch>
+        </p:blipFill>
+        <p:spPr>
+          <a:xfrm>
+            <a:off x="9765437" y="2906294"/>
+            <a:ext cx="2426563" cy="1819923"/>
+          </a:xfrm>
+          <a:prstGeom prst="rect">
+            <a:avLst/>
+          </a:prstGeom>
+        </p:spPr>
+      </p:pic>
+    </p:spTree>
+    <p:extLst>
+      <p:ext uri="{BB962C8B-B14F-4D97-AF65-F5344CB8AC3E}">
+        <p14:creationId xmlns:p14="http://schemas.microsoft.com/office/powerpoint/2010/main" val="4237378225"/>
+      </p:ext>
+    </p:extLst>
+  </p:cSld>
+  <p:clrMapOvr>
+    <a:masterClrMapping/>
+  </p:clrMapOvr>
+</p:sld>
+</file>
+
+<file path=ppt/slides/slide9.xml><?xml version="1.0" encoding="utf-8"?>
+<p:sld xmlns:a="http://schemas.openxmlformats.org/drawingml/2006/main" xmlns:r="http://schemas.openxmlformats.org/officeDocument/2006/relationships" xmlns:p="http://schemas.openxmlformats.org/presentationml/2006/main">
+  <p:cSld>
+    <p:spTree>
+      <p:nvGrpSpPr>
+        <p:cNvPr id="1" name=""/>
+        <p:cNvGrpSpPr/>
+        <p:nvPr/>
+      </p:nvGrpSpPr>
+      <p:grpSpPr>
+        <a:xfrm>
+          <a:off x="0" y="0"/>
+          <a:ext cx="0" cy="0"/>
+          <a:chOff x="0" y="0"/>
+          <a:chExt cx="0" cy="0"/>
+        </a:xfrm>
+      </p:grpSpPr>
+      <p:sp>
+        <p:nvSpPr>
+          <p:cNvPr id="2" name="Title 1">
+            <a:extLst>
+              <a:ext uri="{FF2B5EF4-FFF2-40B4-BE49-F238E27FC236}">
                 <a16:creationId xmlns:a16="http://schemas.microsoft.com/office/drawing/2014/main" id="{5B04CF58-180C-3359-F3FE-887B463CD692}"/>
               </a:ext>
             </a:extLst>
@@ -11407,7 +14310,7 @@
           <a:p>
             <a:r>
               <a:rPr lang="en-US" dirty="0"/>
-              <a:t>2 body</a:t>
+              <a:t>2 body – directly describe PTOs</a:t>
             </a:r>
           </a:p>
         </p:txBody>
@@ -12032,62 +14935,59 @@
                             </m:r>
                           </m:sub>
                         </m:sSub>
+                        <m:r>
+                          <a:rPr lang="en-US" b="0" i="1" smtClean="0">
+                            <a:latin typeface="Cambria Math" panose="02040503050406030204" pitchFamily="18" charset="0"/>
+                          </a:rPr>
+                          <m:t>+</m:t>
+                        </m:r>
+                        <m:sSub>
+                          <m:sSubPr>
+                            <m:ctrlPr>
+                              <a:rPr lang="en-US" b="0" i="1" smtClean="0">
+                                <a:latin typeface="Cambria Math" panose="02040503050406030204" pitchFamily="18" charset="0"/>
+                              </a:rPr>
+                            </m:ctrlPr>
+                          </m:sSubPr>
+                          <m:e>
+                            <m:r>
+                              <a:rPr lang="en-US" b="0" i="1" smtClean="0">
+                                <a:latin typeface="Cambria Math" panose="02040503050406030204" pitchFamily="18" charset="0"/>
+                              </a:rPr>
+                              <m:t>𝜃</m:t>
+                            </m:r>
+                          </m:e>
+                          <m:sub>
+                            <m:r>
+                              <a:rPr lang="en-US" b="0" i="1" smtClean="0">
+                                <a:latin typeface="Cambria Math" panose="02040503050406030204" pitchFamily="18" charset="0"/>
+                              </a:rPr>
+                              <m:t>2</m:t>
+                            </m:r>
+                          </m:sub>
+                        </m:sSub>
                       </m:e>
                     </m:d>
-                    <m:r>
-                      <a:rPr lang="en-US" b="0" i="1" smtClean="0">
-                        <a:latin typeface="Cambria Math" panose="02040503050406030204" pitchFamily="18" charset="0"/>
-                      </a:rPr>
-                      <m:t>+</m:t>
-                    </m:r>
-                    <m:r>
-                      <a:rPr lang="en-US" b="0" i="1" smtClean="0">
-                        <a:latin typeface="Cambria Math" panose="02040503050406030204" pitchFamily="18" charset="0"/>
-                      </a:rPr>
-                      <m:t>𝑑𝑠𝑖𝑛</m:t>
-                    </m:r>
-                    <m:r>
-                      <a:rPr lang="en-US" b="0" i="1" smtClean="0">
-                        <a:latin typeface="Cambria Math" panose="02040503050406030204" pitchFamily="18" charset="0"/>
-                      </a:rPr>
-                      <m:t>(</m:t>
-                    </m:r>
-                    <m:sSub>
-                      <m:sSubPr>
-                        <m:ctrlPr>
-                          <a:rPr lang="en-US" b="0" i="1" smtClean="0">
-                            <a:latin typeface="Cambria Math" panose="02040503050406030204" pitchFamily="18" charset="0"/>
-                          </a:rPr>
-                        </m:ctrlPr>
-                      </m:sSubPr>
-                      <m:e>
-                        <m:r>
-                          <a:rPr lang="en-US" b="0" i="1" smtClean="0">
-                            <a:latin typeface="Cambria Math" panose="02040503050406030204" pitchFamily="18" charset="0"/>
-                          </a:rPr>
-                          <m:t>𝜃</m:t>
-                        </m:r>
-                      </m:e>
-                      <m:sub>
-                        <m:r>
-                          <a:rPr lang="en-US" b="0" i="1" smtClean="0">
-                            <a:latin typeface="Cambria Math" panose="02040503050406030204" pitchFamily="18" charset="0"/>
-                          </a:rPr>
-                          <m:t>2</m:t>
-                        </m:r>
-                      </m:sub>
-                    </m:sSub>
-                    <m:r>
-                      <a:rPr lang="en-US" b="0" i="1" smtClean="0">
-                        <a:latin typeface="Cambria Math" panose="02040503050406030204" pitchFamily="18" charset="0"/>
-                      </a:rPr>
-                      <m:t>)</m:t>
-                    </m:r>
                   </m:oMath>
                 </a14:m>
-                <a:endParaRPr lang="en-US" b="0" i="1" dirty="0">
-                  <a:latin typeface="Cambria Math" panose="02040503050406030204" pitchFamily="18" charset="0"/>
-                </a:endParaRPr>
+                <a:r>
+                  <a:rPr lang="en-US" b="0" i="1" dirty="0">
+                    <a:latin typeface="Cambria Math" panose="02040503050406030204" pitchFamily="18" charset="0"/>
+                  </a:rPr>
+                  <a:t>- linearizes to (</a:t>
+                </a:r>
+                <a:r>
+                  <a:rPr lang="en-US" b="0" i="1" dirty="0" err="1">
+                    <a:latin typeface="Cambria Math" panose="02040503050406030204" pitchFamily="18" charset="0"/>
+                  </a:rPr>
+                  <a:t>x+y</a:t>
+                </a:r>
+                <a:r>
+                  <a:rPr lang="en-US" b="0" i="1" dirty="0">
+                    <a:latin typeface="Cambria Math" panose="02040503050406030204" pitchFamily="18" charset="0"/>
+                  </a:rPr>
+                  <a:t>) under small angle assumption</a:t>
+                </a:r>
               </a:p>
               <a:p>
                 <a:pPr lvl="2"/>
@@ -12465,14 +15365,14 @@
                     <m:sSub>
                       <m:sSubPr>
                         <m:ctrlPr>
-                          <a:rPr lang="en-US" i="1">
+                          <a:rPr lang="en-US" b="0" i="1" smtClean="0">
                             <a:latin typeface="Cambria Math" panose="02040503050406030204" pitchFamily="18" charset="0"/>
                           </a:rPr>
                         </m:ctrlPr>
                       </m:sSubPr>
                       <m:e>
                         <m:r>
-                          <a:rPr lang="en-US" i="1">
+                          <a:rPr lang="en-US" b="0" i="1" smtClean="0">
                             <a:latin typeface="Cambria Math" panose="02040503050406030204" pitchFamily="18" charset="0"/>
                           </a:rPr>
                           <m:t>𝜃</m:t>
@@ -12628,7 +15528,7 @@
                       </m:sub>
                     </m:sSub>
                     <m:r>
-                      <a:rPr lang="en-US" b="0" i="1" smtClean="0">
+                      <a:rPr lang="en-US" i="1">
                         <a:latin typeface="Cambria Math" panose="02040503050406030204" pitchFamily="18" charset="0"/>
                       </a:rPr>
                       <m:t>+3</m:t>
@@ -12636,14 +15536,14 @@
                     <m:sSub>
                       <m:sSubPr>
                         <m:ctrlPr>
-                          <a:rPr lang="en-US" b="0" i="1" smtClean="0">
+                          <a:rPr lang="en-US" i="1">
                             <a:latin typeface="Cambria Math" panose="02040503050406030204" pitchFamily="18" charset="0"/>
                           </a:rPr>
                         </m:ctrlPr>
                       </m:sSubPr>
                       <m:e>
                         <m:r>
-                          <a:rPr lang="en-US" b="0" i="1" smtClean="0">
+                          <a:rPr lang="en-US" i="1">
                             <a:latin typeface="Cambria Math" panose="02040503050406030204" pitchFamily="18" charset="0"/>
                           </a:rPr>
                           <m:t>𝐹</m:t>
@@ -12651,25 +15551,25 @@
                       </m:e>
                       <m:sub>
                         <m:r>
-                          <a:rPr lang="en-US" b="0" i="1" smtClean="0">
+                          <a:rPr lang="en-US" i="1">
                             <a:latin typeface="Cambria Math" panose="02040503050406030204" pitchFamily="18" charset="0"/>
                           </a:rPr>
                           <m:t>h𝑒𝑎𝑣𝑒</m:t>
                         </m:r>
                         <m:r>
-                          <a:rPr lang="en-US" b="0" i="1" smtClean="0">
+                          <a:rPr lang="en-US" i="1">
                             <a:latin typeface="Cambria Math" panose="02040503050406030204" pitchFamily="18" charset="0"/>
                           </a:rPr>
                           <m:t>,</m:t>
                         </m:r>
                         <m:r>
-                          <a:rPr lang="en-US" b="0" i="1" smtClean="0">
+                          <a:rPr lang="en-US" i="1">
                             <a:latin typeface="Cambria Math" panose="02040503050406030204" pitchFamily="18" charset="0"/>
                           </a:rPr>
                           <m:t>𝑐𝑜𝑒𝑓𝑓𝑠</m:t>
                         </m:r>
                         <m:r>
-                          <a:rPr lang="en-US" b="0" i="1" smtClean="0">
+                          <a:rPr lang="en-US" i="1">
                             <a:latin typeface="Cambria Math" panose="02040503050406030204" pitchFamily="18" charset="0"/>
                           </a:rPr>
                           <m:t>2</m:t>
@@ -12677,7 +15577,7 @@
                       </m:sub>
                     </m:sSub>
                     <m:r>
-                      <a:rPr lang="en-US" b="0" i="1" smtClean="0">
+                      <a:rPr lang="en-US" i="1">
                         <a:latin typeface="Cambria Math" panose="02040503050406030204" pitchFamily="18" charset="0"/>
                       </a:rPr>
                       <m:t>𝑑</m:t>
@@ -12685,14 +15585,14 @@
                     <m:sSub>
                       <m:sSubPr>
                         <m:ctrlPr>
-                          <a:rPr lang="en-US" b="0" i="1" smtClean="0">
+                          <a:rPr lang="en-US" i="1">
                             <a:latin typeface="Cambria Math" panose="02040503050406030204" pitchFamily="18" charset="0"/>
                           </a:rPr>
                         </m:ctrlPr>
                       </m:sSubPr>
                       <m:e>
                         <m:r>
-                          <a:rPr lang="en-US" b="0" i="1" smtClean="0">
+                          <a:rPr lang="en-US" i="1">
                             <a:latin typeface="Cambria Math" panose="02040503050406030204" pitchFamily="18" charset="0"/>
                           </a:rPr>
                           <m:t>𝜃</m:t>
@@ -12700,7 +15600,7 @@
                       </m:e>
                       <m:sub>
                         <m:r>
-                          <a:rPr lang="en-US" b="0" i="1" smtClean="0">
+                          <a:rPr lang="en-US" i="1">
                             <a:latin typeface="Cambria Math" panose="02040503050406030204" pitchFamily="18" charset="0"/>
                           </a:rPr>
                           <m:t>1</m:t>
@@ -12849,560 +15749,6 @@
     <p:extLst>
       <p:ext uri="{BB962C8B-B14F-4D97-AF65-F5344CB8AC3E}">
         <p14:creationId xmlns:p14="http://schemas.microsoft.com/office/powerpoint/2010/main" val="2885365450"/>
-      </p:ext>
-    </p:extLst>
-  </p:cSld>
-  <p:clrMapOvr>
-    <a:masterClrMapping/>
-  </p:clrMapOvr>
-</p:sld>
-</file>
-
-<file path=ppt/slides/slide9.xml><?xml version="1.0" encoding="utf-8"?>
-<p:sld xmlns:a="http://schemas.openxmlformats.org/drawingml/2006/main" xmlns:r="http://schemas.openxmlformats.org/officeDocument/2006/relationships" xmlns:p="http://schemas.openxmlformats.org/presentationml/2006/main">
-  <p:cSld>
-    <p:spTree>
-      <p:nvGrpSpPr>
-        <p:cNvPr id="1" name=""/>
-        <p:cNvGrpSpPr/>
-        <p:nvPr/>
-      </p:nvGrpSpPr>
-      <p:grpSpPr>
-        <a:xfrm>
-          <a:off x="0" y="0"/>
-          <a:ext cx="0" cy="0"/>
-          <a:chOff x="0" y="0"/>
-          <a:chExt cx="0" cy="0"/>
-        </a:xfrm>
-      </p:grpSpPr>
-      <p:sp>
-        <p:nvSpPr>
-          <p:cNvPr id="2" name="Title 1">
-            <a:extLst>
-              <a:ext uri="{FF2B5EF4-FFF2-40B4-BE49-F238E27FC236}">
-                <a16:creationId xmlns:a16="http://schemas.microsoft.com/office/drawing/2014/main" id="{B2F9CDD0-8C28-B889-E7F1-FFE73F9E9395}"/>
-              </a:ext>
-            </a:extLst>
-          </p:cNvPr>
-          <p:cNvSpPr>
-            <a:spLocks noGrp="1"/>
-          </p:cNvSpPr>
-          <p:nvPr>
-            <p:ph type="title"/>
-          </p:nvPr>
-        </p:nvSpPr>
-        <p:spPr/>
-        <p:txBody>
-          <a:bodyPr/>
-          <a:lstStyle/>
-          <a:p>
-            <a:r>
-              <a:rPr lang="en-US" dirty="0"/>
-              <a:t>Excitation forces</a:t>
-            </a:r>
-          </a:p>
-        </p:txBody>
-      </p:sp>
-      <mc:AlternateContent xmlns:mc="http://schemas.openxmlformats.org/markup-compatibility/2006" xmlns:a14="http://schemas.microsoft.com/office/drawing/2010/main">
-        <mc:Choice Requires="a14">
-          <p:sp>
-            <p:nvSpPr>
-              <p:cNvPr id="3" name="Content Placeholder 2">
-                <a:extLst>
-                  <a:ext uri="{FF2B5EF4-FFF2-40B4-BE49-F238E27FC236}">
-                    <a16:creationId xmlns:a16="http://schemas.microsoft.com/office/drawing/2014/main" id="{BD4BD50E-6771-6AF4-E330-50B09B3B90FF}"/>
-                  </a:ext>
-                </a:extLst>
-              </p:cNvPr>
-              <p:cNvSpPr>
-                <a:spLocks noGrp="1"/>
-              </p:cNvSpPr>
-              <p:nvPr>
-                <p:ph idx="1"/>
-              </p:nvPr>
-            </p:nvSpPr>
-            <p:spPr/>
-            <p:txBody>
-              <a:bodyPr/>
-              <a:lstStyle/>
-              <a:p>
-                <a:r>
-                  <a:rPr lang="en-US" dirty="0"/>
-                  <a:t>Damping, added mass coefficients convert WEC position to force</a:t>
-                </a:r>
-              </a:p>
-              <a:p>
-                <a:r>
-                  <a:rPr lang="en-US" dirty="0"/>
-                  <a:t>Excitation coefficients convert wave elevation to force</a:t>
-                </a:r>
-              </a:p>
-              <a:p>
-                <a14:m>
-                  <m:oMath xmlns:m="http://schemas.openxmlformats.org/officeDocument/2006/math">
-                    <m:sSub>
-                      <m:sSubPr>
-                        <m:ctrlPr>
-                          <a:rPr lang="en-US" b="0" i="1" smtClean="0">
-                            <a:latin typeface="Cambria Math" panose="02040503050406030204" pitchFamily="18" charset="0"/>
-                          </a:rPr>
-                        </m:ctrlPr>
-                      </m:sSubPr>
-                      <m:e>
-                        <m:r>
-                          <a:rPr lang="en-US" b="0" i="1" smtClean="0">
-                            <a:latin typeface="Cambria Math" panose="02040503050406030204" pitchFamily="18" charset="0"/>
-                          </a:rPr>
-                          <m:t>𝑧</m:t>
-                        </m:r>
-                      </m:e>
-                      <m:sub>
-                        <m:r>
-                          <a:rPr lang="en-US" b="0" i="1" smtClean="0">
-                            <a:latin typeface="Cambria Math" panose="02040503050406030204" pitchFamily="18" charset="0"/>
-                          </a:rPr>
-                          <m:t>𝑤𝑎𝑣𝑒</m:t>
-                        </m:r>
-                      </m:sub>
-                    </m:sSub>
-                    <m:r>
-                      <a:rPr lang="en-US" b="0" i="1" smtClean="0">
-                        <a:latin typeface="Cambria Math" panose="02040503050406030204" pitchFamily="18" charset="0"/>
-                      </a:rPr>
-                      <m:t>=</m:t>
-                    </m:r>
-                    <m:sSub>
-                      <m:sSubPr>
-                        <m:ctrlPr>
-                          <a:rPr lang="en-US" b="0" i="1" smtClean="0">
-                            <a:latin typeface="Cambria Math" panose="02040503050406030204" pitchFamily="18" charset="0"/>
-                          </a:rPr>
-                        </m:ctrlPr>
-                      </m:sSubPr>
-                      <m:e>
-                        <m:r>
-                          <a:rPr lang="en-US" b="0" i="1" smtClean="0">
-                            <a:latin typeface="Cambria Math" panose="02040503050406030204" pitchFamily="18" charset="0"/>
-                          </a:rPr>
-                          <m:t>𝑧</m:t>
-                        </m:r>
-                      </m:e>
-                      <m:sub>
-                        <m:r>
-                          <a:rPr lang="en-US" b="0" i="1" smtClean="0">
-                            <a:latin typeface="Cambria Math" panose="02040503050406030204" pitchFamily="18" charset="0"/>
-                          </a:rPr>
-                          <m:t>𝑤𝑎𝑣𝑒</m:t>
-                        </m:r>
-                      </m:sub>
-                    </m:sSub>
-                  </m:oMath>
-                </a14:m>
-                <a:endParaRPr lang="en-US" dirty="0"/>
-              </a:p>
-              <a:p>
-                <a14:m>
-                  <m:oMath xmlns:m="http://schemas.openxmlformats.org/officeDocument/2006/math">
-                    <m:sSub>
-                      <m:sSubPr>
-                        <m:ctrlPr>
-                          <a:rPr lang="en-US" b="0" i="1" smtClean="0">
-                            <a:latin typeface="Cambria Math" panose="02040503050406030204" pitchFamily="18" charset="0"/>
-                          </a:rPr>
-                        </m:ctrlPr>
-                      </m:sSubPr>
-                      <m:e>
-                        <m:r>
-                          <a:rPr lang="en-US" b="0" i="1" smtClean="0">
-                            <a:latin typeface="Cambria Math" panose="02040503050406030204" pitchFamily="18" charset="0"/>
-                          </a:rPr>
-                          <m:t>𝜏</m:t>
-                        </m:r>
-                      </m:e>
-                      <m:sub>
-                        <m:r>
-                          <a:rPr lang="en-US" b="0" i="1" smtClean="0">
-                            <a:latin typeface="Cambria Math" panose="02040503050406030204" pitchFamily="18" charset="0"/>
-                          </a:rPr>
-                          <m:t>𝑡𝑜𝑡</m:t>
-                        </m:r>
-                        <m:r>
-                          <a:rPr lang="en-US" b="0" i="1" smtClean="0">
-                            <a:latin typeface="Cambria Math" panose="02040503050406030204" pitchFamily="18" charset="0"/>
-                          </a:rPr>
-                          <m:t>,2</m:t>
-                        </m:r>
-                      </m:sub>
-                    </m:sSub>
-                    <m:r>
-                      <a:rPr lang="en-US" b="0" i="1" smtClean="0">
-                        <a:latin typeface="Cambria Math" panose="02040503050406030204" pitchFamily="18" charset="0"/>
-                      </a:rPr>
-                      <m:t>=</m:t>
-                    </m:r>
-                    <m:sSub>
-                      <m:sSubPr>
-                        <m:ctrlPr>
-                          <a:rPr lang="en-US" i="1">
-                            <a:latin typeface="Cambria Math" panose="02040503050406030204" pitchFamily="18" charset="0"/>
-                          </a:rPr>
-                        </m:ctrlPr>
-                      </m:sSubPr>
-                      <m:e>
-                        <m:r>
-                          <a:rPr lang="en-US" i="1">
-                            <a:latin typeface="Cambria Math" panose="02040503050406030204" pitchFamily="18" charset="0"/>
-                          </a:rPr>
-                          <m:t>𝜏</m:t>
-                        </m:r>
-                      </m:e>
-                      <m:sub>
-                        <m:r>
-                          <a:rPr lang="en-US" i="1">
-                            <a:latin typeface="Cambria Math" panose="02040503050406030204" pitchFamily="18" charset="0"/>
-                          </a:rPr>
-                          <m:t>𝑝𝑖𝑡𝑐h</m:t>
-                        </m:r>
-                        <m:r>
-                          <a:rPr lang="en-US" i="1">
-                            <a:latin typeface="Cambria Math" panose="02040503050406030204" pitchFamily="18" charset="0"/>
-                          </a:rPr>
-                          <m:t>,</m:t>
-                        </m:r>
-                        <m:r>
-                          <a:rPr lang="en-US" i="1">
-                            <a:latin typeface="Cambria Math" panose="02040503050406030204" pitchFamily="18" charset="0"/>
-                          </a:rPr>
-                          <m:t>𝑐𝑜𝑒𝑓𝑓𝑠</m:t>
-                        </m:r>
-                        <m:r>
-                          <a:rPr lang="en-US" b="0" i="1" smtClean="0">
-                            <a:latin typeface="Cambria Math" panose="02040503050406030204" pitchFamily="18" charset="0"/>
-                          </a:rPr>
-                          <m:t>2</m:t>
-                        </m:r>
-                      </m:sub>
-                    </m:sSub>
-                    <m:sSub>
-                      <m:sSubPr>
-                        <m:ctrlPr>
-                          <a:rPr lang="en-US" b="0" i="1" smtClean="0">
-                            <a:latin typeface="Cambria Math" panose="02040503050406030204" pitchFamily="18" charset="0"/>
-                          </a:rPr>
-                        </m:ctrlPr>
-                      </m:sSubPr>
-                      <m:e>
-                        <m:r>
-                          <a:rPr lang="en-US" b="0" i="1" smtClean="0">
-                            <a:latin typeface="Cambria Math" panose="02040503050406030204" pitchFamily="18" charset="0"/>
-                          </a:rPr>
-                          <m:t>𝑧</m:t>
-                        </m:r>
-                      </m:e>
-                      <m:sub>
-                        <m:r>
-                          <a:rPr lang="en-US" b="0" i="1" smtClean="0">
-                            <a:latin typeface="Cambria Math" panose="02040503050406030204" pitchFamily="18" charset="0"/>
-                          </a:rPr>
-                          <m:t>𝑤𝑎𝑣𝑒</m:t>
-                        </m:r>
-                      </m:sub>
-                    </m:sSub>
-                    <m:r>
-                      <a:rPr lang="en-US" i="1">
-                        <a:latin typeface="Cambria Math" panose="02040503050406030204" pitchFamily="18" charset="0"/>
-                      </a:rPr>
-                      <m:t>+</m:t>
-                    </m:r>
-                    <m:r>
-                      <a:rPr lang="en-US" b="0" i="1" smtClean="0">
-                        <a:latin typeface="Cambria Math" panose="02040503050406030204" pitchFamily="18" charset="0"/>
-                      </a:rPr>
-                      <m:t>𝑑</m:t>
-                    </m:r>
-                    <m:sSub>
-                      <m:sSubPr>
-                        <m:ctrlPr>
-                          <a:rPr lang="en-US" i="1">
-                            <a:latin typeface="Cambria Math" panose="02040503050406030204" pitchFamily="18" charset="0"/>
-                          </a:rPr>
-                        </m:ctrlPr>
-                      </m:sSubPr>
-                      <m:e>
-                        <m:r>
-                          <a:rPr lang="en-US" i="1">
-                            <a:latin typeface="Cambria Math" panose="02040503050406030204" pitchFamily="18" charset="0"/>
-                          </a:rPr>
-                          <m:t>𝐹</m:t>
-                        </m:r>
-                      </m:e>
-                      <m:sub>
-                        <m:r>
-                          <a:rPr lang="en-US" i="1">
-                            <a:latin typeface="Cambria Math" panose="02040503050406030204" pitchFamily="18" charset="0"/>
-                          </a:rPr>
-                          <m:t>h𝑒𝑎𝑣𝑒</m:t>
-                        </m:r>
-                        <m:r>
-                          <a:rPr lang="en-US" i="1">
-                            <a:latin typeface="Cambria Math" panose="02040503050406030204" pitchFamily="18" charset="0"/>
-                          </a:rPr>
-                          <m:t>,</m:t>
-                        </m:r>
-                        <m:r>
-                          <a:rPr lang="en-US" i="1">
-                            <a:latin typeface="Cambria Math" panose="02040503050406030204" pitchFamily="18" charset="0"/>
-                          </a:rPr>
-                          <m:t>𝑐𝑜𝑒𝑓𝑓𝑠</m:t>
-                        </m:r>
-                        <m:r>
-                          <a:rPr lang="en-US" b="0" i="1" smtClean="0">
-                            <a:latin typeface="Cambria Math" panose="02040503050406030204" pitchFamily="18" charset="0"/>
-                          </a:rPr>
-                          <m:t>2</m:t>
-                        </m:r>
-                      </m:sub>
-                    </m:sSub>
-                    <m:sSub>
-                      <m:sSubPr>
-                        <m:ctrlPr>
-                          <a:rPr lang="en-US" b="0" i="1" smtClean="0">
-                            <a:latin typeface="Cambria Math" panose="02040503050406030204" pitchFamily="18" charset="0"/>
-                          </a:rPr>
-                        </m:ctrlPr>
-                      </m:sSubPr>
-                      <m:e>
-                        <m:r>
-                          <a:rPr lang="en-US" b="0" i="1" smtClean="0">
-                            <a:latin typeface="Cambria Math" panose="02040503050406030204" pitchFamily="18" charset="0"/>
-                          </a:rPr>
-                          <m:t>𝑧</m:t>
-                        </m:r>
-                      </m:e>
-                      <m:sub>
-                        <m:r>
-                          <a:rPr lang="en-US" b="0" i="1" smtClean="0">
-                            <a:latin typeface="Cambria Math" panose="02040503050406030204" pitchFamily="18" charset="0"/>
-                          </a:rPr>
-                          <m:t>𝑤𝑎𝑣𝑒</m:t>
-                        </m:r>
-                      </m:sub>
-                    </m:sSub>
-                    <m:r>
-                      <a:rPr lang="en-US" b="0" i="1" smtClean="0">
-                        <a:latin typeface="Cambria Math" panose="02040503050406030204" pitchFamily="18" charset="0"/>
-                      </a:rPr>
-                      <m:t>=</m:t>
-                    </m:r>
-                    <m:d>
-                      <m:dPr>
-                        <m:ctrlPr>
-                          <a:rPr lang="en-US" b="0" i="1" smtClean="0">
-                            <a:latin typeface="Cambria Math" panose="02040503050406030204" pitchFamily="18" charset="0"/>
-                          </a:rPr>
-                        </m:ctrlPr>
-                      </m:dPr>
-                      <m:e>
-                        <m:sSub>
-                          <m:sSubPr>
-                            <m:ctrlPr>
-                              <a:rPr lang="en-US" i="1">
-                                <a:latin typeface="Cambria Math" panose="02040503050406030204" pitchFamily="18" charset="0"/>
-                              </a:rPr>
-                            </m:ctrlPr>
-                          </m:sSubPr>
-                          <m:e>
-                            <m:r>
-                              <a:rPr lang="en-US" i="1">
-                                <a:latin typeface="Cambria Math" panose="02040503050406030204" pitchFamily="18" charset="0"/>
-                              </a:rPr>
-                              <m:t>𝜏</m:t>
-                            </m:r>
-                          </m:e>
-                          <m:sub>
-                            <m:r>
-                              <a:rPr lang="en-US" i="1">
-                                <a:latin typeface="Cambria Math" panose="02040503050406030204" pitchFamily="18" charset="0"/>
-                              </a:rPr>
-                              <m:t>𝑝𝑖𝑡𝑐h</m:t>
-                            </m:r>
-                            <m:r>
-                              <a:rPr lang="en-US" i="1">
-                                <a:latin typeface="Cambria Math" panose="02040503050406030204" pitchFamily="18" charset="0"/>
-                              </a:rPr>
-                              <m:t>,</m:t>
-                            </m:r>
-                            <m:r>
-                              <a:rPr lang="en-US" i="1">
-                                <a:latin typeface="Cambria Math" panose="02040503050406030204" pitchFamily="18" charset="0"/>
-                              </a:rPr>
-                              <m:t>𝑐𝑜𝑒𝑓𝑓𝑠</m:t>
-                            </m:r>
-                            <m:r>
-                              <a:rPr lang="en-US" b="0" i="1" smtClean="0">
-                                <a:latin typeface="Cambria Math" panose="02040503050406030204" pitchFamily="18" charset="0"/>
-                              </a:rPr>
-                              <m:t>2</m:t>
-                            </m:r>
-                          </m:sub>
-                        </m:sSub>
-                        <m:r>
-                          <a:rPr lang="en-US" i="1" smtClean="0">
-                            <a:latin typeface="Cambria Math" panose="02040503050406030204" pitchFamily="18" charset="0"/>
-                          </a:rPr>
-                          <m:t>+</m:t>
-                        </m:r>
-                        <m:sSub>
-                          <m:sSubPr>
-                            <m:ctrlPr>
-                              <a:rPr lang="en-US" i="1">
-                                <a:latin typeface="Cambria Math" panose="02040503050406030204" pitchFamily="18" charset="0"/>
-                              </a:rPr>
-                            </m:ctrlPr>
-                          </m:sSubPr>
-                          <m:e>
-                            <m:r>
-                              <a:rPr lang="en-US" i="1">
-                                <a:latin typeface="Cambria Math" panose="02040503050406030204" pitchFamily="18" charset="0"/>
-                              </a:rPr>
-                              <m:t>𝐹</m:t>
-                            </m:r>
-                          </m:e>
-                          <m:sub>
-                            <m:r>
-                              <a:rPr lang="en-US" i="1">
-                                <a:latin typeface="Cambria Math" panose="02040503050406030204" pitchFamily="18" charset="0"/>
-                              </a:rPr>
-                              <m:t>h𝑒𝑎𝑣𝑒</m:t>
-                            </m:r>
-                            <m:r>
-                              <a:rPr lang="en-US" i="1">
-                                <a:latin typeface="Cambria Math" panose="02040503050406030204" pitchFamily="18" charset="0"/>
-                              </a:rPr>
-                              <m:t>,</m:t>
-                            </m:r>
-                            <m:r>
-                              <a:rPr lang="en-US" i="1">
-                                <a:latin typeface="Cambria Math" panose="02040503050406030204" pitchFamily="18" charset="0"/>
-                              </a:rPr>
-                              <m:t>𝑐𝑜𝑒𝑓𝑓𝑠</m:t>
-                            </m:r>
-                            <m:r>
-                              <a:rPr lang="en-US" b="0" i="1" smtClean="0">
-                                <a:latin typeface="Cambria Math" panose="02040503050406030204" pitchFamily="18" charset="0"/>
-                              </a:rPr>
-                              <m:t>2</m:t>
-                            </m:r>
-                          </m:sub>
-                        </m:sSub>
-                        <m:r>
-                          <a:rPr lang="en-US" i="1">
-                            <a:latin typeface="Cambria Math" panose="02040503050406030204" pitchFamily="18" charset="0"/>
-                          </a:rPr>
-                          <m:t>𝑑</m:t>
-                        </m:r>
-                      </m:e>
-                    </m:d>
-                    <m:sSub>
-                      <m:sSubPr>
-                        <m:ctrlPr>
-                          <a:rPr lang="en-US" b="0" i="1" smtClean="0">
-                            <a:latin typeface="Cambria Math" panose="02040503050406030204" pitchFamily="18" charset="0"/>
-                          </a:rPr>
-                        </m:ctrlPr>
-                      </m:sSubPr>
-                      <m:e>
-                        <m:r>
-                          <a:rPr lang="en-US" b="0" i="1" smtClean="0">
-                            <a:latin typeface="Cambria Math" panose="02040503050406030204" pitchFamily="18" charset="0"/>
-                          </a:rPr>
-                          <m:t>𝑧</m:t>
-                        </m:r>
-                      </m:e>
-                      <m:sub>
-                        <m:r>
-                          <a:rPr lang="en-US" b="0" i="1" smtClean="0">
-                            <a:latin typeface="Cambria Math" panose="02040503050406030204" pitchFamily="18" charset="0"/>
-                          </a:rPr>
-                          <m:t>𝑤𝑎𝑣𝑒</m:t>
-                        </m:r>
-                      </m:sub>
-                    </m:sSub>
-                  </m:oMath>
-                </a14:m>
-                <a:endParaRPr lang="en-US" dirty="0"/>
-              </a:p>
-              <a:p>
-                <a:r>
-                  <a:rPr lang="en-US" dirty="0"/>
-                  <a:t>Shape of excitation looks good but how to get right shape for other </a:t>
-                </a:r>
-                <a:r>
-                  <a:rPr lang="en-US" dirty="0" err="1"/>
-                  <a:t>coeffs</a:t>
-                </a:r>
-                <a:r>
-                  <a:rPr lang="en-US" dirty="0"/>
-                  <a:t>?</a:t>
-                </a:r>
-              </a:p>
-              <a:p>
-                <a:pPr lvl="1"/>
-                <a:r>
-                  <a:rPr lang="en-US" dirty="0"/>
-                  <a:t>I got shape improved but results are coming out as zeros</a:t>
-                </a:r>
-              </a:p>
-              <a:p>
-                <a:endParaRPr lang="en-US" dirty="0"/>
-              </a:p>
-            </p:txBody>
-          </p:sp>
-        </mc:Choice>
-        <mc:Fallback xmlns="">
-          <p:sp>
-            <p:nvSpPr>
-              <p:cNvPr id="3" name="Content Placeholder 2">
-                <a:extLst>
-                  <a:ext uri="{FF2B5EF4-FFF2-40B4-BE49-F238E27FC236}">
-                    <a16:creationId xmlns:a16="http://schemas.microsoft.com/office/drawing/2014/main" id="{BD4BD50E-6771-6AF4-E330-50B09B3B90FF}"/>
-                  </a:ext>
-                </a:extLst>
-              </p:cNvPr>
-              <p:cNvSpPr>
-                <a:spLocks noGrp="1" noRot="1" noChangeAspect="1" noMove="1" noResize="1" noEditPoints="1" noAdjustHandles="1" noChangeArrowheads="1" noChangeShapeType="1" noTextEdit="1"/>
-              </p:cNvSpPr>
-              <p:nvPr>
-                <p:ph idx="1"/>
-              </p:nvPr>
-            </p:nvSpPr>
-            <p:spPr>
-              <a:blipFill>
-                <a:blip r:embed="rId2"/>
-                <a:stretch>
-                  <a:fillRect l="-1043" t="-2241"/>
-                </a:stretch>
-              </a:blipFill>
-            </p:spPr>
-            <p:txBody>
-              <a:bodyPr/>
-              <a:lstStyle/>
-              <a:p>
-                <a:r>
-                  <a:rPr lang="en-US">
-                    <a:noFill/>
-                  </a:rPr>
-                  <a:t> </a:t>
-                </a:r>
-              </a:p>
-            </p:txBody>
-          </p:sp>
-        </mc:Fallback>
-      </mc:AlternateContent>
-    </p:spTree>
-    <p:extLst>
-      <p:ext uri="{BB962C8B-B14F-4D97-AF65-F5344CB8AC3E}">
-        <p14:creationId xmlns:p14="http://schemas.microsoft.com/office/powerpoint/2010/main" val="3227988923"/>
       </p:ext>
     </p:extLst>
   </p:cSld>
